--- a/Presentation.pptx
+++ b/Presentation.pptx
@@ -9,7 +9,7 @@
     <p:sldMasterId id="2147483678" r:id="rId5"/>
   </p:sldMasterIdLst>
   <p:notesMasterIdLst>
-    <p:notesMasterId r:id="rId24"/>
+    <p:notesMasterId r:id="rId25"/>
   </p:notesMasterIdLst>
   <p:sldIdLst>
     <p:sldId id="256" r:id="rId6"/>
@@ -25,11 +25,12 @@
     <p:sldId id="267" r:id="rId16"/>
     <p:sldId id="275" r:id="rId17"/>
     <p:sldId id="276" r:id="rId18"/>
-    <p:sldId id="268" r:id="rId19"/>
-    <p:sldId id="277" r:id="rId20"/>
-    <p:sldId id="270" r:id="rId21"/>
-    <p:sldId id="269" r:id="rId22"/>
-    <p:sldId id="258" r:id="rId23"/>
+    <p:sldId id="278" r:id="rId19"/>
+    <p:sldId id="268" r:id="rId20"/>
+    <p:sldId id="277" r:id="rId21"/>
+    <p:sldId id="270" r:id="rId22"/>
+    <p:sldId id="269" r:id="rId23"/>
+    <p:sldId id="258" r:id="rId24"/>
   </p:sldIdLst>
   <p:sldSz cx="9144000" cy="6858000" type="screen4x3"/>
   <p:notesSz cx="6858000" cy="9144000"/>
@@ -7000,49 +7001,15 @@
               <a:buNone/>
             </a:pPr>
             <a:r>
+              <a:rPr lang="pl-PL" dirty="0" err="1" smtClean="0"/>
+              <a:t>Implicits</a:t>
+            </a:r>
+            <a:endParaRPr lang="pl-PL" dirty="0" smtClean="0"/>
+          </a:p>
+          <a:p>
+            <a:r>
               <a:rPr lang="pl-PL" dirty="0" smtClean="0"/>
-              <a:t>MATERIAŁY</a:t>
-            </a:r>
-          </a:p>
-          <a:p>
-            <a:r>
-              <a:rPr lang="pl-PL" sz="2000" dirty="0" err="1" smtClean="0"/>
-              <a:t>git@vm-opensource-git.fp.lan:futures-training</a:t>
-            </a:r>
-            <a:r>
-              <a:rPr lang="pl-PL" sz="2000" dirty="0" smtClean="0"/>
-              <a:t>/</a:t>
-            </a:r>
-            <a:r>
-              <a:rPr lang="pl-PL" sz="2000" dirty="0" err="1" smtClean="0"/>
-              <a:t>futures-training.git</a:t>
-            </a:r>
-            <a:endParaRPr lang="pl-PL" sz="2000" dirty="0" smtClean="0"/>
-          </a:p>
-          <a:p>
-            <a:pPr>
-              <a:buNone/>
-            </a:pPr>
-            <a:r>
-              <a:rPr lang="pl-PL" dirty="0" smtClean="0"/>
-              <a:t>ŹRÓDŁA</a:t>
-            </a:r>
-          </a:p>
-          <a:p>
-            <a:r>
-              <a:rPr lang="pl-PL" dirty="0" smtClean="0">
-                <a:hlinkClick r:id="rId2"/>
-              </a:rPr>
-              <a:t>http://scalaz.github.io/scalaz/scalaz-2.9.1-6.0.2/doc.sxr/scalaz/example/ExampleApplicative.scala.html</a:t>
-            </a:r>
-            <a:endParaRPr lang="pl-PL" dirty="0" smtClean="0"/>
-          </a:p>
-          <a:p>
-            <a:r>
-              <a:rPr lang="pl-PL" dirty="0" smtClean="0">
-                <a:hlinkClick r:id="rId3"/>
-              </a:rPr>
-              <a:t>http://jazzy.id.au/default/2012/10/16/benchmarking_scala_against_java.html</a:t>
+              <a:t>Poprawianie klas, których nie możemy zmienić lub nie chcemy rozszerzać</a:t>
             </a:r>
             <a:endParaRPr lang="pl-PL" dirty="0"/>
           </a:p>
@@ -7053,13 +7020,6 @@
   <p:clrMapOvr>
     <a:masterClrMapping/>
   </p:clrMapOvr>
-  <p:timing>
-    <p:tnLst>
-      <p:par>
-        <p:cTn id="1" dur="indefinite" restart="never" nodeType="tmRoot"/>
-      </p:par>
-    </p:tnLst>
-  </p:timing>
 </p:sld>
 </file>
 
@@ -7152,7 +7112,31 @@
             </a:pPr>
             <a:r>
               <a:rPr lang="pl-PL" dirty="0" smtClean="0"/>
-              <a:t>Nauka Scali</a:t>
+              <a:t>MATERIAŁY</a:t>
+            </a:r>
+          </a:p>
+          <a:p>
+            <a:r>
+              <a:rPr lang="pl-PL" sz="2000" dirty="0" err="1" smtClean="0"/>
+              <a:t>git@vm-opensource-git.fp.lan:futures-training</a:t>
+            </a:r>
+            <a:r>
+              <a:rPr lang="pl-PL" sz="2000" dirty="0" smtClean="0"/>
+              <a:t>/</a:t>
+            </a:r>
+            <a:r>
+              <a:rPr lang="pl-PL" sz="2000" dirty="0" err="1" smtClean="0"/>
+              <a:t>futures-training.git</a:t>
+            </a:r>
+            <a:endParaRPr lang="pl-PL" sz="2000" dirty="0" smtClean="0"/>
+          </a:p>
+          <a:p>
+            <a:pPr>
+              <a:buNone/>
+            </a:pPr>
+            <a:r>
+              <a:rPr lang="pl-PL" dirty="0" smtClean="0"/>
+              <a:t>ŹRÓDŁA</a:t>
             </a:r>
           </a:p>
           <a:p>
@@ -7160,38 +7144,16 @@
               <a:rPr lang="pl-PL" dirty="0" smtClean="0">
                 <a:hlinkClick r:id="rId2"/>
               </a:rPr>
-              <a:t>http://</a:t>
-            </a:r>
-            <a:r>
-              <a:rPr lang="pl-PL" dirty="0" smtClean="0">
-                <a:hlinkClick r:id="rId2"/>
-              </a:rPr>
-              <a:t>www.atomicscala.com/book</a:t>
-            </a:r>
-            <a:r>
-              <a:rPr lang="pl-PL" dirty="0" smtClean="0"/>
-              <a:t> by Bruce </a:t>
-            </a:r>
-            <a:r>
-              <a:rPr lang="pl-PL" dirty="0" err="1" smtClean="0"/>
-              <a:t>Eckel</a:t>
-            </a:r>
-            <a:endParaRPr lang="pl-PL" dirty="0" smtClean="0">
-              <a:hlinkClick r:id="rId3"/>
-            </a:endParaRPr>
+              <a:t>http://scalaz.github.io/scalaz/scalaz-2.9.1-6.0.2/doc.sxr/scalaz/example/ExampleApplicative.scala.html</a:t>
+            </a:r>
+            <a:endParaRPr lang="pl-PL" dirty="0" smtClean="0"/>
           </a:p>
           <a:p>
             <a:r>
               <a:rPr lang="pl-PL" dirty="0" smtClean="0">
                 <a:hlinkClick r:id="rId3"/>
               </a:rPr>
-              <a:t>http</a:t>
-            </a:r>
-            <a:r>
-              <a:rPr lang="pl-PL" dirty="0" smtClean="0">
-                <a:hlinkClick r:id="rId3"/>
-              </a:rPr>
-              <a:t>://twitter.github.io/scala_school/</a:t>
+              <a:t>http://jazzy.id.au/default/2012/10/16/benchmarking_scala_against_java.html</a:t>
             </a:r>
             <a:endParaRPr lang="pl-PL" dirty="0"/>
           </a:p>
@@ -7202,6 +7164,13 @@
   <p:clrMapOvr>
     <a:masterClrMapping/>
   </p:clrMapOvr>
+  <p:timing>
+    <p:tnLst>
+      <p:par>
+        <p:cTn id="1" dur="indefinite" restart="never" nodeType="tmRoot"/>
+      </p:par>
+    </p:tnLst>
+  </p:timing>
 </p:sld>
 </file>
 
@@ -7269,6 +7238,148 @@
               <a:rPr lang="pl-PL" smtClean="0"/>
               <a:pPr/>
               <a:t>16</a:t>
+            </a:fld>
+            <a:endParaRPr lang="pl-PL"/>
+          </a:p>
+        </p:txBody>
+      </p:sp>
+      <p:sp>
+        <p:nvSpPr>
+          <p:cNvPr id="4" name="Symbol zastępczy zawartości 3"/>
+          <p:cNvSpPr>
+            <a:spLocks noGrp="1"/>
+          </p:cNvSpPr>
+          <p:nvPr>
+            <p:ph idx="1"/>
+          </p:nvPr>
+        </p:nvSpPr>
+        <p:spPr/>
+        <p:txBody>
+          <a:bodyPr/>
+          <a:lstStyle/>
+          <a:p>
+            <a:pPr>
+              <a:buNone/>
+            </a:pPr>
+            <a:r>
+              <a:rPr lang="pl-PL" dirty="0" smtClean="0"/>
+              <a:t>Nauka Scali</a:t>
+            </a:r>
+          </a:p>
+          <a:p>
+            <a:r>
+              <a:rPr lang="pl-PL" dirty="0" smtClean="0">
+                <a:hlinkClick r:id="rId2"/>
+              </a:rPr>
+              <a:t>http://</a:t>
+            </a:r>
+            <a:r>
+              <a:rPr lang="pl-PL" dirty="0" smtClean="0">
+                <a:hlinkClick r:id="rId2"/>
+              </a:rPr>
+              <a:t>www.atomicscala.com/book</a:t>
+            </a:r>
+            <a:r>
+              <a:rPr lang="pl-PL" dirty="0" smtClean="0"/>
+              <a:t> by Bruce </a:t>
+            </a:r>
+            <a:r>
+              <a:rPr lang="pl-PL" dirty="0" err="1" smtClean="0"/>
+              <a:t>Eckel</a:t>
+            </a:r>
+            <a:endParaRPr lang="pl-PL" dirty="0" smtClean="0">
+              <a:hlinkClick r:id="rId3"/>
+            </a:endParaRPr>
+          </a:p>
+          <a:p>
+            <a:r>
+              <a:rPr lang="pl-PL" dirty="0" smtClean="0">
+                <a:hlinkClick r:id="rId3"/>
+              </a:rPr>
+              <a:t>http</a:t>
+            </a:r>
+            <a:r>
+              <a:rPr lang="pl-PL" dirty="0" smtClean="0">
+                <a:hlinkClick r:id="rId3"/>
+              </a:rPr>
+              <a:t>://twitter.github.io/scala_school/</a:t>
+            </a:r>
+            <a:endParaRPr lang="pl-PL" dirty="0"/>
+          </a:p>
+        </p:txBody>
+      </p:sp>
+    </p:spTree>
+  </p:cSld>
+  <p:clrMapOvr>
+    <a:masterClrMapping/>
+  </p:clrMapOvr>
+</p:sld>
+</file>
+
+<file path=ppt/slides/slide17.xml><?xml version="1.0" encoding="utf-8"?>
+<p:sld xmlns:a="http://schemas.openxmlformats.org/drawingml/2006/main" xmlns:r="http://schemas.openxmlformats.org/officeDocument/2006/relationships" xmlns:p="http://schemas.openxmlformats.org/presentationml/2006/main">
+  <p:cSld>
+    <p:spTree>
+      <p:nvGrpSpPr>
+        <p:cNvPr id="1" name=""/>
+        <p:cNvGrpSpPr/>
+        <p:nvPr/>
+      </p:nvGrpSpPr>
+      <p:grpSpPr>
+        <a:xfrm>
+          <a:off x="0" y="0"/>
+          <a:ext cx="0" cy="0"/>
+          <a:chOff x="0" y="0"/>
+          <a:chExt cx="0" cy="0"/>
+        </a:xfrm>
+      </p:grpSpPr>
+      <p:sp>
+        <p:nvSpPr>
+          <p:cNvPr id="2" name="Symbol zastępczy daty 1"/>
+          <p:cNvSpPr>
+            <a:spLocks noGrp="1"/>
+          </p:cNvSpPr>
+          <p:nvPr>
+            <p:ph type="dt" sz="half" idx="10"/>
+          </p:nvPr>
+        </p:nvSpPr>
+        <p:spPr/>
+        <p:txBody>
+          <a:bodyPr/>
+          <a:lstStyle/>
+          <a:p>
+            <a:fld id="{359484F7-7C7A-4895-B82F-27C098609AFF}" type="datetime1">
+              <a:rPr lang="pl-PL" smtClean="0"/>
+              <a:pPr/>
+              <a:t>2013-07-13</a:t>
+            </a:fld>
+            <a:r>
+              <a:rPr lang="pl-PL" smtClean="0"/>
+              <a:t>  |  Gliwice</a:t>
+            </a:r>
+            <a:endParaRPr lang="pl-PL" dirty="0"/>
+          </a:p>
+        </p:txBody>
+      </p:sp>
+      <p:sp>
+        <p:nvSpPr>
+          <p:cNvPr id="3" name="Symbol zastępczy numeru slajdu 2"/>
+          <p:cNvSpPr>
+            <a:spLocks noGrp="1"/>
+          </p:cNvSpPr>
+          <p:nvPr>
+            <p:ph type="sldNum" sz="quarter" idx="12"/>
+          </p:nvPr>
+        </p:nvSpPr>
+        <p:spPr/>
+        <p:txBody>
+          <a:bodyPr/>
+          <a:lstStyle/>
+          <a:p>
+            <a:fld id="{AB8D87DA-8905-40F0-85F7-F6E49E4446E9}" type="slidenum">
+              <a:rPr lang="pl-PL" smtClean="0"/>
+              <a:pPr/>
+              <a:t>17</a:t>
             </a:fld>
             <a:endParaRPr lang="pl-PL"/>
           </a:p>
@@ -7334,7 +7445,7 @@
 </p:sld>
 </file>
 
-<file path=ppt/slides/slide17.xml><?xml version="1.0" encoding="utf-8"?>
+<file path=ppt/slides/slide18.xml><?xml version="1.0" encoding="utf-8"?>
 <p:sld xmlns:a="http://schemas.openxmlformats.org/drawingml/2006/main" xmlns:r="http://schemas.openxmlformats.org/officeDocument/2006/relationships" xmlns:p="http://schemas.openxmlformats.org/presentationml/2006/main">
   <p:cSld>
     <p:spTree>
@@ -7397,7 +7508,7 @@
             <a:fld id="{AB8D87DA-8905-40F0-85F7-F6E49E4446E9}" type="slidenum">
               <a:rPr lang="pl-PL" smtClean="0"/>
               <a:pPr/>
-              <a:t>17</a:t>
+              <a:t>18</a:t>
             </a:fld>
             <a:endParaRPr lang="pl-PL"/>
           </a:p>
@@ -7517,7 +7628,7 @@
 </p:sld>
 </file>
 
-<file path=ppt/slides/slide18.xml><?xml version="1.0" encoding="utf-8"?>
+<file path=ppt/slides/slide19.xml><?xml version="1.0" encoding="utf-8"?>
 <p:sld xmlns:a="http://schemas.openxmlformats.org/drawingml/2006/main" xmlns:r="http://schemas.openxmlformats.org/officeDocument/2006/relationships" xmlns:p="http://schemas.openxmlformats.org/presentationml/2006/main">
   <p:cSld>
     <p:spTree>

--- a/Presentation.pptx
+++ b/Presentation.pptx
@@ -9,7 +9,7 @@
     <p:sldMasterId id="2147483678" r:id="rId5"/>
   </p:sldMasterIdLst>
   <p:notesMasterIdLst>
-    <p:notesMasterId r:id="rId25"/>
+    <p:notesMasterId r:id="rId26"/>
   </p:notesMasterIdLst>
   <p:sldIdLst>
     <p:sldId id="256" r:id="rId6"/>
@@ -26,11 +26,12 @@
     <p:sldId id="275" r:id="rId17"/>
     <p:sldId id="276" r:id="rId18"/>
     <p:sldId id="278" r:id="rId19"/>
-    <p:sldId id="268" r:id="rId20"/>
-    <p:sldId id="277" r:id="rId21"/>
-    <p:sldId id="270" r:id="rId22"/>
-    <p:sldId id="269" r:id="rId23"/>
-    <p:sldId id="258" r:id="rId24"/>
+    <p:sldId id="279" r:id="rId20"/>
+    <p:sldId id="268" r:id="rId21"/>
+    <p:sldId id="277" r:id="rId22"/>
+    <p:sldId id="270" r:id="rId23"/>
+    <p:sldId id="269" r:id="rId24"/>
+    <p:sldId id="258" r:id="rId25"/>
   </p:sldIdLst>
   <p:sldSz cx="9144000" cy="6858000" type="screen4x3"/>
   <p:notesSz cx="6858000" cy="9144000"/>
@@ -668,6 +669,100 @@
               <a:rPr lang="pl-PL" smtClean="0"/>
               <a:pPr/>
               <a:t>12</a:t>
+            </a:fld>
+            <a:endParaRPr lang="pl-PL"/>
+          </a:p>
+        </p:txBody>
+      </p:sp>
+    </p:spTree>
+  </p:cSld>
+  <p:clrMapOvr>
+    <a:masterClrMapping/>
+  </p:clrMapOvr>
+</p:notes>
+</file>
+
+<file path=ppt/notesSlides/notesSlide11.xml><?xml version="1.0" encoding="utf-8"?>
+<p:notes xmlns:a="http://schemas.openxmlformats.org/drawingml/2006/main" xmlns:r="http://schemas.openxmlformats.org/officeDocument/2006/relationships" xmlns:p="http://schemas.openxmlformats.org/presentationml/2006/main">
+  <p:cSld>
+    <p:spTree>
+      <p:nvGrpSpPr>
+        <p:cNvPr id="1" name=""/>
+        <p:cNvGrpSpPr/>
+        <p:nvPr/>
+      </p:nvGrpSpPr>
+      <p:grpSpPr>
+        <a:xfrm>
+          <a:off x="0" y="0"/>
+          <a:ext cx="0" cy="0"/>
+          <a:chOff x="0" y="0"/>
+          <a:chExt cx="0" cy="0"/>
+        </a:xfrm>
+      </p:grpSpPr>
+      <p:sp>
+        <p:nvSpPr>
+          <p:cNvPr id="2" name="Symbol zastępczy obrazu slajdu 1"/>
+          <p:cNvSpPr>
+            <a:spLocks noGrp="1" noRot="1" noChangeAspect="1"/>
+          </p:cNvSpPr>
+          <p:nvPr>
+            <p:ph type="sldImg"/>
+          </p:nvPr>
+        </p:nvSpPr>
+        <p:spPr/>
+      </p:sp>
+      <p:sp>
+        <p:nvSpPr>
+          <p:cNvPr id="3" name="Symbol zastępczy notatek 2"/>
+          <p:cNvSpPr>
+            <a:spLocks noGrp="1"/>
+          </p:cNvSpPr>
+          <p:nvPr>
+            <p:ph type="body" idx="1"/>
+          </p:nvPr>
+        </p:nvSpPr>
+        <p:spPr/>
+        <p:txBody>
+          <a:bodyPr>
+            <a:normAutofit/>
+          </a:bodyPr>
+          <a:lstStyle/>
+          <a:p>
+            <a:r>
+              <a:rPr lang="pl-PL" dirty="0" smtClean="0"/>
+              <a:t>Łatwe wykorzystanie </a:t>
+            </a:r>
+            <a:r>
+              <a:rPr lang="pl-PL" smtClean="0"/>
+              <a:t>wzorca</a:t>
+            </a:r>
+            <a:r>
+              <a:rPr lang="pl-PL" baseline="0" smtClean="0"/>
+              <a:t> dekorator</a:t>
+            </a:r>
+            <a:endParaRPr lang="pl-PL"/>
+          </a:p>
+        </p:txBody>
+      </p:sp>
+      <p:sp>
+        <p:nvSpPr>
+          <p:cNvPr id="4" name="Symbol zastępczy numeru slajdu 3"/>
+          <p:cNvSpPr>
+            <a:spLocks noGrp="1"/>
+          </p:cNvSpPr>
+          <p:nvPr>
+            <p:ph type="sldNum" sz="quarter" idx="10"/>
+          </p:nvPr>
+        </p:nvSpPr>
+        <p:spPr/>
+        <p:txBody>
+          <a:bodyPr/>
+          <a:lstStyle/>
+          <a:p>
+            <a:fld id="{5DFAB087-39D9-4EAE-81A4-A4B45D677425}" type="slidenum">
+              <a:rPr lang="pl-PL" smtClean="0"/>
+              <a:pPr/>
+              <a:t>15</a:t>
             </a:fld>
             <a:endParaRPr lang="pl-PL"/>
           </a:p>
@@ -7011,6 +7106,12 @@
               <a:rPr lang="pl-PL" dirty="0" smtClean="0"/>
               <a:t>Poprawianie klas, których nie możemy zmienić lub nie chcemy rozszerzać</a:t>
             </a:r>
+          </a:p>
+          <a:p>
+            <a:r>
+              <a:rPr lang="pl-PL" dirty="0" smtClean="0"/>
+              <a:t>Ukrywanie często wymaganych argumentów metod</a:t>
+            </a:r>
             <a:endParaRPr lang="pl-PL" dirty="0"/>
           </a:p>
         </p:txBody>
@@ -7112,49 +7213,58 @@
             </a:pPr>
             <a:r>
               <a:rPr lang="pl-PL" dirty="0" smtClean="0"/>
-              <a:t>MATERIAŁY</a:t>
-            </a:r>
-          </a:p>
-          <a:p>
-            <a:r>
-              <a:rPr lang="pl-PL" sz="2000" dirty="0" err="1" smtClean="0"/>
-              <a:t>git@vm-opensource-git.fp.lan:futures-training</a:t>
-            </a:r>
-            <a:r>
-              <a:rPr lang="pl-PL" sz="2000" dirty="0" smtClean="0"/>
-              <a:t>/</a:t>
-            </a:r>
-            <a:r>
-              <a:rPr lang="pl-PL" sz="2000" dirty="0" err="1" smtClean="0"/>
-              <a:t>futures-training.git</a:t>
-            </a:r>
-            <a:endParaRPr lang="pl-PL" sz="2000" dirty="0" smtClean="0"/>
-          </a:p>
-          <a:p>
-            <a:pPr>
-              <a:buNone/>
-            </a:pPr>
+              <a:t>Rozszerzenia paradygmatu obiektowego</a:t>
+            </a:r>
+          </a:p>
+          <a:p>
+            <a:r>
+              <a:rPr lang="pl-PL" dirty="0" err="1" smtClean="0"/>
+              <a:t>Traits</a:t>
+            </a:r>
+            <a:endParaRPr lang="pl-PL" dirty="0" smtClean="0"/>
+          </a:p>
+          <a:p>
+            <a:r>
+              <a:rPr lang="pl-PL" dirty="0" err="1" smtClean="0"/>
+              <a:t>Sealed</a:t>
+            </a:r>
             <a:r>
               <a:rPr lang="pl-PL" dirty="0" smtClean="0"/>
-              <a:t>ŹRÓDŁA</a:t>
-            </a:r>
-          </a:p>
-          <a:p>
-            <a:r>
-              <a:rPr lang="pl-PL" dirty="0" smtClean="0">
-                <a:hlinkClick r:id="rId2"/>
-              </a:rPr>
-              <a:t>http://scalaz.github.io/scalaz/scalaz-2.9.1-6.0.2/doc.sxr/scalaz/example/ExampleApplicative.scala.html</a:t>
+              <a:t> </a:t>
+            </a:r>
+            <a:r>
+              <a:rPr lang="pl-PL" dirty="0" err="1" smtClean="0"/>
+              <a:t>traits</a:t>
             </a:r>
             <a:endParaRPr lang="pl-PL" dirty="0" smtClean="0"/>
           </a:p>
           <a:p>
             <a:r>
-              <a:rPr lang="pl-PL" dirty="0" smtClean="0">
-                <a:hlinkClick r:id="rId3"/>
-              </a:rPr>
-              <a:t>http://jazzy.id.au/default/2012/10/16/benchmarking_scala_against_java.html</a:t>
-            </a:r>
+              <a:rPr lang="pl-PL" dirty="0" err="1" smtClean="0"/>
+              <a:t>Companion</a:t>
+            </a:r>
+            <a:r>
+              <a:rPr lang="pl-PL" dirty="0" smtClean="0"/>
+              <a:t> </a:t>
+            </a:r>
+            <a:r>
+              <a:rPr lang="pl-PL" dirty="0" err="1" smtClean="0"/>
+              <a:t>objects</a:t>
+            </a:r>
+            <a:endParaRPr lang="pl-PL" dirty="0" smtClean="0"/>
+          </a:p>
+          <a:p>
+            <a:r>
+              <a:rPr lang="pl-PL" dirty="0" err="1" smtClean="0"/>
+              <a:t>Aliasy</a:t>
+            </a:r>
+            <a:r>
+              <a:rPr lang="pl-PL" smtClean="0"/>
+              <a:t> dla typów</a:t>
+            </a:r>
+            <a:endParaRPr lang="pl-PL" dirty="0" smtClean="0"/>
+          </a:p>
+          <a:p>
             <a:endParaRPr lang="pl-PL" dirty="0"/>
           </a:p>
         </p:txBody>
@@ -7164,13 +7274,6 @@
   <p:clrMapOvr>
     <a:masterClrMapping/>
   </p:clrMapOvr>
-  <p:timing>
-    <p:tnLst>
-      <p:par>
-        <p:cTn id="1" dur="indefinite" restart="never" nodeType="tmRoot"/>
-      </p:par>
-    </p:tnLst>
-  </p:timing>
 </p:sld>
 </file>
 
@@ -7263,7 +7366,31 @@
             </a:pPr>
             <a:r>
               <a:rPr lang="pl-PL" dirty="0" smtClean="0"/>
-              <a:t>Nauka Scali</a:t>
+              <a:t>MATERIAŁY</a:t>
+            </a:r>
+          </a:p>
+          <a:p>
+            <a:r>
+              <a:rPr lang="pl-PL" sz="2000" dirty="0" err="1" smtClean="0"/>
+              <a:t>git@vm-opensource-git.fp.lan:futures-training</a:t>
+            </a:r>
+            <a:r>
+              <a:rPr lang="pl-PL" sz="2000" dirty="0" smtClean="0"/>
+              <a:t>/</a:t>
+            </a:r>
+            <a:r>
+              <a:rPr lang="pl-PL" sz="2000" dirty="0" err="1" smtClean="0"/>
+              <a:t>futures-training.git</a:t>
+            </a:r>
+            <a:endParaRPr lang="pl-PL" sz="2000" dirty="0" smtClean="0"/>
+          </a:p>
+          <a:p>
+            <a:pPr>
+              <a:buNone/>
+            </a:pPr>
+            <a:r>
+              <a:rPr lang="pl-PL" dirty="0" smtClean="0"/>
+              <a:t>ŹRÓDŁA</a:t>
             </a:r>
           </a:p>
           <a:p>
@@ -7271,38 +7398,16 @@
               <a:rPr lang="pl-PL" dirty="0" smtClean="0">
                 <a:hlinkClick r:id="rId2"/>
               </a:rPr>
-              <a:t>http://</a:t>
-            </a:r>
-            <a:r>
-              <a:rPr lang="pl-PL" dirty="0" smtClean="0">
-                <a:hlinkClick r:id="rId2"/>
-              </a:rPr>
-              <a:t>www.atomicscala.com/book</a:t>
-            </a:r>
-            <a:r>
-              <a:rPr lang="pl-PL" dirty="0" smtClean="0"/>
-              <a:t> by Bruce </a:t>
-            </a:r>
-            <a:r>
-              <a:rPr lang="pl-PL" dirty="0" err="1" smtClean="0"/>
-              <a:t>Eckel</a:t>
-            </a:r>
-            <a:endParaRPr lang="pl-PL" dirty="0" smtClean="0">
-              <a:hlinkClick r:id="rId3"/>
-            </a:endParaRPr>
+              <a:t>http://scalaz.github.io/scalaz/scalaz-2.9.1-6.0.2/doc.sxr/scalaz/example/ExampleApplicative.scala.html</a:t>
+            </a:r>
+            <a:endParaRPr lang="pl-PL" dirty="0" smtClean="0"/>
           </a:p>
           <a:p>
             <a:r>
               <a:rPr lang="pl-PL" dirty="0" smtClean="0">
                 <a:hlinkClick r:id="rId3"/>
               </a:rPr>
-              <a:t>http</a:t>
-            </a:r>
-            <a:r>
-              <a:rPr lang="pl-PL" dirty="0" smtClean="0">
-                <a:hlinkClick r:id="rId3"/>
-              </a:rPr>
-              <a:t>://twitter.github.io/scala_school/</a:t>
+              <a:t>http://jazzy.id.au/default/2012/10/16/benchmarking_scala_against_java.html</a:t>
             </a:r>
             <a:endParaRPr lang="pl-PL" dirty="0"/>
           </a:p>
@@ -7313,6 +7418,13 @@
   <p:clrMapOvr>
     <a:masterClrMapping/>
   </p:clrMapOvr>
+  <p:timing>
+    <p:tnLst>
+      <p:par>
+        <p:cTn id="1" dur="indefinite" restart="never" nodeType="tmRoot"/>
+      </p:par>
+    </p:tnLst>
+  </p:timing>
 </p:sld>
 </file>
 
@@ -7380,6 +7492,148 @@
               <a:rPr lang="pl-PL" smtClean="0"/>
               <a:pPr/>
               <a:t>17</a:t>
+            </a:fld>
+            <a:endParaRPr lang="pl-PL"/>
+          </a:p>
+        </p:txBody>
+      </p:sp>
+      <p:sp>
+        <p:nvSpPr>
+          <p:cNvPr id="4" name="Symbol zastępczy zawartości 3"/>
+          <p:cNvSpPr>
+            <a:spLocks noGrp="1"/>
+          </p:cNvSpPr>
+          <p:nvPr>
+            <p:ph idx="1"/>
+          </p:nvPr>
+        </p:nvSpPr>
+        <p:spPr/>
+        <p:txBody>
+          <a:bodyPr/>
+          <a:lstStyle/>
+          <a:p>
+            <a:pPr>
+              <a:buNone/>
+            </a:pPr>
+            <a:r>
+              <a:rPr lang="pl-PL" dirty="0" smtClean="0"/>
+              <a:t>Nauka Scali</a:t>
+            </a:r>
+          </a:p>
+          <a:p>
+            <a:r>
+              <a:rPr lang="pl-PL" dirty="0" smtClean="0">
+                <a:hlinkClick r:id="rId2"/>
+              </a:rPr>
+              <a:t>http://</a:t>
+            </a:r>
+            <a:r>
+              <a:rPr lang="pl-PL" dirty="0" smtClean="0">
+                <a:hlinkClick r:id="rId2"/>
+              </a:rPr>
+              <a:t>www.atomicscala.com/book</a:t>
+            </a:r>
+            <a:r>
+              <a:rPr lang="pl-PL" dirty="0" smtClean="0"/>
+              <a:t> by Bruce </a:t>
+            </a:r>
+            <a:r>
+              <a:rPr lang="pl-PL" dirty="0" err="1" smtClean="0"/>
+              <a:t>Eckel</a:t>
+            </a:r>
+            <a:endParaRPr lang="pl-PL" dirty="0" smtClean="0">
+              <a:hlinkClick r:id="rId3"/>
+            </a:endParaRPr>
+          </a:p>
+          <a:p>
+            <a:r>
+              <a:rPr lang="pl-PL" dirty="0" smtClean="0">
+                <a:hlinkClick r:id="rId3"/>
+              </a:rPr>
+              <a:t>http</a:t>
+            </a:r>
+            <a:r>
+              <a:rPr lang="pl-PL" dirty="0" smtClean="0">
+                <a:hlinkClick r:id="rId3"/>
+              </a:rPr>
+              <a:t>://twitter.github.io/scala_school/</a:t>
+            </a:r>
+            <a:endParaRPr lang="pl-PL" dirty="0"/>
+          </a:p>
+        </p:txBody>
+      </p:sp>
+    </p:spTree>
+  </p:cSld>
+  <p:clrMapOvr>
+    <a:masterClrMapping/>
+  </p:clrMapOvr>
+</p:sld>
+</file>
+
+<file path=ppt/slides/slide18.xml><?xml version="1.0" encoding="utf-8"?>
+<p:sld xmlns:a="http://schemas.openxmlformats.org/drawingml/2006/main" xmlns:r="http://schemas.openxmlformats.org/officeDocument/2006/relationships" xmlns:p="http://schemas.openxmlformats.org/presentationml/2006/main">
+  <p:cSld>
+    <p:spTree>
+      <p:nvGrpSpPr>
+        <p:cNvPr id="1" name=""/>
+        <p:cNvGrpSpPr/>
+        <p:nvPr/>
+      </p:nvGrpSpPr>
+      <p:grpSpPr>
+        <a:xfrm>
+          <a:off x="0" y="0"/>
+          <a:ext cx="0" cy="0"/>
+          <a:chOff x="0" y="0"/>
+          <a:chExt cx="0" cy="0"/>
+        </a:xfrm>
+      </p:grpSpPr>
+      <p:sp>
+        <p:nvSpPr>
+          <p:cNvPr id="2" name="Symbol zastępczy daty 1"/>
+          <p:cNvSpPr>
+            <a:spLocks noGrp="1"/>
+          </p:cNvSpPr>
+          <p:nvPr>
+            <p:ph type="dt" sz="half" idx="10"/>
+          </p:nvPr>
+        </p:nvSpPr>
+        <p:spPr/>
+        <p:txBody>
+          <a:bodyPr/>
+          <a:lstStyle/>
+          <a:p>
+            <a:fld id="{359484F7-7C7A-4895-B82F-27C098609AFF}" type="datetime1">
+              <a:rPr lang="pl-PL" smtClean="0"/>
+              <a:pPr/>
+              <a:t>2013-07-13</a:t>
+            </a:fld>
+            <a:r>
+              <a:rPr lang="pl-PL" smtClean="0"/>
+              <a:t>  |  Gliwice</a:t>
+            </a:r>
+            <a:endParaRPr lang="pl-PL" dirty="0"/>
+          </a:p>
+        </p:txBody>
+      </p:sp>
+      <p:sp>
+        <p:nvSpPr>
+          <p:cNvPr id="3" name="Symbol zastępczy numeru slajdu 2"/>
+          <p:cNvSpPr>
+            <a:spLocks noGrp="1"/>
+          </p:cNvSpPr>
+          <p:nvPr>
+            <p:ph type="sldNum" sz="quarter" idx="12"/>
+          </p:nvPr>
+        </p:nvSpPr>
+        <p:spPr/>
+        <p:txBody>
+          <a:bodyPr/>
+          <a:lstStyle/>
+          <a:p>
+            <a:fld id="{AB8D87DA-8905-40F0-85F7-F6E49E4446E9}" type="slidenum">
+              <a:rPr lang="pl-PL" smtClean="0"/>
+              <a:pPr/>
+              <a:t>18</a:t>
             </a:fld>
             <a:endParaRPr lang="pl-PL"/>
           </a:p>
@@ -7445,189 +7699,6 @@
 </p:sld>
 </file>
 
-<file path=ppt/slides/slide18.xml><?xml version="1.0" encoding="utf-8"?>
-<p:sld xmlns:a="http://schemas.openxmlformats.org/drawingml/2006/main" xmlns:r="http://schemas.openxmlformats.org/officeDocument/2006/relationships" xmlns:p="http://schemas.openxmlformats.org/presentationml/2006/main">
-  <p:cSld>
-    <p:spTree>
-      <p:nvGrpSpPr>
-        <p:cNvPr id="1" name=""/>
-        <p:cNvGrpSpPr/>
-        <p:nvPr/>
-      </p:nvGrpSpPr>
-      <p:grpSpPr>
-        <a:xfrm>
-          <a:off x="0" y="0"/>
-          <a:ext cx="0" cy="0"/>
-          <a:chOff x="0" y="0"/>
-          <a:chExt cx="0" cy="0"/>
-        </a:xfrm>
-      </p:grpSpPr>
-      <p:sp>
-        <p:nvSpPr>
-          <p:cNvPr id="2" name="Symbol zastępczy daty 1"/>
-          <p:cNvSpPr>
-            <a:spLocks noGrp="1"/>
-          </p:cNvSpPr>
-          <p:nvPr>
-            <p:ph type="dt" sz="half" idx="10"/>
-          </p:nvPr>
-        </p:nvSpPr>
-        <p:spPr/>
-        <p:txBody>
-          <a:bodyPr/>
-          <a:lstStyle/>
-          <a:p>
-            <a:fld id="{359484F7-7C7A-4895-B82F-27C098609AFF}" type="datetime1">
-              <a:rPr lang="pl-PL" smtClean="0"/>
-              <a:pPr/>
-              <a:t>2013-07-13</a:t>
-            </a:fld>
-            <a:r>
-              <a:rPr lang="pl-PL" smtClean="0"/>
-              <a:t>  |  Gliwice</a:t>
-            </a:r>
-            <a:endParaRPr lang="pl-PL" dirty="0"/>
-          </a:p>
-        </p:txBody>
-      </p:sp>
-      <p:sp>
-        <p:nvSpPr>
-          <p:cNvPr id="3" name="Symbol zastępczy numeru slajdu 2"/>
-          <p:cNvSpPr>
-            <a:spLocks noGrp="1"/>
-          </p:cNvSpPr>
-          <p:nvPr>
-            <p:ph type="sldNum" sz="quarter" idx="12"/>
-          </p:nvPr>
-        </p:nvSpPr>
-        <p:spPr/>
-        <p:txBody>
-          <a:bodyPr/>
-          <a:lstStyle/>
-          <a:p>
-            <a:fld id="{AB8D87DA-8905-40F0-85F7-F6E49E4446E9}" type="slidenum">
-              <a:rPr lang="pl-PL" smtClean="0"/>
-              <a:pPr/>
-              <a:t>18</a:t>
-            </a:fld>
-            <a:endParaRPr lang="pl-PL"/>
-          </a:p>
-        </p:txBody>
-      </p:sp>
-      <p:sp>
-        <p:nvSpPr>
-          <p:cNvPr id="4" name="Symbol zastępczy zawartości 3"/>
-          <p:cNvSpPr>
-            <a:spLocks noGrp="1"/>
-          </p:cNvSpPr>
-          <p:nvPr>
-            <p:ph idx="1"/>
-          </p:nvPr>
-        </p:nvSpPr>
-        <p:spPr/>
-        <p:txBody>
-          <a:bodyPr/>
-          <a:lstStyle/>
-          <a:p>
-            <a:pPr>
-              <a:buNone/>
-            </a:pPr>
-            <a:r>
-              <a:rPr lang="pl-PL" dirty="0" smtClean="0"/>
-              <a:t>ĆWICZENIE</a:t>
-            </a:r>
-          </a:p>
-          <a:p>
-            <a:r>
-              <a:rPr lang="pl-PL" dirty="0" smtClean="0"/>
-              <a:t>Dla podanych tytułów książek pobrać liczbę </a:t>
-            </a:r>
-            <a:r>
-              <a:rPr lang="pl-PL" dirty="0" err="1" smtClean="0"/>
-              <a:t>Tweetów</a:t>
-            </a:r>
-            <a:r>
-              <a:rPr lang="pl-PL" dirty="0" smtClean="0"/>
-              <a:t> na ich temat przy użyciu nie-blokującego API</a:t>
-            </a:r>
-          </a:p>
-          <a:p>
-            <a:r>
-              <a:rPr lang="pl-PL" dirty="0" smtClean="0">
-                <a:latin typeface="Consolas" pitchFamily="49" charset="0"/>
-                <a:cs typeface="Consolas" pitchFamily="49" charset="0"/>
-              </a:rPr>
-              <a:t>Wykorzystać</a:t>
-            </a:r>
-          </a:p>
-          <a:p>
-            <a:pPr lvl="1"/>
-            <a:r>
-              <a:rPr lang="pl-PL" dirty="0" err="1" smtClean="0">
-                <a:latin typeface="Consolas" pitchFamily="49" charset="0"/>
-                <a:cs typeface="Consolas" pitchFamily="49" charset="0"/>
-              </a:rPr>
-              <a:t>ListeningExecutorService.submit</a:t>
-            </a:r>
-            <a:endParaRPr lang="pl-PL" dirty="0" smtClean="0">
-              <a:latin typeface="Consolas" pitchFamily="49" charset="0"/>
-              <a:cs typeface="Consolas" pitchFamily="49" charset="0"/>
-            </a:endParaRPr>
-          </a:p>
-          <a:p>
-            <a:pPr lvl="1"/>
-            <a:r>
-              <a:rPr lang="pl-PL" dirty="0" err="1" smtClean="0">
-                <a:latin typeface="Consolas" pitchFamily="49" charset="0"/>
-                <a:cs typeface="Consolas" pitchFamily="49" charset="0"/>
-              </a:rPr>
-              <a:t>Futures.allAsList</a:t>
-            </a:r>
-            <a:endParaRPr lang="pl-PL" dirty="0" smtClean="0"/>
-          </a:p>
-          <a:p>
-            <a:r>
-              <a:rPr lang="pl-PL" dirty="0" smtClean="0"/>
-              <a:t>Uruchamiamy klasę </a:t>
-            </a:r>
-            <a:r>
-              <a:rPr lang="pl-PL" dirty="0" err="1" smtClean="0">
-                <a:latin typeface="Consolas" pitchFamily="49" charset="0"/>
-                <a:cs typeface="Consolas" pitchFamily="49" charset="0"/>
-              </a:rPr>
-              <a:t>Task</a:t>
-            </a:r>
-            <a:r>
-              <a:rPr lang="pl-PL" dirty="0" smtClean="0"/>
-              <a:t> (Run As → Java </a:t>
-            </a:r>
-            <a:r>
-              <a:rPr lang="pl-PL" dirty="0" err="1" smtClean="0"/>
-              <a:t>Application</a:t>
-            </a:r>
-            <a:r>
-              <a:rPr lang="pl-PL" dirty="0" smtClean="0"/>
-              <a:t>).</a:t>
-            </a:r>
-            <a:endParaRPr lang="pl-PL" dirty="0"/>
-          </a:p>
-        </p:txBody>
-      </p:sp>
-    </p:spTree>
-  </p:cSld>
-  <p:clrMapOvr>
-    <a:masterClrMapping/>
-  </p:clrMapOvr>
-  <p:timing>
-    <p:tnLst>
-      <p:par>
-        <p:cTn id="1" dur="indefinite" restart="never" nodeType="tmRoot"/>
-      </p:par>
-    </p:tnLst>
-  </p:timing>
-</p:sld>
-</file>
-
 <file path=ppt/slides/slide19.xml><?xml version="1.0" encoding="utf-8"?>
 <p:sld xmlns:a="http://schemas.openxmlformats.org/drawingml/2006/main" xmlns:r="http://schemas.openxmlformats.org/officeDocument/2006/relationships" xmlns:p="http://schemas.openxmlformats.org/presentationml/2006/main">
   <p:cSld>
@@ -7647,12 +7718,12 @@
       </p:grpSpPr>
       <p:sp>
         <p:nvSpPr>
-          <p:cNvPr id="2" name="Date Placeholder 1"/>
+          <p:cNvPr id="2" name="Symbol zastępczy daty 1"/>
           <p:cNvSpPr>
             <a:spLocks noGrp="1"/>
           </p:cNvSpPr>
           <p:nvPr>
-            <p:ph type="dt" sz="half" idx="2"/>
+            <p:ph type="dt" sz="half" idx="10"/>
           </p:nvPr>
         </p:nvSpPr>
         <p:spPr/>
@@ -7673,12 +7744,130 @@
           </a:p>
         </p:txBody>
       </p:sp>
+      <p:sp>
+        <p:nvSpPr>
+          <p:cNvPr id="3" name="Symbol zastępczy numeru slajdu 2"/>
+          <p:cNvSpPr>
+            <a:spLocks noGrp="1"/>
+          </p:cNvSpPr>
+          <p:nvPr>
+            <p:ph type="sldNum" sz="quarter" idx="12"/>
+          </p:nvPr>
+        </p:nvSpPr>
+        <p:spPr/>
+        <p:txBody>
+          <a:bodyPr/>
+          <a:lstStyle/>
+          <a:p>
+            <a:fld id="{AB8D87DA-8905-40F0-85F7-F6E49E4446E9}" type="slidenum">
+              <a:rPr lang="pl-PL" smtClean="0"/>
+              <a:pPr/>
+              <a:t>19</a:t>
+            </a:fld>
+            <a:endParaRPr lang="pl-PL"/>
+          </a:p>
+        </p:txBody>
+      </p:sp>
+      <p:sp>
+        <p:nvSpPr>
+          <p:cNvPr id="4" name="Symbol zastępczy zawartości 3"/>
+          <p:cNvSpPr>
+            <a:spLocks noGrp="1"/>
+          </p:cNvSpPr>
+          <p:nvPr>
+            <p:ph idx="1"/>
+          </p:nvPr>
+        </p:nvSpPr>
+        <p:spPr/>
+        <p:txBody>
+          <a:bodyPr/>
+          <a:lstStyle/>
+          <a:p>
+            <a:pPr>
+              <a:buNone/>
+            </a:pPr>
+            <a:r>
+              <a:rPr lang="pl-PL" dirty="0" smtClean="0"/>
+              <a:t>ĆWICZENIE</a:t>
+            </a:r>
+          </a:p>
+          <a:p>
+            <a:r>
+              <a:rPr lang="pl-PL" dirty="0" smtClean="0"/>
+              <a:t>Dla podanych tytułów książek pobrać liczbę </a:t>
+            </a:r>
+            <a:r>
+              <a:rPr lang="pl-PL" dirty="0" err="1" smtClean="0"/>
+              <a:t>Tweetów</a:t>
+            </a:r>
+            <a:r>
+              <a:rPr lang="pl-PL" dirty="0" smtClean="0"/>
+              <a:t> na ich temat przy użyciu nie-blokującego API</a:t>
+            </a:r>
+          </a:p>
+          <a:p>
+            <a:r>
+              <a:rPr lang="pl-PL" dirty="0" smtClean="0">
+                <a:latin typeface="Consolas" pitchFamily="49" charset="0"/>
+                <a:cs typeface="Consolas" pitchFamily="49" charset="0"/>
+              </a:rPr>
+              <a:t>Wykorzystać</a:t>
+            </a:r>
+          </a:p>
+          <a:p>
+            <a:pPr lvl="1"/>
+            <a:r>
+              <a:rPr lang="pl-PL" dirty="0" err="1" smtClean="0">
+                <a:latin typeface="Consolas" pitchFamily="49" charset="0"/>
+                <a:cs typeface="Consolas" pitchFamily="49" charset="0"/>
+              </a:rPr>
+              <a:t>ListeningExecutorService.submit</a:t>
+            </a:r>
+            <a:endParaRPr lang="pl-PL" dirty="0" smtClean="0">
+              <a:latin typeface="Consolas" pitchFamily="49" charset="0"/>
+              <a:cs typeface="Consolas" pitchFamily="49" charset="0"/>
+            </a:endParaRPr>
+          </a:p>
+          <a:p>
+            <a:pPr lvl="1"/>
+            <a:r>
+              <a:rPr lang="pl-PL" dirty="0" err="1" smtClean="0">
+                <a:latin typeface="Consolas" pitchFamily="49" charset="0"/>
+                <a:cs typeface="Consolas" pitchFamily="49" charset="0"/>
+              </a:rPr>
+              <a:t>Futures.allAsList</a:t>
+            </a:r>
+            <a:endParaRPr lang="pl-PL" dirty="0" smtClean="0"/>
+          </a:p>
+          <a:p>
+            <a:r>
+              <a:rPr lang="pl-PL" dirty="0" smtClean="0"/>
+              <a:t>Uruchamiamy klasę </a:t>
+            </a:r>
+            <a:r>
+              <a:rPr lang="pl-PL" dirty="0" err="1" smtClean="0">
+                <a:latin typeface="Consolas" pitchFamily="49" charset="0"/>
+                <a:cs typeface="Consolas" pitchFamily="49" charset="0"/>
+              </a:rPr>
+              <a:t>Task</a:t>
+            </a:r>
+            <a:r>
+              <a:rPr lang="pl-PL" dirty="0" smtClean="0"/>
+              <a:t> (Run As → Java </a:t>
+            </a:r>
+            <a:r>
+              <a:rPr lang="pl-PL" dirty="0" err="1" smtClean="0"/>
+              <a:t>Application</a:t>
+            </a:r>
+            <a:r>
+              <a:rPr lang="pl-PL" dirty="0" smtClean="0"/>
+              <a:t>).</a:t>
+            </a:r>
+            <a:endParaRPr lang="pl-PL" dirty="0"/>
+          </a:p>
+        </p:txBody>
+      </p:sp>
     </p:spTree>
-    <p:extLst>
-      <p:ext uri="{BB962C8B-B14F-4D97-AF65-F5344CB8AC3E}">
-        <p14:creationId xmlns="" xmlns:p14="http://schemas.microsoft.com/office/powerpoint/2010/main" val="183889624"/>
-      </p:ext>
-    </p:extLst>
   </p:cSld>
   <p:clrMapOvr>
     <a:masterClrMapping/>
@@ -7829,6 +8018,71 @@
     <p:extLst>
       <p:ext uri="{BB962C8B-B14F-4D97-AF65-F5344CB8AC3E}">
         <p14:creationId xmlns="" xmlns:p14="http://schemas.microsoft.com/office/powerpoint/2010/main" val="2325664095"/>
+      </p:ext>
+    </p:extLst>
+  </p:cSld>
+  <p:clrMapOvr>
+    <a:masterClrMapping/>
+  </p:clrMapOvr>
+  <p:timing>
+    <p:tnLst>
+      <p:par>
+        <p:cTn id="1" dur="indefinite" restart="never" nodeType="tmRoot"/>
+      </p:par>
+    </p:tnLst>
+  </p:timing>
+</p:sld>
+</file>
+
+<file path=ppt/slides/slide20.xml><?xml version="1.0" encoding="utf-8"?>
+<p:sld xmlns:a="http://schemas.openxmlformats.org/drawingml/2006/main" xmlns:r="http://schemas.openxmlformats.org/officeDocument/2006/relationships" xmlns:p="http://schemas.openxmlformats.org/presentationml/2006/main">
+  <p:cSld>
+    <p:spTree>
+      <p:nvGrpSpPr>
+        <p:cNvPr id="1" name=""/>
+        <p:cNvGrpSpPr/>
+        <p:nvPr/>
+      </p:nvGrpSpPr>
+      <p:grpSpPr>
+        <a:xfrm>
+          <a:off x="0" y="0"/>
+          <a:ext cx="0" cy="0"/>
+          <a:chOff x="0" y="0"/>
+          <a:chExt cx="0" cy="0"/>
+        </a:xfrm>
+      </p:grpSpPr>
+      <p:sp>
+        <p:nvSpPr>
+          <p:cNvPr id="2" name="Date Placeholder 1"/>
+          <p:cNvSpPr>
+            <a:spLocks noGrp="1"/>
+          </p:cNvSpPr>
+          <p:nvPr>
+            <p:ph type="dt" sz="half" idx="2"/>
+          </p:nvPr>
+        </p:nvSpPr>
+        <p:spPr/>
+        <p:txBody>
+          <a:bodyPr/>
+          <a:lstStyle/>
+          <a:p>
+            <a:fld id="{359484F7-7C7A-4895-B82F-27C098609AFF}" type="datetime1">
+              <a:rPr lang="pl-PL" smtClean="0"/>
+              <a:pPr/>
+              <a:t>2013-07-13</a:t>
+            </a:fld>
+            <a:r>
+              <a:rPr lang="pl-PL" smtClean="0"/>
+              <a:t>  |  Gliwice</a:t>
+            </a:r>
+            <a:endParaRPr lang="pl-PL" dirty="0"/>
+          </a:p>
+        </p:txBody>
+      </p:sp>
+    </p:spTree>
+    <p:extLst>
+      <p:ext uri="{BB962C8B-B14F-4D97-AF65-F5344CB8AC3E}">
+        <p14:creationId xmlns="" xmlns:p14="http://schemas.microsoft.com/office/powerpoint/2010/main" val="183889624"/>
       </p:ext>
     </p:extLst>
   </p:cSld>
@@ -10503,6 +10757,12 @@
           </a:p>
           <a:p>
             <a:r>
+              <a:rPr lang="pl-PL" dirty="0" smtClean="0"/>
+              <a:t>Paradygmat obiektowy</a:t>
+            </a:r>
+          </a:p>
+          <a:p>
+            <a:r>
               <a:rPr lang="pl-PL" dirty="0" err="1" smtClean="0"/>
               <a:t>Pattern</a:t>
             </a:r>
@@ -10533,8 +10793,9 @@
           <a:p>
             <a:r>
               <a:rPr lang="pl-PL" dirty="0" smtClean="0"/>
-              <a:t>Paradygmat obiektowy</a:t>
-            </a:r>
+              <a:t>Operatory</a:t>
+            </a:r>
+            <a:endParaRPr lang="pl-PL" dirty="0" smtClean="0"/>
           </a:p>
           <a:p>
             <a:pPr>

--- a/Presentation.pptx
+++ b/Presentation.pptx
@@ -9,29 +9,31 @@
     <p:sldMasterId id="2147483678" r:id="rId5"/>
   </p:sldMasterIdLst>
   <p:notesMasterIdLst>
-    <p:notesMasterId r:id="rId26"/>
+    <p:notesMasterId r:id="rId28"/>
   </p:notesMasterIdLst>
   <p:sldIdLst>
     <p:sldId id="256" r:id="rId6"/>
-    <p:sldId id="259" r:id="rId7"/>
-    <p:sldId id="260" r:id="rId8"/>
-    <p:sldId id="271" r:id="rId9"/>
-    <p:sldId id="272" r:id="rId10"/>
-    <p:sldId id="261" r:id="rId11"/>
-    <p:sldId id="273" r:id="rId12"/>
-    <p:sldId id="262" r:id="rId13"/>
-    <p:sldId id="266" r:id="rId14"/>
-    <p:sldId id="274" r:id="rId15"/>
-    <p:sldId id="267" r:id="rId16"/>
-    <p:sldId id="275" r:id="rId17"/>
-    <p:sldId id="276" r:id="rId18"/>
-    <p:sldId id="278" r:id="rId19"/>
-    <p:sldId id="279" r:id="rId20"/>
-    <p:sldId id="268" r:id="rId21"/>
-    <p:sldId id="277" r:id="rId22"/>
-    <p:sldId id="270" r:id="rId23"/>
-    <p:sldId id="269" r:id="rId24"/>
-    <p:sldId id="258" r:id="rId25"/>
+    <p:sldId id="280" r:id="rId7"/>
+    <p:sldId id="259" r:id="rId8"/>
+    <p:sldId id="260" r:id="rId9"/>
+    <p:sldId id="271" r:id="rId10"/>
+    <p:sldId id="272" r:id="rId11"/>
+    <p:sldId id="261" r:id="rId12"/>
+    <p:sldId id="273" r:id="rId13"/>
+    <p:sldId id="262" r:id="rId14"/>
+    <p:sldId id="266" r:id="rId15"/>
+    <p:sldId id="274" r:id="rId16"/>
+    <p:sldId id="267" r:id="rId17"/>
+    <p:sldId id="275" r:id="rId18"/>
+    <p:sldId id="276" r:id="rId19"/>
+    <p:sldId id="278" r:id="rId20"/>
+    <p:sldId id="279" r:id="rId21"/>
+    <p:sldId id="281" r:id="rId22"/>
+    <p:sldId id="268" r:id="rId23"/>
+    <p:sldId id="277" r:id="rId24"/>
+    <p:sldId id="270" r:id="rId25"/>
+    <p:sldId id="269" r:id="rId26"/>
+    <p:sldId id="258" r:id="rId27"/>
   </p:sldIdLst>
   <p:sldSz cx="9144000" cy="6858000" type="screen4x3"/>
   <p:notesSz cx="6858000" cy="9144000"/>
@@ -216,7 +218,7 @@
             <a:fld id="{5D88816B-2D53-411B-91DB-115584640F37}" type="datetimeFigureOut">
               <a:rPr lang="pl-PL" smtClean="0"/>
               <a:pPr/>
-              <a:t>2013-07-13</a:t>
+              <a:t>2013-07-14</a:t>
             </a:fld>
             <a:endParaRPr lang="pl-PL"/>
           </a:p>
@@ -557,7 +559,7 @@
             <a:fld id="{5DFAB087-39D9-4EAE-81A4-A4B45D677425}" type="slidenum">
               <a:rPr lang="pl-PL" smtClean="0"/>
               <a:pPr/>
-              <a:t>2</a:t>
+              <a:t>3</a:t>
             </a:fld>
             <a:endParaRPr lang="pl-PL"/>
           </a:p>
@@ -668,7 +670,7 @@
             <a:fld id="{5DFAB087-39D9-4EAE-81A4-A4B45D677425}" type="slidenum">
               <a:rPr lang="pl-PL" smtClean="0"/>
               <a:pPr/>
-              <a:t>12</a:t>
+              <a:t>13</a:t>
             </a:fld>
             <a:endParaRPr lang="pl-PL"/>
           </a:p>
@@ -730,17 +732,13 @@
           <a:p>
             <a:r>
               <a:rPr lang="pl-PL" dirty="0" smtClean="0"/>
-              <a:t>Łatwe wykorzystanie </a:t>
-            </a:r>
-            <a:r>
-              <a:rPr lang="pl-PL" smtClean="0"/>
-              <a:t>wzorca</a:t>
-            </a:r>
-            <a:r>
-              <a:rPr lang="pl-PL" baseline="0" smtClean="0"/>
+              <a:t>Łatwe wykorzystanie wzorca</a:t>
+            </a:r>
+            <a:r>
+              <a:rPr lang="pl-PL" baseline="0" dirty="0" smtClean="0"/>
               <a:t> dekorator</a:t>
             </a:r>
-            <a:endParaRPr lang="pl-PL"/>
+            <a:endParaRPr lang="pl-PL" dirty="0"/>
           </a:p>
         </p:txBody>
       </p:sp>
@@ -762,7 +760,7 @@
             <a:fld id="{5DFAB087-39D9-4EAE-81A4-A4B45D677425}" type="slidenum">
               <a:rPr lang="pl-PL" smtClean="0"/>
               <a:pPr/>
-              <a:t>15</a:t>
+              <a:t>16</a:t>
             </a:fld>
             <a:endParaRPr lang="pl-PL"/>
           </a:p>
@@ -868,7 +866,7 @@
             <a:fld id="{5DFAB087-39D9-4EAE-81A4-A4B45D677425}" type="slidenum">
               <a:rPr lang="pl-PL" smtClean="0"/>
               <a:pPr/>
-              <a:t>3</a:t>
+              <a:t>4</a:t>
             </a:fld>
             <a:endParaRPr lang="pl-PL"/>
           </a:p>
@@ -950,7 +948,7 @@
             <a:fld id="{5DFAB087-39D9-4EAE-81A4-A4B45D677425}" type="slidenum">
               <a:rPr lang="pl-PL" smtClean="0"/>
               <a:pPr/>
-              <a:t>4</a:t>
+              <a:t>5</a:t>
             </a:fld>
             <a:endParaRPr lang="pl-PL"/>
           </a:p>
@@ -1043,7 +1041,7 @@
             <a:fld id="{5DFAB087-39D9-4EAE-81A4-A4B45D677425}" type="slidenum">
               <a:rPr lang="pl-PL" smtClean="0"/>
               <a:pPr/>
-              <a:t>5</a:t>
+              <a:t>6</a:t>
             </a:fld>
             <a:endParaRPr lang="pl-PL"/>
           </a:p>
@@ -1125,7 +1123,7 @@
             <a:fld id="{5DFAB087-39D9-4EAE-81A4-A4B45D677425}" type="slidenum">
               <a:rPr lang="pl-PL" smtClean="0"/>
               <a:pPr/>
-              <a:t>6</a:t>
+              <a:t>7</a:t>
             </a:fld>
             <a:endParaRPr lang="pl-PL"/>
           </a:p>
@@ -1249,7 +1247,7 @@
             <a:fld id="{5DFAB087-39D9-4EAE-81A4-A4B45D677425}" type="slidenum">
               <a:rPr lang="pl-PL" smtClean="0"/>
               <a:pPr/>
-              <a:t>7</a:t>
+              <a:t>8</a:t>
             </a:fld>
             <a:endParaRPr lang="pl-PL"/>
           </a:p>
@@ -1331,7 +1329,7 @@
             <a:fld id="{5DFAB087-39D9-4EAE-81A4-A4B45D677425}" type="slidenum">
               <a:rPr lang="pl-PL" smtClean="0"/>
               <a:pPr/>
-              <a:t>8</a:t>
+              <a:t>9</a:t>
             </a:fld>
             <a:endParaRPr lang="pl-PL"/>
           </a:p>
@@ -1440,6 +1438,39 @@
             </a:r>
             <a:endParaRPr lang="pl-PL" dirty="0" smtClean="0"/>
           </a:p>
+          <a:p>
+            <a:r>
+              <a:rPr lang="pl-PL" dirty="0" err="1" smtClean="0"/>
+              <a:t>Currying</a:t>
+            </a:r>
+            <a:r>
+              <a:rPr lang="pl-PL" baseline="0" dirty="0" smtClean="0"/>
+              <a:t> to rozwiązanie, gdy wywołujemy tę samą funkcję wiele razy, zmieniając tylko ostatni parametr</a:t>
+            </a:r>
+          </a:p>
+          <a:p>
+            <a:r>
+              <a:rPr lang="pl-PL" dirty="0" smtClean="0"/>
+              <a:t>Wykorzystanie</a:t>
+            </a:r>
+            <a:r>
+              <a:rPr lang="pl-PL" baseline="0" dirty="0" smtClean="0"/>
+              <a:t> interfejsów daje taką samą kompozycję, ale robi piekiełko w stylu </a:t>
+            </a:r>
+            <a:r>
+              <a:rPr lang="pl-PL" baseline="0" dirty="0" err="1" smtClean="0"/>
+              <a:t>IProblem</a:t>
+            </a:r>
+            <a:r>
+              <a:rPr lang="pl-PL" baseline="0" dirty="0" smtClean="0"/>
+              <a:t> i </a:t>
+            </a:r>
+            <a:r>
+              <a:rPr lang="pl-PL" baseline="0" dirty="0" err="1" smtClean="0"/>
+              <a:t>ProblemFactory</a:t>
+            </a:r>
+            <a:endParaRPr lang="pl-PL" dirty="0" smtClean="0"/>
+          </a:p>
         </p:txBody>
       </p:sp>
       <p:sp>
@@ -1460,7 +1491,7 @@
             <a:fld id="{5DFAB087-39D9-4EAE-81A4-A4B45D677425}" type="slidenum">
               <a:rPr lang="pl-PL" smtClean="0"/>
               <a:pPr/>
-              <a:t>9</a:t>
+              <a:t>10</a:t>
             </a:fld>
             <a:endParaRPr lang="pl-PL"/>
           </a:p>
@@ -1558,7 +1589,7 @@
             <a:fld id="{5DFAB087-39D9-4EAE-81A4-A4B45D677425}" type="slidenum">
               <a:rPr lang="pl-PL" smtClean="0"/>
               <a:pPr/>
-              <a:t>11</a:t>
+              <a:t>12</a:t>
             </a:fld>
             <a:endParaRPr lang="pl-PL"/>
           </a:p>
@@ -1805,7 +1836,7 @@
             <a:fld id="{359484F7-7C7A-4895-B82F-27C098609AFF}" type="datetime1">
               <a:rPr lang="pl-PL" smtClean="0"/>
               <a:pPr/>
-              <a:t>2013-07-13</a:t>
+              <a:t>2013-07-14</a:t>
             </a:fld>
             <a:r>
               <a:rPr lang="pl-PL" smtClean="0"/>
@@ -1884,7 +1915,7 @@
             <a:fld id="{359484F7-7C7A-4895-B82F-27C098609AFF}" type="datetime1">
               <a:rPr lang="pl-PL" smtClean="0"/>
               <a:pPr/>
-              <a:t>2013-07-13</a:t>
+              <a:t>2013-07-14</a:t>
             </a:fld>
             <a:r>
               <a:rPr lang="pl-PL" smtClean="0"/>
@@ -2452,7 +2483,7 @@
             <a:fld id="{359484F7-7C7A-4895-B82F-27C098609AFF}" type="datetime1">
               <a:rPr lang="pl-PL" smtClean="0"/>
               <a:pPr/>
-              <a:t>2013-07-13</a:t>
+              <a:t>2013-07-14</a:t>
             </a:fld>
             <a:r>
               <a:rPr lang="pl-PL" smtClean="0"/>
@@ -2517,7 +2548,7 @@
             <a:fld id="{359484F7-7C7A-4895-B82F-27C098609AFF}" type="datetime1">
               <a:rPr lang="pl-PL" smtClean="0"/>
               <a:pPr/>
-              <a:t>2013-07-13</a:t>
+              <a:t>2013-07-14</a:t>
             </a:fld>
             <a:r>
               <a:rPr lang="pl-PL" smtClean="0"/>
@@ -2724,7 +2755,7 @@
             <a:fld id="{359484F7-7C7A-4895-B82F-27C098609AFF}" type="datetime1">
               <a:rPr lang="pl-PL" smtClean="0"/>
               <a:pPr/>
-              <a:t>2013-07-13</a:t>
+              <a:t>2013-07-14</a:t>
             </a:fld>
             <a:r>
               <a:rPr lang="pl-PL" smtClean="0"/>
@@ -2915,7 +2946,7 @@
             <a:fld id="{359484F7-7C7A-4895-B82F-27C098609AFF}" type="datetime1">
               <a:rPr lang="pl-PL" smtClean="0"/>
               <a:pPr/>
-              <a:t>2013-07-13</a:t>
+              <a:t>2013-07-14</a:t>
             </a:fld>
             <a:r>
               <a:rPr lang="pl-PL" smtClean="0"/>
@@ -3122,7 +3153,7 @@
             <a:fld id="{359484F7-7C7A-4895-B82F-27C098609AFF}" type="datetime1">
               <a:rPr lang="pl-PL" smtClean="0"/>
               <a:pPr/>
-              <a:t>2013-07-13</a:t>
+              <a:t>2013-07-14</a:t>
             </a:fld>
             <a:r>
               <a:rPr lang="pl-PL" smtClean="0"/>
@@ -3313,7 +3344,7 @@
             <a:fld id="{359484F7-7C7A-4895-B82F-27C098609AFF}" type="datetime1">
               <a:rPr lang="pl-PL" smtClean="0"/>
               <a:pPr/>
-              <a:t>2013-07-13</a:t>
+              <a:t>2013-07-14</a:t>
             </a:fld>
             <a:r>
               <a:rPr lang="pl-PL" smtClean="0"/>
@@ -3520,7 +3551,7 @@
             <a:fld id="{359484F7-7C7A-4895-B82F-27C098609AFF}" type="datetime1">
               <a:rPr lang="pl-PL" smtClean="0"/>
               <a:pPr/>
-              <a:t>2013-07-13</a:t>
+              <a:t>2013-07-14</a:t>
             </a:fld>
             <a:r>
               <a:rPr lang="pl-PL" smtClean="0"/>
@@ -3711,7 +3742,7 @@
             <a:fld id="{359484F7-7C7A-4895-B82F-27C098609AFF}" type="datetime1">
               <a:rPr lang="pl-PL" smtClean="0"/>
               <a:pPr/>
-              <a:t>2013-07-13</a:t>
+              <a:t>2013-07-14</a:t>
             </a:fld>
             <a:r>
               <a:rPr lang="pl-PL" smtClean="0"/>
@@ -3938,7 +3969,7 @@
             <a:fld id="{359484F7-7C7A-4895-B82F-27C098609AFF}" type="datetime1">
               <a:rPr lang="pl-PL" smtClean="0"/>
               <a:pPr/>
-              <a:t>2013-07-13</a:t>
+              <a:t>2013-07-14</a:t>
             </a:fld>
             <a:r>
               <a:rPr lang="pl-PL" smtClean="0"/>
@@ -4290,7 +4321,7 @@
             <a:fld id="{359484F7-7C7A-4895-B82F-27C098609AFF}" type="datetime1">
               <a:rPr lang="pl-PL" smtClean="0"/>
               <a:pPr/>
-              <a:t>2013-07-13</a:t>
+              <a:t>2013-07-14</a:t>
             </a:fld>
             <a:r>
               <a:rPr lang="pl-PL" dirty="0" smtClean="0"/>
@@ -4866,7 +4897,7 @@
             <a:fld id="{359484F7-7C7A-4895-B82F-27C098609AFF}" type="datetime1">
               <a:rPr lang="pl-PL" smtClean="0"/>
               <a:pPr/>
-              <a:t>2013-07-13</a:t>
+              <a:t>2013-07-14</a:t>
             </a:fld>
             <a:r>
               <a:rPr lang="pl-PL" smtClean="0"/>
@@ -5442,7 +5473,7 @@
             <a:fld id="{359484F7-7C7A-4895-B82F-27C098609AFF}" type="datetime1">
               <a:rPr lang="pl-PL" smtClean="0"/>
               <a:pPr/>
-              <a:t>2013-07-13</a:t>
+              <a:t>2013-07-14</a:t>
             </a:fld>
             <a:r>
               <a:rPr lang="pl-PL" smtClean="0"/>
@@ -5926,7 +5957,7 @@
             <a:fld id="{359484F7-7C7A-4895-B82F-27C098609AFF}" type="datetime1">
               <a:rPr lang="pl-PL" smtClean="0"/>
               <a:pPr/>
-              <a:t>2013-07-13</a:t>
+              <a:t>2013-07-14</a:t>
             </a:fld>
             <a:r>
               <a:rPr lang="pl-PL" smtClean="0"/>
@@ -6422,7 +6453,7 @@
             <a:fld id="{359484F7-7C7A-4895-B82F-27C098609AFF}" type="datetime1">
               <a:rPr lang="pl-PL" smtClean="0"/>
               <a:pPr/>
-              <a:t>2013-07-13</a:t>
+              <a:t>2013-07-14</a:t>
             </a:fld>
             <a:r>
               <a:rPr lang="pl-PL" smtClean="0"/>
@@ -6487,7 +6518,7 @@
             <a:fld id="{359484F7-7C7A-4895-B82F-27C098609AFF}" type="datetime1">
               <a:rPr lang="pl-PL" smtClean="0"/>
               <a:pPr/>
-              <a:t>2013-07-13</a:t>
+              <a:t>2013-07-14</a:t>
             </a:fld>
             <a:r>
               <a:rPr lang="pl-PL" smtClean="0"/>
@@ -6541,28 +6572,67 @@
             </a:pPr>
             <a:r>
               <a:rPr lang="pl-PL" dirty="0" smtClean="0"/>
-              <a:t>Struktura plików</a:t>
+              <a:t>Funkcje jako obywatele pierwszej kategorii</a:t>
             </a:r>
           </a:p>
           <a:p>
             <a:r>
               <a:rPr lang="pl-PL" dirty="0" smtClean="0"/>
-              <a:t>Wiele publicznych klas na plik</a:t>
-            </a:r>
-          </a:p>
-          <a:p>
+              <a:t>W Scali funkcja również jest obiektem, który można:</a:t>
+            </a:r>
+          </a:p>
+          <a:p>
+            <a:pPr lvl="1"/>
             <a:r>
               <a:rPr lang="pl-PL" dirty="0" smtClean="0"/>
-              <a:t>Dosłodzone importy</a:t>
-            </a:r>
-          </a:p>
-          <a:p>
+              <a:t>Przekazywać jako argument innej funkcji</a:t>
+            </a:r>
+          </a:p>
+          <a:p>
+            <a:pPr lvl="1"/>
             <a:r>
               <a:rPr lang="pl-PL" dirty="0" smtClean="0"/>
-              <a:t>Dosłodzone modyfikatory dostępu</a:t>
-            </a:r>
-          </a:p>
-          <a:p>
+              <a:t>Zwracać go jako wynik funkcji</a:t>
+            </a:r>
+          </a:p>
+          <a:p>
+            <a:pPr lvl="1"/>
+            <a:r>
+              <a:rPr lang="pl-PL" dirty="0" smtClean="0"/>
+              <a:t>Zapisywać jako zmienna lokalna/obiektu</a:t>
+            </a:r>
+          </a:p>
+          <a:p>
+            <a:pPr lvl="1"/>
+            <a:r>
+              <a:rPr lang="pl-PL" dirty="0" smtClean="0"/>
+              <a:t>Itp.</a:t>
+            </a:r>
+          </a:p>
+          <a:p>
+            <a:r>
+              <a:rPr lang="pl-PL" dirty="0" smtClean="0"/>
+              <a:t>Funkcja jest typu </a:t>
+            </a:r>
+            <a:r>
+              <a:rPr lang="pl-PL" dirty="0" smtClean="0">
+                <a:latin typeface="Consolas" pitchFamily="49" charset="0"/>
+                <a:cs typeface="Consolas" pitchFamily="49" charset="0"/>
+              </a:rPr>
+              <a:t>Function1&lt;T1, R&gt;, Function2&lt;T1, T2, R&gt;, … FunctionN&lt;T1, …, TN, R&gt;</a:t>
+            </a:r>
+          </a:p>
+          <a:p>
+            <a:r>
+              <a:rPr lang="pl-PL" dirty="0" smtClean="0"/>
+              <a:t>Uproszczone funkcje anonimowe</a:t>
+            </a:r>
+          </a:p>
+          <a:p>
+            <a:r>
+              <a:rPr lang="pl-PL" dirty="0" err="1" smtClean="0"/>
+              <a:t>Currying</a:t>
+            </a:r>
             <a:endParaRPr lang="pl-PL" dirty="0"/>
           </a:p>
         </p:txBody>
@@ -6610,7 +6680,7 @@
             <a:fld id="{359484F7-7C7A-4895-B82F-27C098609AFF}" type="datetime1">
               <a:rPr lang="pl-PL" smtClean="0"/>
               <a:pPr/>
-              <a:t>2013-07-13</a:t>
+              <a:t>2013-07-14</a:t>
             </a:fld>
             <a:r>
               <a:rPr lang="pl-PL" smtClean="0"/>
@@ -6646,7 +6716,7 @@
       </p:sp>
       <p:sp>
         <p:nvSpPr>
-          <p:cNvPr id="9" name="Symbol zastępczy zawartości 8"/>
+          <p:cNvPr id="4" name="Symbol zastępczy zawartości 3"/>
           <p:cNvSpPr>
             <a:spLocks noGrp="1"/>
           </p:cNvSpPr>
@@ -6663,68 +6733,30 @@
               <a:buNone/>
             </a:pPr>
             <a:r>
-              <a:rPr lang="pl-PL" dirty="0" err="1" smtClean="0"/>
-              <a:t>Case</a:t>
-            </a:r>
-            <a:r>
               <a:rPr lang="pl-PL" dirty="0" smtClean="0"/>
-              <a:t> </a:t>
-            </a:r>
-            <a:r>
-              <a:rPr lang="pl-PL" dirty="0" err="1" smtClean="0"/>
-              <a:t>classes</a:t>
-            </a:r>
-            <a:endParaRPr lang="pl-PL" dirty="0" smtClean="0"/>
+              <a:t>Struktura plików</a:t>
+            </a:r>
           </a:p>
           <a:p>
             <a:r>
               <a:rPr lang="pl-PL" dirty="0" smtClean="0"/>
-              <a:t>getter/</a:t>
-            </a:r>
-            <a:r>
-              <a:rPr lang="pl-PL" dirty="0" err="1" smtClean="0"/>
-              <a:t>setter</a:t>
-            </a:r>
+              <a:t>Wiele publicznych klas na plik</a:t>
+            </a:r>
+          </a:p>
+          <a:p>
             <a:r>
               <a:rPr lang="pl-PL" dirty="0" smtClean="0"/>
-              <a:t> (z @</a:t>
-            </a:r>
-            <a:r>
-              <a:rPr lang="pl-PL" dirty="0" err="1" smtClean="0"/>
-              <a:t>BeanProperty</a:t>
-            </a:r>
+              <a:t>Dosłodzone importy</a:t>
+            </a:r>
+          </a:p>
+          <a:p>
             <a:r>
               <a:rPr lang="pl-PL" dirty="0" smtClean="0"/>
-              <a:t>)</a:t>
-            </a:r>
-          </a:p>
-          <a:p>
-            <a:r>
-              <a:rPr lang="pl-PL" dirty="0" err="1" smtClean="0"/>
-              <a:t>toString</a:t>
-            </a:r>
-            <a:endParaRPr lang="pl-PL" dirty="0" smtClean="0"/>
-          </a:p>
-          <a:p>
-            <a:r>
-              <a:rPr lang="pl-PL" dirty="0" err="1" smtClean="0"/>
-              <a:t>equals</a:t>
-            </a:r>
-            <a:endParaRPr lang="pl-PL" dirty="0" smtClean="0"/>
-          </a:p>
-          <a:p>
-            <a:r>
-              <a:rPr lang="pl-PL" dirty="0" err="1" smtClean="0"/>
-              <a:t>hashCode</a:t>
-            </a:r>
-            <a:endParaRPr lang="pl-PL" dirty="0" smtClean="0"/>
-          </a:p>
-          <a:p>
-            <a:r>
-              <a:rPr lang="pl-PL" dirty="0" err="1" smtClean="0"/>
-              <a:t>copy</a:t>
-            </a:r>
-            <a:endParaRPr lang="pl-PL" dirty="0" smtClean="0"/>
+              <a:t>Dosłodzone modyfikatory dostępu</a:t>
+            </a:r>
+          </a:p>
+          <a:p>
+            <a:endParaRPr lang="pl-PL" dirty="0"/>
           </a:p>
         </p:txBody>
       </p:sp>
@@ -6771,7 +6803,7 @@
             <a:fld id="{359484F7-7C7A-4895-B82F-27C098609AFF}" type="datetime1">
               <a:rPr lang="pl-PL" smtClean="0"/>
               <a:pPr/>
-              <a:t>2013-07-13</a:t>
+              <a:t>2013-07-14</a:t>
             </a:fld>
             <a:r>
               <a:rPr lang="pl-PL" smtClean="0"/>
@@ -6807,7 +6839,7 @@
       </p:sp>
       <p:sp>
         <p:nvSpPr>
-          <p:cNvPr id="4" name="Symbol zastępczy zawartości 3"/>
+          <p:cNvPr id="9" name="Symbol zastępczy zawartości 8"/>
           <p:cNvSpPr>
             <a:spLocks noGrp="1"/>
           </p:cNvSpPr>
@@ -6825,7 +6857,7 @@
             </a:pPr>
             <a:r>
               <a:rPr lang="pl-PL" dirty="0" err="1" smtClean="0"/>
-              <a:t>Pattern</a:t>
+              <a:t>Case</a:t>
             </a:r>
             <a:r>
               <a:rPr lang="pl-PL" dirty="0" smtClean="0"/>
@@ -6833,37 +6865,59 @@
             </a:r>
             <a:r>
               <a:rPr lang="pl-PL" dirty="0" err="1" smtClean="0"/>
-              <a:t>matching</a:t>
+              <a:t>classes</a:t>
             </a:r>
             <a:endParaRPr lang="pl-PL" dirty="0" smtClean="0"/>
           </a:p>
           <a:p>
             <a:r>
+              <a:rPr lang="pl-PL" dirty="0" smtClean="0"/>
+              <a:t>getter/</a:t>
+            </a:r>
+            <a:r>
               <a:rPr lang="pl-PL" dirty="0" err="1" smtClean="0"/>
-              <a:t>Switch</a:t>
+              <a:t>setter</a:t>
             </a:r>
             <a:r>
               <a:rPr lang="pl-PL" dirty="0" smtClean="0"/>
-              <a:t> na sterydach</a:t>
-            </a:r>
-          </a:p>
-          <a:p>
+              <a:t> (z @</a:t>
+            </a:r>
             <a:r>
               <a:rPr lang="pl-PL" dirty="0" err="1" smtClean="0"/>
-              <a:t>Killer</a:t>
+              <a:t>BeanProperty</a:t>
             </a:r>
             <a:r>
               <a:rPr lang="pl-PL" dirty="0" smtClean="0"/>
-              <a:t> </a:t>
-            </a:r>
+              <a:t>)</a:t>
+            </a:r>
+          </a:p>
+          <a:p>
             <a:r>
               <a:rPr lang="pl-PL" dirty="0" err="1" smtClean="0"/>
-              <a:t>feature</a:t>
-            </a:r>
-            <a:r>
-              <a:rPr lang="pl-PL" dirty="0" smtClean="0"/>
-              <a:t>, a nie wygląda</a:t>
-            </a:r>
+              <a:t>toString</a:t>
+            </a:r>
+            <a:endParaRPr lang="pl-PL" dirty="0" smtClean="0"/>
+          </a:p>
+          <a:p>
+            <a:r>
+              <a:rPr lang="pl-PL" dirty="0" err="1" smtClean="0"/>
+              <a:t>equals</a:t>
+            </a:r>
+            <a:endParaRPr lang="pl-PL" dirty="0" smtClean="0"/>
+          </a:p>
+          <a:p>
+            <a:r>
+              <a:rPr lang="pl-PL" dirty="0" err="1" smtClean="0"/>
+              <a:t>hashCode</a:t>
+            </a:r>
+            <a:endParaRPr lang="pl-PL" dirty="0" smtClean="0"/>
+          </a:p>
+          <a:p>
+            <a:r>
+              <a:rPr lang="pl-PL" dirty="0" err="1" smtClean="0"/>
+              <a:t>copy</a:t>
+            </a:r>
+            <a:endParaRPr lang="pl-PL" dirty="0" smtClean="0"/>
           </a:p>
         </p:txBody>
       </p:sp>
@@ -6910,7 +6964,7 @@
             <a:fld id="{359484F7-7C7A-4895-B82F-27C098609AFF}" type="datetime1">
               <a:rPr lang="pl-PL" smtClean="0"/>
               <a:pPr/>
-              <a:t>2013-07-13</a:t>
+              <a:t>2013-07-14</a:t>
             </a:fld>
             <a:r>
               <a:rPr lang="pl-PL" smtClean="0"/>
@@ -6964,39 +7018,45 @@
             </a:pPr>
             <a:r>
               <a:rPr lang="pl-PL" dirty="0" err="1" smtClean="0"/>
-              <a:t>For-comprehensions</a:t>
+              <a:t>Pattern</a:t>
+            </a:r>
+            <a:r>
+              <a:rPr lang="pl-PL" dirty="0" smtClean="0"/>
+              <a:t> </a:t>
+            </a:r>
+            <a:r>
+              <a:rPr lang="pl-PL" dirty="0" err="1" smtClean="0"/>
+              <a:t>matching</a:t>
             </a:r>
             <a:endParaRPr lang="pl-PL" dirty="0" smtClean="0"/>
           </a:p>
           <a:p>
             <a:r>
+              <a:rPr lang="pl-PL" dirty="0" err="1" smtClean="0"/>
+              <a:t>Switch</a:t>
+            </a:r>
+            <a:r>
               <a:rPr lang="pl-PL" dirty="0" smtClean="0"/>
-              <a:t>Pętle </a:t>
-            </a:r>
+              <a:t> na sterydach</a:t>
+            </a:r>
+          </a:p>
+          <a:p>
             <a:r>
               <a:rPr lang="pl-PL" dirty="0" err="1" smtClean="0"/>
-              <a:t>zagnieżdzone</a:t>
-            </a:r>
-            <a:endParaRPr lang="pl-PL" dirty="0" smtClean="0"/>
-          </a:p>
-          <a:p>
+              <a:t>Killer</a:t>
+            </a:r>
             <a:r>
               <a:rPr lang="pl-PL" dirty="0" smtClean="0"/>
-              <a:t>Filtrowanie</a:t>
-            </a:r>
-          </a:p>
-          <a:p>
+              <a:t> </a:t>
+            </a:r>
+            <a:r>
+              <a:rPr lang="pl-PL" dirty="0" err="1" smtClean="0"/>
+              <a:t>feature</a:t>
+            </a:r>
             <a:r>
               <a:rPr lang="pl-PL" dirty="0" smtClean="0"/>
-              <a:t>Tworzenie zmiennych</a:t>
-            </a:r>
-          </a:p>
-          <a:p>
-            <a:r>
-              <a:rPr lang="pl-PL" dirty="0" err="1" smtClean="0"/>
-              <a:t>yield</a:t>
-            </a:r>
-            <a:endParaRPr lang="pl-PL" dirty="0"/>
+              <a:t>, a nie wygląda</a:t>
+            </a:r>
           </a:p>
         </p:txBody>
       </p:sp>
@@ -7043,7 +7103,7 @@
             <a:fld id="{359484F7-7C7A-4895-B82F-27C098609AFF}" type="datetime1">
               <a:rPr lang="pl-PL" smtClean="0"/>
               <a:pPr/>
-              <a:t>2013-07-13</a:t>
+              <a:t>2013-07-14</a:t>
             </a:fld>
             <a:r>
               <a:rPr lang="pl-PL" smtClean="0"/>
@@ -7097,20 +7157,37 @@
             </a:pPr>
             <a:r>
               <a:rPr lang="pl-PL" dirty="0" err="1" smtClean="0"/>
-              <a:t>Implicits</a:t>
+              <a:t>For-comprehensions</a:t>
             </a:r>
             <a:endParaRPr lang="pl-PL" dirty="0" smtClean="0"/>
           </a:p>
           <a:p>
             <a:r>
               <a:rPr lang="pl-PL" dirty="0" smtClean="0"/>
-              <a:t>Poprawianie klas, których nie możemy zmienić lub nie chcemy rozszerzać</a:t>
-            </a:r>
+              <a:t>Pętle </a:t>
+            </a:r>
+            <a:r>
+              <a:rPr lang="pl-PL" dirty="0" err="1" smtClean="0"/>
+              <a:t>zagnieżdzone</a:t>
+            </a:r>
+            <a:endParaRPr lang="pl-PL" dirty="0" smtClean="0"/>
           </a:p>
           <a:p>
             <a:r>
               <a:rPr lang="pl-PL" dirty="0" smtClean="0"/>
-              <a:t>Ukrywanie często wymaganych argumentów metod</a:t>
+              <a:t>Filtrowanie</a:t>
+            </a:r>
+          </a:p>
+          <a:p>
+            <a:r>
+              <a:rPr lang="pl-PL" dirty="0" smtClean="0"/>
+              <a:t>Tworzenie zmiennych</a:t>
+            </a:r>
+          </a:p>
+          <a:p>
+            <a:r>
+              <a:rPr lang="pl-PL" dirty="0" err="1" smtClean="0"/>
+              <a:t>yield</a:t>
             </a:r>
             <a:endParaRPr lang="pl-PL" dirty="0"/>
           </a:p>
@@ -7159,7 +7236,7 @@
             <a:fld id="{359484F7-7C7A-4895-B82F-27C098609AFF}" type="datetime1">
               <a:rPr lang="pl-PL" smtClean="0"/>
               <a:pPr/>
-              <a:t>2013-07-13</a:t>
+              <a:t>2013-07-14</a:t>
             </a:fld>
             <a:r>
               <a:rPr lang="pl-PL" smtClean="0"/>
@@ -7212,59 +7289,22 @@
               <a:buNone/>
             </a:pPr>
             <a:r>
+              <a:rPr lang="pl-PL" dirty="0" err="1" smtClean="0"/>
+              <a:t>Implicits</a:t>
+            </a:r>
+            <a:endParaRPr lang="pl-PL" dirty="0" smtClean="0"/>
+          </a:p>
+          <a:p>
+            <a:r>
               <a:rPr lang="pl-PL" dirty="0" smtClean="0"/>
-              <a:t>Rozszerzenia paradygmatu obiektowego</a:t>
-            </a:r>
-          </a:p>
-          <a:p>
-            <a:r>
-              <a:rPr lang="pl-PL" dirty="0" err="1" smtClean="0"/>
-              <a:t>Traits</a:t>
-            </a:r>
-            <a:endParaRPr lang="pl-PL" dirty="0" smtClean="0"/>
-          </a:p>
-          <a:p>
-            <a:r>
-              <a:rPr lang="pl-PL" dirty="0" err="1" smtClean="0"/>
-              <a:t>Sealed</a:t>
-            </a:r>
+              <a:t>Poprawianie klas, których nie możemy zmienić lub nie chcemy rozszerzać</a:t>
+            </a:r>
+          </a:p>
+          <a:p>
             <a:r>
               <a:rPr lang="pl-PL" dirty="0" smtClean="0"/>
-              <a:t> </a:t>
-            </a:r>
-            <a:r>
-              <a:rPr lang="pl-PL" dirty="0" err="1" smtClean="0"/>
-              <a:t>traits</a:t>
-            </a:r>
-            <a:endParaRPr lang="pl-PL" dirty="0" smtClean="0"/>
-          </a:p>
-          <a:p>
-            <a:r>
-              <a:rPr lang="pl-PL" dirty="0" err="1" smtClean="0"/>
-              <a:t>Companion</a:t>
-            </a:r>
-            <a:r>
-              <a:rPr lang="pl-PL" dirty="0" smtClean="0"/>
-              <a:t> </a:t>
-            </a:r>
-            <a:r>
-              <a:rPr lang="pl-PL" dirty="0" err="1" smtClean="0"/>
-              <a:t>objects</a:t>
-            </a:r>
-            <a:endParaRPr lang="pl-PL" dirty="0" smtClean="0"/>
-          </a:p>
-          <a:p>
-            <a:r>
-              <a:rPr lang="pl-PL" dirty="0" err="1" smtClean="0"/>
-              <a:t>Aliasy</a:t>
-            </a:r>
-            <a:r>
-              <a:rPr lang="pl-PL" smtClean="0"/>
-              <a:t> dla typów</a:t>
-            </a:r>
-            <a:endParaRPr lang="pl-PL" dirty="0" smtClean="0"/>
-          </a:p>
-          <a:p>
+              <a:t>Ukrywanie często wymaganych argumentów metod</a:t>
+            </a:r>
             <a:endParaRPr lang="pl-PL" dirty="0"/>
           </a:p>
         </p:txBody>
@@ -7312,7 +7352,7 @@
             <a:fld id="{359484F7-7C7A-4895-B82F-27C098609AFF}" type="datetime1">
               <a:rPr lang="pl-PL" smtClean="0"/>
               <a:pPr/>
-              <a:t>2013-07-13</a:t>
+              <a:t>2013-07-14</a:t>
             </a:fld>
             <a:r>
               <a:rPr lang="pl-PL" smtClean="0"/>
@@ -7366,49 +7406,68 @@
             </a:pPr>
             <a:r>
               <a:rPr lang="pl-PL" dirty="0" smtClean="0"/>
-              <a:t>MATERIAŁY</a:t>
-            </a:r>
-          </a:p>
-          <a:p>
-            <a:r>
-              <a:rPr lang="pl-PL" sz="2000" dirty="0" err="1" smtClean="0"/>
-              <a:t>git@vm-opensource-git.fp.lan:futures-training</a:t>
-            </a:r>
-            <a:r>
-              <a:rPr lang="pl-PL" sz="2000" dirty="0" smtClean="0"/>
-              <a:t>/</a:t>
-            </a:r>
-            <a:r>
-              <a:rPr lang="pl-PL" sz="2000" dirty="0" err="1" smtClean="0"/>
-              <a:t>futures-training.git</a:t>
-            </a:r>
-            <a:endParaRPr lang="pl-PL" sz="2000" dirty="0" smtClean="0"/>
-          </a:p>
-          <a:p>
-            <a:pPr>
-              <a:buNone/>
-            </a:pPr>
+              <a:t>Rozszerzenia paradygmatu obiektowego</a:t>
+            </a:r>
+          </a:p>
+          <a:p>
+            <a:r>
+              <a:rPr lang="pl-PL" dirty="0" err="1" smtClean="0"/>
+              <a:t>Traits</a:t>
+            </a:r>
+            <a:endParaRPr lang="pl-PL" dirty="0" smtClean="0"/>
+          </a:p>
+          <a:p>
+            <a:r>
+              <a:rPr lang="pl-PL" dirty="0" err="1" smtClean="0"/>
+              <a:t>Sealed</a:t>
+            </a:r>
             <a:r>
               <a:rPr lang="pl-PL" dirty="0" smtClean="0"/>
-              <a:t>ŹRÓDŁA</a:t>
-            </a:r>
-          </a:p>
-          <a:p>
-            <a:r>
-              <a:rPr lang="pl-PL" dirty="0" smtClean="0">
-                <a:hlinkClick r:id="rId2"/>
-              </a:rPr>
-              <a:t>http://scalaz.github.io/scalaz/scalaz-2.9.1-6.0.2/doc.sxr/scalaz/example/ExampleApplicative.scala.html</a:t>
+              <a:t> </a:t>
+            </a:r>
+            <a:r>
+              <a:rPr lang="pl-PL" dirty="0" err="1" smtClean="0"/>
+              <a:t>traits</a:t>
             </a:r>
             <a:endParaRPr lang="pl-PL" dirty="0" smtClean="0"/>
           </a:p>
           <a:p>
             <a:r>
-              <a:rPr lang="pl-PL" dirty="0" smtClean="0">
-                <a:hlinkClick r:id="rId3"/>
-              </a:rPr>
-              <a:t>http://jazzy.id.au/default/2012/10/16/benchmarking_scala_against_java.html</a:t>
-            </a:r>
+              <a:rPr lang="pl-PL" dirty="0" err="1" smtClean="0"/>
+              <a:t>Companion</a:t>
+            </a:r>
+            <a:r>
+              <a:rPr lang="pl-PL" dirty="0" smtClean="0"/>
+              <a:t> </a:t>
+            </a:r>
+            <a:r>
+              <a:rPr lang="pl-PL" dirty="0" err="1" smtClean="0"/>
+              <a:t>objects</a:t>
+            </a:r>
+            <a:endParaRPr lang="pl-PL" dirty="0" smtClean="0"/>
+          </a:p>
+          <a:p>
+            <a:r>
+              <a:rPr lang="pl-PL" dirty="0" err="1" smtClean="0"/>
+              <a:t>Aliasy</a:t>
+            </a:r>
+            <a:r>
+              <a:rPr lang="pl-PL" dirty="0" smtClean="0"/>
+              <a:t> dla </a:t>
+            </a:r>
+            <a:r>
+              <a:rPr lang="pl-PL" dirty="0" smtClean="0"/>
+              <a:t>typów</a:t>
+            </a:r>
+          </a:p>
+          <a:p>
+            <a:r>
+              <a:rPr lang="pl-PL" dirty="0" err="1" smtClean="0"/>
+              <a:t>Singleton</a:t>
+            </a:r>
+            <a:endParaRPr lang="pl-PL" dirty="0" smtClean="0"/>
+          </a:p>
+          <a:p>
             <a:endParaRPr lang="pl-PL" dirty="0"/>
           </a:p>
         </p:txBody>
@@ -7418,13 +7477,6 @@
   <p:clrMapOvr>
     <a:masterClrMapping/>
   </p:clrMapOvr>
-  <p:timing>
-    <p:tnLst>
-      <p:par>
-        <p:cTn id="1" dur="indefinite" restart="never" nodeType="tmRoot"/>
-      </p:par>
-    </p:tnLst>
-  </p:timing>
 </p:sld>
 </file>
 
@@ -7463,7 +7515,7 @@
             <a:fld id="{359484F7-7C7A-4895-B82F-27C098609AFF}" type="datetime1">
               <a:rPr lang="pl-PL" smtClean="0"/>
               <a:pPr/>
-              <a:t>2013-07-13</a:t>
+              <a:t>2013-07-14</a:t>
             </a:fld>
             <a:r>
               <a:rPr lang="pl-PL" smtClean="0"/>
@@ -7512,52 +7564,12 @@
           <a:bodyPr/>
           <a:lstStyle/>
           <a:p>
-            <a:pPr>
-              <a:buNone/>
-            </a:pPr>
             <a:r>
               <a:rPr lang="pl-PL" dirty="0" smtClean="0"/>
-              <a:t>Nauka Scali</a:t>
-            </a:r>
-          </a:p>
-          <a:p>
-            <a:r>
-              <a:rPr lang="pl-PL" dirty="0" smtClean="0">
-                <a:hlinkClick r:id="rId2"/>
-              </a:rPr>
-              <a:t>http://</a:t>
-            </a:r>
-            <a:r>
-              <a:rPr lang="pl-PL" dirty="0" smtClean="0">
-                <a:hlinkClick r:id="rId2"/>
-              </a:rPr>
-              <a:t>www.atomicscala.com/book</a:t>
-            </a:r>
-            <a:r>
-              <a:rPr lang="pl-PL" dirty="0" smtClean="0"/>
-              <a:t> by Bruce </a:t>
-            </a:r>
-            <a:r>
-              <a:rPr lang="pl-PL" dirty="0" err="1" smtClean="0"/>
-              <a:t>Eckel</a:t>
-            </a:r>
-            <a:endParaRPr lang="pl-PL" dirty="0" smtClean="0">
-              <a:hlinkClick r:id="rId3"/>
-            </a:endParaRPr>
-          </a:p>
-          <a:p>
-            <a:r>
-              <a:rPr lang="pl-PL" dirty="0" smtClean="0">
-                <a:hlinkClick r:id="rId3"/>
-              </a:rPr>
-              <a:t>http</a:t>
-            </a:r>
-            <a:r>
-              <a:rPr lang="pl-PL" dirty="0" smtClean="0">
-                <a:hlinkClick r:id="rId3"/>
-              </a:rPr>
-              <a:t>://twitter.github.io/scala_school/</a:t>
-            </a:r>
+              <a:t>Biblioteka standardowa</a:t>
+            </a:r>
+          </a:p>
+          <a:p>
             <a:endParaRPr lang="pl-PL" dirty="0"/>
           </a:p>
         </p:txBody>
@@ -7605,7 +7617,7 @@
             <a:fld id="{359484F7-7C7A-4895-B82F-27C098609AFF}" type="datetime1">
               <a:rPr lang="pl-PL" smtClean="0"/>
               <a:pPr/>
-              <a:t>2013-07-13</a:t>
+              <a:t>2013-07-14</a:t>
             </a:fld>
             <a:r>
               <a:rPr lang="pl-PL" smtClean="0"/>
@@ -7634,6 +7646,419 @@
               <a:rPr lang="pl-PL" smtClean="0"/>
               <a:pPr/>
               <a:t>18</a:t>
+            </a:fld>
+            <a:endParaRPr lang="pl-PL"/>
+          </a:p>
+        </p:txBody>
+      </p:sp>
+      <p:sp>
+        <p:nvSpPr>
+          <p:cNvPr id="4" name="Symbol zastępczy zawartości 3"/>
+          <p:cNvSpPr>
+            <a:spLocks noGrp="1"/>
+          </p:cNvSpPr>
+          <p:nvPr>
+            <p:ph idx="1"/>
+          </p:nvPr>
+        </p:nvSpPr>
+        <p:spPr/>
+        <p:txBody>
+          <a:bodyPr/>
+          <a:lstStyle/>
+          <a:p>
+            <a:pPr>
+              <a:buNone/>
+            </a:pPr>
+            <a:r>
+              <a:rPr lang="pl-PL" dirty="0" smtClean="0"/>
+              <a:t>MATERIAŁY</a:t>
+            </a:r>
+          </a:p>
+          <a:p>
+            <a:r>
+              <a:rPr lang="pl-PL" sz="2000" dirty="0" err="1" smtClean="0"/>
+              <a:t>git@vm-opensource-git.fp.lan:futures-training</a:t>
+            </a:r>
+            <a:r>
+              <a:rPr lang="pl-PL" sz="2000" dirty="0" smtClean="0"/>
+              <a:t>/</a:t>
+            </a:r>
+            <a:r>
+              <a:rPr lang="pl-PL" sz="2000" dirty="0" err="1" smtClean="0"/>
+              <a:t>futures-training.git</a:t>
+            </a:r>
+            <a:endParaRPr lang="pl-PL" sz="2000" dirty="0" smtClean="0"/>
+          </a:p>
+          <a:p>
+            <a:pPr>
+              <a:buNone/>
+            </a:pPr>
+            <a:r>
+              <a:rPr lang="pl-PL" dirty="0" smtClean="0"/>
+              <a:t>ŹRÓDŁA</a:t>
+            </a:r>
+          </a:p>
+          <a:p>
+            <a:r>
+              <a:rPr lang="pl-PL" dirty="0" smtClean="0">
+                <a:hlinkClick r:id="rId2"/>
+              </a:rPr>
+              <a:t>http://scalaz.github.io/scalaz/scalaz-2.9.1-6.0.2/doc.sxr/scalaz/example/ExampleApplicative.scala.html</a:t>
+            </a:r>
+            <a:endParaRPr lang="pl-PL" dirty="0" smtClean="0"/>
+          </a:p>
+          <a:p>
+            <a:r>
+              <a:rPr lang="pl-PL" dirty="0" smtClean="0">
+                <a:hlinkClick r:id="rId3"/>
+              </a:rPr>
+              <a:t>http://jazzy.id.au/default/2012/10/16/benchmarking_scala_against_java.html</a:t>
+            </a:r>
+            <a:endParaRPr lang="pl-PL" dirty="0"/>
+          </a:p>
+        </p:txBody>
+      </p:sp>
+    </p:spTree>
+  </p:cSld>
+  <p:clrMapOvr>
+    <a:masterClrMapping/>
+  </p:clrMapOvr>
+  <p:timing>
+    <p:tnLst>
+      <p:par>
+        <p:cTn id="1" dur="indefinite" restart="never" nodeType="tmRoot"/>
+      </p:par>
+    </p:tnLst>
+  </p:timing>
+</p:sld>
+</file>
+
+<file path=ppt/slides/slide19.xml><?xml version="1.0" encoding="utf-8"?>
+<p:sld xmlns:a="http://schemas.openxmlformats.org/drawingml/2006/main" xmlns:r="http://schemas.openxmlformats.org/officeDocument/2006/relationships" xmlns:p="http://schemas.openxmlformats.org/presentationml/2006/main">
+  <p:cSld>
+    <p:spTree>
+      <p:nvGrpSpPr>
+        <p:cNvPr id="1" name=""/>
+        <p:cNvGrpSpPr/>
+        <p:nvPr/>
+      </p:nvGrpSpPr>
+      <p:grpSpPr>
+        <a:xfrm>
+          <a:off x="0" y="0"/>
+          <a:ext cx="0" cy="0"/>
+          <a:chOff x="0" y="0"/>
+          <a:chExt cx="0" cy="0"/>
+        </a:xfrm>
+      </p:grpSpPr>
+      <p:sp>
+        <p:nvSpPr>
+          <p:cNvPr id="2" name="Symbol zastępczy daty 1"/>
+          <p:cNvSpPr>
+            <a:spLocks noGrp="1"/>
+          </p:cNvSpPr>
+          <p:nvPr>
+            <p:ph type="dt" sz="half" idx="10"/>
+          </p:nvPr>
+        </p:nvSpPr>
+        <p:spPr/>
+        <p:txBody>
+          <a:bodyPr/>
+          <a:lstStyle/>
+          <a:p>
+            <a:fld id="{359484F7-7C7A-4895-B82F-27C098609AFF}" type="datetime1">
+              <a:rPr lang="pl-PL" smtClean="0"/>
+              <a:pPr/>
+              <a:t>2013-07-14</a:t>
+            </a:fld>
+            <a:r>
+              <a:rPr lang="pl-PL" smtClean="0"/>
+              <a:t>  |  Gliwice</a:t>
+            </a:r>
+            <a:endParaRPr lang="pl-PL" dirty="0"/>
+          </a:p>
+        </p:txBody>
+      </p:sp>
+      <p:sp>
+        <p:nvSpPr>
+          <p:cNvPr id="3" name="Symbol zastępczy numeru slajdu 2"/>
+          <p:cNvSpPr>
+            <a:spLocks noGrp="1"/>
+          </p:cNvSpPr>
+          <p:nvPr>
+            <p:ph type="sldNum" sz="quarter" idx="12"/>
+          </p:nvPr>
+        </p:nvSpPr>
+        <p:spPr/>
+        <p:txBody>
+          <a:bodyPr/>
+          <a:lstStyle/>
+          <a:p>
+            <a:fld id="{AB8D87DA-8905-40F0-85F7-F6E49E4446E9}" type="slidenum">
+              <a:rPr lang="pl-PL" smtClean="0"/>
+              <a:pPr/>
+              <a:t>19</a:t>
+            </a:fld>
+            <a:endParaRPr lang="pl-PL"/>
+          </a:p>
+        </p:txBody>
+      </p:sp>
+      <p:sp>
+        <p:nvSpPr>
+          <p:cNvPr id="4" name="Symbol zastępczy zawartości 3"/>
+          <p:cNvSpPr>
+            <a:spLocks noGrp="1"/>
+          </p:cNvSpPr>
+          <p:nvPr>
+            <p:ph idx="1"/>
+          </p:nvPr>
+        </p:nvSpPr>
+        <p:spPr/>
+        <p:txBody>
+          <a:bodyPr/>
+          <a:lstStyle/>
+          <a:p>
+            <a:pPr>
+              <a:buNone/>
+            </a:pPr>
+            <a:r>
+              <a:rPr lang="pl-PL" dirty="0" smtClean="0"/>
+              <a:t>Nauka Scali</a:t>
+            </a:r>
+          </a:p>
+          <a:p>
+            <a:r>
+              <a:rPr lang="pl-PL" dirty="0" smtClean="0">
+                <a:hlinkClick r:id="rId2"/>
+              </a:rPr>
+              <a:t>http://www.atomicscala.com/book</a:t>
+            </a:r>
+            <a:r>
+              <a:rPr lang="pl-PL" dirty="0" smtClean="0"/>
+              <a:t> by Bruce </a:t>
+            </a:r>
+            <a:r>
+              <a:rPr lang="pl-PL" dirty="0" err="1" smtClean="0"/>
+              <a:t>Eckel</a:t>
+            </a:r>
+            <a:endParaRPr lang="pl-PL" dirty="0" smtClean="0">
+              <a:hlinkClick r:id="rId3"/>
+            </a:endParaRPr>
+          </a:p>
+          <a:p>
+            <a:r>
+              <a:rPr lang="pl-PL" dirty="0" smtClean="0">
+                <a:hlinkClick r:id="rId3"/>
+              </a:rPr>
+              <a:t>http://twitter.github.io/scala_school/</a:t>
+            </a:r>
+            <a:endParaRPr lang="pl-PL" dirty="0"/>
+          </a:p>
+        </p:txBody>
+      </p:sp>
+    </p:spTree>
+  </p:cSld>
+  <p:clrMapOvr>
+    <a:masterClrMapping/>
+  </p:clrMapOvr>
+</p:sld>
+</file>
+
+<file path=ppt/slides/slide2.xml><?xml version="1.0" encoding="utf-8"?>
+<p:sld xmlns:a="http://schemas.openxmlformats.org/drawingml/2006/main" xmlns:r="http://schemas.openxmlformats.org/officeDocument/2006/relationships" xmlns:p="http://schemas.openxmlformats.org/presentationml/2006/main">
+  <p:cSld>
+    <p:spTree>
+      <p:nvGrpSpPr>
+        <p:cNvPr id="1" name=""/>
+        <p:cNvGrpSpPr/>
+        <p:nvPr/>
+      </p:nvGrpSpPr>
+      <p:grpSpPr>
+        <a:xfrm>
+          <a:off x="0" y="0"/>
+          <a:ext cx="0" cy="0"/>
+          <a:chOff x="0" y="0"/>
+          <a:chExt cx="0" cy="0"/>
+        </a:xfrm>
+      </p:grpSpPr>
+      <p:sp>
+        <p:nvSpPr>
+          <p:cNvPr id="2" name="Symbol zastępczy daty 1"/>
+          <p:cNvSpPr>
+            <a:spLocks noGrp="1"/>
+          </p:cNvSpPr>
+          <p:nvPr>
+            <p:ph type="dt" sz="half" idx="10"/>
+          </p:nvPr>
+        </p:nvSpPr>
+        <p:spPr/>
+        <p:txBody>
+          <a:bodyPr/>
+          <a:lstStyle/>
+          <a:p>
+            <a:fld id="{359484F7-7C7A-4895-B82F-27C098609AFF}" type="datetime1">
+              <a:rPr lang="pl-PL" smtClean="0"/>
+              <a:pPr/>
+              <a:t>2013-07-14</a:t>
+            </a:fld>
+            <a:r>
+              <a:rPr lang="pl-PL" smtClean="0"/>
+              <a:t>  |  Gliwice</a:t>
+            </a:r>
+            <a:endParaRPr lang="pl-PL" dirty="0"/>
+          </a:p>
+        </p:txBody>
+      </p:sp>
+      <p:sp>
+        <p:nvSpPr>
+          <p:cNvPr id="5" name="Prostokąt zaokrąglony 4"/>
+          <p:cNvSpPr/>
+          <p:nvPr/>
+        </p:nvSpPr>
+        <p:spPr>
+          <a:xfrm>
+            <a:off x="323528" y="2996952"/>
+            <a:ext cx="8568952" cy="1512168"/>
+          </a:xfrm>
+          <a:prstGeom prst="roundRect">
+            <a:avLst/>
+          </a:prstGeom>
+          <a:solidFill>
+            <a:srgbClr val="FFFFFF">
+              <a:alpha val="10196"/>
+            </a:srgbClr>
+          </a:solidFill>
+          <a:ln>
+            <a:solidFill>
+              <a:schemeClr val="bg1"/>
+            </a:solidFill>
+          </a:ln>
+        </p:spPr>
+        <p:style>
+          <a:lnRef idx="2">
+            <a:schemeClr val="accent1">
+              <a:shade val="50000"/>
+            </a:schemeClr>
+          </a:lnRef>
+          <a:fillRef idx="1">
+            <a:schemeClr val="accent1"/>
+          </a:fillRef>
+          <a:effectRef idx="0">
+            <a:schemeClr val="accent1"/>
+          </a:effectRef>
+          <a:fontRef idx="minor">
+            <a:schemeClr val="lt1"/>
+          </a:fontRef>
+        </p:style>
+        <p:txBody>
+          <a:bodyPr rtlCol="0" anchor="ctr"/>
+          <a:lstStyle/>
+          <a:p>
+            <a:pPr algn="ctr">
+              <a:buNone/>
+            </a:pPr>
+            <a:r>
+              <a:rPr lang="pl-PL" sz="4000" dirty="0" smtClean="0"/>
+              <a:t>Materiały i </a:t>
+            </a:r>
+            <a:r>
+              <a:rPr lang="pl-PL" sz="4000" dirty="0" smtClean="0"/>
+              <a:t>prezentacja:</a:t>
+            </a:r>
+            <a:br>
+              <a:rPr lang="pl-PL" sz="4000" dirty="0" smtClean="0"/>
+            </a:br>
+            <a:r>
+              <a:rPr lang="pl-PL" sz="2800" dirty="0" smtClean="0">
+                <a:solidFill>
+                  <a:schemeClr val="bg1"/>
+                </a:solidFill>
+                <a:latin typeface="Consolas" pitchFamily="49" charset="0"/>
+                <a:cs typeface="Consolas" pitchFamily="49" charset="0"/>
+              </a:rPr>
+              <a:t>https://github.com/msulima/scala-sugar</a:t>
+            </a:r>
+            <a:endParaRPr lang="pl-PL" sz="4000" dirty="0">
+              <a:solidFill>
+                <a:schemeClr val="bg1"/>
+              </a:solidFill>
+              <a:latin typeface="Consolas" pitchFamily="49" charset="0"/>
+              <a:cs typeface="Consolas" pitchFamily="49" charset="0"/>
+            </a:endParaRPr>
+          </a:p>
+        </p:txBody>
+      </p:sp>
+    </p:spTree>
+  </p:cSld>
+  <p:clrMapOvr>
+    <a:masterClrMapping/>
+  </p:clrMapOvr>
+</p:sld>
+</file>
+
+<file path=ppt/slides/slide20.xml><?xml version="1.0" encoding="utf-8"?>
+<p:sld xmlns:a="http://schemas.openxmlformats.org/drawingml/2006/main" xmlns:r="http://schemas.openxmlformats.org/officeDocument/2006/relationships" xmlns:p="http://schemas.openxmlformats.org/presentationml/2006/main">
+  <p:cSld>
+    <p:spTree>
+      <p:nvGrpSpPr>
+        <p:cNvPr id="1" name=""/>
+        <p:cNvGrpSpPr/>
+        <p:nvPr/>
+      </p:nvGrpSpPr>
+      <p:grpSpPr>
+        <a:xfrm>
+          <a:off x="0" y="0"/>
+          <a:ext cx="0" cy="0"/>
+          <a:chOff x="0" y="0"/>
+          <a:chExt cx="0" cy="0"/>
+        </a:xfrm>
+      </p:grpSpPr>
+      <p:sp>
+        <p:nvSpPr>
+          <p:cNvPr id="2" name="Symbol zastępczy daty 1"/>
+          <p:cNvSpPr>
+            <a:spLocks noGrp="1"/>
+          </p:cNvSpPr>
+          <p:nvPr>
+            <p:ph type="dt" sz="half" idx="10"/>
+          </p:nvPr>
+        </p:nvSpPr>
+        <p:spPr/>
+        <p:txBody>
+          <a:bodyPr/>
+          <a:lstStyle/>
+          <a:p>
+            <a:fld id="{359484F7-7C7A-4895-B82F-27C098609AFF}" type="datetime1">
+              <a:rPr lang="pl-PL" smtClean="0"/>
+              <a:pPr/>
+              <a:t>2013-07-14</a:t>
+            </a:fld>
+            <a:r>
+              <a:rPr lang="pl-PL" smtClean="0"/>
+              <a:t>  |  Gliwice</a:t>
+            </a:r>
+            <a:endParaRPr lang="pl-PL" dirty="0"/>
+          </a:p>
+        </p:txBody>
+      </p:sp>
+      <p:sp>
+        <p:nvSpPr>
+          <p:cNvPr id="3" name="Symbol zastępczy numeru slajdu 2"/>
+          <p:cNvSpPr>
+            <a:spLocks noGrp="1"/>
+          </p:cNvSpPr>
+          <p:nvPr>
+            <p:ph type="sldNum" sz="quarter" idx="12"/>
+          </p:nvPr>
+        </p:nvSpPr>
+        <p:spPr/>
+        <p:txBody>
+          <a:bodyPr/>
+          <a:lstStyle/>
+          <a:p>
+            <a:fld id="{AB8D87DA-8905-40F0-85F7-F6E49E4446E9}" type="slidenum">
+              <a:rPr lang="pl-PL" smtClean="0"/>
+              <a:pPr/>
+              <a:t>20</a:t>
             </a:fld>
             <a:endParaRPr lang="pl-PL"/>
           </a:p>
@@ -7699,7 +8124,7 @@
 </p:sld>
 </file>
 
-<file path=ppt/slides/slide19.xml><?xml version="1.0" encoding="utf-8"?>
+<file path=ppt/slides/slide21.xml><?xml version="1.0" encoding="utf-8"?>
 <p:sld xmlns:a="http://schemas.openxmlformats.org/drawingml/2006/main" xmlns:r="http://schemas.openxmlformats.org/officeDocument/2006/relationships" xmlns:p="http://schemas.openxmlformats.org/presentationml/2006/main">
   <p:cSld>
     <p:spTree>
@@ -7734,7 +8159,7 @@
             <a:fld id="{359484F7-7C7A-4895-B82F-27C098609AFF}" type="datetime1">
               <a:rPr lang="pl-PL" smtClean="0"/>
               <a:pPr/>
-              <a:t>2013-07-13</a:t>
+              <a:t>2013-07-14</a:t>
             </a:fld>
             <a:r>
               <a:rPr lang="pl-PL" smtClean="0"/>
@@ -7762,7 +8187,7 @@
             <a:fld id="{AB8D87DA-8905-40F0-85F7-F6E49E4446E9}" type="slidenum">
               <a:rPr lang="pl-PL" smtClean="0"/>
               <a:pPr/>
-              <a:t>19</a:t>
+              <a:t>21</a:t>
             </a:fld>
             <a:endParaRPr lang="pl-PL"/>
           </a:p>
@@ -7882,7 +8307,7 @@
 </p:sld>
 </file>
 
-<file path=ppt/slides/slide2.xml><?xml version="1.0" encoding="utf-8"?>
+<file path=ppt/slides/slide22.xml><?xml version="1.0" encoding="utf-8"?>
 <p:sld xmlns:a="http://schemas.openxmlformats.org/drawingml/2006/main" xmlns:r="http://schemas.openxmlformats.org/officeDocument/2006/relationships" xmlns:p="http://schemas.openxmlformats.org/presentationml/2006/main">
   <p:cSld>
     <p:spTree>
@@ -7906,7 +8331,7 @@
             <a:spLocks noGrp="1"/>
           </p:cNvSpPr>
           <p:nvPr>
-            <p:ph type="dt" sz="half" idx="10"/>
+            <p:ph type="dt" sz="half" idx="2"/>
           </p:nvPr>
         </p:nvSpPr>
         <p:spPr/>
@@ -7917,159 +8342,7 @@
             <a:fld id="{359484F7-7C7A-4895-B82F-27C098609AFF}" type="datetime1">
               <a:rPr lang="pl-PL" smtClean="0"/>
               <a:pPr/>
-              <a:t>2013-07-13</a:t>
-            </a:fld>
-            <a:r>
-              <a:rPr lang="pl-PL" smtClean="0"/>
-              <a:t>  |  Gliwice</a:t>
-            </a:r>
-            <a:endParaRPr lang="pl-PL" dirty="0"/>
-          </a:p>
-        </p:txBody>
-      </p:sp>
-      <p:sp>
-        <p:nvSpPr>
-          <p:cNvPr id="3" name="Slide Number Placeholder 2"/>
-          <p:cNvSpPr>
-            <a:spLocks noGrp="1"/>
-          </p:cNvSpPr>
-          <p:nvPr>
-            <p:ph type="sldNum" sz="quarter" idx="12"/>
-          </p:nvPr>
-        </p:nvSpPr>
-        <p:spPr/>
-        <p:txBody>
-          <a:bodyPr/>
-          <a:lstStyle/>
-          <a:p>
-            <a:fld id="{AB8D87DA-8905-40F0-85F7-F6E49E4446E9}" type="slidenum">
-              <a:rPr lang="pl-PL" smtClean="0"/>
-              <a:pPr/>
-              <a:t>2</a:t>
-            </a:fld>
-            <a:endParaRPr lang="pl-PL"/>
-          </a:p>
-        </p:txBody>
-      </p:sp>
-      <p:sp>
-        <p:nvSpPr>
-          <p:cNvPr id="4" name="Content Placeholder 3"/>
-          <p:cNvSpPr>
-            <a:spLocks noGrp="1"/>
-          </p:cNvSpPr>
-          <p:nvPr>
-            <p:ph idx="1"/>
-          </p:nvPr>
-        </p:nvSpPr>
-        <p:spPr/>
-        <p:txBody>
-          <a:bodyPr/>
-          <a:lstStyle/>
-          <a:p>
-            <a:r>
-              <a:rPr lang="pl-PL" dirty="0" smtClean="0"/>
-              <a:t>Czym jest Scala:</a:t>
-            </a:r>
-          </a:p>
-          <a:p>
-            <a:r>
-              <a:rPr lang="pl-PL" dirty="0" smtClean="0"/>
-              <a:t>Działa pod JVM</a:t>
-            </a:r>
-          </a:p>
-          <a:p>
-            <a:r>
-              <a:rPr lang="pl-PL" dirty="0" smtClean="0"/>
-              <a:t>Statyczne typowanie</a:t>
-            </a:r>
-          </a:p>
-          <a:p>
-            <a:r>
-              <a:rPr lang="pl-PL" dirty="0" smtClean="0"/>
-              <a:t>Mieszany paradygmat</a:t>
-            </a:r>
-          </a:p>
-          <a:p>
-            <a:pPr lvl="1"/>
-            <a:r>
-              <a:rPr lang="pl-PL" dirty="0" smtClean="0"/>
-              <a:t>Obiektowy</a:t>
-            </a:r>
-          </a:p>
-          <a:p>
-            <a:pPr lvl="1"/>
-            <a:r>
-              <a:rPr lang="pl-PL" dirty="0" smtClean="0"/>
-              <a:t>Funkcyjny</a:t>
-            </a:r>
-          </a:p>
-          <a:p>
-            <a:r>
-              <a:rPr lang="pl-PL" dirty="0" smtClean="0"/>
-              <a:t>Dla zawodowych developerów</a:t>
-            </a:r>
-          </a:p>
-          <a:p>
-            <a:endParaRPr lang="pl-PL" dirty="0" smtClean="0"/>
-          </a:p>
-        </p:txBody>
-      </p:sp>
-    </p:spTree>
-    <p:extLst>
-      <p:ext uri="{BB962C8B-B14F-4D97-AF65-F5344CB8AC3E}">
-        <p14:creationId xmlns="" xmlns:p14="http://schemas.microsoft.com/office/powerpoint/2010/main" val="2325664095"/>
-      </p:ext>
-    </p:extLst>
-  </p:cSld>
-  <p:clrMapOvr>
-    <a:masterClrMapping/>
-  </p:clrMapOvr>
-  <p:timing>
-    <p:tnLst>
-      <p:par>
-        <p:cTn id="1" dur="indefinite" restart="never" nodeType="tmRoot"/>
-      </p:par>
-    </p:tnLst>
-  </p:timing>
-</p:sld>
-</file>
-
-<file path=ppt/slides/slide20.xml><?xml version="1.0" encoding="utf-8"?>
-<p:sld xmlns:a="http://schemas.openxmlformats.org/drawingml/2006/main" xmlns:r="http://schemas.openxmlformats.org/officeDocument/2006/relationships" xmlns:p="http://schemas.openxmlformats.org/presentationml/2006/main">
-  <p:cSld>
-    <p:spTree>
-      <p:nvGrpSpPr>
-        <p:cNvPr id="1" name=""/>
-        <p:cNvGrpSpPr/>
-        <p:nvPr/>
-      </p:nvGrpSpPr>
-      <p:grpSpPr>
-        <a:xfrm>
-          <a:off x="0" y="0"/>
-          <a:ext cx="0" cy="0"/>
-          <a:chOff x="0" y="0"/>
-          <a:chExt cx="0" cy="0"/>
-        </a:xfrm>
-      </p:grpSpPr>
-      <p:sp>
-        <p:nvSpPr>
-          <p:cNvPr id="2" name="Date Placeholder 1"/>
-          <p:cNvSpPr>
-            <a:spLocks noGrp="1"/>
-          </p:cNvSpPr>
-          <p:nvPr>
-            <p:ph type="dt" sz="half" idx="2"/>
-          </p:nvPr>
-        </p:nvSpPr>
-        <p:spPr/>
-        <p:txBody>
-          <a:bodyPr/>
-          <a:lstStyle/>
-          <a:p>
-            <a:fld id="{359484F7-7C7A-4895-B82F-27C098609AFF}" type="datetime1">
-              <a:rPr lang="pl-PL" smtClean="0"/>
-              <a:pPr/>
-              <a:t>2013-07-13</a:t>
+              <a:t>2013-07-14</a:t>
             </a:fld>
             <a:r>
               <a:rPr lang="pl-PL" smtClean="0"/>
@@ -8118,7 +8391,7 @@
       </p:grpSpPr>
       <p:sp>
         <p:nvSpPr>
-          <p:cNvPr id="2" name="Symbol zastępczy daty 1"/>
+          <p:cNvPr id="2" name="Date Placeholder 1"/>
           <p:cNvSpPr>
             <a:spLocks noGrp="1"/>
           </p:cNvSpPr>
@@ -8134,7 +8407,7 @@
             <a:fld id="{359484F7-7C7A-4895-B82F-27C098609AFF}" type="datetime1">
               <a:rPr lang="pl-PL" smtClean="0"/>
               <a:pPr/>
-              <a:t>2013-07-13</a:t>
+              <a:t>2013-07-14</a:t>
             </a:fld>
             <a:r>
               <a:rPr lang="pl-PL" smtClean="0"/>
@@ -8146,7 +8419,7 @@
       </p:sp>
       <p:sp>
         <p:nvSpPr>
-          <p:cNvPr id="3" name="Symbol zastępczy numeru slajdu 2"/>
+          <p:cNvPr id="3" name="Slide Number Placeholder 2"/>
           <p:cNvSpPr>
             <a:spLocks noGrp="1"/>
           </p:cNvSpPr>
@@ -8170,7 +8443,7 @@
       </p:sp>
       <p:sp>
         <p:nvSpPr>
-          <p:cNvPr id="5" name="Symbol zastępczy zawartości 4"/>
+          <p:cNvPr id="4" name="Content Placeholder 3"/>
           <p:cNvSpPr>
             <a:spLocks noGrp="1"/>
           </p:cNvSpPr>
@@ -8188,805 +8461,73 @@
             </a:pPr>
             <a:r>
               <a:rPr lang="pl-PL" dirty="0" smtClean="0"/>
-              <a:t>Scala może wyglądać jak Java</a:t>
-            </a:r>
-          </a:p>
-          <a:p>
-            <a:pPr>
-              <a:buNone/>
-            </a:pPr>
-            <a:r>
-              <a:rPr lang="pl-PL" sz="1600" dirty="0" err="1" smtClean="0">
-                <a:latin typeface="Consolas" pitchFamily="49" charset="0"/>
-                <a:cs typeface="Consolas" pitchFamily="49" charset="0"/>
-              </a:rPr>
-              <a:t>package</a:t>
-            </a:r>
-            <a:r>
-              <a:rPr lang="pl-PL" sz="1600" dirty="0" smtClean="0">
-                <a:latin typeface="Consolas" pitchFamily="49" charset="0"/>
-                <a:cs typeface="Consolas" pitchFamily="49" charset="0"/>
-              </a:rPr>
-              <a:t> </a:t>
-            </a:r>
-            <a:r>
-              <a:rPr lang="pl-PL" sz="1600" dirty="0" err="1" smtClean="0">
-                <a:solidFill>
-                  <a:srgbClr val="555555"/>
-                </a:solidFill>
-                <a:latin typeface="Consolas" pitchFamily="49" charset="0"/>
-                <a:cs typeface="Consolas" pitchFamily="49" charset="0"/>
-              </a:rPr>
-              <a:t>com.futureprocessing.scala_sugar</a:t>
-            </a:r>
-            <a:endParaRPr lang="pl-PL" sz="1600" dirty="0" smtClean="0">
-              <a:latin typeface="Consolas" pitchFamily="49" charset="0"/>
-              <a:cs typeface="Consolas" pitchFamily="49" charset="0"/>
-            </a:endParaRPr>
-          </a:p>
-          <a:p>
-            <a:pPr>
-              <a:buNone/>
-            </a:pPr>
-            <a:r>
-              <a:rPr lang="pl-PL" sz="1600" dirty="0" smtClean="0">
-                <a:latin typeface="Consolas" pitchFamily="49" charset="0"/>
-                <a:cs typeface="Consolas" pitchFamily="49" charset="0"/>
-              </a:rPr>
-              <a:t> </a:t>
-            </a:r>
-          </a:p>
-          <a:p>
-            <a:pPr>
-              <a:buNone/>
-            </a:pPr>
-            <a:r>
-              <a:rPr lang="pl-PL" sz="1600" dirty="0" err="1" smtClean="0">
-                <a:latin typeface="Consolas" pitchFamily="49" charset="0"/>
-                <a:cs typeface="Consolas" pitchFamily="49" charset="0"/>
-              </a:rPr>
-              <a:t>object</a:t>
-            </a:r>
-            <a:r>
-              <a:rPr lang="pl-PL" sz="1600" dirty="0" smtClean="0">
-                <a:latin typeface="Consolas" pitchFamily="49" charset="0"/>
-                <a:cs typeface="Consolas" pitchFamily="49" charset="0"/>
-              </a:rPr>
-              <a:t> </a:t>
-            </a:r>
-            <a:r>
-              <a:rPr lang="pl-PL" sz="1600" dirty="0" err="1" smtClean="0">
-                <a:solidFill>
-                  <a:srgbClr val="445588"/>
-                </a:solidFill>
-                <a:latin typeface="Consolas" pitchFamily="49" charset="0"/>
-                <a:cs typeface="Consolas" pitchFamily="49" charset="0"/>
-              </a:rPr>
-              <a:t>StringsScalaLikeJava</a:t>
-            </a:r>
-            <a:r>
-              <a:rPr lang="pl-PL" sz="1600" dirty="0" smtClean="0">
-                <a:latin typeface="Consolas" pitchFamily="49" charset="0"/>
-                <a:cs typeface="Consolas" pitchFamily="49" charset="0"/>
-              </a:rPr>
-              <a:t> {</a:t>
-            </a:r>
-          </a:p>
-          <a:p>
-            <a:pPr>
-              <a:buNone/>
-            </a:pPr>
-            <a:r>
-              <a:rPr lang="pl-PL" sz="1600" dirty="0" smtClean="0">
-                <a:latin typeface="Consolas" pitchFamily="49" charset="0"/>
-                <a:cs typeface="Consolas" pitchFamily="49" charset="0"/>
-              </a:rPr>
-              <a:t> </a:t>
-            </a:r>
-          </a:p>
-          <a:p>
-            <a:pPr>
-              <a:buNone/>
-            </a:pPr>
-            <a:r>
-              <a:rPr lang="pl-PL" sz="1600" dirty="0" smtClean="0">
-                <a:latin typeface="Consolas" pitchFamily="49" charset="0"/>
-                <a:cs typeface="Consolas" pitchFamily="49" charset="0"/>
-              </a:rPr>
-              <a:t>    </a:t>
-            </a:r>
-            <a:r>
-              <a:rPr lang="pl-PL" sz="1600" dirty="0" err="1" smtClean="0">
-                <a:latin typeface="Consolas" pitchFamily="49" charset="0"/>
-                <a:cs typeface="Consolas" pitchFamily="49" charset="0"/>
-              </a:rPr>
-              <a:t>def</a:t>
-            </a:r>
-            <a:r>
-              <a:rPr lang="pl-PL" sz="1600" dirty="0" smtClean="0">
-                <a:latin typeface="Consolas" pitchFamily="49" charset="0"/>
-                <a:cs typeface="Consolas" pitchFamily="49" charset="0"/>
-              </a:rPr>
-              <a:t> </a:t>
-            </a:r>
-            <a:r>
-              <a:rPr lang="pl-PL" sz="1600" dirty="0" err="1" smtClean="0">
-                <a:solidFill>
-                  <a:srgbClr val="333333"/>
-                </a:solidFill>
-                <a:latin typeface="Consolas" pitchFamily="49" charset="0"/>
-                <a:cs typeface="Consolas" pitchFamily="49" charset="0"/>
-              </a:rPr>
-              <a:t>padStart</a:t>
-            </a:r>
-            <a:r>
-              <a:rPr lang="pl-PL" sz="1600" dirty="0" smtClean="0">
-                <a:latin typeface="Consolas" pitchFamily="49" charset="0"/>
-                <a:cs typeface="Consolas" pitchFamily="49" charset="0"/>
-              </a:rPr>
-              <a:t>(</a:t>
-            </a:r>
-            <a:r>
-              <a:rPr lang="pl-PL" sz="1600" dirty="0" err="1" smtClean="0">
-                <a:solidFill>
-                  <a:srgbClr val="333333"/>
-                </a:solidFill>
-                <a:latin typeface="Consolas" pitchFamily="49" charset="0"/>
-                <a:cs typeface="Consolas" pitchFamily="49" charset="0"/>
-              </a:rPr>
-              <a:t>string</a:t>
-            </a:r>
-            <a:r>
-              <a:rPr lang="pl-PL" sz="1600" dirty="0" smtClean="0">
-                <a:latin typeface="Consolas" pitchFamily="49" charset="0"/>
-                <a:cs typeface="Consolas" pitchFamily="49" charset="0"/>
-              </a:rPr>
-              <a:t>: </a:t>
-            </a:r>
-            <a:r>
-              <a:rPr lang="pl-PL" sz="1600" dirty="0" err="1" smtClean="0">
-                <a:solidFill>
-                  <a:srgbClr val="445588"/>
-                </a:solidFill>
-                <a:latin typeface="Consolas" pitchFamily="49" charset="0"/>
-                <a:cs typeface="Consolas" pitchFamily="49" charset="0"/>
-              </a:rPr>
-              <a:t>String</a:t>
-            </a:r>
-            <a:r>
-              <a:rPr lang="pl-PL" sz="1600" dirty="0" smtClean="0">
-                <a:latin typeface="Consolas" pitchFamily="49" charset="0"/>
-                <a:cs typeface="Consolas" pitchFamily="49" charset="0"/>
-              </a:rPr>
-              <a:t>, </a:t>
-            </a:r>
-            <a:r>
-              <a:rPr lang="pl-PL" sz="1600" dirty="0" err="1" smtClean="0">
-                <a:solidFill>
-                  <a:srgbClr val="333333"/>
-                </a:solidFill>
-                <a:latin typeface="Consolas" pitchFamily="49" charset="0"/>
-                <a:cs typeface="Consolas" pitchFamily="49" charset="0"/>
-              </a:rPr>
-              <a:t>minLength</a:t>
-            </a:r>
-            <a:r>
-              <a:rPr lang="pl-PL" sz="1600" dirty="0" smtClean="0">
-                <a:latin typeface="Consolas" pitchFamily="49" charset="0"/>
-                <a:cs typeface="Consolas" pitchFamily="49" charset="0"/>
-              </a:rPr>
-              <a:t>: </a:t>
-            </a:r>
-            <a:r>
-              <a:rPr lang="pl-PL" sz="1600" dirty="0" err="1" smtClean="0">
-                <a:solidFill>
-                  <a:srgbClr val="445588"/>
-                </a:solidFill>
-                <a:latin typeface="Consolas" pitchFamily="49" charset="0"/>
-                <a:cs typeface="Consolas" pitchFamily="49" charset="0"/>
-              </a:rPr>
-              <a:t>Int</a:t>
-            </a:r>
-            <a:r>
-              <a:rPr lang="pl-PL" sz="1600" dirty="0" smtClean="0">
-                <a:latin typeface="Consolas" pitchFamily="49" charset="0"/>
-                <a:cs typeface="Consolas" pitchFamily="49" charset="0"/>
-              </a:rPr>
-              <a:t>, </a:t>
-            </a:r>
-            <a:r>
-              <a:rPr lang="pl-PL" sz="1600" dirty="0" err="1" smtClean="0">
-                <a:solidFill>
-                  <a:srgbClr val="333333"/>
-                </a:solidFill>
-                <a:latin typeface="Consolas" pitchFamily="49" charset="0"/>
-                <a:cs typeface="Consolas" pitchFamily="49" charset="0"/>
-              </a:rPr>
-              <a:t>padChar</a:t>
-            </a:r>
-            <a:r>
-              <a:rPr lang="pl-PL" sz="1600" dirty="0" smtClean="0">
-                <a:latin typeface="Consolas" pitchFamily="49" charset="0"/>
-                <a:cs typeface="Consolas" pitchFamily="49" charset="0"/>
-              </a:rPr>
-              <a:t>: </a:t>
-            </a:r>
-            <a:r>
-              <a:rPr lang="pl-PL" sz="1600" dirty="0" smtClean="0">
-                <a:solidFill>
-                  <a:srgbClr val="445588"/>
-                </a:solidFill>
-                <a:latin typeface="Consolas" pitchFamily="49" charset="0"/>
-                <a:cs typeface="Consolas" pitchFamily="49" charset="0"/>
-              </a:rPr>
-              <a:t>Char</a:t>
-            </a:r>
-            <a:r>
-              <a:rPr lang="pl-PL" sz="1600" dirty="0" smtClean="0">
-                <a:latin typeface="Consolas" pitchFamily="49" charset="0"/>
-                <a:cs typeface="Consolas" pitchFamily="49" charset="0"/>
-              </a:rPr>
-              <a:t>): </a:t>
-            </a:r>
-            <a:r>
-              <a:rPr lang="pl-PL" sz="1600" dirty="0" err="1" smtClean="0">
-                <a:solidFill>
-                  <a:srgbClr val="445588"/>
-                </a:solidFill>
-                <a:latin typeface="Consolas" pitchFamily="49" charset="0"/>
-                <a:cs typeface="Consolas" pitchFamily="49" charset="0"/>
-              </a:rPr>
-              <a:t>String</a:t>
-            </a:r>
-            <a:r>
-              <a:rPr lang="pl-PL" sz="1600" dirty="0" smtClean="0">
-                <a:latin typeface="Consolas" pitchFamily="49" charset="0"/>
-                <a:cs typeface="Consolas" pitchFamily="49" charset="0"/>
-              </a:rPr>
-              <a:t> = {</a:t>
-            </a:r>
-          </a:p>
-          <a:p>
-            <a:pPr>
-              <a:buNone/>
-            </a:pPr>
-            <a:r>
-              <a:rPr lang="pl-PL" sz="1600" dirty="0" smtClean="0">
-                <a:latin typeface="Consolas" pitchFamily="49" charset="0"/>
-                <a:cs typeface="Consolas" pitchFamily="49" charset="0"/>
-              </a:rPr>
-              <a:t>        </a:t>
-            </a:r>
-            <a:r>
-              <a:rPr lang="pl-PL" sz="1600" dirty="0" err="1" smtClean="0">
-                <a:latin typeface="Consolas" pitchFamily="49" charset="0"/>
-                <a:cs typeface="Consolas" pitchFamily="49" charset="0"/>
-              </a:rPr>
-              <a:t>if</a:t>
-            </a:r>
-            <a:r>
-              <a:rPr lang="pl-PL" sz="1600" dirty="0" smtClean="0">
-                <a:latin typeface="Consolas" pitchFamily="49" charset="0"/>
-                <a:cs typeface="Consolas" pitchFamily="49" charset="0"/>
-              </a:rPr>
-              <a:t> (</a:t>
-            </a:r>
-            <a:r>
-              <a:rPr lang="pl-PL" sz="1600" dirty="0" err="1" smtClean="0">
-                <a:solidFill>
-                  <a:srgbClr val="333333"/>
-                </a:solidFill>
-                <a:latin typeface="Consolas" pitchFamily="49" charset="0"/>
-                <a:cs typeface="Consolas" pitchFamily="49" charset="0"/>
-              </a:rPr>
-              <a:t>string</a:t>
-            </a:r>
-            <a:r>
-              <a:rPr lang="pl-PL" sz="1600" dirty="0" err="1" smtClean="0">
-                <a:latin typeface="Consolas" pitchFamily="49" charset="0"/>
-                <a:cs typeface="Consolas" pitchFamily="49" charset="0"/>
-              </a:rPr>
-              <a:t>.</a:t>
-            </a:r>
-            <a:r>
-              <a:rPr lang="pl-PL" sz="1600" dirty="0" err="1" smtClean="0">
-                <a:solidFill>
-                  <a:srgbClr val="333333"/>
-                </a:solidFill>
-                <a:latin typeface="Consolas" pitchFamily="49" charset="0"/>
-                <a:cs typeface="Consolas" pitchFamily="49" charset="0"/>
-              </a:rPr>
-              <a:t>length</a:t>
-            </a:r>
-            <a:r>
-              <a:rPr lang="pl-PL" sz="1600" dirty="0" smtClean="0">
-                <a:latin typeface="Consolas" pitchFamily="49" charset="0"/>
-                <a:cs typeface="Consolas" pitchFamily="49" charset="0"/>
-              </a:rPr>
-              <a:t> &gt;= </a:t>
-            </a:r>
-            <a:r>
-              <a:rPr lang="pl-PL" sz="1600" dirty="0" err="1" smtClean="0">
-                <a:solidFill>
-                  <a:srgbClr val="333333"/>
-                </a:solidFill>
-                <a:latin typeface="Consolas" pitchFamily="49" charset="0"/>
-                <a:cs typeface="Consolas" pitchFamily="49" charset="0"/>
-              </a:rPr>
-              <a:t>minLength</a:t>
-            </a:r>
-            <a:r>
-              <a:rPr lang="pl-PL" sz="1600" dirty="0" smtClean="0">
-                <a:latin typeface="Consolas" pitchFamily="49" charset="0"/>
-                <a:cs typeface="Consolas" pitchFamily="49" charset="0"/>
-              </a:rPr>
-              <a:t>) {</a:t>
-            </a:r>
-          </a:p>
-          <a:p>
-            <a:pPr>
-              <a:buNone/>
-            </a:pPr>
-            <a:r>
-              <a:rPr lang="pl-PL" sz="1600" dirty="0" smtClean="0">
-                <a:latin typeface="Consolas" pitchFamily="49" charset="0"/>
-                <a:cs typeface="Consolas" pitchFamily="49" charset="0"/>
-              </a:rPr>
-              <a:t>            return </a:t>
-            </a:r>
-            <a:r>
-              <a:rPr lang="pl-PL" sz="1600" dirty="0" err="1" smtClean="0">
-                <a:solidFill>
-                  <a:srgbClr val="333333"/>
-                </a:solidFill>
-                <a:latin typeface="Consolas" pitchFamily="49" charset="0"/>
-                <a:cs typeface="Consolas" pitchFamily="49" charset="0"/>
-              </a:rPr>
-              <a:t>string</a:t>
-            </a:r>
-            <a:endParaRPr lang="pl-PL" sz="1600" dirty="0" smtClean="0">
-              <a:latin typeface="Consolas" pitchFamily="49" charset="0"/>
-              <a:cs typeface="Consolas" pitchFamily="49" charset="0"/>
-            </a:endParaRPr>
-          </a:p>
-          <a:p>
-            <a:pPr>
-              <a:buNone/>
-            </a:pPr>
-            <a:r>
-              <a:rPr lang="pl-PL" sz="1600" dirty="0" smtClean="0">
-                <a:latin typeface="Consolas" pitchFamily="49" charset="0"/>
-                <a:cs typeface="Consolas" pitchFamily="49" charset="0"/>
-              </a:rPr>
-              <a:t>        }</a:t>
-            </a:r>
-          </a:p>
-          <a:p>
-            <a:pPr>
-              <a:buNone/>
-            </a:pPr>
-            <a:r>
-              <a:rPr lang="pl-PL" sz="1600" dirty="0" smtClean="0">
-                <a:latin typeface="Consolas" pitchFamily="49" charset="0"/>
-                <a:cs typeface="Consolas" pitchFamily="49" charset="0"/>
-              </a:rPr>
-              <a:t>        </a:t>
-            </a:r>
-            <a:r>
-              <a:rPr lang="pl-PL" sz="1600" dirty="0" err="1" smtClean="0">
-                <a:latin typeface="Consolas" pitchFamily="49" charset="0"/>
-                <a:cs typeface="Consolas" pitchFamily="49" charset="0"/>
-              </a:rPr>
-              <a:t>val</a:t>
-            </a:r>
-            <a:r>
-              <a:rPr lang="pl-PL" sz="1600" dirty="0" smtClean="0">
-                <a:latin typeface="Consolas" pitchFamily="49" charset="0"/>
-                <a:cs typeface="Consolas" pitchFamily="49" charset="0"/>
-              </a:rPr>
-              <a:t> </a:t>
-            </a:r>
-            <a:r>
-              <a:rPr lang="pl-PL" sz="1600" dirty="0" err="1" smtClean="0">
-                <a:solidFill>
-                  <a:srgbClr val="333333"/>
-                </a:solidFill>
-                <a:latin typeface="Consolas" pitchFamily="49" charset="0"/>
-                <a:cs typeface="Consolas" pitchFamily="49" charset="0"/>
-              </a:rPr>
-              <a:t>sb</a:t>
-            </a:r>
-            <a:r>
-              <a:rPr lang="pl-PL" sz="1600" dirty="0" smtClean="0">
-                <a:latin typeface="Consolas" pitchFamily="49" charset="0"/>
-                <a:cs typeface="Consolas" pitchFamily="49" charset="0"/>
-              </a:rPr>
-              <a:t>: </a:t>
-            </a:r>
-            <a:r>
-              <a:rPr lang="pl-PL" sz="1600" dirty="0" err="1" smtClean="0">
-                <a:solidFill>
-                  <a:srgbClr val="445588"/>
-                </a:solidFill>
-                <a:latin typeface="Consolas" pitchFamily="49" charset="0"/>
-                <a:cs typeface="Consolas" pitchFamily="49" charset="0"/>
-              </a:rPr>
-              <a:t>StringBuilder</a:t>
-            </a:r>
-            <a:r>
-              <a:rPr lang="pl-PL" sz="1600" dirty="0" smtClean="0">
-                <a:latin typeface="Consolas" pitchFamily="49" charset="0"/>
-                <a:cs typeface="Consolas" pitchFamily="49" charset="0"/>
-              </a:rPr>
-              <a:t> = </a:t>
-            </a:r>
-            <a:r>
-              <a:rPr lang="pl-PL" sz="1600" dirty="0" err="1" smtClean="0">
-                <a:latin typeface="Consolas" pitchFamily="49" charset="0"/>
-                <a:cs typeface="Consolas" pitchFamily="49" charset="0"/>
-              </a:rPr>
-              <a:t>new</a:t>
-            </a:r>
-            <a:r>
-              <a:rPr lang="pl-PL" sz="1600" dirty="0" smtClean="0">
-                <a:latin typeface="Consolas" pitchFamily="49" charset="0"/>
-                <a:cs typeface="Consolas" pitchFamily="49" charset="0"/>
-              </a:rPr>
-              <a:t> </a:t>
-            </a:r>
-            <a:r>
-              <a:rPr lang="pl-PL" sz="1600" dirty="0" err="1" smtClean="0">
-                <a:solidFill>
-                  <a:srgbClr val="445588"/>
-                </a:solidFill>
-                <a:latin typeface="Consolas" pitchFamily="49" charset="0"/>
-                <a:cs typeface="Consolas" pitchFamily="49" charset="0"/>
-              </a:rPr>
-              <a:t>StringBuilder</a:t>
-            </a:r>
-            <a:r>
-              <a:rPr lang="pl-PL" sz="1600" dirty="0" smtClean="0">
-                <a:latin typeface="Consolas" pitchFamily="49" charset="0"/>
-                <a:cs typeface="Consolas" pitchFamily="49" charset="0"/>
-              </a:rPr>
-              <a:t>(</a:t>
-            </a:r>
-            <a:r>
-              <a:rPr lang="pl-PL" sz="1600" dirty="0" err="1" smtClean="0">
-                <a:solidFill>
-                  <a:srgbClr val="333333"/>
-                </a:solidFill>
-                <a:latin typeface="Consolas" pitchFamily="49" charset="0"/>
-                <a:cs typeface="Consolas" pitchFamily="49" charset="0"/>
-              </a:rPr>
-              <a:t>minLength</a:t>
-            </a:r>
-            <a:r>
-              <a:rPr lang="pl-PL" sz="1600" dirty="0" smtClean="0">
-                <a:latin typeface="Consolas" pitchFamily="49" charset="0"/>
-                <a:cs typeface="Consolas" pitchFamily="49" charset="0"/>
-              </a:rPr>
-              <a:t>)</a:t>
-            </a:r>
-          </a:p>
-          <a:p>
-            <a:pPr>
-              <a:buNone/>
-            </a:pPr>
-            <a:r>
-              <a:rPr lang="pl-PL" sz="1600" dirty="0" smtClean="0">
-                <a:latin typeface="Consolas" pitchFamily="49" charset="0"/>
-                <a:cs typeface="Consolas" pitchFamily="49" charset="0"/>
-              </a:rPr>
-              <a:t>        for (</a:t>
-            </a:r>
-            <a:r>
-              <a:rPr lang="pl-PL" sz="1600" dirty="0" smtClean="0">
-                <a:solidFill>
-                  <a:srgbClr val="333333"/>
-                </a:solidFill>
-                <a:latin typeface="Consolas" pitchFamily="49" charset="0"/>
-                <a:cs typeface="Consolas" pitchFamily="49" charset="0"/>
-              </a:rPr>
-              <a:t>i</a:t>
-            </a:r>
-            <a:r>
-              <a:rPr lang="pl-PL" sz="1600" dirty="0" smtClean="0">
-                <a:latin typeface="Consolas" pitchFamily="49" charset="0"/>
-                <a:cs typeface="Consolas" pitchFamily="49" charset="0"/>
-              </a:rPr>
-              <a:t> &lt;- </a:t>
-            </a:r>
-            <a:r>
-              <a:rPr lang="pl-PL" sz="1600" dirty="0" err="1" smtClean="0">
-                <a:solidFill>
-                  <a:srgbClr val="333333"/>
-                </a:solidFill>
-                <a:latin typeface="Consolas" pitchFamily="49" charset="0"/>
-                <a:cs typeface="Consolas" pitchFamily="49" charset="0"/>
-              </a:rPr>
-              <a:t>string</a:t>
-            </a:r>
-            <a:r>
-              <a:rPr lang="pl-PL" sz="1600" dirty="0" err="1" smtClean="0">
-                <a:latin typeface="Consolas" pitchFamily="49" charset="0"/>
-                <a:cs typeface="Consolas" pitchFamily="49" charset="0"/>
-              </a:rPr>
-              <a:t>.</a:t>
-            </a:r>
-            <a:r>
-              <a:rPr lang="pl-PL" sz="1600" dirty="0" err="1" smtClean="0">
-                <a:solidFill>
-                  <a:srgbClr val="333333"/>
-                </a:solidFill>
-                <a:latin typeface="Consolas" pitchFamily="49" charset="0"/>
-                <a:cs typeface="Consolas" pitchFamily="49" charset="0"/>
-              </a:rPr>
-              <a:t>length</a:t>
-            </a:r>
-            <a:r>
-              <a:rPr lang="pl-PL" sz="1600" dirty="0" smtClean="0">
-                <a:latin typeface="Consolas" pitchFamily="49" charset="0"/>
-                <a:cs typeface="Consolas" pitchFamily="49" charset="0"/>
-              </a:rPr>
-              <a:t> </a:t>
-            </a:r>
-            <a:r>
-              <a:rPr lang="pl-PL" sz="1600" dirty="0" err="1" smtClean="0">
-                <a:solidFill>
-                  <a:srgbClr val="333333"/>
-                </a:solidFill>
-                <a:latin typeface="Consolas" pitchFamily="49" charset="0"/>
-                <a:cs typeface="Consolas" pitchFamily="49" charset="0"/>
-              </a:rPr>
-              <a:t>until</a:t>
-            </a:r>
-            <a:r>
-              <a:rPr lang="pl-PL" sz="1600" dirty="0" smtClean="0">
-                <a:latin typeface="Consolas" pitchFamily="49" charset="0"/>
-                <a:cs typeface="Consolas" pitchFamily="49" charset="0"/>
-              </a:rPr>
-              <a:t> </a:t>
-            </a:r>
-            <a:r>
-              <a:rPr lang="pl-PL" sz="1600" dirty="0" err="1" smtClean="0">
-                <a:solidFill>
-                  <a:srgbClr val="333333"/>
-                </a:solidFill>
-                <a:latin typeface="Consolas" pitchFamily="49" charset="0"/>
-                <a:cs typeface="Consolas" pitchFamily="49" charset="0"/>
-              </a:rPr>
-              <a:t>minLength</a:t>
-            </a:r>
-            <a:r>
-              <a:rPr lang="pl-PL" sz="1600" dirty="0" smtClean="0">
-                <a:latin typeface="Consolas" pitchFamily="49" charset="0"/>
-                <a:cs typeface="Consolas" pitchFamily="49" charset="0"/>
-              </a:rPr>
-              <a:t>) {</a:t>
-            </a:r>
-          </a:p>
-          <a:p>
-            <a:pPr>
-              <a:buNone/>
-            </a:pPr>
-            <a:r>
-              <a:rPr lang="pl-PL" sz="1600" dirty="0" smtClean="0">
-                <a:solidFill>
-                  <a:srgbClr val="333333"/>
-                </a:solidFill>
-                <a:latin typeface="Consolas" pitchFamily="49" charset="0"/>
-                <a:cs typeface="Consolas" pitchFamily="49" charset="0"/>
-              </a:rPr>
-              <a:t>            </a:t>
-            </a:r>
-            <a:r>
-              <a:rPr lang="pl-PL" sz="1600" dirty="0" err="1" smtClean="0">
-                <a:solidFill>
-                  <a:srgbClr val="333333"/>
-                </a:solidFill>
-                <a:latin typeface="Consolas" pitchFamily="49" charset="0"/>
-                <a:cs typeface="Consolas" pitchFamily="49" charset="0"/>
-              </a:rPr>
-              <a:t>sb</a:t>
-            </a:r>
-            <a:r>
-              <a:rPr lang="pl-PL" sz="1600" dirty="0" err="1" smtClean="0">
-                <a:latin typeface="Consolas" pitchFamily="49" charset="0"/>
-                <a:cs typeface="Consolas" pitchFamily="49" charset="0"/>
-              </a:rPr>
-              <a:t>.</a:t>
-            </a:r>
-            <a:r>
-              <a:rPr lang="pl-PL" sz="1600" dirty="0" err="1" smtClean="0">
-                <a:solidFill>
-                  <a:srgbClr val="333333"/>
-                </a:solidFill>
-                <a:latin typeface="Consolas" pitchFamily="49" charset="0"/>
-                <a:cs typeface="Consolas" pitchFamily="49" charset="0"/>
-              </a:rPr>
-              <a:t>append</a:t>
-            </a:r>
-            <a:r>
-              <a:rPr lang="pl-PL" sz="1600" dirty="0" smtClean="0">
-                <a:latin typeface="Consolas" pitchFamily="49" charset="0"/>
-                <a:cs typeface="Consolas" pitchFamily="49" charset="0"/>
-              </a:rPr>
-              <a:t>(</a:t>
-            </a:r>
-            <a:r>
-              <a:rPr lang="pl-PL" sz="1600" dirty="0" err="1" smtClean="0">
-                <a:solidFill>
-                  <a:srgbClr val="333333"/>
-                </a:solidFill>
-                <a:latin typeface="Consolas" pitchFamily="49" charset="0"/>
-                <a:cs typeface="Consolas" pitchFamily="49" charset="0"/>
-              </a:rPr>
-              <a:t>padChar</a:t>
-            </a:r>
-            <a:r>
-              <a:rPr lang="pl-PL" sz="1600" dirty="0" smtClean="0">
-                <a:latin typeface="Consolas" pitchFamily="49" charset="0"/>
-                <a:cs typeface="Consolas" pitchFamily="49" charset="0"/>
-              </a:rPr>
-              <a:t>)</a:t>
-            </a:r>
-          </a:p>
-          <a:p>
-            <a:pPr>
-              <a:buNone/>
-            </a:pPr>
-            <a:r>
-              <a:rPr lang="pl-PL" sz="1600" dirty="0" smtClean="0">
-                <a:latin typeface="Consolas" pitchFamily="49" charset="0"/>
-                <a:cs typeface="Consolas" pitchFamily="49" charset="0"/>
-              </a:rPr>
-              <a:t>        }</a:t>
-            </a:r>
-          </a:p>
-          <a:p>
-            <a:pPr>
-              <a:buNone/>
-            </a:pPr>
-            <a:r>
-              <a:rPr lang="pl-PL" sz="1600" dirty="0" smtClean="0">
-                <a:solidFill>
-                  <a:srgbClr val="333333"/>
-                </a:solidFill>
-                <a:latin typeface="Consolas" pitchFamily="49" charset="0"/>
-                <a:cs typeface="Consolas" pitchFamily="49" charset="0"/>
-              </a:rPr>
-              <a:t>        </a:t>
-            </a:r>
-            <a:r>
-              <a:rPr lang="pl-PL" sz="1600" dirty="0" err="1" smtClean="0">
-                <a:solidFill>
-                  <a:srgbClr val="333333"/>
-                </a:solidFill>
-                <a:latin typeface="Consolas" pitchFamily="49" charset="0"/>
-                <a:cs typeface="Consolas" pitchFamily="49" charset="0"/>
-              </a:rPr>
-              <a:t>sb</a:t>
-            </a:r>
-            <a:r>
-              <a:rPr lang="pl-PL" sz="1600" dirty="0" err="1" smtClean="0">
-                <a:latin typeface="Consolas" pitchFamily="49" charset="0"/>
-                <a:cs typeface="Consolas" pitchFamily="49" charset="0"/>
-              </a:rPr>
-              <a:t>.</a:t>
-            </a:r>
-            <a:r>
-              <a:rPr lang="pl-PL" sz="1600" dirty="0" err="1" smtClean="0">
-                <a:solidFill>
-                  <a:srgbClr val="333333"/>
-                </a:solidFill>
-                <a:latin typeface="Consolas" pitchFamily="49" charset="0"/>
-                <a:cs typeface="Consolas" pitchFamily="49" charset="0"/>
-              </a:rPr>
-              <a:t>append</a:t>
-            </a:r>
-            <a:r>
-              <a:rPr lang="pl-PL" sz="1600" dirty="0" smtClean="0">
-                <a:latin typeface="Consolas" pitchFamily="49" charset="0"/>
-                <a:cs typeface="Consolas" pitchFamily="49" charset="0"/>
-              </a:rPr>
-              <a:t>(</a:t>
-            </a:r>
-            <a:r>
-              <a:rPr lang="pl-PL" sz="1600" dirty="0" err="1" smtClean="0">
-                <a:solidFill>
-                  <a:srgbClr val="333333"/>
-                </a:solidFill>
-                <a:latin typeface="Consolas" pitchFamily="49" charset="0"/>
-                <a:cs typeface="Consolas" pitchFamily="49" charset="0"/>
-              </a:rPr>
-              <a:t>string</a:t>
-            </a:r>
-            <a:r>
-              <a:rPr lang="pl-PL" sz="1600" dirty="0" smtClean="0">
-                <a:latin typeface="Consolas" pitchFamily="49" charset="0"/>
-                <a:cs typeface="Consolas" pitchFamily="49" charset="0"/>
-              </a:rPr>
-              <a:t>)</a:t>
-            </a:r>
-          </a:p>
-          <a:p>
-            <a:pPr>
-              <a:buNone/>
-            </a:pPr>
-            <a:r>
-              <a:rPr lang="pl-PL" sz="1600" dirty="0" smtClean="0">
-                <a:latin typeface="Consolas" pitchFamily="49" charset="0"/>
-                <a:cs typeface="Consolas" pitchFamily="49" charset="0"/>
-              </a:rPr>
-              <a:t>        return </a:t>
-            </a:r>
-            <a:r>
-              <a:rPr lang="pl-PL" sz="1600" dirty="0" err="1" smtClean="0">
-                <a:solidFill>
-                  <a:srgbClr val="333333"/>
-                </a:solidFill>
-                <a:latin typeface="Consolas" pitchFamily="49" charset="0"/>
-                <a:cs typeface="Consolas" pitchFamily="49" charset="0"/>
-              </a:rPr>
-              <a:t>sb</a:t>
-            </a:r>
-            <a:r>
-              <a:rPr lang="pl-PL" sz="1600" dirty="0" err="1" smtClean="0">
-                <a:latin typeface="Consolas" pitchFamily="49" charset="0"/>
-                <a:cs typeface="Consolas" pitchFamily="49" charset="0"/>
-              </a:rPr>
-              <a:t>.</a:t>
-            </a:r>
-            <a:r>
-              <a:rPr lang="pl-PL" sz="1600" dirty="0" err="1" smtClean="0">
-                <a:solidFill>
-                  <a:srgbClr val="333333"/>
-                </a:solidFill>
-                <a:latin typeface="Consolas" pitchFamily="49" charset="0"/>
-                <a:cs typeface="Consolas" pitchFamily="49" charset="0"/>
-              </a:rPr>
-              <a:t>toString</a:t>
-            </a:r>
-            <a:r>
-              <a:rPr lang="pl-PL" sz="1600" dirty="0" smtClean="0">
-                <a:latin typeface="Consolas" pitchFamily="49" charset="0"/>
-                <a:cs typeface="Consolas" pitchFamily="49" charset="0"/>
-              </a:rPr>
-              <a:t>()</a:t>
-            </a:r>
-          </a:p>
-          <a:p>
-            <a:pPr>
-              <a:buNone/>
-            </a:pPr>
-            <a:r>
-              <a:rPr lang="pl-PL" sz="1600" dirty="0" smtClean="0">
-                <a:latin typeface="Consolas" pitchFamily="49" charset="0"/>
-                <a:cs typeface="Consolas" pitchFamily="49" charset="0"/>
-              </a:rPr>
-              <a:t>    }</a:t>
-            </a:r>
-          </a:p>
-          <a:p>
-            <a:pPr>
-              <a:buNone/>
-            </a:pPr>
-            <a:r>
-              <a:rPr lang="pl-PL" sz="1600" dirty="0" smtClean="0">
-                <a:latin typeface="Consolas" pitchFamily="49" charset="0"/>
-                <a:cs typeface="Consolas" pitchFamily="49" charset="0"/>
-              </a:rPr>
-              <a:t>}</a:t>
-            </a:r>
+              <a:t>Czym jest Scala:</a:t>
+            </a:r>
+          </a:p>
+          <a:p>
+            <a:r>
+              <a:rPr lang="pl-PL" dirty="0" smtClean="0"/>
+              <a:t>Działa pod JVM</a:t>
+            </a:r>
+          </a:p>
+          <a:p>
+            <a:r>
+              <a:rPr lang="pl-PL" dirty="0" smtClean="0"/>
+              <a:t>Statyczne typowanie</a:t>
+            </a:r>
+          </a:p>
+          <a:p>
+            <a:r>
+              <a:rPr lang="pl-PL" dirty="0" smtClean="0"/>
+              <a:t>Mieszany paradygmat</a:t>
+            </a:r>
+          </a:p>
+          <a:p>
+            <a:pPr lvl="1"/>
+            <a:r>
+              <a:rPr lang="pl-PL" dirty="0" smtClean="0"/>
+              <a:t>Obiektowy</a:t>
+            </a:r>
+          </a:p>
+          <a:p>
+            <a:pPr lvl="1"/>
+            <a:r>
+              <a:rPr lang="pl-PL" dirty="0" smtClean="0"/>
+              <a:t>Funkcyjny</a:t>
+            </a:r>
+          </a:p>
+          <a:p>
+            <a:r>
+              <a:rPr lang="pl-PL" dirty="0" smtClean="0"/>
+              <a:t>Dla zawodowych developerów</a:t>
+            </a:r>
+          </a:p>
+          <a:p>
+            <a:r>
+              <a:rPr lang="pl-PL" dirty="0" smtClean="0"/>
+              <a:t>Pełna interoperatywność z Javą</a:t>
+            </a:r>
+            <a:endParaRPr lang="pl-PL" dirty="0" smtClean="0"/>
           </a:p>
         </p:txBody>
       </p:sp>
     </p:spTree>
+    <p:extLst>
+      <p:ext uri="{BB962C8B-B14F-4D97-AF65-F5344CB8AC3E}">
+        <p14:creationId xmlns="" xmlns:p14="http://schemas.microsoft.com/office/powerpoint/2010/main" val="2325664095"/>
+      </p:ext>
+    </p:extLst>
   </p:cSld>
   <p:clrMapOvr>
     <a:masterClrMapping/>
   </p:clrMapOvr>
+  <p:timing>
+    <p:tnLst>
+      <p:par>
+        <p:cTn id="1" dur="indefinite" restart="never" nodeType="tmRoot"/>
+      </p:par>
+    </p:tnLst>
+  </p:timing>
 </p:sld>
 </file>
 
@@ -9025,7 +8566,7 @@
             <a:fld id="{359484F7-7C7A-4895-B82F-27C098609AFF}" type="datetime1">
               <a:rPr lang="pl-PL" smtClean="0"/>
               <a:pPr/>
-              <a:t>2013-07-13</a:t>
+              <a:t>2013-07-14</a:t>
             </a:fld>
             <a:r>
               <a:rPr lang="pl-PL" smtClean="0"/>
@@ -9079,7 +8620,7 @@
             </a:pPr>
             <a:r>
               <a:rPr lang="pl-PL" dirty="0" smtClean="0"/>
-              <a:t>Scala może wyglądać jak Scala</a:t>
+              <a:t>Scala może wyglądać jak Java</a:t>
             </a:r>
           </a:p>
           <a:p>
@@ -9124,7 +8665,7 @@
                 <a:latin typeface="Consolas" pitchFamily="49" charset="0"/>
                 <a:cs typeface="Consolas" pitchFamily="49" charset="0"/>
               </a:rPr>
-              <a:t>  </a:t>
+              <a:t> </a:t>
             </a:r>
           </a:p>
           <a:p>
@@ -9153,7 +8694,7 @@
                 <a:latin typeface="Consolas" pitchFamily="49" charset="0"/>
                 <a:cs typeface="Consolas" pitchFamily="49" charset="0"/>
               </a:rPr>
-              <a:t>StringsScala</a:t>
+              <a:t>StringsScalaLikeJava</a:t>
             </a:r>
             <a:r>
               <a:rPr lang="pl-PL" sz="1600" dirty="0" smtClean="0">
@@ -9317,7 +8858,24 @@
                 <a:latin typeface="Consolas" pitchFamily="49" charset="0"/>
                 <a:cs typeface="Consolas" pitchFamily="49" charset="0"/>
               </a:rPr>
-              <a:t>) =</a:t>
+              <a:t>): </a:t>
+            </a:r>
+            <a:r>
+              <a:rPr lang="pl-PL" sz="1600" dirty="0" err="1" smtClean="0">
+                <a:solidFill>
+                  <a:srgbClr val="445588"/>
+                </a:solidFill>
+                <a:latin typeface="Consolas" pitchFamily="49" charset="0"/>
+                <a:cs typeface="Consolas" pitchFamily="49" charset="0"/>
+              </a:rPr>
+              <a:t>String</a:t>
+            </a:r>
+            <a:r>
+              <a:rPr lang="pl-PL" sz="1600" dirty="0" smtClean="0">
+                <a:latin typeface="Consolas" pitchFamily="49" charset="0"/>
+                <a:cs typeface="Consolas" pitchFamily="49" charset="0"/>
+              </a:rPr>
+              <a:t> = {</a:t>
             </a:r>
           </a:p>
           <a:p>
@@ -9326,13 +8884,24 @@
             </a:pPr>
             <a:r>
               <a:rPr lang="pl-PL" sz="1600" dirty="0" smtClean="0">
-                <a:solidFill>
-                  <a:srgbClr val="333333"/>
-                </a:solidFill>
                 <a:latin typeface="Consolas" pitchFamily="49" charset="0"/>
                 <a:cs typeface="Consolas" pitchFamily="49" charset="0"/>
               </a:rPr>
               <a:t>        </a:t>
+            </a:r>
+            <a:r>
+              <a:rPr lang="pl-PL" sz="1600" dirty="0" err="1" smtClean="0">
+                <a:latin typeface="Consolas" pitchFamily="49" charset="0"/>
+                <a:cs typeface="Consolas" pitchFamily="49" charset="0"/>
+              </a:rPr>
+              <a:t>if</a:t>
+            </a:r>
+            <a:r>
+              <a:rPr lang="pl-PL" sz="1600" dirty="0" smtClean="0">
+                <a:latin typeface="Consolas" pitchFamily="49" charset="0"/>
+                <a:cs typeface="Consolas" pitchFamily="49" charset="0"/>
+              </a:rPr>
+              <a:t> (</a:t>
             </a:r>
             <a:r>
               <a:rPr lang="pl-PL" sz="1600" dirty="0" err="1" smtClean="0">
@@ -9342,7 +8911,7 @@
                 <a:latin typeface="Consolas" pitchFamily="49" charset="0"/>
                 <a:cs typeface="Consolas" pitchFamily="49" charset="0"/>
               </a:rPr>
-              <a:t>padChar</a:t>
+              <a:t>string</a:t>
             </a:r>
             <a:r>
               <a:rPr lang="pl-PL" sz="1600" dirty="0" err="1" smtClean="0">
@@ -9359,14 +8928,14 @@
                 <a:latin typeface="Consolas" pitchFamily="49" charset="0"/>
                 <a:cs typeface="Consolas" pitchFamily="49" charset="0"/>
               </a:rPr>
-              <a:t>toString</a:t>
-            </a:r>
-            <a:r>
-              <a:rPr lang="pl-PL" sz="1600" dirty="0" smtClean="0">
-                <a:latin typeface="Consolas" pitchFamily="49" charset="0"/>
-                <a:cs typeface="Consolas" pitchFamily="49" charset="0"/>
-              </a:rPr>
-              <a:t> * (</a:t>
+              <a:t>length</a:t>
+            </a:r>
+            <a:r>
+              <a:rPr lang="pl-PL" sz="1600" dirty="0" smtClean="0">
+                <a:latin typeface="Consolas" pitchFamily="49" charset="0"/>
+                <a:cs typeface="Consolas" pitchFamily="49" charset="0"/>
+              </a:rPr>
+              <a:t> &gt;= </a:t>
             </a:r>
             <a:r>
               <a:rPr lang="pl-PL" sz="1600" dirty="0" err="1" smtClean="0">
@@ -9383,7 +8952,19 @@
                 <a:latin typeface="Consolas" pitchFamily="49" charset="0"/>
                 <a:cs typeface="Consolas" pitchFamily="49" charset="0"/>
               </a:rPr>
-              <a:t> - </a:t>
+              <a:t>) {</a:t>
+            </a:r>
+          </a:p>
+          <a:p>
+            <a:pPr>
+              <a:buNone/>
+            </a:pPr>
+            <a:r>
+              <a:rPr lang="pl-PL" sz="1600" dirty="0" smtClean="0">
+                <a:latin typeface="Consolas" pitchFamily="49" charset="0"/>
+                <a:cs typeface="Consolas" pitchFamily="49" charset="0"/>
+              </a:rPr>
+              <a:t>            return </a:t>
             </a:r>
             <a:r>
               <a:rPr lang="pl-PL" sz="1600" dirty="0" err="1" smtClean="0">
@@ -9395,12 +8976,47 @@
               </a:rPr>
               <a:t>string</a:t>
             </a:r>
+            <a:endParaRPr lang="pl-PL" sz="1600" dirty="0" smtClean="0">
+              <a:latin typeface="Consolas" pitchFamily="49" charset="0"/>
+              <a:cs typeface="Consolas" pitchFamily="49" charset="0"/>
+            </a:endParaRPr>
+          </a:p>
+          <a:p>
+            <a:pPr>
+              <a:buNone/>
+            </a:pPr>
+            <a:r>
+              <a:rPr lang="pl-PL" sz="1600" dirty="0" smtClean="0">
+                <a:latin typeface="Consolas" pitchFamily="49" charset="0"/>
+                <a:cs typeface="Consolas" pitchFamily="49" charset="0"/>
+              </a:rPr>
+              <a:t>        }</a:t>
+            </a:r>
+          </a:p>
+          <a:p>
+            <a:pPr>
+              <a:buNone/>
+            </a:pPr>
+            <a:r>
+              <a:rPr lang="pl-PL" sz="1600" dirty="0" smtClean="0">
+                <a:latin typeface="Consolas" pitchFamily="49" charset="0"/>
+                <a:cs typeface="Consolas" pitchFamily="49" charset="0"/>
+              </a:rPr>
+              <a:t>        </a:t>
+            </a:r>
             <a:r>
               <a:rPr lang="pl-PL" sz="1600" dirty="0" err="1" smtClean="0">
                 <a:latin typeface="Consolas" pitchFamily="49" charset="0"/>
                 <a:cs typeface="Consolas" pitchFamily="49" charset="0"/>
               </a:rPr>
-              <a:t>.</a:t>
+              <a:t>val</a:t>
+            </a:r>
+            <a:r>
+              <a:rPr lang="pl-PL" sz="1600" dirty="0" smtClean="0">
+                <a:latin typeface="Consolas" pitchFamily="49" charset="0"/>
+                <a:cs typeface="Consolas" pitchFamily="49" charset="0"/>
+              </a:rPr>
+              <a:t> </a:t>
             </a:r>
             <a:r>
               <a:rPr lang="pl-PL" sz="1600" dirty="0" err="1" smtClean="0">
@@ -9410,14 +9026,62 @@
                 <a:latin typeface="Consolas" pitchFamily="49" charset="0"/>
                 <a:cs typeface="Consolas" pitchFamily="49" charset="0"/>
               </a:rPr>
-              <a:t>length</a:t>
-            </a:r>
-            <a:r>
-              <a:rPr lang="pl-PL" sz="1600" dirty="0" smtClean="0">
-                <a:latin typeface="Consolas" pitchFamily="49" charset="0"/>
-                <a:cs typeface="Consolas" pitchFamily="49" charset="0"/>
-              </a:rPr>
-              <a:t>) + </a:t>
+              <a:t>sb</a:t>
+            </a:r>
+            <a:r>
+              <a:rPr lang="pl-PL" sz="1600" dirty="0" smtClean="0">
+                <a:latin typeface="Consolas" pitchFamily="49" charset="0"/>
+                <a:cs typeface="Consolas" pitchFamily="49" charset="0"/>
+              </a:rPr>
+              <a:t>: </a:t>
+            </a:r>
+            <a:r>
+              <a:rPr lang="pl-PL" sz="1600" dirty="0" err="1" smtClean="0">
+                <a:solidFill>
+                  <a:srgbClr val="445588"/>
+                </a:solidFill>
+                <a:latin typeface="Consolas" pitchFamily="49" charset="0"/>
+                <a:cs typeface="Consolas" pitchFamily="49" charset="0"/>
+              </a:rPr>
+              <a:t>StringBuilder</a:t>
+            </a:r>
+            <a:r>
+              <a:rPr lang="pl-PL" sz="1600" dirty="0" smtClean="0">
+                <a:latin typeface="Consolas" pitchFamily="49" charset="0"/>
+                <a:cs typeface="Consolas" pitchFamily="49" charset="0"/>
+              </a:rPr>
+              <a:t> = </a:t>
+            </a:r>
+            <a:r>
+              <a:rPr lang="pl-PL" sz="1600" dirty="0" err="1" smtClean="0">
+                <a:latin typeface="Consolas" pitchFamily="49" charset="0"/>
+                <a:cs typeface="Consolas" pitchFamily="49" charset="0"/>
+              </a:rPr>
+              <a:t>new</a:t>
+            </a:r>
+            <a:r>
+              <a:rPr lang="pl-PL" sz="1600" dirty="0" smtClean="0">
+                <a:latin typeface="Consolas" pitchFamily="49" charset="0"/>
+                <a:cs typeface="Consolas" pitchFamily="49" charset="0"/>
+              </a:rPr>
+              <a:t> </a:t>
+            </a:r>
+            <a:r>
+              <a:rPr lang="pl-PL" sz="1600" dirty="0" err="1" smtClean="0">
+                <a:solidFill>
+                  <a:srgbClr val="445588"/>
+                </a:solidFill>
+                <a:latin typeface="Consolas" pitchFamily="49" charset="0"/>
+                <a:cs typeface="Consolas" pitchFamily="49" charset="0"/>
+              </a:rPr>
+              <a:t>StringBuilder</a:t>
+            </a:r>
+            <a:r>
+              <a:rPr lang="pl-PL" sz="1600" dirty="0" smtClean="0">
+                <a:latin typeface="Consolas" pitchFamily="49" charset="0"/>
+                <a:cs typeface="Consolas" pitchFamily="49" charset="0"/>
+              </a:rPr>
+              <a:t>(</a:t>
             </a:r>
             <a:r>
               <a:rPr lang="pl-PL" sz="1600" dirty="0" err="1" smtClean="0">
@@ -9427,12 +9091,15 @@
                 <a:latin typeface="Consolas" pitchFamily="49" charset="0"/>
                 <a:cs typeface="Consolas" pitchFamily="49" charset="0"/>
               </a:rPr>
-              <a:t>string</a:t>
-            </a:r>
-            <a:endParaRPr lang="pl-PL" sz="1600" dirty="0" smtClean="0">
-              <a:latin typeface="Consolas" pitchFamily="49" charset="0"/>
-              <a:cs typeface="Consolas" pitchFamily="49" charset="0"/>
-            </a:endParaRPr>
+              <a:t>minLength</a:t>
+            </a:r>
+            <a:r>
+              <a:rPr lang="pl-PL" sz="1600" dirty="0" smtClean="0">
+                <a:latin typeface="Consolas" pitchFamily="49" charset="0"/>
+                <a:cs typeface="Consolas" pitchFamily="49" charset="0"/>
+              </a:rPr>
+              <a:t>)</a:t>
+            </a:r>
           </a:p>
           <a:p>
             <a:pPr>
@@ -9443,17 +9110,307 @@
                 <a:latin typeface="Consolas" pitchFamily="49" charset="0"/>
                 <a:cs typeface="Consolas" pitchFamily="49" charset="0"/>
               </a:rPr>
-              <a:t>}</a:t>
+              <a:t>        for (</a:t>
+            </a:r>
+            <a:r>
+              <a:rPr lang="pl-PL" sz="1600" dirty="0" smtClean="0">
+                <a:solidFill>
+                  <a:srgbClr val="333333"/>
+                </a:solidFill>
+                <a:latin typeface="Consolas" pitchFamily="49" charset="0"/>
+                <a:cs typeface="Consolas" pitchFamily="49" charset="0"/>
+              </a:rPr>
+              <a:t>i</a:t>
+            </a:r>
+            <a:r>
+              <a:rPr lang="pl-PL" sz="1600" dirty="0" smtClean="0">
+                <a:latin typeface="Consolas" pitchFamily="49" charset="0"/>
+                <a:cs typeface="Consolas" pitchFamily="49" charset="0"/>
+              </a:rPr>
+              <a:t> &lt;- </a:t>
+            </a:r>
+            <a:r>
+              <a:rPr lang="pl-PL" sz="1600" dirty="0" err="1" smtClean="0">
+                <a:solidFill>
+                  <a:srgbClr val="333333"/>
+                </a:solidFill>
+                <a:latin typeface="Consolas" pitchFamily="49" charset="0"/>
+                <a:cs typeface="Consolas" pitchFamily="49" charset="0"/>
+              </a:rPr>
+              <a:t>string</a:t>
+            </a:r>
+            <a:r>
+              <a:rPr lang="pl-PL" sz="1600" dirty="0" err="1" smtClean="0">
+                <a:latin typeface="Consolas" pitchFamily="49" charset="0"/>
+                <a:cs typeface="Consolas" pitchFamily="49" charset="0"/>
+              </a:rPr>
+              <a:t>.</a:t>
+            </a:r>
+            <a:r>
+              <a:rPr lang="pl-PL" sz="1600" dirty="0" err="1" smtClean="0">
+                <a:solidFill>
+                  <a:srgbClr val="333333"/>
+                </a:solidFill>
+                <a:latin typeface="Consolas" pitchFamily="49" charset="0"/>
+                <a:cs typeface="Consolas" pitchFamily="49" charset="0"/>
+              </a:rPr>
+              <a:t>length</a:t>
+            </a:r>
+            <a:r>
+              <a:rPr lang="pl-PL" sz="1600" dirty="0" smtClean="0">
+                <a:latin typeface="Consolas" pitchFamily="49" charset="0"/>
+                <a:cs typeface="Consolas" pitchFamily="49" charset="0"/>
+              </a:rPr>
+              <a:t> </a:t>
+            </a:r>
+            <a:r>
+              <a:rPr lang="pl-PL" sz="1600" dirty="0" err="1" smtClean="0">
+                <a:solidFill>
+                  <a:srgbClr val="333333"/>
+                </a:solidFill>
+                <a:latin typeface="Consolas" pitchFamily="49" charset="0"/>
+                <a:cs typeface="Consolas" pitchFamily="49" charset="0"/>
+              </a:rPr>
+              <a:t>until</a:t>
+            </a:r>
+            <a:r>
+              <a:rPr lang="pl-PL" sz="1600" dirty="0" smtClean="0">
+                <a:latin typeface="Consolas" pitchFamily="49" charset="0"/>
+                <a:cs typeface="Consolas" pitchFamily="49" charset="0"/>
+              </a:rPr>
+              <a:t> </a:t>
+            </a:r>
+            <a:r>
+              <a:rPr lang="pl-PL" sz="1600" dirty="0" err="1" smtClean="0">
+                <a:solidFill>
+                  <a:srgbClr val="333333"/>
+                </a:solidFill>
+                <a:latin typeface="Consolas" pitchFamily="49" charset="0"/>
+                <a:cs typeface="Consolas" pitchFamily="49" charset="0"/>
+              </a:rPr>
+              <a:t>minLength</a:t>
+            </a:r>
+            <a:r>
+              <a:rPr lang="pl-PL" sz="1600" dirty="0" smtClean="0">
+                <a:latin typeface="Consolas" pitchFamily="49" charset="0"/>
+                <a:cs typeface="Consolas" pitchFamily="49" charset="0"/>
+              </a:rPr>
+              <a:t>) {</a:t>
             </a:r>
           </a:p>
           <a:p>
             <a:pPr>
               <a:buNone/>
             </a:pPr>
-            <a:endParaRPr lang="pl-PL" sz="1600" dirty="0" smtClean="0">
-              <a:latin typeface="Consolas" pitchFamily="49" charset="0"/>
-              <a:cs typeface="Consolas" pitchFamily="49" charset="0"/>
-            </a:endParaRPr>
+            <a:r>
+              <a:rPr lang="pl-PL" sz="1600" dirty="0" smtClean="0">
+                <a:solidFill>
+                  <a:srgbClr val="333333"/>
+                </a:solidFill>
+                <a:latin typeface="Consolas" pitchFamily="49" charset="0"/>
+                <a:cs typeface="Consolas" pitchFamily="49" charset="0"/>
+              </a:rPr>
+              <a:t>            </a:t>
+            </a:r>
+            <a:r>
+              <a:rPr lang="pl-PL" sz="1600" dirty="0" err="1" smtClean="0">
+                <a:solidFill>
+                  <a:srgbClr val="333333"/>
+                </a:solidFill>
+                <a:latin typeface="Consolas" pitchFamily="49" charset="0"/>
+                <a:cs typeface="Consolas" pitchFamily="49" charset="0"/>
+              </a:rPr>
+              <a:t>sb</a:t>
+            </a:r>
+            <a:r>
+              <a:rPr lang="pl-PL" sz="1600" dirty="0" err="1" smtClean="0">
+                <a:latin typeface="Consolas" pitchFamily="49" charset="0"/>
+                <a:cs typeface="Consolas" pitchFamily="49" charset="0"/>
+              </a:rPr>
+              <a:t>.</a:t>
+            </a:r>
+            <a:r>
+              <a:rPr lang="pl-PL" sz="1600" dirty="0" err="1" smtClean="0">
+                <a:solidFill>
+                  <a:srgbClr val="333333"/>
+                </a:solidFill>
+                <a:latin typeface="Consolas" pitchFamily="49" charset="0"/>
+                <a:cs typeface="Consolas" pitchFamily="49" charset="0"/>
+              </a:rPr>
+              <a:t>append</a:t>
+            </a:r>
+            <a:r>
+              <a:rPr lang="pl-PL" sz="1600" dirty="0" smtClean="0">
+                <a:latin typeface="Consolas" pitchFamily="49" charset="0"/>
+                <a:cs typeface="Consolas" pitchFamily="49" charset="0"/>
+              </a:rPr>
+              <a:t>(</a:t>
+            </a:r>
+            <a:r>
+              <a:rPr lang="pl-PL" sz="1600" dirty="0" err="1" smtClean="0">
+                <a:solidFill>
+                  <a:srgbClr val="333333"/>
+                </a:solidFill>
+                <a:latin typeface="Consolas" pitchFamily="49" charset="0"/>
+                <a:cs typeface="Consolas" pitchFamily="49" charset="0"/>
+              </a:rPr>
+              <a:t>padChar</a:t>
+            </a:r>
+            <a:r>
+              <a:rPr lang="pl-PL" sz="1600" dirty="0" smtClean="0">
+                <a:latin typeface="Consolas" pitchFamily="49" charset="0"/>
+                <a:cs typeface="Consolas" pitchFamily="49" charset="0"/>
+              </a:rPr>
+              <a:t>)</a:t>
+            </a:r>
+          </a:p>
+          <a:p>
+            <a:pPr>
+              <a:buNone/>
+            </a:pPr>
+            <a:r>
+              <a:rPr lang="pl-PL" sz="1600" dirty="0" smtClean="0">
+                <a:latin typeface="Consolas" pitchFamily="49" charset="0"/>
+                <a:cs typeface="Consolas" pitchFamily="49" charset="0"/>
+              </a:rPr>
+              <a:t>        }</a:t>
+            </a:r>
+          </a:p>
+          <a:p>
+            <a:pPr>
+              <a:buNone/>
+            </a:pPr>
+            <a:r>
+              <a:rPr lang="pl-PL" sz="1600" dirty="0" smtClean="0">
+                <a:solidFill>
+                  <a:srgbClr val="333333"/>
+                </a:solidFill>
+                <a:latin typeface="Consolas" pitchFamily="49" charset="0"/>
+                <a:cs typeface="Consolas" pitchFamily="49" charset="0"/>
+              </a:rPr>
+              <a:t>        </a:t>
+            </a:r>
+            <a:r>
+              <a:rPr lang="pl-PL" sz="1600" dirty="0" err="1" smtClean="0">
+                <a:solidFill>
+                  <a:srgbClr val="333333"/>
+                </a:solidFill>
+                <a:latin typeface="Consolas" pitchFamily="49" charset="0"/>
+                <a:cs typeface="Consolas" pitchFamily="49" charset="0"/>
+              </a:rPr>
+              <a:t>sb</a:t>
+            </a:r>
+            <a:r>
+              <a:rPr lang="pl-PL" sz="1600" dirty="0" err="1" smtClean="0">
+                <a:latin typeface="Consolas" pitchFamily="49" charset="0"/>
+                <a:cs typeface="Consolas" pitchFamily="49" charset="0"/>
+              </a:rPr>
+              <a:t>.</a:t>
+            </a:r>
+            <a:r>
+              <a:rPr lang="pl-PL" sz="1600" dirty="0" err="1" smtClean="0">
+                <a:solidFill>
+                  <a:srgbClr val="333333"/>
+                </a:solidFill>
+                <a:latin typeface="Consolas" pitchFamily="49" charset="0"/>
+                <a:cs typeface="Consolas" pitchFamily="49" charset="0"/>
+              </a:rPr>
+              <a:t>append</a:t>
+            </a:r>
+            <a:r>
+              <a:rPr lang="pl-PL" sz="1600" dirty="0" smtClean="0">
+                <a:latin typeface="Consolas" pitchFamily="49" charset="0"/>
+                <a:cs typeface="Consolas" pitchFamily="49" charset="0"/>
+              </a:rPr>
+              <a:t>(</a:t>
+            </a:r>
+            <a:r>
+              <a:rPr lang="pl-PL" sz="1600" dirty="0" err="1" smtClean="0">
+                <a:solidFill>
+                  <a:srgbClr val="333333"/>
+                </a:solidFill>
+                <a:latin typeface="Consolas" pitchFamily="49" charset="0"/>
+                <a:cs typeface="Consolas" pitchFamily="49" charset="0"/>
+              </a:rPr>
+              <a:t>string</a:t>
+            </a:r>
+            <a:r>
+              <a:rPr lang="pl-PL" sz="1600" dirty="0" smtClean="0">
+                <a:latin typeface="Consolas" pitchFamily="49" charset="0"/>
+                <a:cs typeface="Consolas" pitchFamily="49" charset="0"/>
+              </a:rPr>
+              <a:t>)</a:t>
+            </a:r>
+          </a:p>
+          <a:p>
+            <a:pPr>
+              <a:buNone/>
+            </a:pPr>
+            <a:r>
+              <a:rPr lang="pl-PL" sz="1600" dirty="0" smtClean="0">
+                <a:latin typeface="Consolas" pitchFamily="49" charset="0"/>
+                <a:cs typeface="Consolas" pitchFamily="49" charset="0"/>
+              </a:rPr>
+              <a:t>        return </a:t>
+            </a:r>
+            <a:r>
+              <a:rPr lang="pl-PL" sz="1600" dirty="0" err="1" smtClean="0">
+                <a:solidFill>
+                  <a:srgbClr val="333333"/>
+                </a:solidFill>
+                <a:latin typeface="Consolas" pitchFamily="49" charset="0"/>
+                <a:cs typeface="Consolas" pitchFamily="49" charset="0"/>
+              </a:rPr>
+              <a:t>sb</a:t>
+            </a:r>
+            <a:r>
+              <a:rPr lang="pl-PL" sz="1600" dirty="0" err="1" smtClean="0">
+                <a:latin typeface="Consolas" pitchFamily="49" charset="0"/>
+                <a:cs typeface="Consolas" pitchFamily="49" charset="0"/>
+              </a:rPr>
+              <a:t>.</a:t>
+            </a:r>
+            <a:r>
+              <a:rPr lang="pl-PL" sz="1600" dirty="0" err="1" smtClean="0">
+                <a:solidFill>
+                  <a:srgbClr val="333333"/>
+                </a:solidFill>
+                <a:latin typeface="Consolas" pitchFamily="49" charset="0"/>
+                <a:cs typeface="Consolas" pitchFamily="49" charset="0"/>
+              </a:rPr>
+              <a:t>toString</a:t>
+            </a:r>
+            <a:r>
+              <a:rPr lang="pl-PL" sz="1600" dirty="0" smtClean="0">
+                <a:latin typeface="Consolas" pitchFamily="49" charset="0"/>
+                <a:cs typeface="Consolas" pitchFamily="49" charset="0"/>
+              </a:rPr>
+              <a:t>()</a:t>
+            </a:r>
+          </a:p>
+          <a:p>
+            <a:pPr>
+              <a:buNone/>
+            </a:pPr>
+            <a:r>
+              <a:rPr lang="pl-PL" sz="1600" dirty="0" smtClean="0">
+                <a:latin typeface="Consolas" pitchFamily="49" charset="0"/>
+                <a:cs typeface="Consolas" pitchFamily="49" charset="0"/>
+              </a:rPr>
+              <a:t>    }</a:t>
+            </a:r>
+          </a:p>
+          <a:p>
+            <a:pPr>
+              <a:buNone/>
+            </a:pPr>
+            <a:r>
+              <a:rPr lang="pl-PL" sz="1600" dirty="0" smtClean="0">
+                <a:latin typeface="Consolas" pitchFamily="49" charset="0"/>
+                <a:cs typeface="Consolas" pitchFamily="49" charset="0"/>
+              </a:rPr>
+              <a:t>}</a:t>
+            </a:r>
           </a:p>
         </p:txBody>
       </p:sp>
@@ -9500,7 +9457,7 @@
             <a:fld id="{359484F7-7C7A-4895-B82F-27C098609AFF}" type="datetime1">
               <a:rPr lang="pl-PL" smtClean="0"/>
               <a:pPr/>
-              <a:t>2013-07-13</a:t>
+              <a:t>2013-07-14</a:t>
             </a:fld>
             <a:r>
               <a:rPr lang="pl-PL" smtClean="0"/>
@@ -9554,13 +9511,37 @@
             </a:pPr>
             <a:r>
               <a:rPr lang="pl-PL" dirty="0" smtClean="0"/>
-              <a:t>Cukier trzeba jednak stosować z umiarem</a:t>
+              <a:t>Scala może wyglądać jak Scala</a:t>
             </a:r>
           </a:p>
           <a:p>
             <a:pPr>
               <a:buNone/>
             </a:pPr>
+            <a:r>
+              <a:rPr lang="pl-PL" sz="1600" dirty="0" err="1" smtClean="0">
+                <a:latin typeface="Consolas" pitchFamily="49" charset="0"/>
+                <a:cs typeface="Consolas" pitchFamily="49" charset="0"/>
+              </a:rPr>
+              <a:t>package</a:t>
+            </a:r>
+            <a:r>
+              <a:rPr lang="pl-PL" sz="1600" dirty="0" smtClean="0">
+                <a:latin typeface="Consolas" pitchFamily="49" charset="0"/>
+                <a:cs typeface="Consolas" pitchFamily="49" charset="0"/>
+              </a:rPr>
+              <a:t> </a:t>
+            </a:r>
+            <a:r>
+              <a:rPr lang="pl-PL" sz="1600" dirty="0" err="1" smtClean="0">
+                <a:solidFill>
+                  <a:srgbClr val="555555"/>
+                </a:solidFill>
+                <a:latin typeface="Consolas" pitchFamily="49" charset="0"/>
+                <a:cs typeface="Consolas" pitchFamily="49" charset="0"/>
+              </a:rPr>
+              <a:t>com.futureprocessing.scala_sugar</a:t>
+            </a:r>
             <a:endParaRPr lang="pl-PL" sz="1600" dirty="0" smtClean="0">
               <a:latin typeface="Consolas" pitchFamily="49" charset="0"/>
               <a:cs typeface="Consolas" pitchFamily="49" charset="0"/>
@@ -9571,102 +9552,314 @@
               <a:buNone/>
             </a:pPr>
             <a:r>
-              <a:rPr lang="pl-PL" sz="1600" i="1" dirty="0" smtClean="0">
-                <a:latin typeface="Consolas" pitchFamily="49" charset="0"/>
-                <a:cs typeface="Consolas" pitchFamily="49" charset="0"/>
-              </a:rPr>
-              <a:t>// </a:t>
-            </a:r>
-            <a:r>
-              <a:rPr lang="pl-PL" sz="1600" i="1" dirty="0" err="1" smtClean="0">
-                <a:latin typeface="Consolas" pitchFamily="49" charset="0"/>
-                <a:cs typeface="Consolas" pitchFamily="49" charset="0"/>
-              </a:rPr>
-              <a:t>Using</a:t>
-            </a:r>
-            <a:r>
-              <a:rPr lang="pl-PL" sz="1600" i="1" dirty="0" smtClean="0">
+              <a:rPr lang="pl-PL" sz="1600" dirty="0" smtClean="0">
+                <a:latin typeface="Consolas" pitchFamily="49" charset="0"/>
+                <a:cs typeface="Consolas" pitchFamily="49" charset="0"/>
+              </a:rPr>
+              <a:t>  </a:t>
+            </a:r>
+          </a:p>
+          <a:p>
+            <a:pPr>
+              <a:buNone/>
+            </a:pPr>
+            <a:r>
+              <a:rPr lang="pl-PL" sz="1600" dirty="0" err="1" smtClean="0">
+                <a:latin typeface="Consolas" pitchFamily="49" charset="0"/>
+                <a:cs typeface="Consolas" pitchFamily="49" charset="0"/>
+              </a:rPr>
+              <a:t>object</a:t>
+            </a:r>
+            <a:r>
+              <a:rPr lang="pl-PL" sz="1600" dirty="0" smtClean="0">
                 <a:latin typeface="Consolas" pitchFamily="49" charset="0"/>
                 <a:cs typeface="Consolas" pitchFamily="49" charset="0"/>
               </a:rPr>
               <a:t> </a:t>
             </a:r>
             <a:r>
-              <a:rPr lang="pl-PL" sz="1600" i="1" dirty="0" err="1" smtClean="0">
-                <a:latin typeface="Consolas" pitchFamily="49" charset="0"/>
-                <a:cs typeface="Consolas" pitchFamily="49" charset="0"/>
-              </a:rPr>
-              <a:t>alternative</a:t>
-            </a:r>
-            <a:r>
-              <a:rPr lang="pl-PL" sz="1600" i="1" dirty="0" smtClean="0">
+              <a:rPr lang="pl-PL" sz="1600" dirty="0" err="1" smtClean="0">
+                <a:solidFill>
+                  <a:srgbClr val="445588"/>
+                </a:solidFill>
+                <a:latin typeface="Consolas" pitchFamily="49" charset="0"/>
+                <a:cs typeface="Consolas" pitchFamily="49" charset="0"/>
+              </a:rPr>
+              <a:t>StringsScala</a:t>
+            </a:r>
+            <a:r>
+              <a:rPr lang="pl-PL" sz="1600" dirty="0" smtClean="0">
+                <a:latin typeface="Consolas" pitchFamily="49" charset="0"/>
+                <a:cs typeface="Consolas" pitchFamily="49" charset="0"/>
+              </a:rPr>
+              <a:t> {</a:t>
+            </a:r>
+          </a:p>
+          <a:p>
+            <a:pPr>
+              <a:buNone/>
+            </a:pPr>
+            <a:r>
+              <a:rPr lang="pl-PL" sz="1600" dirty="0" smtClean="0">
+                <a:latin typeface="Consolas" pitchFamily="49" charset="0"/>
+                <a:cs typeface="Consolas" pitchFamily="49" charset="0"/>
+              </a:rPr>
+              <a:t> </a:t>
+            </a:r>
+          </a:p>
+          <a:p>
+            <a:pPr>
+              <a:buNone/>
+            </a:pPr>
+            <a:r>
+              <a:rPr lang="pl-PL" sz="1600" dirty="0" smtClean="0">
+                <a:latin typeface="Consolas" pitchFamily="49" charset="0"/>
+                <a:cs typeface="Consolas" pitchFamily="49" charset="0"/>
+              </a:rPr>
+              <a:t>    </a:t>
+            </a:r>
+            <a:r>
+              <a:rPr lang="pl-PL" sz="1600" dirty="0" err="1" smtClean="0">
+                <a:latin typeface="Consolas" pitchFamily="49" charset="0"/>
+                <a:cs typeface="Consolas" pitchFamily="49" charset="0"/>
+              </a:rPr>
+              <a:t>def</a:t>
+            </a:r>
+            <a:r>
+              <a:rPr lang="pl-PL" sz="1600" dirty="0" smtClean="0">
                 <a:latin typeface="Consolas" pitchFamily="49" charset="0"/>
                 <a:cs typeface="Consolas" pitchFamily="49" charset="0"/>
               </a:rPr>
               <a:t> </a:t>
             </a:r>
             <a:r>
-              <a:rPr lang="pl-PL" sz="1600" i="1" dirty="0" err="1" smtClean="0">
-                <a:latin typeface="Consolas" pitchFamily="49" charset="0"/>
-                <a:cs typeface="Consolas" pitchFamily="49" charset="0"/>
-              </a:rPr>
-              <a:t>syntax</a:t>
-            </a:r>
-            <a:r>
-              <a:rPr lang="pl-PL" sz="1600" i="1" dirty="0" smtClean="0">
-                <a:latin typeface="Consolas" pitchFamily="49" charset="0"/>
-                <a:cs typeface="Consolas" pitchFamily="49" charset="0"/>
-              </a:rPr>
-              <a:t> to </a:t>
-            </a:r>
-            <a:r>
-              <a:rPr lang="pl-PL" sz="1600" i="1" dirty="0" err="1" smtClean="0">
-                <a:latin typeface="Consolas" pitchFamily="49" charset="0"/>
-                <a:cs typeface="Consolas" pitchFamily="49" charset="0"/>
-              </a:rPr>
-              <a:t>directly</a:t>
-            </a:r>
-            <a:r>
-              <a:rPr lang="pl-PL" sz="1600" i="1" dirty="0" smtClean="0">
-                <a:latin typeface="Consolas" pitchFamily="49" charset="0"/>
-                <a:cs typeface="Consolas" pitchFamily="49" charset="0"/>
-              </a:rPr>
-              <a:t> </a:t>
-            </a:r>
-            <a:r>
-              <a:rPr lang="pl-PL" sz="1600" i="1" dirty="0" err="1" smtClean="0">
-                <a:latin typeface="Consolas" pitchFamily="49" charset="0"/>
-                <a:cs typeface="Consolas" pitchFamily="49" charset="0"/>
-              </a:rPr>
-              <a:t>apply</a:t>
-            </a:r>
-            <a:r>
-              <a:rPr lang="pl-PL" sz="1600" i="1" dirty="0" smtClean="0">
-                <a:latin typeface="Consolas" pitchFamily="49" charset="0"/>
-                <a:cs typeface="Consolas" pitchFamily="49" charset="0"/>
-              </a:rPr>
-              <a:t> a </a:t>
-            </a:r>
-            <a:r>
-              <a:rPr lang="pl-PL" sz="1600" i="1" dirty="0" err="1" smtClean="0">
-                <a:latin typeface="Consolas" pitchFamily="49" charset="0"/>
-                <a:cs typeface="Consolas" pitchFamily="49" charset="0"/>
-              </a:rPr>
-              <a:t>sequence</a:t>
-            </a:r>
-            <a:r>
-              <a:rPr lang="pl-PL" sz="1600" i="1" dirty="0" smtClean="0">
-                <a:latin typeface="Consolas" pitchFamily="49" charset="0"/>
-                <a:cs typeface="Consolas" pitchFamily="49" charset="0"/>
-              </a:rPr>
-              <a:t> of N </a:t>
-            </a:r>
-            <a:r>
-              <a:rPr lang="pl-PL" sz="1600" i="1" dirty="0" err="1" smtClean="0">
-                <a:latin typeface="Consolas" pitchFamily="49" charset="0"/>
-                <a:cs typeface="Consolas" pitchFamily="49" charset="0"/>
-              </a:rPr>
-              <a:t>applicative</a:t>
+              <a:rPr lang="pl-PL" sz="1600" dirty="0" err="1" smtClean="0">
+                <a:solidFill>
+                  <a:srgbClr val="333333"/>
+                </a:solidFill>
+                <a:latin typeface="Consolas" pitchFamily="49" charset="0"/>
+                <a:cs typeface="Consolas" pitchFamily="49" charset="0"/>
+              </a:rPr>
+              <a:t>padStart</a:t>
+            </a:r>
+            <a:r>
+              <a:rPr lang="pl-PL" sz="1600" dirty="0" smtClean="0">
+                <a:latin typeface="Consolas" pitchFamily="49" charset="0"/>
+                <a:cs typeface="Consolas" pitchFamily="49" charset="0"/>
+              </a:rPr>
+              <a:t>(</a:t>
+            </a:r>
+            <a:r>
+              <a:rPr lang="pl-PL" sz="1600" dirty="0" err="1" smtClean="0">
+                <a:solidFill>
+                  <a:srgbClr val="333333"/>
+                </a:solidFill>
+                <a:latin typeface="Consolas" pitchFamily="49" charset="0"/>
+                <a:cs typeface="Consolas" pitchFamily="49" charset="0"/>
+              </a:rPr>
+              <a:t>string</a:t>
+            </a:r>
+            <a:r>
+              <a:rPr lang="pl-PL" sz="1600" dirty="0" smtClean="0">
+                <a:latin typeface="Consolas" pitchFamily="49" charset="0"/>
+                <a:cs typeface="Consolas" pitchFamily="49" charset="0"/>
+              </a:rPr>
+              <a:t>: </a:t>
+            </a:r>
+            <a:r>
+              <a:rPr lang="pl-PL" sz="1600" dirty="0" err="1" smtClean="0">
+                <a:solidFill>
+                  <a:srgbClr val="445588"/>
+                </a:solidFill>
+                <a:latin typeface="Consolas" pitchFamily="49" charset="0"/>
+                <a:cs typeface="Consolas" pitchFamily="49" charset="0"/>
+              </a:rPr>
+              <a:t>String</a:t>
+            </a:r>
+            <a:r>
+              <a:rPr lang="pl-PL" sz="1600" dirty="0" smtClean="0">
+                <a:latin typeface="Consolas" pitchFamily="49" charset="0"/>
+                <a:cs typeface="Consolas" pitchFamily="49" charset="0"/>
+              </a:rPr>
+              <a:t>, </a:t>
+            </a:r>
+            <a:r>
+              <a:rPr lang="pl-PL" sz="1600" dirty="0" err="1" smtClean="0">
+                <a:solidFill>
+                  <a:srgbClr val="333333"/>
+                </a:solidFill>
+                <a:latin typeface="Consolas" pitchFamily="49" charset="0"/>
+                <a:cs typeface="Consolas" pitchFamily="49" charset="0"/>
+              </a:rPr>
+              <a:t>minLength</a:t>
+            </a:r>
+            <a:r>
+              <a:rPr lang="pl-PL" sz="1600" dirty="0" smtClean="0">
+                <a:latin typeface="Consolas" pitchFamily="49" charset="0"/>
+                <a:cs typeface="Consolas" pitchFamily="49" charset="0"/>
+              </a:rPr>
+              <a:t>: </a:t>
+            </a:r>
+            <a:r>
+              <a:rPr lang="pl-PL" sz="1600" dirty="0" err="1" smtClean="0">
+                <a:solidFill>
+                  <a:srgbClr val="445588"/>
+                </a:solidFill>
+                <a:latin typeface="Consolas" pitchFamily="49" charset="0"/>
+                <a:cs typeface="Consolas" pitchFamily="49" charset="0"/>
+              </a:rPr>
+              <a:t>Int</a:t>
+            </a:r>
+            <a:r>
+              <a:rPr lang="pl-PL" sz="1600" dirty="0" smtClean="0">
+                <a:latin typeface="Consolas" pitchFamily="49" charset="0"/>
+                <a:cs typeface="Consolas" pitchFamily="49" charset="0"/>
+              </a:rPr>
+              <a:t>, </a:t>
+            </a:r>
+            <a:r>
+              <a:rPr lang="pl-PL" sz="1600" dirty="0" err="1" smtClean="0">
+                <a:solidFill>
+                  <a:srgbClr val="333333"/>
+                </a:solidFill>
+                <a:latin typeface="Consolas" pitchFamily="49" charset="0"/>
+                <a:cs typeface="Consolas" pitchFamily="49" charset="0"/>
+              </a:rPr>
+              <a:t>padChar</a:t>
+            </a:r>
+            <a:r>
+              <a:rPr lang="pl-PL" sz="1600" dirty="0" smtClean="0">
+                <a:latin typeface="Consolas" pitchFamily="49" charset="0"/>
+                <a:cs typeface="Consolas" pitchFamily="49" charset="0"/>
+              </a:rPr>
+              <a:t>: </a:t>
+            </a:r>
+            <a:r>
+              <a:rPr lang="pl-PL" sz="1600" dirty="0" smtClean="0">
+                <a:solidFill>
+                  <a:srgbClr val="445588"/>
+                </a:solidFill>
+                <a:latin typeface="Consolas" pitchFamily="49" charset="0"/>
+                <a:cs typeface="Consolas" pitchFamily="49" charset="0"/>
+              </a:rPr>
+              <a:t>Char</a:t>
+            </a:r>
+            <a:r>
+              <a:rPr lang="pl-PL" sz="1600" dirty="0" smtClean="0">
+                <a:latin typeface="Consolas" pitchFamily="49" charset="0"/>
+                <a:cs typeface="Consolas" pitchFamily="49" charset="0"/>
+              </a:rPr>
+              <a:t>) =</a:t>
+            </a:r>
+          </a:p>
+          <a:p>
+            <a:pPr>
+              <a:buNone/>
+            </a:pPr>
+            <a:r>
+              <a:rPr lang="pl-PL" sz="1600" dirty="0" smtClean="0">
+                <a:solidFill>
+                  <a:srgbClr val="333333"/>
+                </a:solidFill>
+                <a:latin typeface="Consolas" pitchFamily="49" charset="0"/>
+                <a:cs typeface="Consolas" pitchFamily="49" charset="0"/>
+              </a:rPr>
+              <a:t>        </a:t>
+            </a:r>
+            <a:r>
+              <a:rPr lang="pl-PL" sz="1600" dirty="0" err="1" smtClean="0">
+                <a:solidFill>
+                  <a:srgbClr val="333333"/>
+                </a:solidFill>
+                <a:latin typeface="Consolas" pitchFamily="49" charset="0"/>
+                <a:cs typeface="Consolas" pitchFamily="49" charset="0"/>
+              </a:rPr>
+              <a:t>padChar</a:t>
+            </a:r>
+            <a:r>
+              <a:rPr lang="pl-PL" sz="1600" dirty="0" err="1" smtClean="0">
+                <a:latin typeface="Consolas" pitchFamily="49" charset="0"/>
+                <a:cs typeface="Consolas" pitchFamily="49" charset="0"/>
+              </a:rPr>
+              <a:t>.</a:t>
+            </a:r>
+            <a:r>
+              <a:rPr lang="pl-PL" sz="1600" dirty="0" err="1" smtClean="0">
+                <a:solidFill>
+                  <a:srgbClr val="333333"/>
+                </a:solidFill>
+                <a:latin typeface="Consolas" pitchFamily="49" charset="0"/>
+                <a:cs typeface="Consolas" pitchFamily="49" charset="0"/>
+              </a:rPr>
+              <a:t>toString</a:t>
+            </a:r>
+            <a:r>
+              <a:rPr lang="pl-PL" sz="1600" dirty="0" smtClean="0">
+                <a:latin typeface="Consolas" pitchFamily="49" charset="0"/>
+                <a:cs typeface="Consolas" pitchFamily="49" charset="0"/>
+              </a:rPr>
+              <a:t> * (</a:t>
+            </a:r>
+            <a:r>
+              <a:rPr lang="pl-PL" sz="1600" dirty="0" err="1" smtClean="0">
+                <a:solidFill>
+                  <a:srgbClr val="333333"/>
+                </a:solidFill>
+                <a:latin typeface="Consolas" pitchFamily="49" charset="0"/>
+                <a:cs typeface="Consolas" pitchFamily="49" charset="0"/>
+              </a:rPr>
+              <a:t>minLength</a:t>
+            </a:r>
+            <a:r>
+              <a:rPr lang="pl-PL" sz="1600" dirty="0" smtClean="0">
+                <a:latin typeface="Consolas" pitchFamily="49" charset="0"/>
+                <a:cs typeface="Consolas" pitchFamily="49" charset="0"/>
+              </a:rPr>
+              <a:t> - </a:t>
+            </a:r>
+            <a:r>
+              <a:rPr lang="pl-PL" sz="1600" dirty="0" err="1" smtClean="0">
+                <a:solidFill>
+                  <a:srgbClr val="333333"/>
+                </a:solidFill>
+                <a:latin typeface="Consolas" pitchFamily="49" charset="0"/>
+                <a:cs typeface="Consolas" pitchFamily="49" charset="0"/>
+              </a:rPr>
+              <a:t>string</a:t>
+            </a:r>
+            <a:r>
+              <a:rPr lang="pl-PL" sz="1600" dirty="0" err="1" smtClean="0">
+                <a:latin typeface="Consolas" pitchFamily="49" charset="0"/>
+                <a:cs typeface="Consolas" pitchFamily="49" charset="0"/>
+              </a:rPr>
+              <a:t>.</a:t>
+            </a:r>
+            <a:r>
+              <a:rPr lang="pl-PL" sz="1600" dirty="0" err="1" smtClean="0">
+                <a:solidFill>
+                  <a:srgbClr val="333333"/>
+                </a:solidFill>
+                <a:latin typeface="Consolas" pitchFamily="49" charset="0"/>
+                <a:cs typeface="Consolas" pitchFamily="49" charset="0"/>
+              </a:rPr>
+              <a:t>length</a:t>
+            </a:r>
+            <a:r>
+              <a:rPr lang="pl-PL" sz="1600" dirty="0" smtClean="0">
+                <a:latin typeface="Consolas" pitchFamily="49" charset="0"/>
+                <a:cs typeface="Consolas" pitchFamily="49" charset="0"/>
+              </a:rPr>
+              <a:t>) + </a:t>
+            </a:r>
+            <a:r>
+              <a:rPr lang="pl-PL" sz="1600" dirty="0" err="1" smtClean="0">
+                <a:solidFill>
+                  <a:srgbClr val="333333"/>
+                </a:solidFill>
+                <a:latin typeface="Consolas" pitchFamily="49" charset="0"/>
+                <a:cs typeface="Consolas" pitchFamily="49" charset="0"/>
+              </a:rPr>
+              <a:t>string</a:t>
             </a:r>
             <a:endParaRPr lang="pl-PL" sz="1600" dirty="0" smtClean="0">
               <a:latin typeface="Consolas" pitchFamily="49" charset="0"/>
@@ -9678,928 +9871,11 @@
               <a:buNone/>
             </a:pPr>
             <a:r>
-              <a:rPr lang="pl-PL" sz="1600" i="1" dirty="0" smtClean="0">
-                <a:latin typeface="Consolas" pitchFamily="49" charset="0"/>
-                <a:cs typeface="Consolas" pitchFamily="49" charset="0"/>
-              </a:rPr>
-              <a:t>// </a:t>
-            </a:r>
-            <a:r>
-              <a:rPr lang="pl-PL" sz="1600" i="1" dirty="0" err="1" smtClean="0">
-                <a:latin typeface="Consolas" pitchFamily="49" charset="0"/>
-                <a:cs typeface="Consolas" pitchFamily="49" charset="0"/>
-              </a:rPr>
-              <a:t>arguments</a:t>
-            </a:r>
-            <a:r>
-              <a:rPr lang="pl-PL" sz="1600" i="1" dirty="0" smtClean="0">
-                <a:latin typeface="Consolas" pitchFamily="49" charset="0"/>
-                <a:cs typeface="Consolas" pitchFamily="49" charset="0"/>
-              </a:rPr>
-              <a:t> to a </a:t>
-            </a:r>
-            <a:r>
-              <a:rPr lang="pl-PL" sz="1600" i="1" dirty="0" err="1" smtClean="0">
-                <a:latin typeface="Consolas" pitchFamily="49" charset="0"/>
-                <a:cs typeface="Consolas" pitchFamily="49" charset="0"/>
-              </a:rPr>
-              <a:t>N-ary</a:t>
-            </a:r>
-            <a:r>
-              <a:rPr lang="pl-PL" sz="1600" i="1" dirty="0" smtClean="0">
-                <a:latin typeface="Consolas" pitchFamily="49" charset="0"/>
-                <a:cs typeface="Consolas" pitchFamily="49" charset="0"/>
-              </a:rPr>
-              <a:t> </a:t>
-            </a:r>
-            <a:r>
-              <a:rPr lang="pl-PL" sz="1600" i="1" dirty="0" err="1" smtClean="0">
-                <a:latin typeface="Consolas" pitchFamily="49" charset="0"/>
-                <a:cs typeface="Consolas" pitchFamily="49" charset="0"/>
-              </a:rPr>
-              <a:t>function</a:t>
-            </a:r>
-            <a:r>
-              <a:rPr lang="pl-PL" sz="1600" i="1" dirty="0" smtClean="0">
-                <a:latin typeface="Consolas" pitchFamily="49" charset="0"/>
-                <a:cs typeface="Consolas" pitchFamily="49" charset="0"/>
-              </a:rPr>
-              <a:t>.</a:t>
-            </a:r>
-            <a:endParaRPr lang="pl-PL" sz="1600" dirty="0" smtClean="0">
-              <a:latin typeface="Consolas" pitchFamily="49" charset="0"/>
-              <a:cs typeface="Consolas" pitchFamily="49" charset="0"/>
-            </a:endParaRPr>
-          </a:p>
-          <a:p>
-            <a:pPr>
-              <a:buNone/>
-            </a:pPr>
-            <a:r>
-              <a:rPr lang="pl-PL" sz="1600" dirty="0" err="1" smtClean="0">
-                <a:latin typeface="Consolas" pitchFamily="49" charset="0"/>
-                <a:cs typeface="Consolas" pitchFamily="49" charset="0"/>
-              </a:rPr>
-              <a:t>val</a:t>
-            </a:r>
-            <a:r>
-              <a:rPr lang="pl-PL" sz="1600" dirty="0" smtClean="0">
-                <a:latin typeface="Consolas" pitchFamily="49" charset="0"/>
-                <a:cs typeface="Consolas" pitchFamily="49" charset="0"/>
-              </a:rPr>
-              <a:t> a, b, c, d = List(1)</a:t>
-            </a:r>
-          </a:p>
-          <a:p>
-            <a:pPr>
-              <a:buNone/>
-            </a:pPr>
-            <a:r>
-              <a:rPr lang="pl-PL" sz="1600" dirty="0" smtClean="0">
-                <a:latin typeface="Consolas" pitchFamily="49" charset="0"/>
-                <a:cs typeface="Consolas" pitchFamily="49" charset="0"/>
-              </a:rPr>
-              <a:t>(</a:t>
-            </a:r>
-            <a:r>
-              <a:rPr lang="pl-PL" sz="1600" dirty="0" smtClean="0">
-                <a:latin typeface="Consolas" pitchFamily="49" charset="0"/>
-                <a:cs typeface="Consolas" pitchFamily="49" charset="0"/>
-                <a:hlinkClick r:id="rId3" tooltip="(l: List[Int])scalaz.MA[List,Int]"/>
-              </a:rPr>
-              <a:t>a</a:t>
-            </a:r>
-            <a:r>
-              <a:rPr lang="pl-PL" sz="1600" dirty="0" smtClean="0">
-                <a:latin typeface="Consolas" pitchFamily="49" charset="0"/>
-                <a:cs typeface="Consolas" pitchFamily="49" charset="0"/>
-              </a:rPr>
-              <a:t> </a:t>
-            </a:r>
-            <a:r>
-              <a:rPr lang="pl-PL" sz="1600" dirty="0" smtClean="0">
-                <a:latin typeface="Consolas" pitchFamily="49" charset="0"/>
-                <a:cs typeface="Consolas" pitchFamily="49" charset="0"/>
-                <a:hlinkClick r:id="rId4" tooltip="(f: (Int, Int) =&gt; Int)(implicit t: scalaz.Functor[List], implicit ap: scalaz.Apply[List])List[Int]"/>
-              </a:rPr>
-              <a:t>⊛</a:t>
-            </a:r>
-            <a:r>
-              <a:rPr lang="pl-PL" sz="1600" dirty="0" smtClean="0">
-                <a:latin typeface="Consolas" pitchFamily="49" charset="0"/>
-                <a:cs typeface="Consolas" pitchFamily="49" charset="0"/>
-              </a:rPr>
-              <a:t> </a:t>
-            </a:r>
-            <a:r>
-              <a:rPr lang="pl-PL" sz="1600" dirty="0" smtClean="0">
-                <a:latin typeface="Consolas" pitchFamily="49" charset="0"/>
-                <a:cs typeface="Consolas" pitchFamily="49" charset="0"/>
-                <a:hlinkClick r:id="rId5" tooltip="List[Int]"/>
-              </a:rPr>
-              <a:t>b</a:t>
-            </a:r>
-            <a:r>
-              <a:rPr lang="pl-PL" sz="1600" dirty="0" smtClean="0">
-                <a:latin typeface="Consolas" pitchFamily="49" charset="0"/>
-                <a:cs typeface="Consolas" pitchFamily="49" charset="0"/>
-              </a:rPr>
-              <a:t>)</a:t>
-            </a:r>
-            <a:r>
-              <a:rPr lang="pl-PL" sz="1600" dirty="0" smtClean="0">
-                <a:latin typeface="Consolas" pitchFamily="49" charset="0"/>
-                <a:cs typeface="Consolas" pitchFamily="49" charset="0"/>
-                <a:hlinkClick r:id="rId6" tooltip="(implicit evidence$1: scalaz.CanBuildAnySelf[List])scalaz.Functor[List]"/>
-              </a:rPr>
-              <a:t>{</a:t>
-            </a:r>
-            <a:r>
-              <a:rPr lang="pl-PL" sz="1600" dirty="0" smtClean="0">
-                <a:latin typeface="Consolas" pitchFamily="49" charset="0"/>
-                <a:cs typeface="Consolas" pitchFamily="49" charset="0"/>
-                <a:hlinkClick r:id="rId5" tooltip="Int"/>
-              </a:rPr>
-              <a:t>_</a:t>
-            </a:r>
-            <a:r>
-              <a:rPr lang="pl-PL" sz="1600" dirty="0" smtClean="0">
-                <a:latin typeface="Consolas" pitchFamily="49" charset="0"/>
-                <a:cs typeface="Consolas" pitchFamily="49" charset="0"/>
-              </a:rPr>
-              <a:t> + </a:t>
-            </a:r>
-            <a:r>
-              <a:rPr lang="pl-PL" sz="1600" dirty="0" smtClean="0">
-                <a:latin typeface="Consolas" pitchFamily="49" charset="0"/>
-                <a:cs typeface="Consolas" pitchFamily="49" charset="0"/>
-                <a:hlinkClick r:id="rId5" tooltip="Int"/>
-              </a:rPr>
-              <a:t>_</a:t>
-            </a:r>
-            <a:r>
               <a:rPr lang="pl-PL" sz="1600" dirty="0" smtClean="0">
                 <a:latin typeface="Consolas" pitchFamily="49" charset="0"/>
                 <a:cs typeface="Consolas" pitchFamily="49" charset="0"/>
               </a:rPr>
               <a:t>}</a:t>
-            </a:r>
-          </a:p>
-          <a:p>
-            <a:pPr>
-              <a:buNone/>
-            </a:pPr>
-            <a:r>
-              <a:rPr lang="pl-PL" sz="1600" dirty="0" smtClean="0">
-                <a:latin typeface="Consolas" pitchFamily="49" charset="0"/>
-                <a:cs typeface="Consolas" pitchFamily="49" charset="0"/>
-                <a:hlinkClick r:id="rId3" tooltip="(l: List[Int])scalaz.MA[List,Int]"/>
-              </a:rPr>
-              <a:t>a</a:t>
-            </a:r>
-            <a:r>
-              <a:rPr lang="pl-PL" sz="1600" dirty="0" smtClean="0">
-                <a:latin typeface="Consolas" pitchFamily="49" charset="0"/>
-                <a:cs typeface="Consolas" pitchFamily="49" charset="0"/>
-              </a:rPr>
-              <a:t> </a:t>
-            </a:r>
-            <a:r>
-              <a:rPr lang="pl-PL" sz="1600" dirty="0" smtClean="0">
-                <a:latin typeface="Consolas" pitchFamily="49" charset="0"/>
-                <a:cs typeface="Consolas" pitchFamily="49" charset="0"/>
-                <a:hlinkClick r:id="rId3" tooltip="(b: List[Int])scalaz.ApplicativeBuilder[List,Int,Int]"/>
-              </a:rPr>
-              <a:t>⊛</a:t>
-            </a:r>
-            <a:r>
-              <a:rPr lang="pl-PL" sz="1600" dirty="0" smtClean="0">
-                <a:latin typeface="Consolas" pitchFamily="49" charset="0"/>
-                <a:cs typeface="Consolas" pitchFamily="49" charset="0"/>
-              </a:rPr>
-              <a:t> </a:t>
-            </a:r>
-            <a:r>
-              <a:rPr lang="pl-PL" sz="1600" dirty="0" smtClean="0">
-                <a:latin typeface="Consolas" pitchFamily="49" charset="0"/>
-                <a:cs typeface="Consolas" pitchFamily="49" charset="0"/>
-                <a:hlinkClick r:id="rId5" tooltip="List[Int]"/>
-              </a:rPr>
-              <a:t>b</a:t>
-            </a:r>
-            <a:r>
-              <a:rPr lang="pl-PL" sz="1600" dirty="0" smtClean="0">
-                <a:latin typeface="Consolas" pitchFamily="49" charset="0"/>
-                <a:cs typeface="Consolas" pitchFamily="49" charset="0"/>
-              </a:rPr>
-              <a:t> </a:t>
-            </a:r>
-            <a:r>
-              <a:rPr lang="pl-PL" sz="1600" dirty="0" err="1" smtClean="0">
-                <a:latin typeface="Consolas" pitchFamily="49" charset="0"/>
-                <a:cs typeface="Consolas" pitchFamily="49" charset="0"/>
-                <a:hlinkClick r:id="rId4" tooltip="(f: (Int, Int) =&gt; Int)(implicit t: scalaz.Functor[List], implicit ap: scalaz.Apply[List])List[Int]"/>
-              </a:rPr>
-              <a:t>apply</a:t>
-            </a:r>
-            <a:r>
-              <a:rPr lang="pl-PL" sz="1600" dirty="0" smtClean="0">
-                <a:latin typeface="Consolas" pitchFamily="49" charset="0"/>
-                <a:cs typeface="Consolas" pitchFamily="49" charset="0"/>
-              </a:rPr>
-              <a:t> {</a:t>
-            </a:r>
-            <a:r>
-              <a:rPr lang="pl-PL" sz="1600" dirty="0" smtClean="0">
-                <a:latin typeface="Consolas" pitchFamily="49" charset="0"/>
-                <a:cs typeface="Consolas" pitchFamily="49" charset="0"/>
-                <a:hlinkClick r:id="rId5" tooltip="Int"/>
-              </a:rPr>
-              <a:t>_</a:t>
-            </a:r>
-            <a:r>
-              <a:rPr lang="pl-PL" sz="1600" dirty="0" smtClean="0">
-                <a:latin typeface="Consolas" pitchFamily="49" charset="0"/>
-                <a:cs typeface="Consolas" pitchFamily="49" charset="0"/>
-              </a:rPr>
-              <a:t> + </a:t>
-            </a:r>
-            <a:r>
-              <a:rPr lang="pl-PL" sz="1600" dirty="0" smtClean="0">
-                <a:latin typeface="Consolas" pitchFamily="49" charset="0"/>
-                <a:cs typeface="Consolas" pitchFamily="49" charset="0"/>
-                <a:hlinkClick r:id="rId5" tooltip="Int"/>
-              </a:rPr>
-              <a:t>_</a:t>
-            </a:r>
-            <a:r>
-              <a:rPr lang="pl-PL" sz="1600" dirty="0" smtClean="0">
-                <a:latin typeface="Consolas" pitchFamily="49" charset="0"/>
-                <a:cs typeface="Consolas" pitchFamily="49" charset="0"/>
-              </a:rPr>
-              <a:t>}</a:t>
-            </a:r>
-          </a:p>
-          <a:p>
-            <a:pPr>
-              <a:buNone/>
-            </a:pPr>
-            <a:r>
-              <a:rPr lang="pl-PL" sz="1600" dirty="0" smtClean="0">
-                <a:latin typeface="Consolas" pitchFamily="49" charset="0"/>
-                <a:cs typeface="Consolas" pitchFamily="49" charset="0"/>
-              </a:rPr>
-              <a:t>(</a:t>
-            </a:r>
-            <a:r>
-              <a:rPr lang="pl-PL" sz="1600" dirty="0" smtClean="0">
-                <a:latin typeface="Consolas" pitchFamily="49" charset="0"/>
-                <a:cs typeface="Consolas" pitchFamily="49" charset="0"/>
-                <a:hlinkClick r:id="rId3" tooltip="(l: List[Int])scalaz.MA[List,Int]"/>
-              </a:rPr>
-              <a:t>a</a:t>
-            </a:r>
-            <a:r>
-              <a:rPr lang="pl-PL" sz="1600" dirty="0" smtClean="0">
-                <a:latin typeface="Consolas" pitchFamily="49" charset="0"/>
-                <a:cs typeface="Consolas" pitchFamily="49" charset="0"/>
-              </a:rPr>
-              <a:t> </a:t>
-            </a:r>
-            <a:r>
-              <a:rPr lang="pl-PL" sz="1600" dirty="0" smtClean="0">
-                <a:latin typeface="Consolas" pitchFamily="49" charset="0"/>
-                <a:cs typeface="Consolas" pitchFamily="49" charset="0"/>
-                <a:hlinkClick r:id="rId3" tooltip="(b: List[Int])scalaz.ApplicativeBuilder[List,Int,Int]"/>
-              </a:rPr>
-              <a:t>⊛</a:t>
-            </a:r>
-            <a:r>
-              <a:rPr lang="pl-PL" sz="1600" dirty="0" smtClean="0">
-                <a:latin typeface="Consolas" pitchFamily="49" charset="0"/>
-                <a:cs typeface="Consolas" pitchFamily="49" charset="0"/>
-              </a:rPr>
-              <a:t> </a:t>
-            </a:r>
-            <a:r>
-              <a:rPr lang="pl-PL" sz="1600" dirty="0" smtClean="0">
-                <a:latin typeface="Consolas" pitchFamily="49" charset="0"/>
-                <a:cs typeface="Consolas" pitchFamily="49" charset="0"/>
-                <a:hlinkClick r:id="rId5" tooltip="List[Int]"/>
-              </a:rPr>
-              <a:t>b</a:t>
-            </a:r>
-            <a:r>
-              <a:rPr lang="pl-PL" sz="1600" dirty="0" smtClean="0">
-                <a:latin typeface="Consolas" pitchFamily="49" charset="0"/>
-                <a:cs typeface="Consolas" pitchFamily="49" charset="0"/>
-              </a:rPr>
-              <a:t> </a:t>
-            </a:r>
-            <a:r>
-              <a:rPr lang="pl-PL" sz="1600" dirty="0" smtClean="0">
-                <a:latin typeface="Consolas" pitchFamily="49" charset="0"/>
-                <a:cs typeface="Consolas" pitchFamily="49" charset="0"/>
-                <a:hlinkClick r:id="rId4" tooltip="(f: (Int, Int, Int) =&gt; Int)(implicit t: scalaz.Functor[List], implicit ap: scalaz.Apply[List])List[Int]"/>
-              </a:rPr>
-              <a:t>⊛</a:t>
-            </a:r>
-            <a:r>
-              <a:rPr lang="pl-PL" sz="1600" dirty="0" smtClean="0">
-                <a:latin typeface="Consolas" pitchFamily="49" charset="0"/>
-                <a:cs typeface="Consolas" pitchFamily="49" charset="0"/>
-              </a:rPr>
-              <a:t> </a:t>
-            </a:r>
-            <a:r>
-              <a:rPr lang="pl-PL" sz="1600" dirty="0" smtClean="0">
-                <a:latin typeface="Consolas" pitchFamily="49" charset="0"/>
-                <a:cs typeface="Consolas" pitchFamily="49" charset="0"/>
-                <a:hlinkClick r:id="rId5" tooltip="List[Int]"/>
-              </a:rPr>
-              <a:t>c</a:t>
-            </a:r>
-            <a:r>
-              <a:rPr lang="pl-PL" sz="1600" dirty="0" smtClean="0">
-                <a:latin typeface="Consolas" pitchFamily="49" charset="0"/>
-                <a:cs typeface="Consolas" pitchFamily="49" charset="0"/>
-              </a:rPr>
-              <a:t>)</a:t>
-            </a:r>
-            <a:r>
-              <a:rPr lang="pl-PL" sz="1600" dirty="0" smtClean="0">
-                <a:latin typeface="Consolas" pitchFamily="49" charset="0"/>
-                <a:cs typeface="Consolas" pitchFamily="49" charset="0"/>
-                <a:hlinkClick r:id="rId6" tooltip="(implicit evidence$1: scalaz.CanBuildAnySelf[List])scalaz.Functor[List]"/>
-              </a:rPr>
-              <a:t>{</a:t>
-            </a:r>
-            <a:r>
-              <a:rPr lang="pl-PL" sz="1600" dirty="0" smtClean="0">
-                <a:latin typeface="Consolas" pitchFamily="49" charset="0"/>
-                <a:cs typeface="Consolas" pitchFamily="49" charset="0"/>
-                <a:hlinkClick r:id="rId5" tooltip="Int"/>
-              </a:rPr>
-              <a:t>_</a:t>
-            </a:r>
-            <a:r>
-              <a:rPr lang="pl-PL" sz="1600" dirty="0" smtClean="0">
-                <a:latin typeface="Consolas" pitchFamily="49" charset="0"/>
-                <a:cs typeface="Consolas" pitchFamily="49" charset="0"/>
-              </a:rPr>
-              <a:t> + </a:t>
-            </a:r>
-            <a:r>
-              <a:rPr lang="pl-PL" sz="1600" dirty="0" smtClean="0">
-                <a:latin typeface="Consolas" pitchFamily="49" charset="0"/>
-                <a:cs typeface="Consolas" pitchFamily="49" charset="0"/>
-                <a:hlinkClick r:id="rId5" tooltip="Int"/>
-              </a:rPr>
-              <a:t>_</a:t>
-            </a:r>
-            <a:r>
-              <a:rPr lang="pl-PL" sz="1600" dirty="0" smtClean="0">
-                <a:latin typeface="Consolas" pitchFamily="49" charset="0"/>
-                <a:cs typeface="Consolas" pitchFamily="49" charset="0"/>
-              </a:rPr>
-              <a:t> + </a:t>
-            </a:r>
-            <a:r>
-              <a:rPr lang="pl-PL" sz="1600" dirty="0" smtClean="0">
-                <a:latin typeface="Consolas" pitchFamily="49" charset="0"/>
-                <a:cs typeface="Consolas" pitchFamily="49" charset="0"/>
-                <a:hlinkClick r:id="rId5" tooltip="Int"/>
-              </a:rPr>
-              <a:t>_</a:t>
-            </a:r>
-            <a:r>
-              <a:rPr lang="pl-PL" sz="1600" dirty="0" smtClean="0">
-                <a:latin typeface="Consolas" pitchFamily="49" charset="0"/>
-                <a:cs typeface="Consolas" pitchFamily="49" charset="0"/>
-              </a:rPr>
-              <a:t>}</a:t>
-            </a:r>
-          </a:p>
-          <a:p>
-            <a:pPr>
-              <a:buNone/>
-            </a:pPr>
-            <a:r>
-              <a:rPr lang="pl-PL" sz="1600" dirty="0" smtClean="0">
-                <a:latin typeface="Consolas" pitchFamily="49" charset="0"/>
-                <a:cs typeface="Consolas" pitchFamily="49" charset="0"/>
-                <a:hlinkClick r:id="rId3" tooltip="(l: List[Int])scalaz.MA[List,Int]"/>
-              </a:rPr>
-              <a:t>a</a:t>
-            </a:r>
-            <a:r>
-              <a:rPr lang="pl-PL" sz="1600" dirty="0" smtClean="0">
-                <a:latin typeface="Consolas" pitchFamily="49" charset="0"/>
-                <a:cs typeface="Consolas" pitchFamily="49" charset="0"/>
-              </a:rPr>
-              <a:t> </a:t>
-            </a:r>
-            <a:r>
-              <a:rPr lang="pl-PL" sz="1600" dirty="0" smtClean="0">
-                <a:latin typeface="Consolas" pitchFamily="49" charset="0"/>
-                <a:cs typeface="Consolas" pitchFamily="49" charset="0"/>
-                <a:hlinkClick r:id="rId3" tooltip="(b: List[Int])scalaz.ApplicativeBuilder[List,Int,Int]"/>
-              </a:rPr>
-              <a:t>⊛</a:t>
-            </a:r>
-            <a:r>
-              <a:rPr lang="pl-PL" sz="1600" dirty="0" smtClean="0">
-                <a:latin typeface="Consolas" pitchFamily="49" charset="0"/>
-                <a:cs typeface="Consolas" pitchFamily="49" charset="0"/>
-              </a:rPr>
-              <a:t> </a:t>
-            </a:r>
-            <a:r>
-              <a:rPr lang="pl-PL" sz="1600" dirty="0" smtClean="0">
-                <a:latin typeface="Consolas" pitchFamily="49" charset="0"/>
-                <a:cs typeface="Consolas" pitchFamily="49" charset="0"/>
-                <a:hlinkClick r:id="rId5" tooltip="List[Int]"/>
-              </a:rPr>
-              <a:t>b</a:t>
-            </a:r>
-            <a:r>
-              <a:rPr lang="pl-PL" sz="1600" dirty="0" smtClean="0">
-                <a:latin typeface="Consolas" pitchFamily="49" charset="0"/>
-                <a:cs typeface="Consolas" pitchFamily="49" charset="0"/>
-              </a:rPr>
-              <a:t> </a:t>
-            </a:r>
-            <a:r>
-              <a:rPr lang="pl-PL" sz="1600" dirty="0" smtClean="0">
-                <a:latin typeface="Consolas" pitchFamily="49" charset="0"/>
-                <a:cs typeface="Consolas" pitchFamily="49" charset="0"/>
-                <a:hlinkClick r:id="rId4" tooltip="(c: List[Int])scalaz.ApplicativeBuilder[List,Int,Int]#ApplicativeBuilder3[Int]"/>
-              </a:rPr>
-              <a:t>⊛</a:t>
-            </a:r>
-            <a:r>
-              <a:rPr lang="pl-PL" sz="1600" dirty="0" smtClean="0">
-                <a:latin typeface="Consolas" pitchFamily="49" charset="0"/>
-                <a:cs typeface="Consolas" pitchFamily="49" charset="0"/>
-              </a:rPr>
-              <a:t> </a:t>
-            </a:r>
-            <a:r>
-              <a:rPr lang="pl-PL" sz="1600" dirty="0" smtClean="0">
-                <a:latin typeface="Consolas" pitchFamily="49" charset="0"/>
-                <a:cs typeface="Consolas" pitchFamily="49" charset="0"/>
-                <a:hlinkClick r:id="rId5" tooltip="List[Int]"/>
-              </a:rPr>
-              <a:t>c</a:t>
-            </a:r>
-            <a:r>
-              <a:rPr lang="pl-PL" sz="1600" dirty="0" smtClean="0">
-                <a:latin typeface="Consolas" pitchFamily="49" charset="0"/>
-                <a:cs typeface="Consolas" pitchFamily="49" charset="0"/>
-              </a:rPr>
-              <a:t> </a:t>
-            </a:r>
-            <a:r>
-              <a:rPr lang="pl-PL" sz="1600" dirty="0" err="1" smtClean="0">
-                <a:latin typeface="Consolas" pitchFamily="49" charset="0"/>
-                <a:cs typeface="Consolas" pitchFamily="49" charset="0"/>
-                <a:hlinkClick r:id="rId4" tooltip="(f: (Int, Int, Int) =&gt; Int)(implicit t: scalaz.Functor[List], implicit ap: scalaz.Apply[List])List[Int]"/>
-              </a:rPr>
-              <a:t>apply</a:t>
-            </a:r>
-            <a:r>
-              <a:rPr lang="pl-PL" sz="1600" dirty="0" smtClean="0">
-                <a:latin typeface="Consolas" pitchFamily="49" charset="0"/>
-                <a:cs typeface="Consolas" pitchFamily="49" charset="0"/>
-              </a:rPr>
-              <a:t> {</a:t>
-            </a:r>
-            <a:r>
-              <a:rPr lang="pl-PL" sz="1600" dirty="0" smtClean="0">
-                <a:latin typeface="Consolas" pitchFamily="49" charset="0"/>
-                <a:cs typeface="Consolas" pitchFamily="49" charset="0"/>
-                <a:hlinkClick r:id="rId5" tooltip="Int"/>
-              </a:rPr>
-              <a:t>_</a:t>
-            </a:r>
-            <a:r>
-              <a:rPr lang="pl-PL" sz="1600" dirty="0" smtClean="0">
-                <a:latin typeface="Consolas" pitchFamily="49" charset="0"/>
-                <a:cs typeface="Consolas" pitchFamily="49" charset="0"/>
-              </a:rPr>
-              <a:t> + </a:t>
-            </a:r>
-            <a:r>
-              <a:rPr lang="pl-PL" sz="1600" dirty="0" smtClean="0">
-                <a:latin typeface="Consolas" pitchFamily="49" charset="0"/>
-                <a:cs typeface="Consolas" pitchFamily="49" charset="0"/>
-                <a:hlinkClick r:id="rId5" tooltip="Int"/>
-              </a:rPr>
-              <a:t>_</a:t>
-            </a:r>
-            <a:r>
-              <a:rPr lang="pl-PL" sz="1600" dirty="0" smtClean="0">
-                <a:latin typeface="Consolas" pitchFamily="49" charset="0"/>
-                <a:cs typeface="Consolas" pitchFamily="49" charset="0"/>
-              </a:rPr>
-              <a:t> + </a:t>
-            </a:r>
-            <a:r>
-              <a:rPr lang="pl-PL" sz="1600" dirty="0" smtClean="0">
-                <a:latin typeface="Consolas" pitchFamily="49" charset="0"/>
-                <a:cs typeface="Consolas" pitchFamily="49" charset="0"/>
-                <a:hlinkClick r:id="rId5" tooltip="Int"/>
-              </a:rPr>
-              <a:t>_</a:t>
-            </a:r>
-            <a:r>
-              <a:rPr lang="pl-PL" sz="1600" dirty="0" smtClean="0">
-                <a:latin typeface="Consolas" pitchFamily="49" charset="0"/>
-                <a:cs typeface="Consolas" pitchFamily="49" charset="0"/>
-              </a:rPr>
-              <a:t>}</a:t>
-            </a:r>
-          </a:p>
-          <a:p>
-            <a:pPr>
-              <a:buNone/>
-            </a:pPr>
-            <a:r>
-              <a:rPr lang="pl-PL" sz="1600" dirty="0" smtClean="0">
-                <a:latin typeface="Consolas" pitchFamily="49" charset="0"/>
-                <a:cs typeface="Consolas" pitchFamily="49" charset="0"/>
-                <a:hlinkClick r:id="rId3" tooltip="(l: List[Int])scalaz.MA[List,Int]"/>
-              </a:rPr>
-              <a:t>a</a:t>
-            </a:r>
-            <a:r>
-              <a:rPr lang="pl-PL" sz="1600" dirty="0" smtClean="0">
-                <a:latin typeface="Consolas" pitchFamily="49" charset="0"/>
-                <a:cs typeface="Consolas" pitchFamily="49" charset="0"/>
-              </a:rPr>
-              <a:t> </a:t>
-            </a:r>
-            <a:r>
-              <a:rPr lang="pl-PL" sz="1600" dirty="0" smtClean="0">
-                <a:latin typeface="Consolas" pitchFamily="49" charset="0"/>
-                <a:cs typeface="Consolas" pitchFamily="49" charset="0"/>
-                <a:hlinkClick r:id="rId3" tooltip="(b: List[Int])scalaz.ApplicativeBuilder[List,Int,Int]"/>
-              </a:rPr>
-              <a:t>⊛</a:t>
-            </a:r>
-            <a:r>
-              <a:rPr lang="pl-PL" sz="1600" dirty="0" smtClean="0">
-                <a:latin typeface="Consolas" pitchFamily="49" charset="0"/>
-                <a:cs typeface="Consolas" pitchFamily="49" charset="0"/>
-              </a:rPr>
-              <a:t> </a:t>
-            </a:r>
-            <a:r>
-              <a:rPr lang="pl-PL" sz="1600" dirty="0" smtClean="0">
-                <a:latin typeface="Consolas" pitchFamily="49" charset="0"/>
-                <a:cs typeface="Consolas" pitchFamily="49" charset="0"/>
-                <a:hlinkClick r:id="rId5" tooltip="List[Int]"/>
-              </a:rPr>
-              <a:t>b</a:t>
-            </a:r>
-            <a:r>
-              <a:rPr lang="pl-PL" sz="1600" dirty="0" smtClean="0">
-                <a:latin typeface="Consolas" pitchFamily="49" charset="0"/>
-                <a:cs typeface="Consolas" pitchFamily="49" charset="0"/>
-              </a:rPr>
-              <a:t> </a:t>
-            </a:r>
-            <a:r>
-              <a:rPr lang="pl-PL" sz="1600" dirty="0" smtClean="0">
-                <a:latin typeface="Consolas" pitchFamily="49" charset="0"/>
-                <a:cs typeface="Consolas" pitchFamily="49" charset="0"/>
-                <a:hlinkClick r:id="rId4" tooltip="(c: List[Int])scalaz.ApplicativeBuilder[List,Int,Int]#ApplicativeBuilder3[Int]"/>
-              </a:rPr>
-              <a:t>⊛</a:t>
-            </a:r>
-            <a:r>
-              <a:rPr lang="pl-PL" sz="1600" dirty="0" smtClean="0">
-                <a:latin typeface="Consolas" pitchFamily="49" charset="0"/>
-                <a:cs typeface="Consolas" pitchFamily="49" charset="0"/>
-              </a:rPr>
-              <a:t> </a:t>
-            </a:r>
-            <a:r>
-              <a:rPr lang="pl-PL" sz="1600" dirty="0" smtClean="0">
-                <a:latin typeface="Consolas" pitchFamily="49" charset="0"/>
-                <a:cs typeface="Consolas" pitchFamily="49" charset="0"/>
-                <a:hlinkClick r:id="rId5" tooltip="List[Int]"/>
-              </a:rPr>
-              <a:t>c</a:t>
-            </a:r>
-            <a:r>
-              <a:rPr lang="pl-PL" sz="1600" dirty="0" smtClean="0">
-                <a:latin typeface="Consolas" pitchFamily="49" charset="0"/>
-                <a:cs typeface="Consolas" pitchFamily="49" charset="0"/>
-              </a:rPr>
-              <a:t> </a:t>
-            </a:r>
-            <a:r>
-              <a:rPr lang="pl-PL" sz="1600" dirty="0" smtClean="0">
-                <a:latin typeface="Consolas" pitchFamily="49" charset="0"/>
-                <a:cs typeface="Consolas" pitchFamily="49" charset="0"/>
-                <a:hlinkClick r:id="rId4" tooltip="(d: List[Int])scalaz.ApplicativeBuilder[List,Int,Int]#ApplicativeBuilder3[Int]#ApplicativeBuilder4[Int]"/>
-              </a:rPr>
-              <a:t>⊛</a:t>
-            </a:r>
-            <a:r>
-              <a:rPr lang="pl-PL" sz="1600" dirty="0" smtClean="0">
-                <a:latin typeface="Consolas" pitchFamily="49" charset="0"/>
-                <a:cs typeface="Consolas" pitchFamily="49" charset="0"/>
-              </a:rPr>
-              <a:t> </a:t>
-            </a:r>
-            <a:r>
-              <a:rPr lang="pl-PL" sz="1600" dirty="0" smtClean="0">
-                <a:latin typeface="Consolas" pitchFamily="49" charset="0"/>
-                <a:cs typeface="Consolas" pitchFamily="49" charset="0"/>
-                <a:hlinkClick r:id="rId5" tooltip="List[Int]"/>
-              </a:rPr>
-              <a:t>d</a:t>
-            </a:r>
-            <a:r>
-              <a:rPr lang="pl-PL" sz="1600" dirty="0" smtClean="0">
-                <a:latin typeface="Consolas" pitchFamily="49" charset="0"/>
-                <a:cs typeface="Consolas" pitchFamily="49" charset="0"/>
-              </a:rPr>
-              <a:t> </a:t>
-            </a:r>
-            <a:r>
-              <a:rPr lang="pl-PL" sz="1600" dirty="0" err="1" smtClean="0">
-                <a:latin typeface="Consolas" pitchFamily="49" charset="0"/>
-                <a:cs typeface="Consolas" pitchFamily="49" charset="0"/>
-                <a:hlinkClick r:id="rId4" tooltip="(f: (Int, Int, Int, Int) =&gt; Int)(implicit t: scalaz.Functor[List], implicit ap: scalaz.Apply[List])List[Int]"/>
-              </a:rPr>
-              <a:t>apply</a:t>
-            </a:r>
-            <a:r>
-              <a:rPr lang="pl-PL" sz="1600" dirty="0" smtClean="0">
-                <a:latin typeface="Consolas" pitchFamily="49" charset="0"/>
-                <a:cs typeface="Consolas" pitchFamily="49" charset="0"/>
-              </a:rPr>
-              <a:t> {</a:t>
-            </a:r>
-            <a:r>
-              <a:rPr lang="pl-PL" sz="1600" dirty="0" smtClean="0">
-                <a:latin typeface="Consolas" pitchFamily="49" charset="0"/>
-                <a:cs typeface="Consolas" pitchFamily="49" charset="0"/>
-                <a:hlinkClick r:id="rId5" tooltip="Int"/>
-              </a:rPr>
-              <a:t>_</a:t>
-            </a:r>
-            <a:r>
-              <a:rPr lang="pl-PL" sz="1600" dirty="0" smtClean="0">
-                <a:latin typeface="Consolas" pitchFamily="49" charset="0"/>
-                <a:cs typeface="Consolas" pitchFamily="49" charset="0"/>
-              </a:rPr>
-              <a:t> + </a:t>
-            </a:r>
-            <a:r>
-              <a:rPr lang="pl-PL" sz="1600" dirty="0" smtClean="0">
-                <a:latin typeface="Consolas" pitchFamily="49" charset="0"/>
-                <a:cs typeface="Consolas" pitchFamily="49" charset="0"/>
-                <a:hlinkClick r:id="rId5" tooltip="Int"/>
-              </a:rPr>
-              <a:t>_</a:t>
-            </a:r>
-            <a:r>
-              <a:rPr lang="pl-PL" sz="1600" dirty="0" smtClean="0">
-                <a:latin typeface="Consolas" pitchFamily="49" charset="0"/>
-                <a:cs typeface="Consolas" pitchFamily="49" charset="0"/>
-              </a:rPr>
-              <a:t> + </a:t>
-            </a:r>
-            <a:r>
-              <a:rPr lang="pl-PL" sz="1600" dirty="0" smtClean="0">
-                <a:latin typeface="Consolas" pitchFamily="49" charset="0"/>
-                <a:cs typeface="Consolas" pitchFamily="49" charset="0"/>
-                <a:hlinkClick r:id="rId5" tooltip="Int"/>
-              </a:rPr>
-              <a:t>_</a:t>
-            </a:r>
-            <a:r>
-              <a:rPr lang="pl-PL" sz="1600" dirty="0" smtClean="0">
-                <a:latin typeface="Consolas" pitchFamily="49" charset="0"/>
-                <a:cs typeface="Consolas" pitchFamily="49" charset="0"/>
-              </a:rPr>
-              <a:t> + </a:t>
-            </a:r>
-            <a:r>
-              <a:rPr lang="pl-PL" sz="1600" dirty="0" smtClean="0">
-                <a:latin typeface="Consolas" pitchFamily="49" charset="0"/>
-                <a:cs typeface="Consolas" pitchFamily="49" charset="0"/>
-                <a:hlinkClick r:id="rId5"/>
-              </a:rPr>
-              <a:t>_</a:t>
-            </a:r>
-            <a:r>
-              <a:rPr lang="pl-PL" sz="1600" dirty="0" smtClean="0">
-                <a:latin typeface="Consolas" pitchFamily="49" charset="0"/>
-                <a:cs typeface="Consolas" pitchFamily="49" charset="0"/>
-              </a:rPr>
-              <a:t>}</a:t>
-            </a:r>
-          </a:p>
-          <a:p>
-            <a:pPr>
-              <a:buNone/>
-            </a:pPr>
-            <a:r>
-              <a:rPr lang="pl-PL" sz="1600" dirty="0" smtClean="0">
-                <a:latin typeface="Consolas" pitchFamily="49" charset="0"/>
-                <a:cs typeface="Consolas" pitchFamily="49" charset="0"/>
-                <a:hlinkClick r:id="rId3" tooltip="(l: List[Int])scalaz.MA[List,Int]"/>
-              </a:rPr>
-              <a:t>a</a:t>
-            </a:r>
-            <a:r>
-              <a:rPr lang="pl-PL" sz="1600" dirty="0" smtClean="0">
-                <a:latin typeface="Consolas" pitchFamily="49" charset="0"/>
-                <a:cs typeface="Consolas" pitchFamily="49" charset="0"/>
-              </a:rPr>
-              <a:t> </a:t>
-            </a:r>
-            <a:r>
-              <a:rPr lang="pl-PL" sz="1600" dirty="0" smtClean="0">
-                <a:latin typeface="Consolas" pitchFamily="49" charset="0"/>
-                <a:cs typeface="Consolas" pitchFamily="49" charset="0"/>
-                <a:hlinkClick r:id="rId3" tooltip="(b: List[Int])scalaz.ApplicativeBuilder[List,Int,Int]"/>
-              </a:rPr>
-              <a:t>|@|</a:t>
-            </a:r>
-            <a:r>
-              <a:rPr lang="pl-PL" sz="1600" dirty="0" smtClean="0">
-                <a:latin typeface="Consolas" pitchFamily="49" charset="0"/>
-                <a:cs typeface="Consolas" pitchFamily="49" charset="0"/>
-              </a:rPr>
-              <a:t> </a:t>
-            </a:r>
-            <a:r>
-              <a:rPr lang="pl-PL" sz="1600" dirty="0" smtClean="0">
-                <a:latin typeface="Consolas" pitchFamily="49" charset="0"/>
-                <a:cs typeface="Consolas" pitchFamily="49" charset="0"/>
-                <a:hlinkClick r:id="rId5" tooltip="List[Int]"/>
-              </a:rPr>
-              <a:t>b</a:t>
-            </a:r>
-            <a:r>
-              <a:rPr lang="pl-PL" sz="1600" dirty="0" smtClean="0">
-                <a:latin typeface="Consolas" pitchFamily="49" charset="0"/>
-                <a:cs typeface="Consolas" pitchFamily="49" charset="0"/>
-              </a:rPr>
-              <a:t> </a:t>
-            </a:r>
-            <a:r>
-              <a:rPr lang="pl-PL" sz="1600" dirty="0" smtClean="0">
-                <a:latin typeface="Consolas" pitchFamily="49" charset="0"/>
-                <a:cs typeface="Consolas" pitchFamily="49" charset="0"/>
-                <a:hlinkClick r:id="rId4" tooltip="(c: List[Int])scalaz.ApplicativeBuilder[List,Int,Int]#ApplicativeBuilder3[Int]"/>
-              </a:rPr>
-              <a:t>|@|</a:t>
-            </a:r>
-            <a:r>
-              <a:rPr lang="pl-PL" sz="1600" dirty="0" smtClean="0">
-                <a:latin typeface="Consolas" pitchFamily="49" charset="0"/>
-                <a:cs typeface="Consolas" pitchFamily="49" charset="0"/>
-              </a:rPr>
-              <a:t> </a:t>
-            </a:r>
-            <a:r>
-              <a:rPr lang="pl-PL" sz="1600" dirty="0" smtClean="0">
-                <a:latin typeface="Consolas" pitchFamily="49" charset="0"/>
-                <a:cs typeface="Consolas" pitchFamily="49" charset="0"/>
-                <a:hlinkClick r:id="rId5" tooltip="List[Int]"/>
-              </a:rPr>
-              <a:t>c</a:t>
-            </a:r>
-            <a:r>
-              <a:rPr lang="pl-PL" sz="1600" dirty="0" smtClean="0">
-                <a:latin typeface="Consolas" pitchFamily="49" charset="0"/>
-                <a:cs typeface="Consolas" pitchFamily="49" charset="0"/>
-              </a:rPr>
-              <a:t> </a:t>
-            </a:r>
-            <a:r>
-              <a:rPr lang="pl-PL" sz="1600" dirty="0" smtClean="0">
-                <a:latin typeface="Consolas" pitchFamily="49" charset="0"/>
-                <a:cs typeface="Consolas" pitchFamily="49" charset="0"/>
-                <a:hlinkClick r:id="rId4" tooltip="(d: List[Int])scalaz.ApplicativeBuilder[List,Int,Int]#ApplicativeBuilder3[Int]#ApplicativeBuilder4[Int]"/>
-              </a:rPr>
-              <a:t>|@|</a:t>
-            </a:r>
-            <a:r>
-              <a:rPr lang="pl-PL" sz="1600" dirty="0" smtClean="0">
-                <a:latin typeface="Consolas" pitchFamily="49" charset="0"/>
-                <a:cs typeface="Consolas" pitchFamily="49" charset="0"/>
-              </a:rPr>
-              <a:t> </a:t>
-            </a:r>
-            <a:r>
-              <a:rPr lang="pl-PL" sz="1600" dirty="0" smtClean="0">
-                <a:latin typeface="Consolas" pitchFamily="49" charset="0"/>
-                <a:cs typeface="Consolas" pitchFamily="49" charset="0"/>
-                <a:hlinkClick r:id="rId5" tooltip="List[Int]"/>
-              </a:rPr>
-              <a:t>d</a:t>
-            </a:r>
-            <a:r>
-              <a:rPr lang="pl-PL" sz="1600" dirty="0" smtClean="0">
-                <a:latin typeface="Consolas" pitchFamily="49" charset="0"/>
-                <a:cs typeface="Consolas" pitchFamily="49" charset="0"/>
-              </a:rPr>
-              <a:t> </a:t>
-            </a:r>
-            <a:r>
-              <a:rPr lang="pl-PL" sz="1600" dirty="0" err="1" smtClean="0">
-                <a:latin typeface="Consolas" pitchFamily="49" charset="0"/>
-                <a:cs typeface="Consolas" pitchFamily="49" charset="0"/>
-                <a:hlinkClick r:id="rId4" tooltip="(f: (Int, Int, Int, Int) =&gt; Int)(implicit t: scalaz.Functor[List], implicit ap: scalaz.Apply[List])List[Int]"/>
-              </a:rPr>
-              <a:t>apply</a:t>
-            </a:r>
-            <a:r>
-              <a:rPr lang="pl-PL" sz="1600" dirty="0" smtClean="0">
-                <a:latin typeface="Consolas" pitchFamily="49" charset="0"/>
-                <a:cs typeface="Consolas" pitchFamily="49" charset="0"/>
-              </a:rPr>
-              <a:t> {</a:t>
-            </a:r>
-            <a:r>
-              <a:rPr lang="pl-PL" sz="1600" dirty="0" smtClean="0">
-                <a:latin typeface="Consolas" pitchFamily="49" charset="0"/>
-                <a:cs typeface="Consolas" pitchFamily="49" charset="0"/>
-                <a:hlinkClick r:id="rId5" tooltip="Int"/>
-              </a:rPr>
-              <a:t>_</a:t>
-            </a:r>
-            <a:r>
-              <a:rPr lang="pl-PL" sz="1600" dirty="0" smtClean="0">
-                <a:latin typeface="Consolas" pitchFamily="49" charset="0"/>
-                <a:cs typeface="Consolas" pitchFamily="49" charset="0"/>
-              </a:rPr>
-              <a:t> + </a:t>
-            </a:r>
-            <a:r>
-              <a:rPr lang="pl-PL" sz="1600" dirty="0" smtClean="0">
-                <a:latin typeface="Consolas" pitchFamily="49" charset="0"/>
-                <a:cs typeface="Consolas" pitchFamily="49" charset="0"/>
-                <a:hlinkClick r:id="rId5" tooltip="Int"/>
-              </a:rPr>
-              <a:t>_</a:t>
-            </a:r>
-            <a:r>
-              <a:rPr lang="pl-PL" sz="1600" dirty="0" smtClean="0">
-                <a:latin typeface="Consolas" pitchFamily="49" charset="0"/>
-                <a:cs typeface="Consolas" pitchFamily="49" charset="0"/>
-              </a:rPr>
-              <a:t> + </a:t>
-            </a:r>
-            <a:r>
-              <a:rPr lang="pl-PL" sz="1600" dirty="0" smtClean="0">
-                <a:latin typeface="Consolas" pitchFamily="49" charset="0"/>
-                <a:cs typeface="Consolas" pitchFamily="49" charset="0"/>
-                <a:hlinkClick r:id="rId5" tooltip="Int"/>
-              </a:rPr>
-              <a:t>_</a:t>
-            </a:r>
-            <a:r>
-              <a:rPr lang="pl-PL" sz="1600" dirty="0" smtClean="0">
-                <a:latin typeface="Consolas" pitchFamily="49" charset="0"/>
-                <a:cs typeface="Consolas" pitchFamily="49" charset="0"/>
-              </a:rPr>
-              <a:t> + </a:t>
-            </a:r>
-            <a:r>
-              <a:rPr lang="pl-PL" sz="1600" dirty="0" smtClean="0">
-                <a:latin typeface="Consolas" pitchFamily="49" charset="0"/>
-                <a:cs typeface="Consolas" pitchFamily="49" charset="0"/>
-                <a:hlinkClick r:id="rId5"/>
-              </a:rPr>
-              <a:t>_</a:t>
-            </a:r>
-            <a:r>
-              <a:rPr lang="pl-PL" sz="1600" dirty="0" smtClean="0">
-                <a:latin typeface="Consolas" pitchFamily="49" charset="0"/>
-                <a:cs typeface="Consolas" pitchFamily="49" charset="0"/>
-              </a:rPr>
-              <a:t>} </a:t>
-            </a:r>
-          </a:p>
-          <a:p>
-            <a:pPr>
-              <a:buNone/>
-            </a:pPr>
-            <a:r>
-              <a:rPr lang="pl-PL" sz="1600" dirty="0" smtClean="0">
-                <a:latin typeface="Consolas" pitchFamily="49" charset="0"/>
-                <a:cs typeface="Consolas" pitchFamily="49" charset="0"/>
-              </a:rPr>
-              <a:t> </a:t>
             </a:r>
           </a:p>
           <a:p>
@@ -10656,7 +9932,7 @@
             <a:fld id="{359484F7-7C7A-4895-B82F-27C098609AFF}" type="datetime1">
               <a:rPr lang="pl-PL" smtClean="0"/>
               <a:pPr/>
-              <a:t>2013-07-13</a:t>
+              <a:t>2013-07-14</a:t>
             </a:fld>
             <a:r>
               <a:rPr lang="pl-PL" smtClean="0"/>
@@ -10692,7 +9968,7 @@
       </p:sp>
       <p:sp>
         <p:nvSpPr>
-          <p:cNvPr id="4" name="Symbol zastępczy zawartości 3"/>
+          <p:cNvPr id="5" name="Symbol zastępczy zawartości 4"/>
           <p:cNvSpPr>
             <a:spLocks noGrp="1"/>
           </p:cNvSpPr>
@@ -10710,98 +9986,1062 @@
             </a:pPr>
             <a:r>
               <a:rPr lang="pl-PL" dirty="0" smtClean="0"/>
-              <a:t>Plan</a:t>
-            </a:r>
-          </a:p>
-          <a:p>
-            <a:r>
-              <a:rPr lang="pl-PL" dirty="0" err="1" smtClean="0"/>
-              <a:t>Type</a:t>
-            </a:r>
-            <a:r>
-              <a:rPr lang="pl-PL" dirty="0" smtClean="0"/>
-              <a:t> less, do </a:t>
-            </a:r>
-            <a:r>
-              <a:rPr lang="pl-PL" dirty="0" err="1" smtClean="0"/>
-              <a:t>more</a:t>
-            </a:r>
-            <a:endParaRPr lang="pl-PL" dirty="0" smtClean="0"/>
-          </a:p>
-          <a:p>
-            <a:r>
-              <a:rPr lang="pl-PL" dirty="0" smtClean="0"/>
-              <a:t>Funkcje jako obywatele pierwszej kategorii</a:t>
-            </a:r>
-          </a:p>
-          <a:p>
-            <a:r>
-              <a:rPr lang="pl-PL" dirty="0" smtClean="0"/>
-              <a:t>Struktura plików</a:t>
-            </a:r>
-          </a:p>
-          <a:p>
-            <a:r>
-              <a:rPr lang="pl-PL" dirty="0" err="1" smtClean="0"/>
-              <a:t>Case</a:t>
-            </a:r>
-            <a:r>
-              <a:rPr lang="pl-PL" dirty="0" smtClean="0"/>
-              <a:t> </a:t>
-            </a:r>
-            <a:r>
-              <a:rPr lang="pl-PL" dirty="0" err="1" smtClean="0"/>
-              <a:t>classes</a:t>
-            </a:r>
-            <a:endParaRPr lang="pl-PL" dirty="0" smtClean="0"/>
-          </a:p>
-          <a:p>
-            <a:r>
-              <a:rPr lang="pl-PL" dirty="0" smtClean="0"/>
-              <a:t>Paradygmat obiektowy</a:t>
-            </a:r>
-          </a:p>
-          <a:p>
-            <a:r>
-              <a:rPr lang="pl-PL" dirty="0" err="1" smtClean="0"/>
-              <a:t>Pattern</a:t>
-            </a:r>
-            <a:r>
-              <a:rPr lang="pl-PL" dirty="0" smtClean="0"/>
-              <a:t> </a:t>
-            </a:r>
-            <a:r>
-              <a:rPr lang="pl-PL" dirty="0" err="1" smtClean="0"/>
-              <a:t>matching</a:t>
-            </a:r>
-            <a:endParaRPr lang="pl-PL" dirty="0" smtClean="0"/>
-          </a:p>
-          <a:p>
-            <a:r>
-              <a:rPr lang="pl-PL" dirty="0" err="1" smtClean="0"/>
-              <a:t>For-comprehensions</a:t>
-            </a:r>
-            <a:endParaRPr lang="pl-PL" dirty="0" smtClean="0"/>
-          </a:p>
-          <a:p>
-            <a:r>
-              <a:rPr lang="pl-PL" dirty="0" err="1" smtClean="0"/>
-              <a:t>Implicits</a:t>
-            </a:r>
-            <a:endParaRPr lang="pl-PL" dirty="0" smtClean="0"/>
-          </a:p>
-          <a:p>
-            <a:r>
-              <a:rPr lang="pl-PL" dirty="0" smtClean="0"/>
-              <a:t>Operatory</a:t>
-            </a:r>
-            <a:endParaRPr lang="pl-PL" dirty="0" smtClean="0"/>
+              <a:t>Cukier trzeba jednak stosować z umiarem</a:t>
+            </a:r>
           </a:p>
           <a:p>
             <a:pPr>
               <a:buNone/>
             </a:pPr>
-            <a:endParaRPr lang="pl-PL" dirty="0"/>
+            <a:endParaRPr lang="pl-PL" sz="1600" dirty="0" smtClean="0">
+              <a:latin typeface="Consolas" pitchFamily="49" charset="0"/>
+              <a:cs typeface="Consolas" pitchFamily="49" charset="0"/>
+            </a:endParaRPr>
+          </a:p>
+          <a:p>
+            <a:pPr>
+              <a:buNone/>
+            </a:pPr>
+            <a:r>
+              <a:rPr lang="pl-PL" sz="1600" i="1" dirty="0" smtClean="0">
+                <a:latin typeface="Consolas" pitchFamily="49" charset="0"/>
+                <a:cs typeface="Consolas" pitchFamily="49" charset="0"/>
+              </a:rPr>
+              <a:t>// </a:t>
+            </a:r>
+            <a:r>
+              <a:rPr lang="pl-PL" sz="1600" i="1" dirty="0" err="1" smtClean="0">
+                <a:latin typeface="Consolas" pitchFamily="49" charset="0"/>
+                <a:cs typeface="Consolas" pitchFamily="49" charset="0"/>
+              </a:rPr>
+              <a:t>Using</a:t>
+            </a:r>
+            <a:r>
+              <a:rPr lang="pl-PL" sz="1600" i="1" dirty="0" smtClean="0">
+                <a:latin typeface="Consolas" pitchFamily="49" charset="0"/>
+                <a:cs typeface="Consolas" pitchFamily="49" charset="0"/>
+              </a:rPr>
+              <a:t> </a:t>
+            </a:r>
+            <a:r>
+              <a:rPr lang="pl-PL" sz="1600" i="1" dirty="0" err="1" smtClean="0">
+                <a:latin typeface="Consolas" pitchFamily="49" charset="0"/>
+                <a:cs typeface="Consolas" pitchFamily="49" charset="0"/>
+              </a:rPr>
+              <a:t>alternative</a:t>
+            </a:r>
+            <a:r>
+              <a:rPr lang="pl-PL" sz="1600" i="1" dirty="0" smtClean="0">
+                <a:latin typeface="Consolas" pitchFamily="49" charset="0"/>
+                <a:cs typeface="Consolas" pitchFamily="49" charset="0"/>
+              </a:rPr>
+              <a:t> </a:t>
+            </a:r>
+            <a:r>
+              <a:rPr lang="pl-PL" sz="1600" i="1" dirty="0" err="1" smtClean="0">
+                <a:latin typeface="Consolas" pitchFamily="49" charset="0"/>
+                <a:cs typeface="Consolas" pitchFamily="49" charset="0"/>
+              </a:rPr>
+              <a:t>syntax</a:t>
+            </a:r>
+            <a:r>
+              <a:rPr lang="pl-PL" sz="1600" i="1" dirty="0" smtClean="0">
+                <a:latin typeface="Consolas" pitchFamily="49" charset="0"/>
+                <a:cs typeface="Consolas" pitchFamily="49" charset="0"/>
+              </a:rPr>
+              <a:t> to </a:t>
+            </a:r>
+            <a:r>
+              <a:rPr lang="pl-PL" sz="1600" i="1" dirty="0" err="1" smtClean="0">
+                <a:latin typeface="Consolas" pitchFamily="49" charset="0"/>
+                <a:cs typeface="Consolas" pitchFamily="49" charset="0"/>
+              </a:rPr>
+              <a:t>directly</a:t>
+            </a:r>
+            <a:r>
+              <a:rPr lang="pl-PL" sz="1600" i="1" dirty="0" smtClean="0">
+                <a:latin typeface="Consolas" pitchFamily="49" charset="0"/>
+                <a:cs typeface="Consolas" pitchFamily="49" charset="0"/>
+              </a:rPr>
+              <a:t> </a:t>
+            </a:r>
+            <a:r>
+              <a:rPr lang="pl-PL" sz="1600" i="1" dirty="0" err="1" smtClean="0">
+                <a:latin typeface="Consolas" pitchFamily="49" charset="0"/>
+                <a:cs typeface="Consolas" pitchFamily="49" charset="0"/>
+              </a:rPr>
+              <a:t>apply</a:t>
+            </a:r>
+            <a:r>
+              <a:rPr lang="pl-PL" sz="1600" i="1" dirty="0" smtClean="0">
+                <a:latin typeface="Consolas" pitchFamily="49" charset="0"/>
+                <a:cs typeface="Consolas" pitchFamily="49" charset="0"/>
+              </a:rPr>
+              <a:t> a </a:t>
+            </a:r>
+            <a:r>
+              <a:rPr lang="pl-PL" sz="1600" i="1" dirty="0" err="1" smtClean="0">
+                <a:latin typeface="Consolas" pitchFamily="49" charset="0"/>
+                <a:cs typeface="Consolas" pitchFamily="49" charset="0"/>
+              </a:rPr>
+              <a:t>sequence</a:t>
+            </a:r>
+            <a:r>
+              <a:rPr lang="pl-PL" sz="1600" i="1" dirty="0" smtClean="0">
+                <a:latin typeface="Consolas" pitchFamily="49" charset="0"/>
+                <a:cs typeface="Consolas" pitchFamily="49" charset="0"/>
+              </a:rPr>
+              <a:t> of N </a:t>
+            </a:r>
+            <a:r>
+              <a:rPr lang="pl-PL" sz="1600" i="1" dirty="0" err="1" smtClean="0">
+                <a:latin typeface="Consolas" pitchFamily="49" charset="0"/>
+                <a:cs typeface="Consolas" pitchFamily="49" charset="0"/>
+              </a:rPr>
+              <a:t>applicative</a:t>
+            </a:r>
+            <a:endParaRPr lang="pl-PL" sz="1600" dirty="0" smtClean="0">
+              <a:latin typeface="Consolas" pitchFamily="49" charset="0"/>
+              <a:cs typeface="Consolas" pitchFamily="49" charset="0"/>
+            </a:endParaRPr>
+          </a:p>
+          <a:p>
+            <a:pPr>
+              <a:buNone/>
+            </a:pPr>
+            <a:r>
+              <a:rPr lang="pl-PL" sz="1600" i="1" dirty="0" smtClean="0">
+                <a:latin typeface="Consolas" pitchFamily="49" charset="0"/>
+                <a:cs typeface="Consolas" pitchFamily="49" charset="0"/>
+              </a:rPr>
+              <a:t>// </a:t>
+            </a:r>
+            <a:r>
+              <a:rPr lang="pl-PL" sz="1600" i="1" dirty="0" err="1" smtClean="0">
+                <a:latin typeface="Consolas" pitchFamily="49" charset="0"/>
+                <a:cs typeface="Consolas" pitchFamily="49" charset="0"/>
+              </a:rPr>
+              <a:t>arguments</a:t>
+            </a:r>
+            <a:r>
+              <a:rPr lang="pl-PL" sz="1600" i="1" dirty="0" smtClean="0">
+                <a:latin typeface="Consolas" pitchFamily="49" charset="0"/>
+                <a:cs typeface="Consolas" pitchFamily="49" charset="0"/>
+              </a:rPr>
+              <a:t> to a </a:t>
+            </a:r>
+            <a:r>
+              <a:rPr lang="pl-PL" sz="1600" i="1" dirty="0" err="1" smtClean="0">
+                <a:latin typeface="Consolas" pitchFamily="49" charset="0"/>
+                <a:cs typeface="Consolas" pitchFamily="49" charset="0"/>
+              </a:rPr>
+              <a:t>N-ary</a:t>
+            </a:r>
+            <a:r>
+              <a:rPr lang="pl-PL" sz="1600" i="1" dirty="0" smtClean="0">
+                <a:latin typeface="Consolas" pitchFamily="49" charset="0"/>
+                <a:cs typeface="Consolas" pitchFamily="49" charset="0"/>
+              </a:rPr>
+              <a:t> </a:t>
+            </a:r>
+            <a:r>
+              <a:rPr lang="pl-PL" sz="1600" i="1" dirty="0" err="1" smtClean="0">
+                <a:latin typeface="Consolas" pitchFamily="49" charset="0"/>
+                <a:cs typeface="Consolas" pitchFamily="49" charset="0"/>
+              </a:rPr>
+              <a:t>function</a:t>
+            </a:r>
+            <a:r>
+              <a:rPr lang="pl-PL" sz="1600" i="1" dirty="0" smtClean="0">
+                <a:latin typeface="Consolas" pitchFamily="49" charset="0"/>
+                <a:cs typeface="Consolas" pitchFamily="49" charset="0"/>
+              </a:rPr>
+              <a:t>.</a:t>
+            </a:r>
+            <a:endParaRPr lang="pl-PL" sz="1600" dirty="0" smtClean="0">
+              <a:latin typeface="Consolas" pitchFamily="49" charset="0"/>
+              <a:cs typeface="Consolas" pitchFamily="49" charset="0"/>
+            </a:endParaRPr>
+          </a:p>
+          <a:p>
+            <a:pPr>
+              <a:buNone/>
+            </a:pPr>
+            <a:r>
+              <a:rPr lang="pl-PL" sz="1600" dirty="0" err="1" smtClean="0">
+                <a:latin typeface="Consolas" pitchFamily="49" charset="0"/>
+                <a:cs typeface="Consolas" pitchFamily="49" charset="0"/>
+              </a:rPr>
+              <a:t>val</a:t>
+            </a:r>
+            <a:r>
+              <a:rPr lang="pl-PL" sz="1600" dirty="0" smtClean="0">
+                <a:latin typeface="Consolas" pitchFamily="49" charset="0"/>
+                <a:cs typeface="Consolas" pitchFamily="49" charset="0"/>
+              </a:rPr>
+              <a:t> a, b, c, d = List(1)</a:t>
+            </a:r>
+          </a:p>
+          <a:p>
+            <a:pPr>
+              <a:buNone/>
+            </a:pPr>
+            <a:r>
+              <a:rPr lang="pl-PL" sz="1600" dirty="0" smtClean="0">
+                <a:latin typeface="Consolas" pitchFamily="49" charset="0"/>
+                <a:cs typeface="Consolas" pitchFamily="49" charset="0"/>
+              </a:rPr>
+              <a:t>(</a:t>
+            </a:r>
+            <a:r>
+              <a:rPr lang="pl-PL" sz="1600" dirty="0" smtClean="0">
+                <a:latin typeface="Consolas" pitchFamily="49" charset="0"/>
+                <a:cs typeface="Consolas" pitchFamily="49" charset="0"/>
+                <a:hlinkClick r:id="rId3" tooltip="(l: List[Int])scalaz.MA[List,Int]"/>
+              </a:rPr>
+              <a:t>a</a:t>
+            </a:r>
+            <a:r>
+              <a:rPr lang="pl-PL" sz="1600" dirty="0" smtClean="0">
+                <a:latin typeface="Consolas" pitchFamily="49" charset="0"/>
+                <a:cs typeface="Consolas" pitchFamily="49" charset="0"/>
+              </a:rPr>
+              <a:t> </a:t>
+            </a:r>
+            <a:r>
+              <a:rPr lang="pl-PL" sz="1600" dirty="0" smtClean="0">
+                <a:latin typeface="Consolas" pitchFamily="49" charset="0"/>
+                <a:cs typeface="Consolas" pitchFamily="49" charset="0"/>
+                <a:hlinkClick r:id="rId4" tooltip="(f: (Int, Int) =&gt; Int)(implicit t: scalaz.Functor[List], implicit ap: scalaz.Apply[List])List[Int]"/>
+              </a:rPr>
+              <a:t>⊛</a:t>
+            </a:r>
+            <a:r>
+              <a:rPr lang="pl-PL" sz="1600" dirty="0" smtClean="0">
+                <a:latin typeface="Consolas" pitchFamily="49" charset="0"/>
+                <a:cs typeface="Consolas" pitchFamily="49" charset="0"/>
+              </a:rPr>
+              <a:t> </a:t>
+            </a:r>
+            <a:r>
+              <a:rPr lang="pl-PL" sz="1600" dirty="0" smtClean="0">
+                <a:latin typeface="Consolas" pitchFamily="49" charset="0"/>
+                <a:cs typeface="Consolas" pitchFamily="49" charset="0"/>
+                <a:hlinkClick r:id="rId5" tooltip="List[Int]"/>
+              </a:rPr>
+              <a:t>b</a:t>
+            </a:r>
+            <a:r>
+              <a:rPr lang="pl-PL" sz="1600" dirty="0" smtClean="0">
+                <a:latin typeface="Consolas" pitchFamily="49" charset="0"/>
+                <a:cs typeface="Consolas" pitchFamily="49" charset="0"/>
+              </a:rPr>
+              <a:t>)</a:t>
+            </a:r>
+            <a:r>
+              <a:rPr lang="pl-PL" sz="1600" dirty="0" smtClean="0">
+                <a:latin typeface="Consolas" pitchFamily="49" charset="0"/>
+                <a:cs typeface="Consolas" pitchFamily="49" charset="0"/>
+                <a:hlinkClick r:id="rId6" tooltip="(implicit evidence$1: scalaz.CanBuildAnySelf[List])scalaz.Functor[List]"/>
+              </a:rPr>
+              <a:t>{</a:t>
+            </a:r>
+            <a:r>
+              <a:rPr lang="pl-PL" sz="1600" dirty="0" smtClean="0">
+                <a:latin typeface="Consolas" pitchFamily="49" charset="0"/>
+                <a:cs typeface="Consolas" pitchFamily="49" charset="0"/>
+                <a:hlinkClick r:id="rId5" tooltip="Int"/>
+              </a:rPr>
+              <a:t>_</a:t>
+            </a:r>
+            <a:r>
+              <a:rPr lang="pl-PL" sz="1600" dirty="0" smtClean="0">
+                <a:latin typeface="Consolas" pitchFamily="49" charset="0"/>
+                <a:cs typeface="Consolas" pitchFamily="49" charset="0"/>
+              </a:rPr>
+              <a:t> + </a:t>
+            </a:r>
+            <a:r>
+              <a:rPr lang="pl-PL" sz="1600" dirty="0" smtClean="0">
+                <a:latin typeface="Consolas" pitchFamily="49" charset="0"/>
+                <a:cs typeface="Consolas" pitchFamily="49" charset="0"/>
+                <a:hlinkClick r:id="rId5" tooltip="Int"/>
+              </a:rPr>
+              <a:t>_</a:t>
+            </a:r>
+            <a:r>
+              <a:rPr lang="pl-PL" sz="1600" dirty="0" smtClean="0">
+                <a:latin typeface="Consolas" pitchFamily="49" charset="0"/>
+                <a:cs typeface="Consolas" pitchFamily="49" charset="0"/>
+              </a:rPr>
+              <a:t>}</a:t>
+            </a:r>
+          </a:p>
+          <a:p>
+            <a:pPr>
+              <a:buNone/>
+            </a:pPr>
+            <a:r>
+              <a:rPr lang="pl-PL" sz="1600" dirty="0" smtClean="0">
+                <a:latin typeface="Consolas" pitchFamily="49" charset="0"/>
+                <a:cs typeface="Consolas" pitchFamily="49" charset="0"/>
+                <a:hlinkClick r:id="rId3" tooltip="(l: List[Int])scalaz.MA[List,Int]"/>
+              </a:rPr>
+              <a:t>a</a:t>
+            </a:r>
+            <a:r>
+              <a:rPr lang="pl-PL" sz="1600" dirty="0" smtClean="0">
+                <a:latin typeface="Consolas" pitchFamily="49" charset="0"/>
+                <a:cs typeface="Consolas" pitchFamily="49" charset="0"/>
+              </a:rPr>
+              <a:t> </a:t>
+            </a:r>
+            <a:r>
+              <a:rPr lang="pl-PL" sz="1600" dirty="0" smtClean="0">
+                <a:latin typeface="Consolas" pitchFamily="49" charset="0"/>
+                <a:cs typeface="Consolas" pitchFamily="49" charset="0"/>
+                <a:hlinkClick r:id="rId3" tooltip="(b: List[Int])scalaz.ApplicativeBuilder[List,Int,Int]"/>
+              </a:rPr>
+              <a:t>⊛</a:t>
+            </a:r>
+            <a:r>
+              <a:rPr lang="pl-PL" sz="1600" dirty="0" smtClean="0">
+                <a:latin typeface="Consolas" pitchFamily="49" charset="0"/>
+                <a:cs typeface="Consolas" pitchFamily="49" charset="0"/>
+              </a:rPr>
+              <a:t> </a:t>
+            </a:r>
+            <a:r>
+              <a:rPr lang="pl-PL" sz="1600" dirty="0" smtClean="0">
+                <a:latin typeface="Consolas" pitchFamily="49" charset="0"/>
+                <a:cs typeface="Consolas" pitchFamily="49" charset="0"/>
+                <a:hlinkClick r:id="rId5" tooltip="List[Int]"/>
+              </a:rPr>
+              <a:t>b</a:t>
+            </a:r>
+            <a:r>
+              <a:rPr lang="pl-PL" sz="1600" dirty="0" smtClean="0">
+                <a:latin typeface="Consolas" pitchFamily="49" charset="0"/>
+                <a:cs typeface="Consolas" pitchFamily="49" charset="0"/>
+              </a:rPr>
+              <a:t> </a:t>
+            </a:r>
+            <a:r>
+              <a:rPr lang="pl-PL" sz="1600" dirty="0" err="1" smtClean="0">
+                <a:latin typeface="Consolas" pitchFamily="49" charset="0"/>
+                <a:cs typeface="Consolas" pitchFamily="49" charset="0"/>
+                <a:hlinkClick r:id="rId4" tooltip="(f: (Int, Int) =&gt; Int)(implicit t: scalaz.Functor[List], implicit ap: scalaz.Apply[List])List[Int]"/>
+              </a:rPr>
+              <a:t>apply</a:t>
+            </a:r>
+            <a:r>
+              <a:rPr lang="pl-PL" sz="1600" dirty="0" smtClean="0">
+                <a:latin typeface="Consolas" pitchFamily="49" charset="0"/>
+                <a:cs typeface="Consolas" pitchFamily="49" charset="0"/>
+              </a:rPr>
+              <a:t> {</a:t>
+            </a:r>
+            <a:r>
+              <a:rPr lang="pl-PL" sz="1600" dirty="0" smtClean="0">
+                <a:latin typeface="Consolas" pitchFamily="49" charset="0"/>
+                <a:cs typeface="Consolas" pitchFamily="49" charset="0"/>
+                <a:hlinkClick r:id="rId5" tooltip="Int"/>
+              </a:rPr>
+              <a:t>_</a:t>
+            </a:r>
+            <a:r>
+              <a:rPr lang="pl-PL" sz="1600" dirty="0" smtClean="0">
+                <a:latin typeface="Consolas" pitchFamily="49" charset="0"/>
+                <a:cs typeface="Consolas" pitchFamily="49" charset="0"/>
+              </a:rPr>
+              <a:t> + </a:t>
+            </a:r>
+            <a:r>
+              <a:rPr lang="pl-PL" sz="1600" dirty="0" smtClean="0">
+                <a:latin typeface="Consolas" pitchFamily="49" charset="0"/>
+                <a:cs typeface="Consolas" pitchFamily="49" charset="0"/>
+                <a:hlinkClick r:id="rId5" tooltip="Int"/>
+              </a:rPr>
+              <a:t>_</a:t>
+            </a:r>
+            <a:r>
+              <a:rPr lang="pl-PL" sz="1600" dirty="0" smtClean="0">
+                <a:latin typeface="Consolas" pitchFamily="49" charset="0"/>
+                <a:cs typeface="Consolas" pitchFamily="49" charset="0"/>
+              </a:rPr>
+              <a:t>}</a:t>
+            </a:r>
+          </a:p>
+          <a:p>
+            <a:pPr>
+              <a:buNone/>
+            </a:pPr>
+            <a:r>
+              <a:rPr lang="pl-PL" sz="1600" dirty="0" smtClean="0">
+                <a:latin typeface="Consolas" pitchFamily="49" charset="0"/>
+                <a:cs typeface="Consolas" pitchFamily="49" charset="0"/>
+              </a:rPr>
+              <a:t>(</a:t>
+            </a:r>
+            <a:r>
+              <a:rPr lang="pl-PL" sz="1600" dirty="0" smtClean="0">
+                <a:latin typeface="Consolas" pitchFamily="49" charset="0"/>
+                <a:cs typeface="Consolas" pitchFamily="49" charset="0"/>
+                <a:hlinkClick r:id="rId3" tooltip="(l: List[Int])scalaz.MA[List,Int]"/>
+              </a:rPr>
+              <a:t>a</a:t>
+            </a:r>
+            <a:r>
+              <a:rPr lang="pl-PL" sz="1600" dirty="0" smtClean="0">
+                <a:latin typeface="Consolas" pitchFamily="49" charset="0"/>
+                <a:cs typeface="Consolas" pitchFamily="49" charset="0"/>
+              </a:rPr>
+              <a:t> </a:t>
+            </a:r>
+            <a:r>
+              <a:rPr lang="pl-PL" sz="1600" dirty="0" smtClean="0">
+                <a:latin typeface="Consolas" pitchFamily="49" charset="0"/>
+                <a:cs typeface="Consolas" pitchFamily="49" charset="0"/>
+                <a:hlinkClick r:id="rId3" tooltip="(b: List[Int])scalaz.ApplicativeBuilder[List,Int,Int]"/>
+              </a:rPr>
+              <a:t>⊛</a:t>
+            </a:r>
+            <a:r>
+              <a:rPr lang="pl-PL" sz="1600" dirty="0" smtClean="0">
+                <a:latin typeface="Consolas" pitchFamily="49" charset="0"/>
+                <a:cs typeface="Consolas" pitchFamily="49" charset="0"/>
+              </a:rPr>
+              <a:t> </a:t>
+            </a:r>
+            <a:r>
+              <a:rPr lang="pl-PL" sz="1600" dirty="0" smtClean="0">
+                <a:latin typeface="Consolas" pitchFamily="49" charset="0"/>
+                <a:cs typeface="Consolas" pitchFamily="49" charset="0"/>
+                <a:hlinkClick r:id="rId5" tooltip="List[Int]"/>
+              </a:rPr>
+              <a:t>b</a:t>
+            </a:r>
+            <a:r>
+              <a:rPr lang="pl-PL" sz="1600" dirty="0" smtClean="0">
+                <a:latin typeface="Consolas" pitchFamily="49" charset="0"/>
+                <a:cs typeface="Consolas" pitchFamily="49" charset="0"/>
+              </a:rPr>
+              <a:t> </a:t>
+            </a:r>
+            <a:r>
+              <a:rPr lang="pl-PL" sz="1600" dirty="0" smtClean="0">
+                <a:latin typeface="Consolas" pitchFamily="49" charset="0"/>
+                <a:cs typeface="Consolas" pitchFamily="49" charset="0"/>
+                <a:hlinkClick r:id="rId4" tooltip="(f: (Int, Int, Int) =&gt; Int)(implicit t: scalaz.Functor[List], implicit ap: scalaz.Apply[List])List[Int]"/>
+              </a:rPr>
+              <a:t>⊛</a:t>
+            </a:r>
+            <a:r>
+              <a:rPr lang="pl-PL" sz="1600" dirty="0" smtClean="0">
+                <a:latin typeface="Consolas" pitchFamily="49" charset="0"/>
+                <a:cs typeface="Consolas" pitchFamily="49" charset="0"/>
+              </a:rPr>
+              <a:t> </a:t>
+            </a:r>
+            <a:r>
+              <a:rPr lang="pl-PL" sz="1600" dirty="0" smtClean="0">
+                <a:latin typeface="Consolas" pitchFamily="49" charset="0"/>
+                <a:cs typeface="Consolas" pitchFamily="49" charset="0"/>
+                <a:hlinkClick r:id="rId5" tooltip="List[Int]"/>
+              </a:rPr>
+              <a:t>c</a:t>
+            </a:r>
+            <a:r>
+              <a:rPr lang="pl-PL" sz="1600" dirty="0" smtClean="0">
+                <a:latin typeface="Consolas" pitchFamily="49" charset="0"/>
+                <a:cs typeface="Consolas" pitchFamily="49" charset="0"/>
+              </a:rPr>
+              <a:t>)</a:t>
+            </a:r>
+            <a:r>
+              <a:rPr lang="pl-PL" sz="1600" dirty="0" smtClean="0">
+                <a:latin typeface="Consolas" pitchFamily="49" charset="0"/>
+                <a:cs typeface="Consolas" pitchFamily="49" charset="0"/>
+                <a:hlinkClick r:id="rId6" tooltip="(implicit evidence$1: scalaz.CanBuildAnySelf[List])scalaz.Functor[List]"/>
+              </a:rPr>
+              <a:t>{</a:t>
+            </a:r>
+            <a:r>
+              <a:rPr lang="pl-PL" sz="1600" dirty="0" smtClean="0">
+                <a:latin typeface="Consolas" pitchFamily="49" charset="0"/>
+                <a:cs typeface="Consolas" pitchFamily="49" charset="0"/>
+                <a:hlinkClick r:id="rId5" tooltip="Int"/>
+              </a:rPr>
+              <a:t>_</a:t>
+            </a:r>
+            <a:r>
+              <a:rPr lang="pl-PL" sz="1600" dirty="0" smtClean="0">
+                <a:latin typeface="Consolas" pitchFamily="49" charset="0"/>
+                <a:cs typeface="Consolas" pitchFamily="49" charset="0"/>
+              </a:rPr>
+              <a:t> + </a:t>
+            </a:r>
+            <a:r>
+              <a:rPr lang="pl-PL" sz="1600" dirty="0" smtClean="0">
+                <a:latin typeface="Consolas" pitchFamily="49" charset="0"/>
+                <a:cs typeface="Consolas" pitchFamily="49" charset="0"/>
+                <a:hlinkClick r:id="rId5" tooltip="Int"/>
+              </a:rPr>
+              <a:t>_</a:t>
+            </a:r>
+            <a:r>
+              <a:rPr lang="pl-PL" sz="1600" dirty="0" smtClean="0">
+                <a:latin typeface="Consolas" pitchFamily="49" charset="0"/>
+                <a:cs typeface="Consolas" pitchFamily="49" charset="0"/>
+              </a:rPr>
+              <a:t> + </a:t>
+            </a:r>
+            <a:r>
+              <a:rPr lang="pl-PL" sz="1600" dirty="0" smtClean="0">
+                <a:latin typeface="Consolas" pitchFamily="49" charset="0"/>
+                <a:cs typeface="Consolas" pitchFamily="49" charset="0"/>
+                <a:hlinkClick r:id="rId5" tooltip="Int"/>
+              </a:rPr>
+              <a:t>_</a:t>
+            </a:r>
+            <a:r>
+              <a:rPr lang="pl-PL" sz="1600" dirty="0" smtClean="0">
+                <a:latin typeface="Consolas" pitchFamily="49" charset="0"/>
+                <a:cs typeface="Consolas" pitchFamily="49" charset="0"/>
+              </a:rPr>
+              <a:t>}</a:t>
+            </a:r>
+          </a:p>
+          <a:p>
+            <a:pPr>
+              <a:buNone/>
+            </a:pPr>
+            <a:r>
+              <a:rPr lang="pl-PL" sz="1600" dirty="0" smtClean="0">
+                <a:latin typeface="Consolas" pitchFamily="49" charset="0"/>
+                <a:cs typeface="Consolas" pitchFamily="49" charset="0"/>
+                <a:hlinkClick r:id="rId3" tooltip="(l: List[Int])scalaz.MA[List,Int]"/>
+              </a:rPr>
+              <a:t>a</a:t>
+            </a:r>
+            <a:r>
+              <a:rPr lang="pl-PL" sz="1600" dirty="0" smtClean="0">
+                <a:latin typeface="Consolas" pitchFamily="49" charset="0"/>
+                <a:cs typeface="Consolas" pitchFamily="49" charset="0"/>
+              </a:rPr>
+              <a:t> </a:t>
+            </a:r>
+            <a:r>
+              <a:rPr lang="pl-PL" sz="1600" dirty="0" smtClean="0">
+                <a:latin typeface="Consolas" pitchFamily="49" charset="0"/>
+                <a:cs typeface="Consolas" pitchFamily="49" charset="0"/>
+                <a:hlinkClick r:id="rId3" tooltip="(b: List[Int])scalaz.ApplicativeBuilder[List,Int,Int]"/>
+              </a:rPr>
+              <a:t>⊛</a:t>
+            </a:r>
+            <a:r>
+              <a:rPr lang="pl-PL" sz="1600" dirty="0" smtClean="0">
+                <a:latin typeface="Consolas" pitchFamily="49" charset="0"/>
+                <a:cs typeface="Consolas" pitchFamily="49" charset="0"/>
+              </a:rPr>
+              <a:t> </a:t>
+            </a:r>
+            <a:r>
+              <a:rPr lang="pl-PL" sz="1600" dirty="0" smtClean="0">
+                <a:latin typeface="Consolas" pitchFamily="49" charset="0"/>
+                <a:cs typeface="Consolas" pitchFamily="49" charset="0"/>
+                <a:hlinkClick r:id="rId5" tooltip="List[Int]"/>
+              </a:rPr>
+              <a:t>b</a:t>
+            </a:r>
+            <a:r>
+              <a:rPr lang="pl-PL" sz="1600" dirty="0" smtClean="0">
+                <a:latin typeface="Consolas" pitchFamily="49" charset="0"/>
+                <a:cs typeface="Consolas" pitchFamily="49" charset="0"/>
+              </a:rPr>
+              <a:t> </a:t>
+            </a:r>
+            <a:r>
+              <a:rPr lang="pl-PL" sz="1600" dirty="0" smtClean="0">
+                <a:latin typeface="Consolas" pitchFamily="49" charset="0"/>
+                <a:cs typeface="Consolas" pitchFamily="49" charset="0"/>
+                <a:hlinkClick r:id="rId4" tooltip="(c: List[Int])scalaz.ApplicativeBuilder[List,Int,Int]#ApplicativeBuilder3[Int]"/>
+              </a:rPr>
+              <a:t>⊛</a:t>
+            </a:r>
+            <a:r>
+              <a:rPr lang="pl-PL" sz="1600" dirty="0" smtClean="0">
+                <a:latin typeface="Consolas" pitchFamily="49" charset="0"/>
+                <a:cs typeface="Consolas" pitchFamily="49" charset="0"/>
+              </a:rPr>
+              <a:t> </a:t>
+            </a:r>
+            <a:r>
+              <a:rPr lang="pl-PL" sz="1600" dirty="0" smtClean="0">
+                <a:latin typeface="Consolas" pitchFamily="49" charset="0"/>
+                <a:cs typeface="Consolas" pitchFamily="49" charset="0"/>
+                <a:hlinkClick r:id="rId5" tooltip="List[Int]"/>
+              </a:rPr>
+              <a:t>c</a:t>
+            </a:r>
+            <a:r>
+              <a:rPr lang="pl-PL" sz="1600" dirty="0" smtClean="0">
+                <a:latin typeface="Consolas" pitchFamily="49" charset="0"/>
+                <a:cs typeface="Consolas" pitchFamily="49" charset="0"/>
+              </a:rPr>
+              <a:t> </a:t>
+            </a:r>
+            <a:r>
+              <a:rPr lang="pl-PL" sz="1600" dirty="0" err="1" smtClean="0">
+                <a:latin typeface="Consolas" pitchFamily="49" charset="0"/>
+                <a:cs typeface="Consolas" pitchFamily="49" charset="0"/>
+                <a:hlinkClick r:id="rId4" tooltip="(f: (Int, Int, Int) =&gt; Int)(implicit t: scalaz.Functor[List], implicit ap: scalaz.Apply[List])List[Int]"/>
+              </a:rPr>
+              <a:t>apply</a:t>
+            </a:r>
+            <a:r>
+              <a:rPr lang="pl-PL" sz="1600" dirty="0" smtClean="0">
+                <a:latin typeface="Consolas" pitchFamily="49" charset="0"/>
+                <a:cs typeface="Consolas" pitchFamily="49" charset="0"/>
+              </a:rPr>
+              <a:t> {</a:t>
+            </a:r>
+            <a:r>
+              <a:rPr lang="pl-PL" sz="1600" dirty="0" smtClean="0">
+                <a:latin typeface="Consolas" pitchFamily="49" charset="0"/>
+                <a:cs typeface="Consolas" pitchFamily="49" charset="0"/>
+                <a:hlinkClick r:id="rId5" tooltip="Int"/>
+              </a:rPr>
+              <a:t>_</a:t>
+            </a:r>
+            <a:r>
+              <a:rPr lang="pl-PL" sz="1600" dirty="0" smtClean="0">
+                <a:latin typeface="Consolas" pitchFamily="49" charset="0"/>
+                <a:cs typeface="Consolas" pitchFamily="49" charset="0"/>
+              </a:rPr>
+              <a:t> + </a:t>
+            </a:r>
+            <a:r>
+              <a:rPr lang="pl-PL" sz="1600" dirty="0" smtClean="0">
+                <a:latin typeface="Consolas" pitchFamily="49" charset="0"/>
+                <a:cs typeface="Consolas" pitchFamily="49" charset="0"/>
+                <a:hlinkClick r:id="rId5" tooltip="Int"/>
+              </a:rPr>
+              <a:t>_</a:t>
+            </a:r>
+            <a:r>
+              <a:rPr lang="pl-PL" sz="1600" dirty="0" smtClean="0">
+                <a:latin typeface="Consolas" pitchFamily="49" charset="0"/>
+                <a:cs typeface="Consolas" pitchFamily="49" charset="0"/>
+              </a:rPr>
+              <a:t> + </a:t>
+            </a:r>
+            <a:r>
+              <a:rPr lang="pl-PL" sz="1600" dirty="0" smtClean="0">
+                <a:latin typeface="Consolas" pitchFamily="49" charset="0"/>
+                <a:cs typeface="Consolas" pitchFamily="49" charset="0"/>
+                <a:hlinkClick r:id="rId5" tooltip="Int"/>
+              </a:rPr>
+              <a:t>_</a:t>
+            </a:r>
+            <a:r>
+              <a:rPr lang="pl-PL" sz="1600" dirty="0" smtClean="0">
+                <a:latin typeface="Consolas" pitchFamily="49" charset="0"/>
+                <a:cs typeface="Consolas" pitchFamily="49" charset="0"/>
+              </a:rPr>
+              <a:t>}</a:t>
+            </a:r>
+          </a:p>
+          <a:p>
+            <a:pPr>
+              <a:buNone/>
+            </a:pPr>
+            <a:r>
+              <a:rPr lang="pl-PL" sz="1600" dirty="0" smtClean="0">
+                <a:latin typeface="Consolas" pitchFamily="49" charset="0"/>
+                <a:cs typeface="Consolas" pitchFamily="49" charset="0"/>
+                <a:hlinkClick r:id="rId3" tooltip="(l: List[Int])scalaz.MA[List,Int]"/>
+              </a:rPr>
+              <a:t>a</a:t>
+            </a:r>
+            <a:r>
+              <a:rPr lang="pl-PL" sz="1600" dirty="0" smtClean="0">
+                <a:latin typeface="Consolas" pitchFamily="49" charset="0"/>
+                <a:cs typeface="Consolas" pitchFamily="49" charset="0"/>
+              </a:rPr>
+              <a:t> </a:t>
+            </a:r>
+            <a:r>
+              <a:rPr lang="pl-PL" sz="1600" dirty="0" smtClean="0">
+                <a:latin typeface="Consolas" pitchFamily="49" charset="0"/>
+                <a:cs typeface="Consolas" pitchFamily="49" charset="0"/>
+                <a:hlinkClick r:id="rId3" tooltip="(b: List[Int])scalaz.ApplicativeBuilder[List,Int,Int]"/>
+              </a:rPr>
+              <a:t>⊛</a:t>
+            </a:r>
+            <a:r>
+              <a:rPr lang="pl-PL" sz="1600" dirty="0" smtClean="0">
+                <a:latin typeface="Consolas" pitchFamily="49" charset="0"/>
+                <a:cs typeface="Consolas" pitchFamily="49" charset="0"/>
+              </a:rPr>
+              <a:t> </a:t>
+            </a:r>
+            <a:r>
+              <a:rPr lang="pl-PL" sz="1600" dirty="0" smtClean="0">
+                <a:latin typeface="Consolas" pitchFamily="49" charset="0"/>
+                <a:cs typeface="Consolas" pitchFamily="49" charset="0"/>
+                <a:hlinkClick r:id="rId5" tooltip="List[Int]"/>
+              </a:rPr>
+              <a:t>b</a:t>
+            </a:r>
+            <a:r>
+              <a:rPr lang="pl-PL" sz="1600" dirty="0" smtClean="0">
+                <a:latin typeface="Consolas" pitchFamily="49" charset="0"/>
+                <a:cs typeface="Consolas" pitchFamily="49" charset="0"/>
+              </a:rPr>
+              <a:t> </a:t>
+            </a:r>
+            <a:r>
+              <a:rPr lang="pl-PL" sz="1600" dirty="0" smtClean="0">
+                <a:latin typeface="Consolas" pitchFamily="49" charset="0"/>
+                <a:cs typeface="Consolas" pitchFamily="49" charset="0"/>
+                <a:hlinkClick r:id="rId4" tooltip="(c: List[Int])scalaz.ApplicativeBuilder[List,Int,Int]#ApplicativeBuilder3[Int]"/>
+              </a:rPr>
+              <a:t>⊛</a:t>
+            </a:r>
+            <a:r>
+              <a:rPr lang="pl-PL" sz="1600" dirty="0" smtClean="0">
+                <a:latin typeface="Consolas" pitchFamily="49" charset="0"/>
+                <a:cs typeface="Consolas" pitchFamily="49" charset="0"/>
+              </a:rPr>
+              <a:t> </a:t>
+            </a:r>
+            <a:r>
+              <a:rPr lang="pl-PL" sz="1600" dirty="0" smtClean="0">
+                <a:latin typeface="Consolas" pitchFamily="49" charset="0"/>
+                <a:cs typeface="Consolas" pitchFamily="49" charset="0"/>
+                <a:hlinkClick r:id="rId5" tooltip="List[Int]"/>
+              </a:rPr>
+              <a:t>c</a:t>
+            </a:r>
+            <a:r>
+              <a:rPr lang="pl-PL" sz="1600" dirty="0" smtClean="0">
+                <a:latin typeface="Consolas" pitchFamily="49" charset="0"/>
+                <a:cs typeface="Consolas" pitchFamily="49" charset="0"/>
+              </a:rPr>
+              <a:t> </a:t>
+            </a:r>
+            <a:r>
+              <a:rPr lang="pl-PL" sz="1600" dirty="0" smtClean="0">
+                <a:latin typeface="Consolas" pitchFamily="49" charset="0"/>
+                <a:cs typeface="Consolas" pitchFamily="49" charset="0"/>
+                <a:hlinkClick r:id="rId4" tooltip="(d: List[Int])scalaz.ApplicativeBuilder[List,Int,Int]#ApplicativeBuilder3[Int]#ApplicativeBuilder4[Int]"/>
+              </a:rPr>
+              <a:t>⊛</a:t>
+            </a:r>
+            <a:r>
+              <a:rPr lang="pl-PL" sz="1600" dirty="0" smtClean="0">
+                <a:latin typeface="Consolas" pitchFamily="49" charset="0"/>
+                <a:cs typeface="Consolas" pitchFamily="49" charset="0"/>
+              </a:rPr>
+              <a:t> </a:t>
+            </a:r>
+            <a:r>
+              <a:rPr lang="pl-PL" sz="1600" dirty="0" smtClean="0">
+                <a:latin typeface="Consolas" pitchFamily="49" charset="0"/>
+                <a:cs typeface="Consolas" pitchFamily="49" charset="0"/>
+                <a:hlinkClick r:id="rId5" tooltip="List[Int]"/>
+              </a:rPr>
+              <a:t>d</a:t>
+            </a:r>
+            <a:r>
+              <a:rPr lang="pl-PL" sz="1600" dirty="0" smtClean="0">
+                <a:latin typeface="Consolas" pitchFamily="49" charset="0"/>
+                <a:cs typeface="Consolas" pitchFamily="49" charset="0"/>
+              </a:rPr>
+              <a:t> </a:t>
+            </a:r>
+            <a:r>
+              <a:rPr lang="pl-PL" sz="1600" dirty="0" err="1" smtClean="0">
+                <a:latin typeface="Consolas" pitchFamily="49" charset="0"/>
+                <a:cs typeface="Consolas" pitchFamily="49" charset="0"/>
+                <a:hlinkClick r:id="rId4" tooltip="(f: (Int, Int, Int, Int) =&gt; Int)(implicit t: scalaz.Functor[List], implicit ap: scalaz.Apply[List])List[Int]"/>
+              </a:rPr>
+              <a:t>apply</a:t>
+            </a:r>
+            <a:r>
+              <a:rPr lang="pl-PL" sz="1600" dirty="0" smtClean="0">
+                <a:latin typeface="Consolas" pitchFamily="49" charset="0"/>
+                <a:cs typeface="Consolas" pitchFamily="49" charset="0"/>
+              </a:rPr>
+              <a:t> {</a:t>
+            </a:r>
+            <a:r>
+              <a:rPr lang="pl-PL" sz="1600" dirty="0" smtClean="0">
+                <a:latin typeface="Consolas" pitchFamily="49" charset="0"/>
+                <a:cs typeface="Consolas" pitchFamily="49" charset="0"/>
+                <a:hlinkClick r:id="rId5" tooltip="Int"/>
+              </a:rPr>
+              <a:t>_</a:t>
+            </a:r>
+            <a:r>
+              <a:rPr lang="pl-PL" sz="1600" dirty="0" smtClean="0">
+                <a:latin typeface="Consolas" pitchFamily="49" charset="0"/>
+                <a:cs typeface="Consolas" pitchFamily="49" charset="0"/>
+              </a:rPr>
+              <a:t> + </a:t>
+            </a:r>
+            <a:r>
+              <a:rPr lang="pl-PL" sz="1600" dirty="0" smtClean="0">
+                <a:latin typeface="Consolas" pitchFamily="49" charset="0"/>
+                <a:cs typeface="Consolas" pitchFamily="49" charset="0"/>
+                <a:hlinkClick r:id="rId5" tooltip="Int"/>
+              </a:rPr>
+              <a:t>_</a:t>
+            </a:r>
+            <a:r>
+              <a:rPr lang="pl-PL" sz="1600" dirty="0" smtClean="0">
+                <a:latin typeface="Consolas" pitchFamily="49" charset="0"/>
+                <a:cs typeface="Consolas" pitchFamily="49" charset="0"/>
+              </a:rPr>
+              <a:t> + </a:t>
+            </a:r>
+            <a:r>
+              <a:rPr lang="pl-PL" sz="1600" dirty="0" smtClean="0">
+                <a:latin typeface="Consolas" pitchFamily="49" charset="0"/>
+                <a:cs typeface="Consolas" pitchFamily="49" charset="0"/>
+                <a:hlinkClick r:id="rId5" tooltip="Int"/>
+              </a:rPr>
+              <a:t>_</a:t>
+            </a:r>
+            <a:r>
+              <a:rPr lang="pl-PL" sz="1600" dirty="0" smtClean="0">
+                <a:latin typeface="Consolas" pitchFamily="49" charset="0"/>
+                <a:cs typeface="Consolas" pitchFamily="49" charset="0"/>
+              </a:rPr>
+              <a:t> + </a:t>
+            </a:r>
+            <a:r>
+              <a:rPr lang="pl-PL" sz="1600" dirty="0" smtClean="0">
+                <a:latin typeface="Consolas" pitchFamily="49" charset="0"/>
+                <a:cs typeface="Consolas" pitchFamily="49" charset="0"/>
+                <a:hlinkClick r:id="rId5"/>
+              </a:rPr>
+              <a:t>_</a:t>
+            </a:r>
+            <a:r>
+              <a:rPr lang="pl-PL" sz="1600" dirty="0" smtClean="0">
+                <a:latin typeface="Consolas" pitchFamily="49" charset="0"/>
+                <a:cs typeface="Consolas" pitchFamily="49" charset="0"/>
+              </a:rPr>
+              <a:t>}</a:t>
+            </a:r>
+          </a:p>
+          <a:p>
+            <a:pPr>
+              <a:buNone/>
+            </a:pPr>
+            <a:r>
+              <a:rPr lang="pl-PL" sz="1600" dirty="0" smtClean="0">
+                <a:latin typeface="Consolas" pitchFamily="49" charset="0"/>
+                <a:cs typeface="Consolas" pitchFamily="49" charset="0"/>
+                <a:hlinkClick r:id="rId3" tooltip="(l: List[Int])scalaz.MA[List,Int]"/>
+              </a:rPr>
+              <a:t>a</a:t>
+            </a:r>
+            <a:r>
+              <a:rPr lang="pl-PL" sz="1600" dirty="0" smtClean="0">
+                <a:latin typeface="Consolas" pitchFamily="49" charset="0"/>
+                <a:cs typeface="Consolas" pitchFamily="49" charset="0"/>
+              </a:rPr>
+              <a:t> </a:t>
+            </a:r>
+            <a:r>
+              <a:rPr lang="pl-PL" sz="1600" dirty="0" smtClean="0">
+                <a:latin typeface="Consolas" pitchFamily="49" charset="0"/>
+                <a:cs typeface="Consolas" pitchFamily="49" charset="0"/>
+                <a:hlinkClick r:id="rId3" tooltip="(b: List[Int])scalaz.ApplicativeBuilder[List,Int,Int]"/>
+              </a:rPr>
+              <a:t>|@|</a:t>
+            </a:r>
+            <a:r>
+              <a:rPr lang="pl-PL" sz="1600" dirty="0" smtClean="0">
+                <a:latin typeface="Consolas" pitchFamily="49" charset="0"/>
+                <a:cs typeface="Consolas" pitchFamily="49" charset="0"/>
+              </a:rPr>
+              <a:t> </a:t>
+            </a:r>
+            <a:r>
+              <a:rPr lang="pl-PL" sz="1600" dirty="0" smtClean="0">
+                <a:latin typeface="Consolas" pitchFamily="49" charset="0"/>
+                <a:cs typeface="Consolas" pitchFamily="49" charset="0"/>
+                <a:hlinkClick r:id="rId5" tooltip="List[Int]"/>
+              </a:rPr>
+              <a:t>b</a:t>
+            </a:r>
+            <a:r>
+              <a:rPr lang="pl-PL" sz="1600" dirty="0" smtClean="0">
+                <a:latin typeface="Consolas" pitchFamily="49" charset="0"/>
+                <a:cs typeface="Consolas" pitchFamily="49" charset="0"/>
+              </a:rPr>
+              <a:t> </a:t>
+            </a:r>
+            <a:r>
+              <a:rPr lang="pl-PL" sz="1600" dirty="0" smtClean="0">
+                <a:latin typeface="Consolas" pitchFamily="49" charset="0"/>
+                <a:cs typeface="Consolas" pitchFamily="49" charset="0"/>
+                <a:hlinkClick r:id="rId4" tooltip="(c: List[Int])scalaz.ApplicativeBuilder[List,Int,Int]#ApplicativeBuilder3[Int]"/>
+              </a:rPr>
+              <a:t>|@|</a:t>
+            </a:r>
+            <a:r>
+              <a:rPr lang="pl-PL" sz="1600" dirty="0" smtClean="0">
+                <a:latin typeface="Consolas" pitchFamily="49" charset="0"/>
+                <a:cs typeface="Consolas" pitchFamily="49" charset="0"/>
+              </a:rPr>
+              <a:t> </a:t>
+            </a:r>
+            <a:r>
+              <a:rPr lang="pl-PL" sz="1600" dirty="0" smtClean="0">
+                <a:latin typeface="Consolas" pitchFamily="49" charset="0"/>
+                <a:cs typeface="Consolas" pitchFamily="49" charset="0"/>
+                <a:hlinkClick r:id="rId5" tooltip="List[Int]"/>
+              </a:rPr>
+              <a:t>c</a:t>
+            </a:r>
+            <a:r>
+              <a:rPr lang="pl-PL" sz="1600" dirty="0" smtClean="0">
+                <a:latin typeface="Consolas" pitchFamily="49" charset="0"/>
+                <a:cs typeface="Consolas" pitchFamily="49" charset="0"/>
+              </a:rPr>
+              <a:t> </a:t>
+            </a:r>
+            <a:r>
+              <a:rPr lang="pl-PL" sz="1600" dirty="0" smtClean="0">
+                <a:latin typeface="Consolas" pitchFamily="49" charset="0"/>
+                <a:cs typeface="Consolas" pitchFamily="49" charset="0"/>
+                <a:hlinkClick r:id="rId4" tooltip="(d: List[Int])scalaz.ApplicativeBuilder[List,Int,Int]#ApplicativeBuilder3[Int]#ApplicativeBuilder4[Int]"/>
+              </a:rPr>
+              <a:t>|@|</a:t>
+            </a:r>
+            <a:r>
+              <a:rPr lang="pl-PL" sz="1600" dirty="0" smtClean="0">
+                <a:latin typeface="Consolas" pitchFamily="49" charset="0"/>
+                <a:cs typeface="Consolas" pitchFamily="49" charset="0"/>
+              </a:rPr>
+              <a:t> </a:t>
+            </a:r>
+            <a:r>
+              <a:rPr lang="pl-PL" sz="1600" dirty="0" smtClean="0">
+                <a:latin typeface="Consolas" pitchFamily="49" charset="0"/>
+                <a:cs typeface="Consolas" pitchFamily="49" charset="0"/>
+                <a:hlinkClick r:id="rId5" tooltip="List[Int]"/>
+              </a:rPr>
+              <a:t>d</a:t>
+            </a:r>
+            <a:r>
+              <a:rPr lang="pl-PL" sz="1600" dirty="0" smtClean="0">
+                <a:latin typeface="Consolas" pitchFamily="49" charset="0"/>
+                <a:cs typeface="Consolas" pitchFamily="49" charset="0"/>
+              </a:rPr>
+              <a:t> </a:t>
+            </a:r>
+            <a:r>
+              <a:rPr lang="pl-PL" sz="1600" dirty="0" err="1" smtClean="0">
+                <a:latin typeface="Consolas" pitchFamily="49" charset="0"/>
+                <a:cs typeface="Consolas" pitchFamily="49" charset="0"/>
+                <a:hlinkClick r:id="rId4" tooltip="(f: (Int, Int, Int, Int) =&gt; Int)(implicit t: scalaz.Functor[List], implicit ap: scalaz.Apply[List])List[Int]"/>
+              </a:rPr>
+              <a:t>apply</a:t>
+            </a:r>
+            <a:r>
+              <a:rPr lang="pl-PL" sz="1600" dirty="0" smtClean="0">
+                <a:latin typeface="Consolas" pitchFamily="49" charset="0"/>
+                <a:cs typeface="Consolas" pitchFamily="49" charset="0"/>
+              </a:rPr>
+              <a:t> {</a:t>
+            </a:r>
+            <a:r>
+              <a:rPr lang="pl-PL" sz="1600" dirty="0" smtClean="0">
+                <a:latin typeface="Consolas" pitchFamily="49" charset="0"/>
+                <a:cs typeface="Consolas" pitchFamily="49" charset="0"/>
+                <a:hlinkClick r:id="rId5" tooltip="Int"/>
+              </a:rPr>
+              <a:t>_</a:t>
+            </a:r>
+            <a:r>
+              <a:rPr lang="pl-PL" sz="1600" dirty="0" smtClean="0">
+                <a:latin typeface="Consolas" pitchFamily="49" charset="0"/>
+                <a:cs typeface="Consolas" pitchFamily="49" charset="0"/>
+              </a:rPr>
+              <a:t> + </a:t>
+            </a:r>
+            <a:r>
+              <a:rPr lang="pl-PL" sz="1600" dirty="0" smtClean="0">
+                <a:latin typeface="Consolas" pitchFamily="49" charset="0"/>
+                <a:cs typeface="Consolas" pitchFamily="49" charset="0"/>
+                <a:hlinkClick r:id="rId5" tooltip="Int"/>
+              </a:rPr>
+              <a:t>_</a:t>
+            </a:r>
+            <a:r>
+              <a:rPr lang="pl-PL" sz="1600" dirty="0" smtClean="0">
+                <a:latin typeface="Consolas" pitchFamily="49" charset="0"/>
+                <a:cs typeface="Consolas" pitchFamily="49" charset="0"/>
+              </a:rPr>
+              <a:t> + </a:t>
+            </a:r>
+            <a:r>
+              <a:rPr lang="pl-PL" sz="1600" dirty="0" smtClean="0">
+                <a:latin typeface="Consolas" pitchFamily="49" charset="0"/>
+                <a:cs typeface="Consolas" pitchFamily="49" charset="0"/>
+                <a:hlinkClick r:id="rId5" tooltip="Int"/>
+              </a:rPr>
+              <a:t>_</a:t>
+            </a:r>
+            <a:r>
+              <a:rPr lang="pl-PL" sz="1600" dirty="0" smtClean="0">
+                <a:latin typeface="Consolas" pitchFamily="49" charset="0"/>
+                <a:cs typeface="Consolas" pitchFamily="49" charset="0"/>
+              </a:rPr>
+              <a:t> + </a:t>
+            </a:r>
+            <a:r>
+              <a:rPr lang="pl-PL" sz="1600" dirty="0" smtClean="0">
+                <a:latin typeface="Consolas" pitchFamily="49" charset="0"/>
+                <a:cs typeface="Consolas" pitchFamily="49" charset="0"/>
+                <a:hlinkClick r:id="rId5"/>
+              </a:rPr>
+              <a:t>_</a:t>
+            </a:r>
+            <a:r>
+              <a:rPr lang="pl-PL" sz="1600" dirty="0" smtClean="0">
+                <a:latin typeface="Consolas" pitchFamily="49" charset="0"/>
+                <a:cs typeface="Consolas" pitchFamily="49" charset="0"/>
+              </a:rPr>
+              <a:t>} </a:t>
+            </a:r>
+          </a:p>
+          <a:p>
+            <a:pPr>
+              <a:buNone/>
+            </a:pPr>
+            <a:r>
+              <a:rPr lang="pl-PL" sz="1600" dirty="0" smtClean="0">
+                <a:latin typeface="Consolas" pitchFamily="49" charset="0"/>
+                <a:cs typeface="Consolas" pitchFamily="49" charset="0"/>
+              </a:rPr>
+              <a:t> </a:t>
+            </a:r>
+          </a:p>
+          <a:p>
+            <a:pPr>
+              <a:buNone/>
+            </a:pPr>
+            <a:endParaRPr lang="pl-PL" sz="1600" dirty="0" smtClean="0">
+              <a:latin typeface="Consolas" pitchFamily="49" charset="0"/>
+              <a:cs typeface="Consolas" pitchFamily="49" charset="0"/>
+            </a:endParaRPr>
           </a:p>
         </p:txBody>
       </p:sp>
@@ -10848,7 +11088,7 @@
             <a:fld id="{359484F7-7C7A-4895-B82F-27C098609AFF}" type="datetime1">
               <a:rPr lang="pl-PL" smtClean="0"/>
               <a:pPr/>
-              <a:t>2013-07-13</a:t>
+              <a:t>2013-07-14</a:t>
             </a:fld>
             <a:r>
               <a:rPr lang="pl-PL" smtClean="0"/>
@@ -10892,7 +11132,12 @@
             <p:ph idx="1"/>
           </p:nvPr>
         </p:nvSpPr>
-        <p:spPr/>
+        <p:spPr>
+          <a:xfrm>
+            <a:off x="251520" y="1052736"/>
+            <a:ext cx="8640960" cy="5472608"/>
+          </a:xfrm>
+        </p:spPr>
         <p:txBody>
           <a:bodyPr/>
           <a:lstStyle/>
@@ -10901,6 +11146,12 @@
               <a:buNone/>
             </a:pPr>
             <a:r>
+              <a:rPr lang="pl-PL" dirty="0" smtClean="0"/>
+              <a:t>Plan</a:t>
+            </a:r>
+          </a:p>
+          <a:p>
+            <a:r>
               <a:rPr lang="pl-PL" dirty="0" err="1" smtClean="0"/>
               <a:t>Type</a:t>
             </a:r>
@@ -10917,48 +11168,13 @@
           <a:p>
             <a:r>
               <a:rPr lang="pl-PL" dirty="0" smtClean="0"/>
-              <a:t>Nieobowiązkowe:</a:t>
-            </a:r>
-          </a:p>
-          <a:p>
-            <a:pPr lvl="1"/>
-            <a:r>
-              <a:rPr lang="pl-PL" dirty="0" smtClean="0"/>
-              <a:t>Średniki</a:t>
-            </a:r>
-          </a:p>
-          <a:p>
-            <a:pPr lvl="1"/>
-            <a:r>
-              <a:rPr lang="pl-PL" dirty="0" smtClean="0"/>
-              <a:t>„return”</a:t>
-            </a:r>
-          </a:p>
-          <a:p>
-            <a:pPr lvl="1"/>
-            <a:r>
-              <a:rPr lang="pl-PL" dirty="0" smtClean="0"/>
-              <a:t>Nawiasy klamrowe w metodach, które składają się z jednego wyrażenia</a:t>
-            </a:r>
-          </a:p>
-          <a:p>
-            <a:pPr lvl="1"/>
-            <a:r>
-              <a:rPr lang="pl-PL" dirty="0" smtClean="0"/>
-              <a:t>Duża część typów może zostać wydedukowana</a:t>
-            </a:r>
-          </a:p>
-          <a:p>
-            <a:pPr lvl="1"/>
-            <a:r>
-              <a:rPr lang="pl-PL" dirty="0" smtClean="0"/>
-              <a:t>W prostych przypadkach kropki i nawiasy</a:t>
+              <a:t>Struktura plików</a:t>
             </a:r>
           </a:p>
           <a:p>
             <a:r>
               <a:rPr lang="pl-PL" dirty="0" err="1" smtClean="0"/>
-              <a:t>String</a:t>
+              <a:t>Case</a:t>
             </a:r>
             <a:r>
               <a:rPr lang="pl-PL" dirty="0" smtClean="0"/>
@@ -10966,14 +11182,37 @@
             </a:r>
             <a:r>
               <a:rPr lang="pl-PL" dirty="0" err="1" smtClean="0"/>
-              <a:t>interpolation</a:t>
+              <a:t>classes</a:t>
             </a:r>
             <a:endParaRPr lang="pl-PL" dirty="0" smtClean="0"/>
           </a:p>
           <a:p>
             <a:r>
+              <a:rPr lang="pl-PL" dirty="0" smtClean="0"/>
+              <a:t>Paradygmat obiektowy</a:t>
+            </a:r>
+          </a:p>
+          <a:p>
+            <a:r>
               <a:rPr lang="pl-PL" dirty="0" err="1" smtClean="0"/>
-              <a:t>Type</a:t>
+              <a:t>For-comprehensions</a:t>
+            </a:r>
+            <a:endParaRPr lang="pl-PL" dirty="0" smtClean="0"/>
+          </a:p>
+          <a:p>
+            <a:r>
+              <a:rPr lang="pl-PL" dirty="0" smtClean="0"/>
+              <a:t>Funkcje </a:t>
+            </a:r>
+            <a:r>
+              <a:rPr lang="pl-PL" dirty="0" smtClean="0"/>
+              <a:t>jako obywatele pierwszej kategorii</a:t>
+            </a:r>
+          </a:p>
+          <a:p>
+            <a:r>
+              <a:rPr lang="pl-PL" dirty="0" err="1" smtClean="0"/>
+              <a:t>Pattern</a:t>
             </a:r>
             <a:r>
               <a:rPr lang="pl-PL" dirty="0" smtClean="0"/>
@@ -10981,33 +11220,47 @@
             </a:r>
             <a:r>
               <a:rPr lang="pl-PL" dirty="0" err="1" smtClean="0"/>
-              <a:t>inference</a:t>
+              <a:t>matching</a:t>
             </a:r>
             <a:endParaRPr lang="pl-PL" dirty="0" smtClean="0"/>
           </a:p>
           <a:p>
             <a:r>
               <a:rPr lang="pl-PL" dirty="0" smtClean="0"/>
-              <a:t>Adnotacja </a:t>
-            </a:r>
-            <a:r>
-              <a:rPr lang="pl-PL" dirty="0" smtClean="0">
-                <a:latin typeface="Consolas" pitchFamily="49" charset="0"/>
-                <a:cs typeface="Consolas" pitchFamily="49" charset="0"/>
-              </a:rPr>
-              <a:t>@</a:t>
-            </a:r>
-            <a:r>
-              <a:rPr lang="pl-PL" dirty="0" err="1" smtClean="0">
-                <a:latin typeface="Consolas" pitchFamily="49" charset="0"/>
-                <a:cs typeface="Consolas" pitchFamily="49" charset="0"/>
-              </a:rPr>
-              <a:t>BeanProperty</a:t>
-            </a:r>
-            <a:endParaRPr lang="pl-PL" dirty="0">
-              <a:latin typeface="Consolas" pitchFamily="49" charset="0"/>
-              <a:cs typeface="Consolas" pitchFamily="49" charset="0"/>
-            </a:endParaRPr>
+              <a:t>Biblioteka </a:t>
+            </a:r>
+            <a:r>
+              <a:rPr lang="pl-PL" dirty="0" smtClean="0"/>
+              <a:t>standardowa</a:t>
+            </a:r>
+          </a:p>
+          <a:p>
+            <a:pPr>
+              <a:buNone/>
+            </a:pPr>
+            <a:r>
+              <a:rPr lang="pl-PL" dirty="0" smtClean="0"/>
+              <a:t>Jeśli starczy czasu…</a:t>
+            </a:r>
+          </a:p>
+          <a:p>
+            <a:r>
+              <a:rPr lang="pl-PL" dirty="0" err="1" smtClean="0"/>
+              <a:t>Implicits</a:t>
+            </a:r>
+            <a:endParaRPr lang="pl-PL" dirty="0" smtClean="0"/>
+          </a:p>
+          <a:p>
+            <a:r>
+              <a:rPr lang="pl-PL" dirty="0" smtClean="0"/>
+              <a:t>Operatory</a:t>
+            </a:r>
+          </a:p>
+          <a:p>
+            <a:pPr>
+              <a:buNone/>
+            </a:pPr>
+            <a:endParaRPr lang="pl-PL" dirty="0"/>
           </a:p>
         </p:txBody>
       </p:sp>
@@ -11054,7 +11307,7 @@
             <a:fld id="{359484F7-7C7A-4895-B82F-27C098609AFF}" type="datetime1">
               <a:rPr lang="pl-PL" smtClean="0"/>
               <a:pPr/>
-              <a:t>2013-07-13</a:t>
+              <a:t>2013-07-14</a:t>
             </a:fld>
             <a:r>
               <a:rPr lang="pl-PL" smtClean="0"/>
@@ -11090,7 +11343,7 @@
       </p:sp>
       <p:sp>
         <p:nvSpPr>
-          <p:cNvPr id="8" name="Symbol zastępczy zawartości 7"/>
+          <p:cNvPr id="4" name="Symbol zastępczy zawartości 3"/>
           <p:cNvSpPr>
             <a:spLocks noGrp="1"/>
           </p:cNvSpPr>
@@ -11112,6 +11365,93 @@
             </a:r>
             <a:r>
               <a:rPr lang="pl-PL" dirty="0" smtClean="0"/>
+              <a:t> less, do </a:t>
+            </a:r>
+            <a:r>
+              <a:rPr lang="pl-PL" dirty="0" err="1" smtClean="0"/>
+              <a:t>more</a:t>
+            </a:r>
+            <a:endParaRPr lang="pl-PL" dirty="0" smtClean="0"/>
+          </a:p>
+          <a:p>
+            <a:r>
+              <a:rPr lang="pl-PL" dirty="0" smtClean="0"/>
+              <a:t>Nieobowiązkowe:</a:t>
+            </a:r>
+          </a:p>
+          <a:p>
+            <a:pPr lvl="1"/>
+            <a:r>
+              <a:rPr lang="pl-PL" dirty="0" smtClean="0"/>
+              <a:t>Średniki</a:t>
+            </a:r>
+          </a:p>
+          <a:p>
+            <a:pPr lvl="1"/>
+            <a:r>
+              <a:rPr lang="pl-PL" dirty="0" smtClean="0"/>
+              <a:t>„return”</a:t>
+            </a:r>
+          </a:p>
+          <a:p>
+            <a:pPr lvl="1"/>
+            <a:r>
+              <a:rPr lang="pl-PL" dirty="0" smtClean="0"/>
+              <a:t>Nawiasy klamrowe w metodach, które składają się z jednego wyrażenia</a:t>
+            </a:r>
+          </a:p>
+          <a:p>
+            <a:pPr lvl="1"/>
+            <a:r>
+              <a:rPr lang="pl-PL" dirty="0" smtClean="0"/>
+              <a:t>Duża część typów może zostać wydedukowana</a:t>
+            </a:r>
+          </a:p>
+          <a:p>
+            <a:pPr lvl="1"/>
+            <a:r>
+              <a:rPr lang="pl-PL" dirty="0" smtClean="0"/>
+              <a:t>W prostych przypadkach kropki i </a:t>
+            </a:r>
+            <a:r>
+              <a:rPr lang="pl-PL" dirty="0" smtClean="0"/>
+              <a:t>nawiasy</a:t>
+            </a:r>
+          </a:p>
+          <a:p>
+            <a:pPr lvl="1"/>
+            <a:r>
+              <a:rPr lang="pl-PL" dirty="0" smtClean="0"/>
+              <a:t>Operatory == i </a:t>
+            </a:r>
+            <a:r>
+              <a:rPr lang="pl-PL" dirty="0" err="1" smtClean="0"/>
+              <a:t>refEq</a:t>
+            </a:r>
+            <a:endParaRPr lang="pl-PL" dirty="0" smtClean="0"/>
+          </a:p>
+          <a:p>
+            <a:r>
+              <a:rPr lang="pl-PL" dirty="0" err="1" smtClean="0"/>
+              <a:t>String</a:t>
+            </a:r>
+            <a:r>
+              <a:rPr lang="pl-PL" dirty="0" smtClean="0"/>
+              <a:t> </a:t>
+            </a:r>
+            <a:r>
+              <a:rPr lang="pl-PL" dirty="0" err="1" smtClean="0"/>
+              <a:t>interpolation</a:t>
+            </a:r>
+            <a:endParaRPr lang="pl-PL" dirty="0" smtClean="0"/>
+          </a:p>
+          <a:p>
+            <a:r>
+              <a:rPr lang="pl-PL" dirty="0" err="1" smtClean="0"/>
+              <a:t>Type</a:t>
+            </a:r>
+            <a:r>
+              <a:rPr lang="pl-PL" dirty="0" smtClean="0"/>
               <a:t> </a:t>
             </a:r>
             <a:r>
@@ -11122,85 +11462,27 @@
           </a:p>
           <a:p>
             <a:r>
-              <a:rPr lang="pl-PL" dirty="0" err="1" smtClean="0"/>
-              <a:t>Diamond</a:t>
-            </a:r>
-            <a:r>
               <a:rPr lang="pl-PL" dirty="0" smtClean="0"/>
-              <a:t> operator w Javie to </a:t>
-            </a:r>
-            <a:r>
-              <a:rPr lang="pl-PL" dirty="0" err="1" smtClean="0"/>
-              <a:t>pikuś</a:t>
-            </a:r>
-            <a:endParaRPr lang="pl-PL" dirty="0" smtClean="0"/>
-          </a:p>
-          <a:p>
-            <a:r>
-              <a:rPr lang="pl-PL" dirty="0" smtClean="0"/>
-              <a:t>Jeśli typ da się wydedukować, to kompilator to robi</a:t>
-            </a:r>
-          </a:p>
-          <a:p>
-            <a:r>
-              <a:rPr lang="pl-PL" dirty="0" smtClean="0"/>
-              <a:t>Należy podawać typ dla:</a:t>
-            </a:r>
-          </a:p>
-          <a:p>
-            <a:pPr lvl="1"/>
-            <a:r>
-              <a:rPr lang="pl-PL" dirty="0" smtClean="0"/>
-              <a:t>Argumentów funkcji</a:t>
-            </a:r>
-          </a:p>
-          <a:p>
-            <a:pPr lvl="1"/>
-            <a:r>
-              <a:rPr lang="pl-PL" dirty="0" smtClean="0"/>
-              <a:t>Zwracanego typu dla metody abstrakcyjnej</a:t>
-            </a:r>
-          </a:p>
-          <a:p>
-            <a:pPr lvl="1"/>
-            <a:r>
-              <a:rPr lang="pl-PL" dirty="0" smtClean="0"/>
-              <a:t>Inicjalizacji pustej tablicy/listy</a:t>
-            </a:r>
-          </a:p>
-          <a:p>
-            <a:r>
-              <a:rPr lang="pl-PL" dirty="0" smtClean="0"/>
-              <a:t>Nie należy podawać typu dla:</a:t>
-            </a:r>
-          </a:p>
-          <a:p>
-            <a:pPr lvl="1"/>
-            <a:r>
-              <a:rPr lang="pl-PL" dirty="0" smtClean="0"/>
-              <a:t>Pól klasy</a:t>
-            </a:r>
-          </a:p>
-          <a:p>
-            <a:pPr lvl="1"/>
-            <a:r>
-              <a:rPr lang="pl-PL" dirty="0" smtClean="0"/>
-              <a:t>Zmiennych lokalnych</a:t>
-            </a:r>
-          </a:p>
-          <a:p>
-            <a:pPr lvl="1"/>
-            <a:r>
-              <a:rPr lang="pl-PL" dirty="0" smtClean="0"/>
-              <a:t>Zwracanego typu dla konkretnej implementacji metody</a:t>
-            </a:r>
-          </a:p>
-          <a:p>
-            <a:r>
-              <a:rPr lang="pl-PL" dirty="0" smtClean="0"/>
-              <a:t>Oczywiście typ można podawać zawsze</a:t>
-            </a:r>
-            <a:endParaRPr lang="pl-PL" dirty="0"/>
+              <a:t>Adnotacja </a:t>
+            </a:r>
+            <a:r>
+              <a:rPr lang="pl-PL" dirty="0" smtClean="0">
+                <a:latin typeface="Consolas" pitchFamily="49" charset="0"/>
+                <a:cs typeface="Consolas" pitchFamily="49" charset="0"/>
+              </a:rPr>
+              <a:t>@</a:t>
+            </a:r>
+            <a:r>
+              <a:rPr lang="pl-PL" dirty="0" err="1" smtClean="0">
+                <a:latin typeface="Consolas" pitchFamily="49" charset="0"/>
+                <a:cs typeface="Consolas" pitchFamily="49" charset="0"/>
+              </a:rPr>
+              <a:t>BeanProperty</a:t>
+            </a:r>
+            <a:endParaRPr lang="pl-PL" dirty="0">
+              <a:latin typeface="Consolas" pitchFamily="49" charset="0"/>
+              <a:cs typeface="Consolas" pitchFamily="49" charset="0"/>
+            </a:endParaRPr>
           </a:p>
         </p:txBody>
       </p:sp>
@@ -11247,7 +11529,7 @@
             <a:fld id="{359484F7-7C7A-4895-B82F-27C098609AFF}" type="datetime1">
               <a:rPr lang="pl-PL" smtClean="0"/>
               <a:pPr/>
-              <a:t>2013-07-13</a:t>
+              <a:t>2013-07-14</a:t>
             </a:fld>
             <a:r>
               <a:rPr lang="pl-PL" smtClean="0"/>
@@ -11283,7 +11565,7 @@
       </p:sp>
       <p:sp>
         <p:nvSpPr>
-          <p:cNvPr id="4" name="Symbol zastępczy zawartości 3"/>
+          <p:cNvPr id="8" name="Symbol zastępczy zawartości 7"/>
           <p:cNvSpPr>
             <a:spLocks noGrp="1"/>
           </p:cNvSpPr>
@@ -11300,60 +11582,98 @@
               <a:buNone/>
             </a:pPr>
             <a:r>
+              <a:rPr lang="pl-PL" dirty="0" err="1" smtClean="0"/>
+              <a:t>Type</a:t>
+            </a:r>
+            <a:r>
               <a:rPr lang="pl-PL" dirty="0" smtClean="0"/>
-              <a:t>Funkcje jako obywatele pierwszej kategorii</a:t>
-            </a:r>
-          </a:p>
-          <a:p>
+              <a:t> </a:t>
+            </a:r>
+            <a:r>
+              <a:rPr lang="pl-PL" dirty="0" err="1" smtClean="0"/>
+              <a:t>inference</a:t>
+            </a:r>
+            <a:endParaRPr lang="pl-PL" dirty="0" smtClean="0"/>
+          </a:p>
+          <a:p>
+            <a:r>
+              <a:rPr lang="pl-PL" dirty="0" err="1" smtClean="0"/>
+              <a:t>Diamond</a:t>
+            </a:r>
             <a:r>
               <a:rPr lang="pl-PL" dirty="0" smtClean="0"/>
-              <a:t>W Scali funkcja również jest obiektem, który można:</a:t>
+              <a:t> operator w Javie to </a:t>
+            </a:r>
+            <a:r>
+              <a:rPr lang="pl-PL" dirty="0" err="1" smtClean="0"/>
+              <a:t>pikuś</a:t>
+            </a:r>
+            <a:endParaRPr lang="pl-PL" dirty="0" smtClean="0"/>
+          </a:p>
+          <a:p>
+            <a:r>
+              <a:rPr lang="pl-PL" dirty="0" smtClean="0"/>
+              <a:t>Jeśli typ da się wydedukować, to kompilator to robi</a:t>
+            </a:r>
+          </a:p>
+          <a:p>
+            <a:r>
+              <a:rPr lang="pl-PL" dirty="0" smtClean="0"/>
+              <a:t>Należy podawać typ dla:</a:t>
             </a:r>
           </a:p>
           <a:p>
             <a:pPr lvl="1"/>
             <a:r>
               <a:rPr lang="pl-PL" dirty="0" smtClean="0"/>
-              <a:t>Przekazywać jako argument innej funkcji</a:t>
+              <a:t>Argumentów funkcji</a:t>
             </a:r>
           </a:p>
           <a:p>
             <a:pPr lvl="1"/>
             <a:r>
               <a:rPr lang="pl-PL" dirty="0" smtClean="0"/>
-              <a:t>Zwracać go jako wynik funkcji</a:t>
+              <a:t>Zwracanego typu dla metody abstrakcyjnej</a:t>
             </a:r>
           </a:p>
           <a:p>
             <a:pPr lvl="1"/>
             <a:r>
               <a:rPr lang="pl-PL" dirty="0" smtClean="0"/>
-              <a:t>Zapisywać jako zmienna lokalna/obiektu</a:t>
+              <a:t>Inicjalizacji pustej tablicy/listy</a:t>
+            </a:r>
+          </a:p>
+          <a:p>
+            <a:r>
+              <a:rPr lang="pl-PL" dirty="0" smtClean="0"/>
+              <a:t>Nie należy podawać typu dla:</a:t>
             </a:r>
           </a:p>
           <a:p>
             <a:pPr lvl="1"/>
             <a:r>
               <a:rPr lang="pl-PL" dirty="0" smtClean="0"/>
-              <a:t>Itp.</a:t>
-            </a:r>
-          </a:p>
-          <a:p>
+              <a:t>Pól klasy</a:t>
+            </a:r>
+          </a:p>
+          <a:p>
+            <a:pPr lvl="1"/>
             <a:r>
               <a:rPr lang="pl-PL" dirty="0" smtClean="0"/>
-              <a:t>Funkcja jest typu Function1&lt;T1, R&gt;, Function2&lt;T1, T2, R&gt;, … FunctionN&lt;T1, …, TN, R&gt;</a:t>
-            </a:r>
-          </a:p>
-          <a:p>
+              <a:t>Zmiennych lokalnych</a:t>
+            </a:r>
+          </a:p>
+          <a:p>
+            <a:pPr lvl="1"/>
             <a:r>
               <a:rPr lang="pl-PL" dirty="0" smtClean="0"/>
-              <a:t>Uproszczone funkcje anonimowe</a:t>
-            </a:r>
-          </a:p>
-          <a:p>
-            <a:r>
-              <a:rPr lang="pl-PL" dirty="0" err="1" smtClean="0"/>
-              <a:t>Currying</a:t>
+              <a:t>Zwracanego typu dla konkretnej implementacji metody</a:t>
+            </a:r>
+          </a:p>
+          <a:p>
+            <a:r>
+              <a:rPr lang="pl-PL" dirty="0" smtClean="0"/>
+              <a:t>Oczywiście typ można podawać zawsze</a:t>
             </a:r>
             <a:endParaRPr lang="pl-PL" dirty="0"/>
           </a:p>

--- a/Presentation.pptx
+++ b/Presentation.pptx
@@ -9,7 +9,7 @@
     <p:sldMasterId id="2147483678" r:id="rId5"/>
   </p:sldMasterIdLst>
   <p:notesMasterIdLst>
-    <p:notesMasterId r:id="rId28"/>
+    <p:notesMasterId r:id="rId27"/>
   </p:notesMasterIdLst>
   <p:sldIdLst>
     <p:sldId id="256" r:id="rId6"/>
@@ -21,19 +21,18 @@
     <p:sldId id="261" r:id="rId12"/>
     <p:sldId id="273" r:id="rId13"/>
     <p:sldId id="262" r:id="rId14"/>
-    <p:sldId id="266" r:id="rId15"/>
-    <p:sldId id="274" r:id="rId16"/>
-    <p:sldId id="267" r:id="rId17"/>
-    <p:sldId id="275" r:id="rId18"/>
+    <p:sldId id="274" r:id="rId15"/>
+    <p:sldId id="267" r:id="rId16"/>
+    <p:sldId id="275" r:id="rId17"/>
+    <p:sldId id="279" r:id="rId18"/>
     <p:sldId id="276" r:id="rId19"/>
-    <p:sldId id="278" r:id="rId20"/>
-    <p:sldId id="279" r:id="rId21"/>
+    <p:sldId id="266" r:id="rId20"/>
+    <p:sldId id="278" r:id="rId21"/>
     <p:sldId id="281" r:id="rId22"/>
-    <p:sldId id="268" r:id="rId23"/>
+    <p:sldId id="282" r:id="rId23"/>
     <p:sldId id="277" r:id="rId24"/>
-    <p:sldId id="270" r:id="rId25"/>
-    <p:sldId id="269" r:id="rId26"/>
-    <p:sldId id="258" r:id="rId27"/>
+    <p:sldId id="269" r:id="rId25"/>
+    <p:sldId id="258" r:id="rId26"/>
   </p:sldIdLst>
   <p:sldSz cx="9144000" cy="6858000" type="screen4x3"/>
   <p:notesSz cx="6858000" cy="9144000"/>
@@ -218,7 +217,7 @@
             <a:fld id="{5D88816B-2D53-411B-91DB-115584640F37}" type="datetimeFigureOut">
               <a:rPr lang="pl-PL" smtClean="0"/>
               <a:pPr/>
-              <a:t>2013-07-14</a:t>
+              <a:t>2013-07-28</a:t>
             </a:fld>
             <a:endParaRPr lang="pl-PL"/>
           </a:p>
@@ -646,7 +645,32 @@
           <a:p>
             <a:r>
               <a:rPr lang="pl-PL" baseline="0" dirty="0" smtClean="0"/>
-              <a:t>Elementy w drzewku na GUI</a:t>
+              <a:t>Elementy w drzewku na </a:t>
+            </a:r>
+            <a:r>
+              <a:rPr lang="pl-PL" baseline="0" dirty="0" smtClean="0"/>
+              <a:t>GUI</a:t>
+            </a:r>
+          </a:p>
+          <a:p>
+            <a:endParaRPr lang="pl-PL" baseline="0" dirty="0" smtClean="0"/>
+          </a:p>
+          <a:p>
+            <a:r>
+              <a:rPr lang="pl-PL" baseline="0" dirty="0" smtClean="0"/>
+              <a:t>Cukier dla mechanizmu </a:t>
+            </a:r>
+            <a:r>
+              <a:rPr lang="pl-PL" baseline="0" dirty="0" err="1" smtClean="0"/>
+              <a:t>partial</a:t>
+            </a:r>
+            <a:r>
+              <a:rPr lang="pl-PL" baseline="0" dirty="0" smtClean="0"/>
+              <a:t> </a:t>
+            </a:r>
+            <a:r>
+              <a:rPr lang="pl-PL" baseline="0" dirty="0" err="1" smtClean="0"/>
+              <a:t>functions</a:t>
             </a:r>
             <a:endParaRPr lang="pl-PL" dirty="0"/>
           </a:p>
@@ -670,7 +694,7 @@
             <a:fld id="{5DFAB087-39D9-4EAE-81A4-A4B45D677425}" type="slidenum">
               <a:rPr lang="pl-PL" smtClean="0"/>
               <a:pPr/>
-              <a:t>13</a:t>
+              <a:t>12</a:t>
             </a:fld>
             <a:endParaRPr lang="pl-PL"/>
           </a:p>
@@ -760,7 +784,516 @@
             <a:fld id="{5DFAB087-39D9-4EAE-81A4-A4B45D677425}" type="slidenum">
               <a:rPr lang="pl-PL" smtClean="0"/>
               <a:pPr/>
-              <a:t>16</a:t>
+              <a:t>13</a:t>
+            </a:fld>
+            <a:endParaRPr lang="pl-PL"/>
+          </a:p>
+        </p:txBody>
+      </p:sp>
+    </p:spTree>
+  </p:cSld>
+  <p:clrMapOvr>
+    <a:masterClrMapping/>
+  </p:clrMapOvr>
+</p:notes>
+</file>
+
+<file path=ppt/notesSlides/notesSlide12.xml><?xml version="1.0" encoding="utf-8"?>
+<p:notes xmlns:a="http://schemas.openxmlformats.org/drawingml/2006/main" xmlns:r="http://schemas.openxmlformats.org/officeDocument/2006/relationships" xmlns:p="http://schemas.openxmlformats.org/presentationml/2006/main">
+  <p:cSld>
+    <p:spTree>
+      <p:nvGrpSpPr>
+        <p:cNvPr id="1" name=""/>
+        <p:cNvGrpSpPr/>
+        <p:nvPr/>
+      </p:nvGrpSpPr>
+      <p:grpSpPr>
+        <a:xfrm>
+          <a:off x="0" y="0"/>
+          <a:ext cx="0" cy="0"/>
+          <a:chOff x="0" y="0"/>
+          <a:chExt cx="0" cy="0"/>
+        </a:xfrm>
+      </p:grpSpPr>
+      <p:sp>
+        <p:nvSpPr>
+          <p:cNvPr id="2" name="Symbol zastępczy obrazu slajdu 1"/>
+          <p:cNvSpPr>
+            <a:spLocks noGrp="1" noRot="1" noChangeAspect="1"/>
+          </p:cNvSpPr>
+          <p:nvPr>
+            <p:ph type="sldImg"/>
+          </p:nvPr>
+        </p:nvSpPr>
+        <p:spPr/>
+      </p:sp>
+      <p:sp>
+        <p:nvSpPr>
+          <p:cNvPr id="3" name="Symbol zastępczy notatek 2"/>
+          <p:cNvSpPr>
+            <a:spLocks noGrp="1"/>
+          </p:cNvSpPr>
+          <p:nvPr>
+            <p:ph type="body" idx="1"/>
+          </p:nvPr>
+        </p:nvSpPr>
+        <p:spPr/>
+        <p:txBody>
+          <a:bodyPr>
+            <a:normAutofit/>
+          </a:bodyPr>
+          <a:lstStyle/>
+          <a:p>
+            <a:r>
+              <a:rPr lang="pl-PL" dirty="0" smtClean="0"/>
+              <a:t>Function1 odpowiada </a:t>
+            </a:r>
+            <a:r>
+              <a:rPr lang="pl-PL" dirty="0" err="1" smtClean="0"/>
+              <a:t>Function</a:t>
+            </a:r>
+            <a:r>
+              <a:rPr lang="pl-PL" dirty="0" smtClean="0"/>
+              <a:t> w </a:t>
+            </a:r>
+            <a:r>
+              <a:rPr lang="pl-PL" dirty="0" err="1" smtClean="0"/>
+              <a:t>Guavie</a:t>
+            </a:r>
+            <a:endParaRPr lang="pl-PL" dirty="0" smtClean="0"/>
+          </a:p>
+          <a:p>
+            <a:r>
+              <a:rPr lang="pl-PL" dirty="0" err="1" smtClean="0"/>
+              <a:t>Function&lt;T</a:t>
+            </a:r>
+            <a:r>
+              <a:rPr lang="pl-PL" dirty="0" smtClean="0"/>
+              <a:t>, </a:t>
+            </a:r>
+            <a:r>
+              <a:rPr lang="pl-PL" dirty="0" err="1" smtClean="0"/>
+              <a:t>Boolean</a:t>
+            </a:r>
+            <a:r>
+              <a:rPr lang="pl-PL" dirty="0" smtClean="0"/>
+              <a:t>&gt; odpowiada </a:t>
+            </a:r>
+            <a:r>
+              <a:rPr lang="pl-PL" dirty="0" err="1" smtClean="0"/>
+              <a:t>Predicate</a:t>
+            </a:r>
+            <a:r>
+              <a:rPr lang="pl-PL" dirty="0" smtClean="0"/>
+              <a:t> w </a:t>
+            </a:r>
+            <a:r>
+              <a:rPr lang="pl-PL" dirty="0" err="1" smtClean="0"/>
+              <a:t>Guavie</a:t>
+            </a:r>
+            <a:endParaRPr lang="pl-PL" dirty="0" smtClean="0"/>
+          </a:p>
+          <a:p>
+            <a:r>
+              <a:rPr lang="pl-PL" dirty="0" err="1" smtClean="0"/>
+              <a:t>Currying</a:t>
+            </a:r>
+            <a:r>
+              <a:rPr lang="pl-PL" baseline="0" dirty="0" smtClean="0"/>
+              <a:t> to rozwiązanie, gdy wywołujemy tę samą funkcję wiele razy, zmieniając tylko ostatni parametr</a:t>
+            </a:r>
+          </a:p>
+          <a:p>
+            <a:r>
+              <a:rPr lang="pl-PL" dirty="0" smtClean="0"/>
+              <a:t>Wykorzystanie</a:t>
+            </a:r>
+            <a:r>
+              <a:rPr lang="pl-PL" baseline="0" dirty="0" smtClean="0"/>
+              <a:t> interfejsów daje taką samą kompozycję, ale robi piekiełko w stylu </a:t>
+            </a:r>
+            <a:r>
+              <a:rPr lang="pl-PL" baseline="0" dirty="0" err="1" smtClean="0"/>
+              <a:t>IProblem</a:t>
+            </a:r>
+            <a:r>
+              <a:rPr lang="pl-PL" baseline="0" dirty="0" smtClean="0"/>
+              <a:t> i </a:t>
+            </a:r>
+            <a:r>
+              <a:rPr lang="pl-PL" baseline="0" dirty="0" err="1" smtClean="0"/>
+              <a:t>ProblemFactory</a:t>
+            </a:r>
+            <a:endParaRPr lang="pl-PL" baseline="0" dirty="0" smtClean="0"/>
+          </a:p>
+          <a:p>
+            <a:r>
+              <a:rPr lang="pl-PL" dirty="0" smtClean="0"/>
+              <a:t>Najpierw</a:t>
+            </a:r>
+            <a:r>
+              <a:rPr lang="pl-PL" baseline="0" dirty="0" smtClean="0"/>
+              <a:t> </a:t>
+            </a:r>
+            <a:r>
+              <a:rPr lang="pl-PL" baseline="0" dirty="0" err="1" smtClean="0"/>
+              <a:t>BooksFilter</a:t>
+            </a:r>
+            <a:r>
+              <a:rPr lang="pl-PL" baseline="0" dirty="0" smtClean="0"/>
+              <a:t>. Swoją drogą bardzo dobre zaprezentowanie elegancji </a:t>
+            </a:r>
+            <a:r>
+              <a:rPr lang="pl-PL" baseline="0" dirty="0" err="1" smtClean="0"/>
+              <a:t>for-comprehension</a:t>
+            </a:r>
+            <a:endParaRPr lang="pl-PL" dirty="0" smtClean="0"/>
+          </a:p>
+        </p:txBody>
+      </p:sp>
+      <p:sp>
+        <p:nvSpPr>
+          <p:cNvPr id="4" name="Symbol zastępczy numeru slajdu 3"/>
+          <p:cNvSpPr>
+            <a:spLocks noGrp="1"/>
+          </p:cNvSpPr>
+          <p:nvPr>
+            <p:ph type="sldNum" sz="quarter" idx="10"/>
+          </p:nvPr>
+        </p:nvSpPr>
+        <p:spPr/>
+        <p:txBody>
+          <a:bodyPr/>
+          <a:lstStyle/>
+          <a:p>
+            <a:fld id="{5DFAB087-39D9-4EAE-81A4-A4B45D677425}" type="slidenum">
+              <a:rPr lang="pl-PL" smtClean="0"/>
+              <a:pPr/>
+              <a:t>15</a:t>
+            </a:fld>
+            <a:endParaRPr lang="pl-PL"/>
+          </a:p>
+        </p:txBody>
+      </p:sp>
+    </p:spTree>
+  </p:cSld>
+  <p:clrMapOvr>
+    <a:masterClrMapping/>
+  </p:clrMapOvr>
+</p:notes>
+</file>
+
+<file path=ppt/notesSlides/notesSlide13.xml><?xml version="1.0" encoding="utf-8"?>
+<p:notes xmlns:a="http://schemas.openxmlformats.org/drawingml/2006/main" xmlns:r="http://schemas.openxmlformats.org/officeDocument/2006/relationships" xmlns:p="http://schemas.openxmlformats.org/presentationml/2006/main">
+  <p:cSld>
+    <p:spTree>
+      <p:nvGrpSpPr>
+        <p:cNvPr id="1" name=""/>
+        <p:cNvGrpSpPr/>
+        <p:nvPr/>
+      </p:nvGrpSpPr>
+      <p:grpSpPr>
+        <a:xfrm>
+          <a:off x="0" y="0"/>
+          <a:ext cx="0" cy="0"/>
+          <a:chOff x="0" y="0"/>
+          <a:chExt cx="0" cy="0"/>
+        </a:xfrm>
+      </p:grpSpPr>
+      <p:sp>
+        <p:nvSpPr>
+          <p:cNvPr id="2" name="Symbol zastępczy obrazu slajdu 1"/>
+          <p:cNvSpPr>
+            <a:spLocks noGrp="1" noRot="1" noChangeAspect="1"/>
+          </p:cNvSpPr>
+          <p:nvPr>
+            <p:ph type="sldImg"/>
+          </p:nvPr>
+        </p:nvSpPr>
+        <p:spPr/>
+      </p:sp>
+      <p:sp>
+        <p:nvSpPr>
+          <p:cNvPr id="3" name="Symbol zastępczy notatek 2"/>
+          <p:cNvSpPr>
+            <a:spLocks noGrp="1"/>
+          </p:cNvSpPr>
+          <p:nvPr>
+            <p:ph type="body" idx="1"/>
+          </p:nvPr>
+        </p:nvSpPr>
+        <p:spPr/>
+        <p:txBody>
+          <a:bodyPr>
+            <a:normAutofit/>
+          </a:bodyPr>
+          <a:lstStyle/>
+          <a:p>
+            <a:r>
+              <a:rPr lang="pl-PL" dirty="0" err="1" smtClean="0"/>
+              <a:t>RichString</a:t>
+            </a:r>
+            <a:r>
+              <a:rPr lang="pl-PL" baseline="0" dirty="0" smtClean="0"/>
+              <a:t> dodaje metody dla kolekcji</a:t>
+            </a:r>
+          </a:p>
+          <a:p>
+            <a:r>
+              <a:rPr lang="pl-PL" baseline="0" dirty="0" err="1" smtClean="0"/>
+              <a:t>RichInt</a:t>
+            </a:r>
+            <a:r>
+              <a:rPr lang="pl-PL" baseline="0" dirty="0" smtClean="0"/>
+              <a:t> dodaje to/</a:t>
+            </a:r>
+            <a:r>
+              <a:rPr lang="pl-PL" baseline="0" dirty="0" err="1" smtClean="0"/>
+              <a:t>until</a:t>
+            </a:r>
+            <a:r>
+              <a:rPr lang="pl-PL" baseline="0" dirty="0" smtClean="0"/>
+              <a:t>. To jest fajne, że dzięki </a:t>
+            </a:r>
+            <a:r>
+              <a:rPr lang="pl-PL" baseline="0" dirty="0" err="1" smtClean="0"/>
+              <a:t>Implicits</a:t>
+            </a:r>
+            <a:r>
+              <a:rPr lang="pl-PL" baseline="0" dirty="0" smtClean="0"/>
+              <a:t> nie ma w tym żadnej magii, można takie metody dla dowolnego własnego typu dodać</a:t>
+            </a:r>
+            <a:endParaRPr lang="pl-PL" dirty="0"/>
+          </a:p>
+        </p:txBody>
+      </p:sp>
+      <p:sp>
+        <p:nvSpPr>
+          <p:cNvPr id="4" name="Symbol zastępczy numeru slajdu 3"/>
+          <p:cNvSpPr>
+            <a:spLocks noGrp="1"/>
+          </p:cNvSpPr>
+          <p:nvPr>
+            <p:ph type="sldNum" sz="quarter" idx="10"/>
+          </p:nvPr>
+        </p:nvSpPr>
+        <p:spPr/>
+        <p:txBody>
+          <a:bodyPr/>
+          <a:lstStyle/>
+          <a:p>
+            <a:fld id="{5DFAB087-39D9-4EAE-81A4-A4B45D677425}" type="slidenum">
+              <a:rPr lang="pl-PL" smtClean="0"/>
+              <a:pPr/>
+              <a:t>17</a:t>
+            </a:fld>
+            <a:endParaRPr lang="pl-PL"/>
+          </a:p>
+        </p:txBody>
+      </p:sp>
+    </p:spTree>
+  </p:cSld>
+  <p:clrMapOvr>
+    <a:masterClrMapping/>
+  </p:clrMapOvr>
+</p:notes>
+</file>
+
+<file path=ppt/notesSlides/notesSlide14.xml><?xml version="1.0" encoding="utf-8"?>
+<p:notes xmlns:a="http://schemas.openxmlformats.org/drawingml/2006/main" xmlns:r="http://schemas.openxmlformats.org/officeDocument/2006/relationships" xmlns:p="http://schemas.openxmlformats.org/presentationml/2006/main">
+  <p:cSld>
+    <p:spTree>
+      <p:nvGrpSpPr>
+        <p:cNvPr id="1" name=""/>
+        <p:cNvGrpSpPr/>
+        <p:nvPr/>
+      </p:nvGrpSpPr>
+      <p:grpSpPr>
+        <a:xfrm>
+          <a:off x="0" y="0"/>
+          <a:ext cx="0" cy="0"/>
+          <a:chOff x="0" y="0"/>
+          <a:chExt cx="0" cy="0"/>
+        </a:xfrm>
+      </p:grpSpPr>
+      <p:sp>
+        <p:nvSpPr>
+          <p:cNvPr id="2" name="Symbol zastępczy obrazu slajdu 1"/>
+          <p:cNvSpPr>
+            <a:spLocks noGrp="1" noRot="1" noChangeAspect="1"/>
+          </p:cNvSpPr>
+          <p:nvPr>
+            <p:ph type="sldImg"/>
+          </p:nvPr>
+        </p:nvSpPr>
+        <p:spPr/>
+      </p:sp>
+      <p:sp>
+        <p:nvSpPr>
+          <p:cNvPr id="3" name="Symbol zastępczy notatek 2"/>
+          <p:cNvSpPr>
+            <a:spLocks noGrp="1"/>
+          </p:cNvSpPr>
+          <p:nvPr>
+            <p:ph type="body" idx="1"/>
+          </p:nvPr>
+        </p:nvSpPr>
+        <p:spPr/>
+        <p:txBody>
+          <a:bodyPr>
+            <a:normAutofit/>
+          </a:bodyPr>
+          <a:lstStyle/>
+          <a:p>
+            <a:r>
+              <a:rPr lang="pl-PL" dirty="0" smtClean="0"/>
+              <a:t>Można</a:t>
+            </a:r>
+            <a:r>
+              <a:rPr lang="pl-PL" baseline="0" dirty="0" smtClean="0"/>
+              <a:t> pisać dowolne operatory, również unarne</a:t>
+            </a:r>
+          </a:p>
+          <a:p>
+            <a:r>
+              <a:rPr lang="pl-PL" baseline="0" dirty="0" smtClean="0"/>
+              <a:t>Eksperymentalnie makra, które po rozwinięciu mogą nam zaoszczędzić trochę kodu i zapewnić dalej statyczne typowanie</a:t>
+            </a:r>
+          </a:p>
+          <a:p>
+            <a:r>
+              <a:rPr lang="pl-PL" baseline="0" dirty="0" smtClean="0"/>
+              <a:t>Wartości można poprzedzić słowem kluczowym </a:t>
+            </a:r>
+            <a:r>
+              <a:rPr lang="pl-PL" baseline="0" dirty="0" err="1" smtClean="0"/>
+              <a:t>lazy</a:t>
+            </a:r>
+            <a:r>
+              <a:rPr lang="pl-PL" baseline="0" dirty="0" smtClean="0"/>
+              <a:t>, dzięki któremu zostaną obliczone przy pierwszym wywołaniu</a:t>
+            </a:r>
+          </a:p>
+          <a:p>
+            <a:r>
+              <a:rPr lang="pl-PL" baseline="0" dirty="0" smtClean="0"/>
+              <a:t>Wsparcie dla niezmienności można sprowadzić do tego, że prawie wszystko domyślnie jest niezmiennie (słówko </a:t>
+            </a:r>
+            <a:r>
+              <a:rPr lang="pl-PL" baseline="0" dirty="0" err="1" smtClean="0"/>
+              <a:t>val</a:t>
+            </a:r>
+            <a:r>
+              <a:rPr lang="pl-PL" baseline="0" dirty="0" smtClean="0"/>
+              <a:t> </a:t>
+            </a:r>
+            <a:r>
+              <a:rPr lang="pl-PL" baseline="0" dirty="0" err="1" smtClean="0"/>
+              <a:t>vs</a:t>
+            </a:r>
+            <a:r>
+              <a:rPr lang="pl-PL" baseline="0" dirty="0" smtClean="0"/>
+              <a:t> </a:t>
+            </a:r>
+            <a:r>
+              <a:rPr lang="pl-PL" baseline="0" dirty="0" err="1" smtClean="0"/>
+              <a:t>var</a:t>
+            </a:r>
+            <a:r>
+              <a:rPr lang="pl-PL" baseline="0" dirty="0" smtClean="0"/>
+              <a:t>)</a:t>
+            </a:r>
+          </a:p>
+          <a:p>
+            <a:r>
+              <a:rPr lang="pl-PL" baseline="0" dirty="0" err="1" smtClean="0"/>
+              <a:t>Option</a:t>
+            </a:r>
+            <a:r>
+              <a:rPr lang="pl-PL" baseline="0" dirty="0" smtClean="0"/>
+              <a:t> przypomina ten z </a:t>
+            </a:r>
+            <a:r>
+              <a:rPr lang="pl-PL" baseline="0" dirty="0" err="1" smtClean="0"/>
+              <a:t>guavy</a:t>
+            </a:r>
+            <a:r>
+              <a:rPr lang="pl-PL" baseline="0" dirty="0" smtClean="0"/>
+              <a:t>, ale na sterydach</a:t>
+            </a:r>
+          </a:p>
+          <a:p>
+            <a:r>
+              <a:rPr lang="pl-PL" baseline="0" dirty="0" smtClean="0"/>
+              <a:t>Monady to koncept, który pokazuje, że klasy List, </a:t>
+            </a:r>
+            <a:r>
+              <a:rPr lang="pl-PL" baseline="0" dirty="0" err="1" smtClean="0"/>
+              <a:t>Option</a:t>
+            </a:r>
+            <a:r>
+              <a:rPr lang="pl-PL" baseline="0" dirty="0" smtClean="0"/>
+              <a:t>, </a:t>
+            </a:r>
+            <a:r>
+              <a:rPr lang="pl-PL" baseline="0" dirty="0" err="1" smtClean="0"/>
+              <a:t>Future</a:t>
+            </a:r>
+            <a:r>
+              <a:rPr lang="pl-PL" baseline="0" dirty="0" smtClean="0"/>
+              <a:t>, </a:t>
+            </a:r>
+            <a:r>
+              <a:rPr lang="pl-PL" baseline="0" dirty="0" err="1" smtClean="0"/>
+              <a:t>Validation</a:t>
+            </a:r>
+            <a:r>
+              <a:rPr lang="pl-PL" baseline="0" dirty="0" smtClean="0"/>
+              <a:t> robią praktycznie to samo</a:t>
+            </a:r>
+          </a:p>
+          <a:p>
+            <a:r>
+              <a:rPr lang="pl-PL" baseline="0" dirty="0" err="1" smtClean="0"/>
+              <a:t>Cake</a:t>
+            </a:r>
+            <a:r>
+              <a:rPr lang="pl-PL" baseline="0" dirty="0" smtClean="0"/>
+              <a:t> </a:t>
+            </a:r>
+            <a:r>
+              <a:rPr lang="pl-PL" baseline="0" dirty="0" err="1" smtClean="0"/>
+              <a:t>Pattern</a:t>
+            </a:r>
+            <a:r>
+              <a:rPr lang="pl-PL" baseline="0" dirty="0" smtClean="0"/>
+              <a:t> to wstrzykiwanie zależności ze sprawdzaniem w czasie kompilacji</a:t>
+            </a:r>
+          </a:p>
+          <a:p>
+            <a:endParaRPr lang="pl-PL" dirty="0"/>
+          </a:p>
+        </p:txBody>
+      </p:sp>
+      <p:sp>
+        <p:nvSpPr>
+          <p:cNvPr id="4" name="Symbol zastępczy numeru slajdu 3"/>
+          <p:cNvSpPr>
+            <a:spLocks noGrp="1"/>
+          </p:cNvSpPr>
+          <p:nvPr>
+            <p:ph type="sldNum" sz="quarter" idx="10"/>
+          </p:nvPr>
+        </p:nvSpPr>
+        <p:spPr/>
+        <p:txBody>
+          <a:bodyPr/>
+          <a:lstStyle/>
+          <a:p>
+            <a:fld id="{5DFAB087-39D9-4EAE-81A4-A4B45D677425}" type="slidenum">
+              <a:rPr lang="pl-PL" smtClean="0"/>
+              <a:pPr/>
+              <a:t>18</a:t>
             </a:fld>
             <a:endParaRPr lang="pl-PL"/>
           </a:p>
@@ -1389,87 +1922,7 @@
           </a:bodyPr>
           <a:lstStyle/>
           <a:p>
-            <a:r>
-              <a:rPr lang="pl-PL" dirty="0" smtClean="0"/>
-              <a:t>Function1 odpowiada </a:t>
-            </a:r>
-            <a:r>
-              <a:rPr lang="pl-PL" dirty="0" err="1" smtClean="0"/>
-              <a:t>Function</a:t>
-            </a:r>
-            <a:r>
-              <a:rPr lang="pl-PL" dirty="0" smtClean="0"/>
-              <a:t> w </a:t>
-            </a:r>
-            <a:r>
-              <a:rPr lang="pl-PL" dirty="0" err="1" smtClean="0"/>
-              <a:t>Guavie</a:t>
-            </a:r>
-            <a:endParaRPr lang="pl-PL" dirty="0" smtClean="0"/>
-          </a:p>
-          <a:p>
-            <a:r>
-              <a:rPr lang="pl-PL" dirty="0" err="1" smtClean="0"/>
-              <a:t>Function&lt;T</a:t>
-            </a:r>
-            <a:r>
-              <a:rPr lang="pl-PL" dirty="0" smtClean="0"/>
-              <a:t>, </a:t>
-            </a:r>
-            <a:r>
-              <a:rPr lang="pl-PL" dirty="0" err="1" smtClean="0"/>
-              <a:t>Boolean</a:t>
-            </a:r>
-            <a:r>
-              <a:rPr lang="pl-PL" dirty="0" smtClean="0"/>
-              <a:t>&gt; odpowiada </a:t>
-            </a:r>
-            <a:r>
-              <a:rPr lang="pl-PL" dirty="0" err="1" smtClean="0"/>
-              <a:t>Predicate</a:t>
-            </a:r>
-            <a:r>
-              <a:rPr lang="pl-PL" dirty="0" smtClean="0"/>
-              <a:t> w </a:t>
-            </a:r>
-            <a:r>
-              <a:rPr lang="pl-PL" dirty="0" err="1" smtClean="0"/>
-              <a:t>Guavie</a:t>
-            </a:r>
-            <a:endParaRPr lang="pl-PL" dirty="0" smtClean="0"/>
-          </a:p>
-          <a:p>
-            <a:r>
-              <a:rPr lang="pl-PL" dirty="0" err="1" smtClean="0"/>
-              <a:t>Currying</a:t>
-            </a:r>
-            <a:r>
-              <a:rPr lang="pl-PL" baseline="0" dirty="0" smtClean="0"/>
-              <a:t> to rozwiązanie, gdy wywołujemy tę samą funkcję wiele razy, zmieniając tylko ostatni parametr</a:t>
-            </a:r>
-          </a:p>
-          <a:p>
-            <a:r>
-              <a:rPr lang="pl-PL" dirty="0" smtClean="0"/>
-              <a:t>Wykorzystanie</a:t>
-            </a:r>
-            <a:r>
-              <a:rPr lang="pl-PL" baseline="0" dirty="0" smtClean="0"/>
-              <a:t> interfejsów daje taką samą kompozycję, ale robi piekiełko w stylu </a:t>
-            </a:r>
-            <a:r>
-              <a:rPr lang="pl-PL" baseline="0" dirty="0" err="1" smtClean="0"/>
-              <a:t>IProblem</a:t>
-            </a:r>
-            <a:r>
-              <a:rPr lang="pl-PL" baseline="0" dirty="0" smtClean="0"/>
-              <a:t> i </a:t>
-            </a:r>
-            <a:r>
-              <a:rPr lang="pl-PL" baseline="0" dirty="0" err="1" smtClean="0"/>
-              <a:t>ProblemFactory</a:t>
-            </a:r>
-            <a:endParaRPr lang="pl-PL" dirty="0" smtClean="0"/>
+            <a:endParaRPr lang="pl-PL" dirty="0"/>
           </a:p>
         </p:txBody>
       </p:sp>
@@ -1553,7 +2006,34 @@
           <a:p>
             <a:r>
               <a:rPr lang="pl-PL" baseline="0" dirty="0" smtClean="0"/>
-              <a:t>To nie jest wszystkie, jeszcze dochodzą rzeczy ułatwiające </a:t>
+              <a:t>Przykład: </a:t>
+            </a:r>
+            <a:r>
+              <a:rPr lang="pl-PL" baseline="0" dirty="0" err="1" smtClean="0"/>
+              <a:t>pattern_matching</a:t>
+            </a:r>
+            <a:endParaRPr lang="pl-PL" baseline="0" dirty="0" smtClean="0"/>
+          </a:p>
+          <a:p>
+            <a:r>
+              <a:rPr lang="pl-PL" baseline="0" dirty="0" smtClean="0"/>
+              <a:t>W porównaniu z Javą zmniejszenie kodu o 70-80%</a:t>
+            </a:r>
+          </a:p>
+          <a:p>
+            <a:r>
+              <a:rPr lang="pl-PL" baseline="0" dirty="0" smtClean="0"/>
+              <a:t>Tworzenie klas jest proste i tanie, szczególnie mogąc utworzyć wiele klas w jednym pliku</a:t>
+            </a:r>
+          </a:p>
+          <a:p>
+            <a:r>
+              <a:rPr lang="pl-PL" baseline="0" dirty="0" smtClean="0"/>
+              <a:t>To </a:t>
+            </a:r>
+            <a:r>
+              <a:rPr lang="pl-PL" baseline="0" dirty="0" smtClean="0"/>
+              <a:t>nie jest wszystkie, jeszcze dochodzą rzeczy ułatwiające </a:t>
             </a:r>
             <a:r>
               <a:rPr lang="pl-PL" baseline="0" dirty="0" err="1" smtClean="0"/>
@@ -1589,7 +2069,7 @@
             <a:fld id="{5DFAB087-39D9-4EAE-81A4-A4B45D677425}" type="slidenum">
               <a:rPr lang="pl-PL" smtClean="0"/>
               <a:pPr/>
-              <a:t>12</a:t>
+              <a:t>11</a:t>
             </a:fld>
             <a:endParaRPr lang="pl-PL"/>
           </a:p>
@@ -1836,7 +2316,7 @@
             <a:fld id="{359484F7-7C7A-4895-B82F-27C098609AFF}" type="datetime1">
               <a:rPr lang="pl-PL" smtClean="0"/>
               <a:pPr/>
-              <a:t>2013-07-14</a:t>
+              <a:t>2013-07-28</a:t>
             </a:fld>
             <a:r>
               <a:rPr lang="pl-PL" smtClean="0"/>
@@ -1915,7 +2395,7 @@
             <a:fld id="{359484F7-7C7A-4895-B82F-27C098609AFF}" type="datetime1">
               <a:rPr lang="pl-PL" smtClean="0"/>
               <a:pPr/>
-              <a:t>2013-07-14</a:t>
+              <a:t>2013-07-28</a:t>
             </a:fld>
             <a:r>
               <a:rPr lang="pl-PL" smtClean="0"/>
@@ -2483,7 +2963,7 @@
             <a:fld id="{359484F7-7C7A-4895-B82F-27C098609AFF}" type="datetime1">
               <a:rPr lang="pl-PL" smtClean="0"/>
               <a:pPr/>
-              <a:t>2013-07-14</a:t>
+              <a:t>2013-07-28</a:t>
             </a:fld>
             <a:r>
               <a:rPr lang="pl-PL" smtClean="0"/>
@@ -2548,7 +3028,7 @@
             <a:fld id="{359484F7-7C7A-4895-B82F-27C098609AFF}" type="datetime1">
               <a:rPr lang="pl-PL" smtClean="0"/>
               <a:pPr/>
-              <a:t>2013-07-14</a:t>
+              <a:t>2013-07-28</a:t>
             </a:fld>
             <a:r>
               <a:rPr lang="pl-PL" smtClean="0"/>
@@ -2755,7 +3235,7 @@
             <a:fld id="{359484F7-7C7A-4895-B82F-27C098609AFF}" type="datetime1">
               <a:rPr lang="pl-PL" smtClean="0"/>
               <a:pPr/>
-              <a:t>2013-07-14</a:t>
+              <a:t>2013-07-28</a:t>
             </a:fld>
             <a:r>
               <a:rPr lang="pl-PL" smtClean="0"/>
@@ -2946,7 +3426,7 @@
             <a:fld id="{359484F7-7C7A-4895-B82F-27C098609AFF}" type="datetime1">
               <a:rPr lang="pl-PL" smtClean="0"/>
               <a:pPr/>
-              <a:t>2013-07-14</a:t>
+              <a:t>2013-07-28</a:t>
             </a:fld>
             <a:r>
               <a:rPr lang="pl-PL" smtClean="0"/>
@@ -3153,7 +3633,7 @@
             <a:fld id="{359484F7-7C7A-4895-B82F-27C098609AFF}" type="datetime1">
               <a:rPr lang="pl-PL" smtClean="0"/>
               <a:pPr/>
-              <a:t>2013-07-14</a:t>
+              <a:t>2013-07-28</a:t>
             </a:fld>
             <a:r>
               <a:rPr lang="pl-PL" smtClean="0"/>
@@ -3344,7 +3824,7 @@
             <a:fld id="{359484F7-7C7A-4895-B82F-27C098609AFF}" type="datetime1">
               <a:rPr lang="pl-PL" smtClean="0"/>
               <a:pPr/>
-              <a:t>2013-07-14</a:t>
+              <a:t>2013-07-28</a:t>
             </a:fld>
             <a:r>
               <a:rPr lang="pl-PL" smtClean="0"/>
@@ -3551,7 +4031,7 @@
             <a:fld id="{359484F7-7C7A-4895-B82F-27C098609AFF}" type="datetime1">
               <a:rPr lang="pl-PL" smtClean="0"/>
               <a:pPr/>
-              <a:t>2013-07-14</a:t>
+              <a:t>2013-07-28</a:t>
             </a:fld>
             <a:r>
               <a:rPr lang="pl-PL" smtClean="0"/>
@@ -3742,7 +4222,7 @@
             <a:fld id="{359484F7-7C7A-4895-B82F-27C098609AFF}" type="datetime1">
               <a:rPr lang="pl-PL" smtClean="0"/>
               <a:pPr/>
-              <a:t>2013-07-14</a:t>
+              <a:t>2013-07-28</a:t>
             </a:fld>
             <a:r>
               <a:rPr lang="pl-PL" smtClean="0"/>
@@ -3969,7 +4449,7 @@
             <a:fld id="{359484F7-7C7A-4895-B82F-27C098609AFF}" type="datetime1">
               <a:rPr lang="pl-PL" smtClean="0"/>
               <a:pPr/>
-              <a:t>2013-07-14</a:t>
+              <a:t>2013-07-28</a:t>
             </a:fld>
             <a:r>
               <a:rPr lang="pl-PL" smtClean="0"/>
@@ -4321,7 +4801,7 @@
             <a:fld id="{359484F7-7C7A-4895-B82F-27C098609AFF}" type="datetime1">
               <a:rPr lang="pl-PL" smtClean="0"/>
               <a:pPr/>
-              <a:t>2013-07-14</a:t>
+              <a:t>2013-07-28</a:t>
             </a:fld>
             <a:r>
               <a:rPr lang="pl-PL" dirty="0" smtClean="0"/>
@@ -4897,7 +5377,7 @@
             <a:fld id="{359484F7-7C7A-4895-B82F-27C098609AFF}" type="datetime1">
               <a:rPr lang="pl-PL" smtClean="0"/>
               <a:pPr/>
-              <a:t>2013-07-14</a:t>
+              <a:t>2013-07-28</a:t>
             </a:fld>
             <a:r>
               <a:rPr lang="pl-PL" smtClean="0"/>
@@ -5473,7 +5953,7 @@
             <a:fld id="{359484F7-7C7A-4895-B82F-27C098609AFF}" type="datetime1">
               <a:rPr lang="pl-PL" smtClean="0"/>
               <a:pPr/>
-              <a:t>2013-07-14</a:t>
+              <a:t>2013-07-28</a:t>
             </a:fld>
             <a:r>
               <a:rPr lang="pl-PL" smtClean="0"/>
@@ -5957,7 +6437,7 @@
             <a:fld id="{359484F7-7C7A-4895-B82F-27C098609AFF}" type="datetime1">
               <a:rPr lang="pl-PL" smtClean="0"/>
               <a:pPr/>
-              <a:t>2013-07-14</a:t>
+              <a:t>2013-07-28</a:t>
             </a:fld>
             <a:r>
               <a:rPr lang="pl-PL" smtClean="0"/>
@@ -6453,7 +6933,7 @@
             <a:fld id="{359484F7-7C7A-4895-B82F-27C098609AFF}" type="datetime1">
               <a:rPr lang="pl-PL" smtClean="0"/>
               <a:pPr/>
-              <a:t>2013-07-14</a:t>
+              <a:t>2013-07-28</a:t>
             </a:fld>
             <a:r>
               <a:rPr lang="pl-PL" smtClean="0"/>
@@ -6518,7 +6998,7 @@
             <a:fld id="{359484F7-7C7A-4895-B82F-27C098609AFF}" type="datetime1">
               <a:rPr lang="pl-PL" smtClean="0"/>
               <a:pPr/>
-              <a:t>2013-07-14</a:t>
+              <a:t>2013-07-28</a:t>
             </a:fld>
             <a:r>
               <a:rPr lang="pl-PL" smtClean="0"/>
@@ -6572,68 +7052,51 @@
             </a:pPr>
             <a:r>
               <a:rPr lang="pl-PL" dirty="0" smtClean="0"/>
-              <a:t>Funkcje jako obywatele pierwszej kategorii</a:t>
-            </a:r>
-          </a:p>
-          <a:p>
-            <a:r>
-              <a:rPr lang="pl-PL" dirty="0" smtClean="0"/>
-              <a:t>W Scali funkcja również jest obiektem, który można:</a:t>
-            </a:r>
-          </a:p>
-          <a:p>
-            <a:pPr lvl="1"/>
-            <a:r>
-              <a:rPr lang="pl-PL" dirty="0" smtClean="0"/>
-              <a:t>Przekazywać jako argument innej funkcji</a:t>
-            </a:r>
-          </a:p>
-          <a:p>
-            <a:pPr lvl="1"/>
-            <a:r>
-              <a:rPr lang="pl-PL" dirty="0" smtClean="0"/>
-              <a:t>Zwracać go jako wynik funkcji</a:t>
-            </a:r>
-          </a:p>
-          <a:p>
-            <a:pPr lvl="1"/>
-            <a:r>
-              <a:rPr lang="pl-PL" dirty="0" smtClean="0"/>
-              <a:t>Zapisywać jako zmienna lokalna/obiektu</a:t>
-            </a:r>
-          </a:p>
-          <a:p>
-            <a:pPr lvl="1"/>
-            <a:r>
-              <a:rPr lang="pl-PL" dirty="0" smtClean="0"/>
-              <a:t>Itp.</a:t>
-            </a:r>
-          </a:p>
-          <a:p>
-            <a:r>
-              <a:rPr lang="pl-PL" dirty="0" smtClean="0"/>
-              <a:t>Funkcja jest typu </a:t>
-            </a:r>
-            <a:r>
-              <a:rPr lang="pl-PL" dirty="0" smtClean="0">
-                <a:latin typeface="Consolas" pitchFamily="49" charset="0"/>
-                <a:cs typeface="Consolas" pitchFamily="49" charset="0"/>
-              </a:rPr>
-              <a:t>Function1&lt;T1, R&gt;, Function2&lt;T1, T2, R&gt;, … FunctionN&lt;T1, …, TN, R&gt;</a:t>
-            </a:r>
-          </a:p>
-          <a:p>
-            <a:r>
-              <a:rPr lang="pl-PL" dirty="0" smtClean="0"/>
-              <a:t>Uproszczone funkcje anonimowe</a:t>
-            </a:r>
-          </a:p>
-          <a:p>
+              <a:t>Struktura plików</a:t>
+            </a:r>
+          </a:p>
+          <a:p>
+            <a:r>
+              <a:rPr lang="pl-PL" dirty="0" smtClean="0"/>
+              <a:t>Wiele publicznych klas na plik</a:t>
+            </a:r>
+          </a:p>
+          <a:p>
+            <a:r>
+              <a:rPr lang="pl-PL" dirty="0" smtClean="0"/>
+              <a:t>Wiele importów z jednej paczki w jednej linii</a:t>
+            </a:r>
+          </a:p>
+          <a:p>
+            <a:r>
+              <a:rPr lang="pl-PL" dirty="0" smtClean="0"/>
+              <a:t>Można tworzyć </a:t>
+            </a:r>
             <a:r>
               <a:rPr lang="pl-PL" dirty="0" err="1" smtClean="0"/>
-              <a:t>Currying</a:t>
-            </a:r>
-            <a:endParaRPr lang="pl-PL" dirty="0"/>
+              <a:t>aliasy</a:t>
+            </a:r>
+            <a:r>
+              <a:rPr lang="pl-PL" dirty="0" smtClean="0"/>
+              <a:t> dla importów</a:t>
+            </a:r>
+          </a:p>
+          <a:p>
+            <a:r>
+              <a:rPr lang="pl-PL" dirty="0" smtClean="0"/>
+              <a:t>W modyfikatorze dostępu można podać zakres widoczności dla </a:t>
+            </a:r>
+            <a:r>
+              <a:rPr lang="pl-PL" dirty="0" smtClean="0"/>
+              <a:t>paczki</a:t>
+            </a:r>
+          </a:p>
+          <a:p>
+            <a:r>
+              <a:rPr lang="pl-PL" dirty="0" smtClean="0"/>
+              <a:t>Importy o ograniczonej widoczności</a:t>
+            </a:r>
+            <a:endParaRPr lang="pl-PL" dirty="0" smtClean="0"/>
           </a:p>
         </p:txBody>
       </p:sp>
@@ -6680,7 +7143,7 @@
             <a:fld id="{359484F7-7C7A-4895-B82F-27C098609AFF}" type="datetime1">
               <a:rPr lang="pl-PL" smtClean="0"/>
               <a:pPr/>
-              <a:t>2013-07-14</a:t>
+              <a:t>2013-07-28</a:t>
             </a:fld>
             <a:r>
               <a:rPr lang="pl-PL" smtClean="0"/>
@@ -6716,7 +7179,7 @@
       </p:sp>
       <p:sp>
         <p:nvSpPr>
-          <p:cNvPr id="4" name="Symbol zastępczy zawartości 3"/>
+          <p:cNvPr id="9" name="Symbol zastępczy zawartości 8"/>
           <p:cNvSpPr>
             <a:spLocks noGrp="1"/>
           </p:cNvSpPr>
@@ -6733,30 +7196,68 @@
               <a:buNone/>
             </a:pPr>
             <a:r>
-              <a:rPr lang="pl-PL" dirty="0" smtClean="0"/>
-              <a:t>Struktura plików</a:t>
-            </a:r>
-          </a:p>
-          <a:p>
-            <a:r>
-              <a:rPr lang="pl-PL" dirty="0" smtClean="0"/>
-              <a:t>Wiele publicznych klas na plik</a:t>
-            </a:r>
-          </a:p>
-          <a:p>
-            <a:r>
-              <a:rPr lang="pl-PL" dirty="0" smtClean="0"/>
-              <a:t>Dosłodzone importy</a:t>
-            </a:r>
-          </a:p>
-          <a:p>
-            <a:r>
-              <a:rPr lang="pl-PL" dirty="0" smtClean="0"/>
-              <a:t>Dosłodzone modyfikatory dostępu</a:t>
-            </a:r>
-          </a:p>
-          <a:p>
-            <a:endParaRPr lang="pl-PL" dirty="0"/>
+              <a:rPr lang="pl-PL" dirty="0" err="1" smtClean="0"/>
+              <a:t>Case</a:t>
+            </a:r>
+            <a:r>
+              <a:rPr lang="pl-PL" dirty="0" smtClean="0"/>
+              <a:t> </a:t>
+            </a:r>
+            <a:r>
+              <a:rPr lang="pl-PL" dirty="0" err="1" smtClean="0"/>
+              <a:t>classes</a:t>
+            </a:r>
+            <a:endParaRPr lang="pl-PL" dirty="0" smtClean="0"/>
+          </a:p>
+          <a:p>
+            <a:r>
+              <a:rPr lang="pl-PL" dirty="0" smtClean="0"/>
+              <a:t>getter/</a:t>
+            </a:r>
+            <a:r>
+              <a:rPr lang="pl-PL" dirty="0" err="1" smtClean="0"/>
+              <a:t>setter</a:t>
+            </a:r>
+            <a:r>
+              <a:rPr lang="pl-PL" dirty="0" smtClean="0"/>
+              <a:t> (z @</a:t>
+            </a:r>
+            <a:r>
+              <a:rPr lang="pl-PL" dirty="0" err="1" smtClean="0"/>
+              <a:t>BeanProperty</a:t>
+            </a:r>
+            <a:r>
+              <a:rPr lang="pl-PL" dirty="0" smtClean="0"/>
+              <a:t>)</a:t>
+            </a:r>
+          </a:p>
+          <a:p>
+            <a:r>
+              <a:rPr lang="pl-PL" dirty="0" err="1" smtClean="0"/>
+              <a:t>toString</a:t>
+            </a:r>
+            <a:endParaRPr lang="pl-PL" dirty="0" smtClean="0"/>
+          </a:p>
+          <a:p>
+            <a:r>
+              <a:rPr lang="pl-PL" dirty="0" err="1" smtClean="0"/>
+              <a:t>equals</a:t>
+            </a:r>
+            <a:endParaRPr lang="pl-PL" dirty="0" smtClean="0"/>
+          </a:p>
+          <a:p>
+            <a:r>
+              <a:rPr lang="pl-PL" dirty="0" err="1" smtClean="0"/>
+              <a:t>hashCode</a:t>
+            </a:r>
+            <a:endParaRPr lang="pl-PL" dirty="0" smtClean="0"/>
+          </a:p>
+          <a:p>
+            <a:r>
+              <a:rPr lang="pl-PL" dirty="0" err="1" smtClean="0"/>
+              <a:t>copy</a:t>
+            </a:r>
+            <a:endParaRPr lang="pl-PL" dirty="0" smtClean="0"/>
           </a:p>
         </p:txBody>
       </p:sp>
@@ -6803,7 +7304,7 @@
             <a:fld id="{359484F7-7C7A-4895-B82F-27C098609AFF}" type="datetime1">
               <a:rPr lang="pl-PL" smtClean="0"/>
               <a:pPr/>
-              <a:t>2013-07-14</a:t>
+              <a:t>2013-07-28</a:t>
             </a:fld>
             <a:r>
               <a:rPr lang="pl-PL" smtClean="0"/>
@@ -6839,7 +7340,7 @@
       </p:sp>
       <p:sp>
         <p:nvSpPr>
-          <p:cNvPr id="9" name="Symbol zastępczy zawartości 8"/>
+          <p:cNvPr id="4" name="Symbol zastępczy zawartości 3"/>
           <p:cNvSpPr>
             <a:spLocks noGrp="1"/>
           </p:cNvSpPr>
@@ -6857,7 +7358,7 @@
             </a:pPr>
             <a:r>
               <a:rPr lang="pl-PL" dirty="0" err="1" smtClean="0"/>
-              <a:t>Case</a:t>
+              <a:t>Pattern</a:t>
             </a:r>
             <a:r>
               <a:rPr lang="pl-PL" dirty="0" smtClean="0"/>
@@ -6865,59 +7366,37 @@
             </a:r>
             <a:r>
               <a:rPr lang="pl-PL" dirty="0" err="1" smtClean="0"/>
-              <a:t>classes</a:t>
+              <a:t>matching</a:t>
             </a:r>
             <a:endParaRPr lang="pl-PL" dirty="0" smtClean="0"/>
           </a:p>
           <a:p>
             <a:r>
-              <a:rPr lang="pl-PL" dirty="0" smtClean="0"/>
-              <a:t>getter/</a:t>
-            </a:r>
-            <a:r>
               <a:rPr lang="pl-PL" dirty="0" err="1" smtClean="0"/>
-              <a:t>setter</a:t>
-            </a:r>
-            <a:r>
-              <a:rPr lang="pl-PL" dirty="0" smtClean="0"/>
-              <a:t> (z @</a:t>
-            </a:r>
+              <a:t>Switch</a:t>
+            </a:r>
+            <a:r>
+              <a:rPr lang="pl-PL" dirty="0" smtClean="0"/>
+              <a:t> na sterydach</a:t>
+            </a:r>
+          </a:p>
+          <a:p>
             <a:r>
               <a:rPr lang="pl-PL" dirty="0" err="1" smtClean="0"/>
-              <a:t>BeanProperty</a:t>
-            </a:r>
-            <a:r>
-              <a:rPr lang="pl-PL" dirty="0" smtClean="0"/>
-              <a:t>)</a:t>
-            </a:r>
-          </a:p>
-          <a:p>
+              <a:t>Killer</a:t>
+            </a:r>
+            <a:r>
+              <a:rPr lang="pl-PL" dirty="0" smtClean="0"/>
+              <a:t> </a:t>
+            </a:r>
             <a:r>
               <a:rPr lang="pl-PL" dirty="0" err="1" smtClean="0"/>
-              <a:t>toString</a:t>
-            </a:r>
-            <a:endParaRPr lang="pl-PL" dirty="0" smtClean="0"/>
-          </a:p>
-          <a:p>
-            <a:r>
-              <a:rPr lang="pl-PL" dirty="0" err="1" smtClean="0"/>
-              <a:t>equals</a:t>
-            </a:r>
-            <a:endParaRPr lang="pl-PL" dirty="0" smtClean="0"/>
-          </a:p>
-          <a:p>
-            <a:r>
-              <a:rPr lang="pl-PL" dirty="0" err="1" smtClean="0"/>
-              <a:t>hashCode</a:t>
-            </a:r>
-            <a:endParaRPr lang="pl-PL" dirty="0" smtClean="0"/>
-          </a:p>
-          <a:p>
-            <a:r>
-              <a:rPr lang="pl-PL" dirty="0" err="1" smtClean="0"/>
-              <a:t>copy</a:t>
-            </a:r>
-            <a:endParaRPr lang="pl-PL" dirty="0" smtClean="0"/>
+              <a:t>feature</a:t>
+            </a:r>
+            <a:r>
+              <a:rPr lang="pl-PL" dirty="0" smtClean="0"/>
+              <a:t>, a nie wygląda</a:t>
+            </a:r>
           </a:p>
         </p:txBody>
       </p:sp>
@@ -6964,7 +7443,7 @@
             <a:fld id="{359484F7-7C7A-4895-B82F-27C098609AFF}" type="datetime1">
               <a:rPr lang="pl-PL" smtClean="0"/>
               <a:pPr/>
-              <a:t>2013-07-14</a:t>
+              <a:t>2013-07-28</a:t>
             </a:fld>
             <a:r>
               <a:rPr lang="pl-PL" smtClean="0"/>
@@ -7017,8 +7496,21 @@
               <a:buNone/>
             </a:pPr>
             <a:r>
+              <a:rPr lang="pl-PL" dirty="0" smtClean="0"/>
+              <a:t>Rozszerzenia paradygmatu obiektowego</a:t>
+            </a:r>
+          </a:p>
+          <a:p>
+            <a:r>
               <a:rPr lang="pl-PL" dirty="0" err="1" smtClean="0"/>
-              <a:t>Pattern</a:t>
+              <a:t>Traits</a:t>
+            </a:r>
+            <a:endParaRPr lang="pl-PL" dirty="0" smtClean="0"/>
+          </a:p>
+          <a:p>
+            <a:r>
+              <a:rPr lang="pl-PL" dirty="0" err="1" smtClean="0"/>
+              <a:t>Sealed</a:t>
             </a:r>
             <a:r>
               <a:rPr lang="pl-PL" dirty="0" smtClean="0"/>
@@ -7026,37 +7518,44 @@
             </a:r>
             <a:r>
               <a:rPr lang="pl-PL" dirty="0" err="1" smtClean="0"/>
-              <a:t>matching</a:t>
+              <a:t>traits</a:t>
             </a:r>
             <a:endParaRPr lang="pl-PL" dirty="0" smtClean="0"/>
           </a:p>
           <a:p>
             <a:r>
               <a:rPr lang="pl-PL" dirty="0" err="1" smtClean="0"/>
-              <a:t>Switch</a:t>
-            </a:r>
-            <a:r>
-              <a:rPr lang="pl-PL" dirty="0" smtClean="0"/>
-              <a:t> na sterydach</a:t>
-            </a:r>
-          </a:p>
-          <a:p>
+              <a:t>Companion</a:t>
+            </a:r>
+            <a:r>
+              <a:rPr lang="pl-PL" dirty="0" smtClean="0"/>
+              <a:t> </a:t>
+            </a:r>
             <a:r>
               <a:rPr lang="pl-PL" dirty="0" err="1" smtClean="0"/>
-              <a:t>Killer</a:t>
-            </a:r>
-            <a:r>
-              <a:rPr lang="pl-PL" dirty="0" smtClean="0"/>
-              <a:t> </a:t>
-            </a:r>
+              <a:t>objects</a:t>
+            </a:r>
+            <a:endParaRPr lang="pl-PL" dirty="0" smtClean="0"/>
+          </a:p>
+          <a:p>
             <a:r>
               <a:rPr lang="pl-PL" dirty="0" err="1" smtClean="0"/>
-              <a:t>feature</a:t>
-            </a:r>
-            <a:r>
-              <a:rPr lang="pl-PL" dirty="0" smtClean="0"/>
-              <a:t>, a nie wygląda</a:t>
-            </a:r>
+              <a:t>Aliasy</a:t>
+            </a:r>
+            <a:r>
+              <a:rPr lang="pl-PL" dirty="0" smtClean="0"/>
+              <a:t> dla typów</a:t>
+            </a:r>
+          </a:p>
+          <a:p>
+            <a:r>
+              <a:rPr lang="pl-PL" dirty="0" err="1" smtClean="0"/>
+              <a:t>Singleton</a:t>
+            </a:r>
+            <a:endParaRPr lang="pl-PL" dirty="0" smtClean="0"/>
+          </a:p>
+          <a:p>
+            <a:endParaRPr lang="pl-PL" dirty="0"/>
           </a:p>
         </p:txBody>
       </p:sp>
@@ -7103,7 +7602,7 @@
             <a:fld id="{359484F7-7C7A-4895-B82F-27C098609AFF}" type="datetime1">
               <a:rPr lang="pl-PL" smtClean="0"/>
               <a:pPr/>
-              <a:t>2013-07-14</a:t>
+              <a:t>2013-07-28</a:t>
             </a:fld>
             <a:r>
               <a:rPr lang="pl-PL" smtClean="0"/>
@@ -7236,7 +7735,7 @@
             <a:fld id="{359484F7-7C7A-4895-B82F-27C098609AFF}" type="datetime1">
               <a:rPr lang="pl-PL" smtClean="0"/>
               <a:pPr/>
-              <a:t>2013-07-14</a:t>
+              <a:t>2013-07-28</a:t>
             </a:fld>
             <a:r>
               <a:rPr lang="pl-PL" smtClean="0"/>
@@ -7289,21 +7788,71 @@
               <a:buNone/>
             </a:pPr>
             <a:r>
+              <a:rPr lang="pl-PL" dirty="0" smtClean="0"/>
+              <a:t>Funkcje jako obywatele pierwszej kategorii</a:t>
+            </a:r>
+          </a:p>
+          <a:p>
+            <a:r>
+              <a:rPr lang="pl-PL" dirty="0" smtClean="0"/>
+              <a:t>W Scali funkcja również jest obiektem, który można:</a:t>
+            </a:r>
+          </a:p>
+          <a:p>
+            <a:pPr lvl="1"/>
+            <a:r>
+              <a:rPr lang="pl-PL" dirty="0" smtClean="0"/>
+              <a:t>Przekazywać jako argument innej funkcji</a:t>
+            </a:r>
+          </a:p>
+          <a:p>
+            <a:pPr lvl="1"/>
+            <a:r>
+              <a:rPr lang="pl-PL" dirty="0" smtClean="0"/>
+              <a:t>Zwracać go jako wynik funkcji</a:t>
+            </a:r>
+          </a:p>
+          <a:p>
+            <a:pPr lvl="1"/>
+            <a:r>
+              <a:rPr lang="pl-PL" dirty="0" smtClean="0"/>
+              <a:t>Zapisywać jako zmienna lokalna/obiektu</a:t>
+            </a:r>
+          </a:p>
+          <a:p>
+            <a:pPr lvl="1"/>
+            <a:r>
+              <a:rPr lang="pl-PL" dirty="0" smtClean="0"/>
+              <a:t>Itp.</a:t>
+            </a:r>
+          </a:p>
+          <a:p>
+            <a:r>
+              <a:rPr lang="pl-PL" dirty="0" smtClean="0"/>
+              <a:t>Funkcja j</a:t>
+            </a:r>
+            <a:r>
+              <a:rPr lang="pl-PL" dirty="0" smtClean="0"/>
+              <a:t>est typu </a:t>
+            </a:r>
+            <a:r>
+              <a:rPr lang="pl-PL" dirty="0" smtClean="0">
+                <a:latin typeface="Consolas" pitchFamily="49" charset="0"/>
+                <a:cs typeface="Consolas" pitchFamily="49" charset="0"/>
+              </a:rPr>
+              <a:t>Function1&lt;T1, R&gt;, Function2&lt;T1, T2, R&gt;, … FunctionN&lt;T1, …, TN, R&gt;</a:t>
+            </a:r>
+          </a:p>
+          <a:p>
+            <a:r>
+              <a:rPr lang="pl-PL" dirty="0" smtClean="0"/>
+              <a:t>Uproszczone funkcje anonimowe</a:t>
+            </a:r>
+          </a:p>
+          <a:p>
+            <a:r>
               <a:rPr lang="pl-PL" dirty="0" err="1" smtClean="0"/>
-              <a:t>Implicits</a:t>
-            </a:r>
-            <a:endParaRPr lang="pl-PL" dirty="0" smtClean="0"/>
-          </a:p>
-          <a:p>
-            <a:r>
-              <a:rPr lang="pl-PL" dirty="0" smtClean="0"/>
-              <a:t>Poprawianie klas, których nie możemy zmienić lub nie chcemy rozszerzać</a:t>
-            </a:r>
-          </a:p>
-          <a:p>
-            <a:r>
-              <a:rPr lang="pl-PL" dirty="0" smtClean="0"/>
-              <a:t>Ukrywanie często wymaganych argumentów metod</a:t>
+              <a:t>Currying</a:t>
             </a:r>
             <a:endParaRPr lang="pl-PL" dirty="0"/>
           </a:p>
@@ -7352,7 +7901,7 @@
             <a:fld id="{359484F7-7C7A-4895-B82F-27C098609AFF}" type="datetime1">
               <a:rPr lang="pl-PL" smtClean="0"/>
               <a:pPr/>
-              <a:t>2013-07-14</a:t>
+              <a:t>2013-07-28</a:t>
             </a:fld>
             <a:r>
               <a:rPr lang="pl-PL" smtClean="0"/>
@@ -7405,69 +7954,22 @@
               <a:buNone/>
             </a:pPr>
             <a:r>
-              <a:rPr lang="pl-PL" dirty="0" smtClean="0"/>
-              <a:t>Rozszerzenia paradygmatu obiektowego</a:t>
-            </a:r>
-          </a:p>
-          <a:p>
-            <a:r>
               <a:rPr lang="pl-PL" dirty="0" err="1" smtClean="0"/>
-              <a:t>Traits</a:t>
+              <a:t>Implicits</a:t>
             </a:r>
             <a:endParaRPr lang="pl-PL" dirty="0" smtClean="0"/>
           </a:p>
           <a:p>
             <a:r>
-              <a:rPr lang="pl-PL" dirty="0" err="1" smtClean="0"/>
-              <a:t>Sealed</a:t>
-            </a:r>
-            <a:r>
-              <a:rPr lang="pl-PL" dirty="0" smtClean="0"/>
-              <a:t> </a:t>
-            </a:r>
-            <a:r>
-              <a:rPr lang="pl-PL" dirty="0" err="1" smtClean="0"/>
-              <a:t>traits</a:t>
-            </a:r>
-            <a:endParaRPr lang="pl-PL" dirty="0" smtClean="0"/>
-          </a:p>
-          <a:p>
-            <a:r>
-              <a:rPr lang="pl-PL" dirty="0" err="1" smtClean="0"/>
-              <a:t>Companion</a:t>
-            </a:r>
-            <a:r>
-              <a:rPr lang="pl-PL" dirty="0" smtClean="0"/>
-              <a:t> </a:t>
-            </a:r>
-            <a:r>
-              <a:rPr lang="pl-PL" dirty="0" err="1" smtClean="0"/>
-              <a:t>objects</a:t>
-            </a:r>
-            <a:endParaRPr lang="pl-PL" dirty="0" smtClean="0"/>
-          </a:p>
-          <a:p>
-            <a:r>
-              <a:rPr lang="pl-PL" dirty="0" err="1" smtClean="0"/>
-              <a:t>Aliasy</a:t>
-            </a:r>
-            <a:r>
-              <a:rPr lang="pl-PL" dirty="0" smtClean="0"/>
-              <a:t> dla </a:t>
-            </a:r>
-            <a:r>
-              <a:rPr lang="pl-PL" dirty="0" smtClean="0"/>
-              <a:t>typów</a:t>
-            </a:r>
-          </a:p>
-          <a:p>
-            <a:r>
-              <a:rPr lang="pl-PL" dirty="0" err="1" smtClean="0"/>
-              <a:t>Singleton</a:t>
-            </a:r>
-            <a:endParaRPr lang="pl-PL" dirty="0" smtClean="0"/>
-          </a:p>
-          <a:p>
+              <a:rPr lang="pl-PL" dirty="0" smtClean="0"/>
+              <a:t>Poprawianie klas, których nie możemy zmienić lub nie chcemy rozszerzać</a:t>
+            </a:r>
+          </a:p>
+          <a:p>
+            <a:r>
+              <a:rPr lang="pl-PL" dirty="0" smtClean="0"/>
+              <a:t>Ukrywanie często wymaganych argumentów metod</a:t>
+            </a:r>
             <a:endParaRPr lang="pl-PL" dirty="0"/>
           </a:p>
         </p:txBody>
@@ -7515,7 +8017,7 @@
             <a:fld id="{359484F7-7C7A-4895-B82F-27C098609AFF}" type="datetime1">
               <a:rPr lang="pl-PL" smtClean="0"/>
               <a:pPr/>
-              <a:t>2013-07-14</a:t>
+              <a:t>2013-07-28</a:t>
             </a:fld>
             <a:r>
               <a:rPr lang="pl-PL" smtClean="0"/>
@@ -7564,13 +8066,153 @@
           <a:bodyPr/>
           <a:lstStyle/>
           <a:p>
+            <a:pPr>
+              <a:buNone/>
+            </a:pPr>
             <a:r>
               <a:rPr lang="pl-PL" dirty="0" smtClean="0"/>
               <a:t>Biblioteka standardowa</a:t>
             </a:r>
           </a:p>
           <a:p>
+            <a:r>
+              <a:rPr lang="pl-PL" dirty="0" err="1" smtClean="0"/>
+              <a:t>Kolecje</a:t>
+            </a:r>
+            <a:endParaRPr lang="pl-PL" dirty="0" smtClean="0"/>
+          </a:p>
+          <a:p>
+            <a:pPr lvl="1"/>
+            <a:r>
+              <a:rPr lang="pl-PL" dirty="0" err="1" smtClean="0"/>
+              <a:t>find</a:t>
+            </a:r>
+            <a:r>
+              <a:rPr lang="pl-PL" dirty="0" smtClean="0"/>
+              <a:t>, </a:t>
+            </a:r>
+            <a:r>
+              <a:rPr lang="pl-PL" dirty="0" err="1" smtClean="0"/>
+              <a:t>filter</a:t>
+            </a:r>
+            <a:r>
+              <a:rPr lang="pl-PL" dirty="0" smtClean="0"/>
+              <a:t>, map, </a:t>
+            </a:r>
+            <a:r>
+              <a:rPr lang="pl-PL" dirty="0" err="1" smtClean="0"/>
+              <a:t>flatMap</a:t>
+            </a:r>
+            <a:r>
+              <a:rPr lang="pl-PL" dirty="0" smtClean="0"/>
+              <a:t>, </a:t>
+            </a:r>
+            <a:r>
+              <a:rPr lang="pl-PL" dirty="0" err="1" smtClean="0"/>
+              <a:t>reverse</a:t>
+            </a:r>
+            <a:r>
+              <a:rPr lang="pl-PL" dirty="0" smtClean="0"/>
+              <a:t>, </a:t>
+            </a:r>
+            <a:r>
+              <a:rPr lang="pl-PL" dirty="0" err="1" smtClean="0"/>
+              <a:t>sortBy</a:t>
+            </a:r>
+            <a:r>
+              <a:rPr lang="pl-PL" dirty="0" smtClean="0"/>
+              <a:t>, </a:t>
+            </a:r>
+            <a:r>
+              <a:rPr lang="pl-PL" dirty="0" err="1" smtClean="0"/>
+              <a:t>take</a:t>
+            </a:r>
+            <a:r>
+              <a:rPr lang="pl-PL" dirty="0" smtClean="0"/>
+              <a:t>, </a:t>
+            </a:r>
+            <a:r>
+              <a:rPr lang="pl-PL" dirty="0" err="1" smtClean="0"/>
+              <a:t>takeWhile</a:t>
+            </a:r>
+            <a:r>
+              <a:rPr lang="pl-PL" dirty="0" smtClean="0"/>
+              <a:t>, drop, </a:t>
+            </a:r>
+            <a:r>
+              <a:rPr lang="pl-PL" dirty="0" err="1" smtClean="0"/>
+              <a:t>dropUntil</a:t>
+            </a:r>
+            <a:endParaRPr lang="pl-PL" dirty="0" smtClean="0"/>
+          </a:p>
+          <a:p>
+            <a:r>
+              <a:rPr lang="pl-PL" dirty="0" err="1" smtClean="0"/>
+              <a:t>RichString</a:t>
+            </a:r>
+            <a:r>
+              <a:rPr lang="pl-PL" dirty="0" smtClean="0"/>
+              <a:t>, </a:t>
+            </a:r>
+            <a:r>
+              <a:rPr lang="pl-PL" dirty="0" err="1" smtClean="0"/>
+              <a:t>RichInt</a:t>
+            </a:r>
+            <a:endParaRPr lang="pl-PL" dirty="0" smtClean="0"/>
+          </a:p>
+          <a:p>
+            <a:r>
+              <a:rPr lang="pl-PL" dirty="0" err="1" smtClean="0"/>
+              <a:t>Option</a:t>
+            </a:r>
+            <a:endParaRPr lang="pl-PL" dirty="0" smtClean="0"/>
+          </a:p>
+          <a:p>
+            <a:r>
+              <a:rPr lang="pl-PL" dirty="0" err="1" smtClean="0"/>
+              <a:t>Stream</a:t>
+            </a:r>
+            <a:endParaRPr lang="pl-PL" dirty="0" smtClean="0"/>
+          </a:p>
+          <a:p>
+            <a:r>
+              <a:rPr lang="pl-PL" dirty="0" err="1" smtClean="0"/>
+              <a:t>Future</a:t>
+            </a:r>
+            <a:endParaRPr lang="pl-PL" dirty="0" smtClean="0"/>
+          </a:p>
+          <a:p>
+            <a:r>
+              <a:rPr lang="pl-PL" dirty="0" err="1" smtClean="0"/>
+              <a:t>Either</a:t>
+            </a:r>
+            <a:endParaRPr lang="pl-PL" dirty="0" smtClean="0"/>
+          </a:p>
+          <a:p>
+            <a:r>
+              <a:rPr lang="pl-PL" dirty="0" err="1" smtClean="0"/>
+              <a:t>Parallel</a:t>
+            </a:r>
+            <a:r>
+              <a:rPr lang="pl-PL" dirty="0" smtClean="0"/>
+              <a:t> </a:t>
+            </a:r>
+            <a:r>
+              <a:rPr lang="pl-PL" dirty="0" err="1" smtClean="0"/>
+              <a:t>collections</a:t>
+            </a:r>
             <a:endParaRPr lang="pl-PL" dirty="0"/>
+          </a:p>
+          <a:p>
+            <a:r>
+              <a:rPr lang="pl-PL" dirty="0" smtClean="0"/>
+              <a:t>Java </a:t>
+            </a:r>
+            <a:r>
+              <a:rPr lang="pl-PL" dirty="0" err="1" smtClean="0"/>
+              <a:t>conversions</a:t>
+            </a:r>
+            <a:endParaRPr lang="pl-PL" dirty="0" smtClean="0"/>
           </a:p>
         </p:txBody>
       </p:sp>
@@ -7617,7 +8259,7 @@
             <a:fld id="{359484F7-7C7A-4895-B82F-27C098609AFF}" type="datetime1">
               <a:rPr lang="pl-PL" smtClean="0"/>
               <a:pPr/>
-              <a:t>2013-07-14</a:t>
+              <a:t>2013-07-28</a:t>
             </a:fld>
             <a:r>
               <a:rPr lang="pl-PL" smtClean="0"/>
@@ -7671,50 +8313,78 @@
             </a:pPr>
             <a:r>
               <a:rPr lang="pl-PL" dirty="0" smtClean="0"/>
-              <a:t>MATERIAŁY</a:t>
-            </a:r>
-          </a:p>
-          <a:p>
-            <a:r>
-              <a:rPr lang="pl-PL" sz="2000" dirty="0" err="1" smtClean="0"/>
-              <a:t>git@vm-opensource-git.fp.lan:futures-training</a:t>
-            </a:r>
-            <a:r>
-              <a:rPr lang="pl-PL" sz="2000" dirty="0" smtClean="0"/>
-              <a:t>/</a:t>
-            </a:r>
-            <a:r>
-              <a:rPr lang="pl-PL" sz="2000" dirty="0" err="1" smtClean="0"/>
-              <a:t>futures-training.git</a:t>
-            </a:r>
-            <a:endParaRPr lang="pl-PL" sz="2000" dirty="0" smtClean="0"/>
-          </a:p>
-          <a:p>
-            <a:pPr>
-              <a:buNone/>
-            </a:pPr>
-            <a:r>
-              <a:rPr lang="pl-PL" dirty="0" smtClean="0"/>
-              <a:t>ŹRÓDŁA</a:t>
-            </a:r>
-          </a:p>
-          <a:p>
-            <a:r>
-              <a:rPr lang="pl-PL" dirty="0" smtClean="0">
-                <a:hlinkClick r:id="rId2"/>
-              </a:rPr>
-              <a:t>http://scalaz.github.io/scalaz/scalaz-2.9.1-6.0.2/doc.sxr/scalaz/example/ExampleApplicative.scala.html</a:t>
+              <a:t>O czym nie powiedziałem</a:t>
+            </a:r>
+          </a:p>
+          <a:p>
+            <a:r>
+              <a:rPr lang="pl-PL" dirty="0" smtClean="0"/>
+              <a:t>Operatory</a:t>
+            </a:r>
+          </a:p>
+          <a:p>
+            <a:r>
+              <a:rPr lang="pl-PL" dirty="0" smtClean="0"/>
+              <a:t>Makra</a:t>
+            </a:r>
+          </a:p>
+          <a:p>
+            <a:r>
+              <a:rPr lang="pl-PL" dirty="0" smtClean="0"/>
+              <a:t>Leniwość</a:t>
+            </a:r>
+          </a:p>
+          <a:p>
+            <a:r>
+              <a:rPr lang="pl-PL" dirty="0" err="1" smtClean="0"/>
+              <a:t>Option</a:t>
+            </a:r>
+            <a:r>
+              <a:rPr lang="pl-PL" dirty="0" smtClean="0"/>
+              <a:t>[T]</a:t>
             </a:r>
             <a:endParaRPr lang="pl-PL" dirty="0" smtClean="0"/>
           </a:p>
           <a:p>
             <a:r>
-              <a:rPr lang="pl-PL" dirty="0" smtClean="0">
-                <a:hlinkClick r:id="rId3"/>
-              </a:rPr>
-              <a:t>http://jazzy.id.au/default/2012/10/16/benchmarking_scala_against_java.html</a:t>
-            </a:r>
-            <a:endParaRPr lang="pl-PL" dirty="0"/>
+              <a:rPr lang="pl-PL" dirty="0" smtClean="0"/>
+              <a:t>Wsparcie dla niezmienności</a:t>
+            </a:r>
+          </a:p>
+          <a:p>
+            <a:r>
+              <a:rPr lang="pl-PL" dirty="0" smtClean="0"/>
+              <a:t>Monady</a:t>
+            </a:r>
+          </a:p>
+          <a:p>
+            <a:r>
+              <a:rPr lang="pl-PL" dirty="0" err="1" smtClean="0"/>
+              <a:t>Cake</a:t>
+            </a:r>
+            <a:r>
+              <a:rPr lang="pl-PL" dirty="0" smtClean="0"/>
+              <a:t> </a:t>
+            </a:r>
+            <a:r>
+              <a:rPr lang="pl-PL" dirty="0" err="1" smtClean="0"/>
+              <a:t>Pattern</a:t>
+            </a:r>
+            <a:endParaRPr lang="pl-PL" dirty="0" smtClean="0"/>
+          </a:p>
+          <a:p>
+            <a:r>
+              <a:rPr lang="pl-PL" dirty="0" err="1" smtClean="0"/>
+              <a:t>Call-by-name</a:t>
+            </a:r>
+            <a:endParaRPr lang="pl-PL" dirty="0" smtClean="0"/>
+          </a:p>
+          <a:p>
+            <a:r>
+              <a:rPr lang="pl-PL" dirty="0" smtClean="0"/>
+              <a:t>Na bank coś jeszcze</a:t>
+            </a:r>
+            <a:endParaRPr lang="pl-PL" dirty="0" smtClean="0"/>
           </a:p>
         </p:txBody>
       </p:sp>
@@ -7723,13 +8393,6 @@
   <p:clrMapOvr>
     <a:masterClrMapping/>
   </p:clrMapOvr>
-  <p:timing>
-    <p:tnLst>
-      <p:par>
-        <p:cTn id="1" dur="indefinite" restart="never" nodeType="tmRoot"/>
-      </p:par>
-    </p:tnLst>
-  </p:timing>
 </p:sld>
 </file>
 
@@ -7768,7 +8431,7 @@
             <a:fld id="{359484F7-7C7A-4895-B82F-27C098609AFF}" type="datetime1">
               <a:rPr lang="pl-PL" smtClean="0"/>
               <a:pPr/>
-              <a:t>2013-07-14</a:t>
+              <a:t>2013-07-28</a:t>
             </a:fld>
             <a:r>
               <a:rPr lang="pl-PL" smtClean="0"/>
@@ -7830,6 +8493,35 @@
               <a:rPr lang="pl-PL" dirty="0" smtClean="0">
                 <a:hlinkClick r:id="rId2"/>
               </a:rPr>
+              <a:t>http://docs.scala-lang.org/</a:t>
+            </a:r>
+            <a:endParaRPr lang="pl-PL" dirty="0" smtClean="0"/>
+          </a:p>
+          <a:p>
+            <a:r>
+              <a:rPr lang="pl-PL" dirty="0" smtClean="0">
+                <a:hlinkClick r:id="rId3"/>
+              </a:rPr>
+              <a:t>http://docs.scala-lang.org/tutorials/scala-for-java-programmers.html</a:t>
+            </a:r>
+            <a:endParaRPr lang="pl-PL" dirty="0" smtClean="0"/>
+          </a:p>
+          <a:p>
+            <a:r>
+              <a:rPr lang="pl-PL" dirty="0" smtClean="0">
+                <a:hlinkClick r:id="rId4"/>
+              </a:rPr>
+              <a:t>http://docs.scala-lang.org/cheatsheets/</a:t>
+            </a:r>
+            <a:endParaRPr lang="pl-PL" dirty="0" smtClean="0">
+              <a:hlinkClick r:id="rId5"/>
+            </a:endParaRPr>
+          </a:p>
+          <a:p>
+            <a:r>
+              <a:rPr lang="pl-PL" dirty="0" smtClean="0">
+                <a:hlinkClick r:id="rId5"/>
+              </a:rPr>
               <a:t>http://www.atomicscala.com/book</a:t>
             </a:r>
             <a:r>
@@ -7841,13 +8533,13 @@
               <a:t>Eckel</a:t>
             </a:r>
             <a:endParaRPr lang="pl-PL" dirty="0" smtClean="0">
-              <a:hlinkClick r:id="rId3"/>
+              <a:hlinkClick r:id="rId6"/>
             </a:endParaRPr>
           </a:p>
           <a:p>
             <a:r>
               <a:rPr lang="pl-PL" dirty="0" smtClean="0">
-                <a:hlinkClick r:id="rId3"/>
+                <a:hlinkClick r:id="rId6"/>
               </a:rPr>
               <a:t>http://twitter.github.io/scala_school/</a:t>
             </a:r>
@@ -7898,7 +8590,7 @@
             <a:fld id="{359484F7-7C7A-4895-B82F-27C098609AFF}" type="datetime1">
               <a:rPr lang="pl-PL" smtClean="0"/>
               <a:pPr/>
-              <a:t>2013-07-14</a:t>
+              <a:t>2013-07-28</a:t>
             </a:fld>
             <a:r>
               <a:rPr lang="pl-PL" smtClean="0"/>
@@ -7958,11 +8650,7 @@
             </a:pPr>
             <a:r>
               <a:rPr lang="pl-PL" sz="4000" dirty="0" smtClean="0"/>
-              <a:t>Materiały i </a:t>
-            </a:r>
-            <a:r>
-              <a:rPr lang="pl-PL" sz="4000" dirty="0" smtClean="0"/>
-              <a:t>prezentacja:</a:t>
+              <a:t>Materiały i prezentacja:</a:t>
             </a:r>
             <a:br>
               <a:rPr lang="pl-PL" sz="4000" dirty="0" smtClean="0"/>
@@ -8030,7 +8718,7 @@
             <a:fld id="{359484F7-7C7A-4895-B82F-27C098609AFF}" type="datetime1">
               <a:rPr lang="pl-PL" smtClean="0"/>
               <a:pPr/>
-              <a:t>2013-07-14</a:t>
+              <a:t>2013-07-28</a:t>
             </a:fld>
             <a:r>
               <a:rPr lang="pl-PL" smtClean="0"/>
@@ -8066,7 +8754,7 @@
       </p:sp>
       <p:sp>
         <p:nvSpPr>
-          <p:cNvPr id="7" name="Symbol zastępczy zawartości 6"/>
+          <p:cNvPr id="4" name="Symbol zastępczy zawartości 3"/>
           <p:cNvSpPr>
             <a:spLocks noGrp="1"/>
           </p:cNvSpPr>
@@ -8079,36 +8767,49 @@
           <a:bodyPr/>
           <a:lstStyle/>
           <a:p>
-            <a:endParaRPr lang="pl-PL"/>
-          </a:p>
-        </p:txBody>
-      </p:sp>
-      <p:pic>
-        <p:nvPicPr>
-          <p:cNvPr id="1026" name="Picture 2" descr="http://thisbugslifedotcom.files.wordpress.com/2013/04/tard-grumpy-cat.jpg"/>
-          <p:cNvPicPr>
-            <a:picLocks noChangeAspect="1" noChangeArrowheads="1"/>
-          </p:cNvPicPr>
-          <p:nvPr/>
-        </p:nvPicPr>
-        <p:blipFill>
-          <a:blip r:embed="rId2" cstate="print"/>
-          <a:srcRect/>
-          <a:stretch>
-            <a:fillRect/>
-          </a:stretch>
-        </p:blipFill>
-        <p:spPr bwMode="auto">
-          <a:xfrm>
-            <a:off x="2483768" y="1844824"/>
-            <a:ext cx="3810000" cy="3810000"/>
-          </a:xfrm>
-          <a:prstGeom prst="rect">
-            <a:avLst/>
-          </a:prstGeom>
-          <a:noFill/>
-        </p:spPr>
-      </p:pic>
+            <a:pPr>
+              <a:buNone/>
+            </a:pPr>
+            <a:r>
+              <a:rPr lang="pl-PL" dirty="0" smtClean="0"/>
+              <a:t>ĆWICZENIE</a:t>
+            </a:r>
+          </a:p>
+          <a:p>
+            <a:r>
+              <a:rPr lang="pl-PL" dirty="0" smtClean="0"/>
+              <a:t>Uzupełnić </a:t>
+            </a:r>
+            <a:r>
+              <a:rPr lang="pl-PL" dirty="0" err="1" smtClean="0">
+                <a:latin typeface="Consolas" pitchFamily="49" charset="0"/>
+                <a:cs typeface="Consolas" pitchFamily="49" charset="0"/>
+              </a:rPr>
+              <a:t>scala_sugar.task.CDLibrary</a:t>
+            </a:r>
+            <a:r>
+              <a:rPr lang="pl-PL" dirty="0" smtClean="0"/>
+              <a:t>, </a:t>
+            </a:r>
+            <a:r>
+              <a:rPr lang="pl-PL" dirty="0" smtClean="0"/>
+              <a:t>tak aby </a:t>
+            </a:r>
+            <a:r>
+              <a:rPr lang="pl-PL" dirty="0" err="1" smtClean="0">
+                <a:latin typeface="Consolas" pitchFamily="49" charset="0"/>
+                <a:cs typeface="Consolas" pitchFamily="49" charset="0"/>
+              </a:rPr>
+              <a:t>CDLibraryTest</a:t>
+            </a:r>
+            <a:r>
+              <a:rPr lang="pl-PL" dirty="0" smtClean="0"/>
+              <a:t> przechodził pomyślnie</a:t>
+            </a:r>
+            <a:endParaRPr lang="pl-PL" dirty="0"/>
+          </a:p>
+        </p:txBody>
+      </p:sp>
     </p:spTree>
   </p:cSld>
   <p:clrMapOvr>
@@ -8143,189 +8844,6 @@
       </p:grpSpPr>
       <p:sp>
         <p:nvSpPr>
-          <p:cNvPr id="2" name="Symbol zastępczy daty 1"/>
-          <p:cNvSpPr>
-            <a:spLocks noGrp="1"/>
-          </p:cNvSpPr>
-          <p:nvPr>
-            <p:ph type="dt" sz="half" idx="10"/>
-          </p:nvPr>
-        </p:nvSpPr>
-        <p:spPr/>
-        <p:txBody>
-          <a:bodyPr/>
-          <a:lstStyle/>
-          <a:p>
-            <a:fld id="{359484F7-7C7A-4895-B82F-27C098609AFF}" type="datetime1">
-              <a:rPr lang="pl-PL" smtClean="0"/>
-              <a:pPr/>
-              <a:t>2013-07-14</a:t>
-            </a:fld>
-            <a:r>
-              <a:rPr lang="pl-PL" smtClean="0"/>
-              <a:t>  |  Gliwice</a:t>
-            </a:r>
-            <a:endParaRPr lang="pl-PL" dirty="0"/>
-          </a:p>
-        </p:txBody>
-      </p:sp>
-      <p:sp>
-        <p:nvSpPr>
-          <p:cNvPr id="3" name="Symbol zastępczy numeru slajdu 2"/>
-          <p:cNvSpPr>
-            <a:spLocks noGrp="1"/>
-          </p:cNvSpPr>
-          <p:nvPr>
-            <p:ph type="sldNum" sz="quarter" idx="12"/>
-          </p:nvPr>
-        </p:nvSpPr>
-        <p:spPr/>
-        <p:txBody>
-          <a:bodyPr/>
-          <a:lstStyle/>
-          <a:p>
-            <a:fld id="{AB8D87DA-8905-40F0-85F7-F6E49E4446E9}" type="slidenum">
-              <a:rPr lang="pl-PL" smtClean="0"/>
-              <a:pPr/>
-              <a:t>21</a:t>
-            </a:fld>
-            <a:endParaRPr lang="pl-PL"/>
-          </a:p>
-        </p:txBody>
-      </p:sp>
-      <p:sp>
-        <p:nvSpPr>
-          <p:cNvPr id="4" name="Symbol zastępczy zawartości 3"/>
-          <p:cNvSpPr>
-            <a:spLocks noGrp="1"/>
-          </p:cNvSpPr>
-          <p:nvPr>
-            <p:ph idx="1"/>
-          </p:nvPr>
-        </p:nvSpPr>
-        <p:spPr/>
-        <p:txBody>
-          <a:bodyPr/>
-          <a:lstStyle/>
-          <a:p>
-            <a:pPr>
-              <a:buNone/>
-            </a:pPr>
-            <a:r>
-              <a:rPr lang="pl-PL" dirty="0" smtClean="0"/>
-              <a:t>ĆWICZENIE</a:t>
-            </a:r>
-          </a:p>
-          <a:p>
-            <a:r>
-              <a:rPr lang="pl-PL" dirty="0" smtClean="0"/>
-              <a:t>Dla podanych tytułów książek pobrać liczbę </a:t>
-            </a:r>
-            <a:r>
-              <a:rPr lang="pl-PL" dirty="0" err="1" smtClean="0"/>
-              <a:t>Tweetów</a:t>
-            </a:r>
-            <a:r>
-              <a:rPr lang="pl-PL" dirty="0" smtClean="0"/>
-              <a:t> na ich temat przy użyciu nie-blokującego API</a:t>
-            </a:r>
-          </a:p>
-          <a:p>
-            <a:r>
-              <a:rPr lang="pl-PL" dirty="0" smtClean="0">
-                <a:latin typeface="Consolas" pitchFamily="49" charset="0"/>
-                <a:cs typeface="Consolas" pitchFamily="49" charset="0"/>
-              </a:rPr>
-              <a:t>Wykorzystać</a:t>
-            </a:r>
-          </a:p>
-          <a:p>
-            <a:pPr lvl="1"/>
-            <a:r>
-              <a:rPr lang="pl-PL" dirty="0" err="1" smtClean="0">
-                <a:latin typeface="Consolas" pitchFamily="49" charset="0"/>
-                <a:cs typeface="Consolas" pitchFamily="49" charset="0"/>
-              </a:rPr>
-              <a:t>ListeningExecutorService.submit</a:t>
-            </a:r>
-            <a:endParaRPr lang="pl-PL" dirty="0" smtClean="0">
-              <a:latin typeface="Consolas" pitchFamily="49" charset="0"/>
-              <a:cs typeface="Consolas" pitchFamily="49" charset="0"/>
-            </a:endParaRPr>
-          </a:p>
-          <a:p>
-            <a:pPr lvl="1"/>
-            <a:r>
-              <a:rPr lang="pl-PL" dirty="0" err="1" smtClean="0">
-                <a:latin typeface="Consolas" pitchFamily="49" charset="0"/>
-                <a:cs typeface="Consolas" pitchFamily="49" charset="0"/>
-              </a:rPr>
-              <a:t>Futures.allAsList</a:t>
-            </a:r>
-            <a:endParaRPr lang="pl-PL" dirty="0" smtClean="0"/>
-          </a:p>
-          <a:p>
-            <a:r>
-              <a:rPr lang="pl-PL" dirty="0" smtClean="0"/>
-              <a:t>Uruchamiamy klasę </a:t>
-            </a:r>
-            <a:r>
-              <a:rPr lang="pl-PL" dirty="0" err="1" smtClean="0">
-                <a:latin typeface="Consolas" pitchFamily="49" charset="0"/>
-                <a:cs typeface="Consolas" pitchFamily="49" charset="0"/>
-              </a:rPr>
-              <a:t>Task</a:t>
-            </a:r>
-            <a:r>
-              <a:rPr lang="pl-PL" dirty="0" smtClean="0"/>
-              <a:t> (Run As → Java </a:t>
-            </a:r>
-            <a:r>
-              <a:rPr lang="pl-PL" dirty="0" err="1" smtClean="0"/>
-              <a:t>Application</a:t>
-            </a:r>
-            <a:r>
-              <a:rPr lang="pl-PL" dirty="0" smtClean="0"/>
-              <a:t>).</a:t>
-            </a:r>
-            <a:endParaRPr lang="pl-PL" dirty="0"/>
-          </a:p>
-        </p:txBody>
-      </p:sp>
-    </p:spTree>
-  </p:cSld>
-  <p:clrMapOvr>
-    <a:masterClrMapping/>
-  </p:clrMapOvr>
-  <p:timing>
-    <p:tnLst>
-      <p:par>
-        <p:cTn id="1" dur="indefinite" restart="never" nodeType="tmRoot"/>
-      </p:par>
-    </p:tnLst>
-  </p:timing>
-</p:sld>
-</file>
-
-<file path=ppt/slides/slide22.xml><?xml version="1.0" encoding="utf-8"?>
-<p:sld xmlns:a="http://schemas.openxmlformats.org/drawingml/2006/main" xmlns:r="http://schemas.openxmlformats.org/officeDocument/2006/relationships" xmlns:p="http://schemas.openxmlformats.org/presentationml/2006/main">
-  <p:cSld>
-    <p:spTree>
-      <p:nvGrpSpPr>
-        <p:cNvPr id="1" name=""/>
-        <p:cNvGrpSpPr/>
-        <p:nvPr/>
-      </p:nvGrpSpPr>
-      <p:grpSpPr>
-        <a:xfrm>
-          <a:off x="0" y="0"/>
-          <a:ext cx="0" cy="0"/>
-          <a:chOff x="0" y="0"/>
-          <a:chExt cx="0" cy="0"/>
-        </a:xfrm>
-      </p:grpSpPr>
-      <p:sp>
-        <p:nvSpPr>
           <p:cNvPr id="2" name="Date Placeholder 1"/>
           <p:cNvSpPr>
             <a:spLocks noGrp="1"/>
@@ -8342,7 +8860,7 @@
             <a:fld id="{359484F7-7C7A-4895-B82F-27C098609AFF}" type="datetime1">
               <a:rPr lang="pl-PL" smtClean="0"/>
               <a:pPr/>
-              <a:t>2013-07-14</a:t>
+              <a:t>2013-07-28</a:t>
             </a:fld>
             <a:r>
               <a:rPr lang="pl-PL" smtClean="0"/>
@@ -8407,7 +8925,7 @@
             <a:fld id="{359484F7-7C7A-4895-B82F-27C098609AFF}" type="datetime1">
               <a:rPr lang="pl-PL" smtClean="0"/>
               <a:pPr/>
-              <a:t>2013-07-14</a:t>
+              <a:t>2013-07-28</a:t>
             </a:fld>
             <a:r>
               <a:rPr lang="pl-PL" smtClean="0"/>
@@ -8461,7 +8979,7 @@
             </a:pPr>
             <a:r>
               <a:rPr lang="pl-PL" dirty="0" smtClean="0"/>
-              <a:t>Czym jest Scala:</a:t>
+              <a:t>Cechy Scali:</a:t>
             </a:r>
           </a:p>
           <a:p>
@@ -8507,7 +9025,6 @@
               <a:rPr lang="pl-PL" dirty="0" smtClean="0"/>
               <a:t>Pełna interoperatywność z Javą</a:t>
             </a:r>
-            <a:endParaRPr lang="pl-PL" dirty="0" smtClean="0"/>
           </a:p>
         </p:txBody>
       </p:sp>
@@ -8566,7 +9083,7 @@
             <a:fld id="{359484F7-7C7A-4895-B82F-27C098609AFF}" type="datetime1">
               <a:rPr lang="pl-PL" smtClean="0"/>
               <a:pPr/>
-              <a:t>2013-07-14</a:t>
+              <a:t>2013-07-28</a:t>
             </a:fld>
             <a:r>
               <a:rPr lang="pl-PL" smtClean="0"/>
@@ -9457,7 +9974,7 @@
             <a:fld id="{359484F7-7C7A-4895-B82F-27C098609AFF}" type="datetime1">
               <a:rPr lang="pl-PL" smtClean="0"/>
               <a:pPr/>
-              <a:t>2013-07-14</a:t>
+              <a:t>2013-07-28</a:t>
             </a:fld>
             <a:r>
               <a:rPr lang="pl-PL" smtClean="0"/>
@@ -9932,7 +10449,7 @@
             <a:fld id="{359484F7-7C7A-4895-B82F-27C098609AFF}" type="datetime1">
               <a:rPr lang="pl-PL" smtClean="0"/>
               <a:pPr/>
-              <a:t>2013-07-14</a:t>
+              <a:t>2013-07-28</a:t>
             </a:fld>
             <a:r>
               <a:rPr lang="pl-PL" smtClean="0"/>
@@ -11088,7 +11605,7 @@
             <a:fld id="{359484F7-7C7A-4895-B82F-27C098609AFF}" type="datetime1">
               <a:rPr lang="pl-PL" smtClean="0"/>
               <a:pPr/>
-              <a:t>2013-07-14</a:t>
+              <a:t>2013-07-28</a:t>
             </a:fld>
             <a:r>
               <a:rPr lang="pl-PL" smtClean="0"/>
@@ -11167,6 +11684,21 @@
           </a:p>
           <a:p>
             <a:r>
+              <a:rPr lang="pl-PL" dirty="0" err="1" smtClean="0"/>
+              <a:t>Type</a:t>
+            </a:r>
+            <a:r>
+              <a:rPr lang="pl-PL" dirty="0" smtClean="0"/>
+              <a:t> </a:t>
+            </a:r>
+            <a:r>
+              <a:rPr lang="pl-PL" dirty="0" err="1" smtClean="0"/>
+              <a:t>inference</a:t>
+            </a:r>
+            <a:endParaRPr lang="pl-PL" dirty="0" smtClean="0"/>
+          </a:p>
+          <a:p>
+            <a:r>
               <a:rPr lang="pl-PL" dirty="0" smtClean="0"/>
               <a:t>Struktura plików</a:t>
             </a:r>
@@ -11188,8 +11720,27 @@
           </a:p>
           <a:p>
             <a:r>
-              <a:rPr lang="pl-PL" dirty="0" smtClean="0"/>
-              <a:t>Paradygmat obiektowy</a:t>
+              <a:rPr lang="pl-PL" dirty="0" err="1" smtClean="0"/>
+              <a:t>Pattern</a:t>
+            </a:r>
+            <a:r>
+              <a:rPr lang="pl-PL" dirty="0" smtClean="0"/>
+              <a:t> </a:t>
+            </a:r>
+            <a:r>
+              <a:rPr lang="pl-PL" dirty="0" err="1" smtClean="0"/>
+              <a:t>matching</a:t>
+            </a:r>
+            <a:endParaRPr lang="pl-PL" dirty="0" smtClean="0"/>
+          </a:p>
+          <a:p>
+            <a:r>
+              <a:rPr lang="pl-PL" dirty="0" smtClean="0"/>
+              <a:t>Paradygmat </a:t>
+            </a:r>
+            <a:r>
+              <a:rPr lang="pl-PL" dirty="0" smtClean="0"/>
+              <a:t>obiektowy</a:t>
             </a:r>
           </a:p>
           <a:p>
@@ -11202,45 +11753,7 @@
           <a:p>
             <a:r>
               <a:rPr lang="pl-PL" dirty="0" smtClean="0"/>
-              <a:t>Funkcje </a:t>
-            </a:r>
-            <a:r>
-              <a:rPr lang="pl-PL" dirty="0" smtClean="0"/>
-              <a:t>jako obywatele pierwszej kategorii</a:t>
-            </a:r>
-          </a:p>
-          <a:p>
-            <a:r>
-              <a:rPr lang="pl-PL" dirty="0" err="1" smtClean="0"/>
-              <a:t>Pattern</a:t>
-            </a:r>
-            <a:r>
-              <a:rPr lang="pl-PL" dirty="0" smtClean="0"/>
-              <a:t> </a:t>
-            </a:r>
-            <a:r>
-              <a:rPr lang="pl-PL" dirty="0" err="1" smtClean="0"/>
-              <a:t>matching</a:t>
-            </a:r>
-            <a:endParaRPr lang="pl-PL" dirty="0" smtClean="0"/>
-          </a:p>
-          <a:p>
-            <a:r>
-              <a:rPr lang="pl-PL" dirty="0" smtClean="0"/>
-              <a:t>Biblioteka </a:t>
-            </a:r>
-            <a:r>
-              <a:rPr lang="pl-PL" dirty="0" smtClean="0"/>
-              <a:t>standardowa</a:t>
-            </a:r>
-          </a:p>
-          <a:p>
-            <a:pPr>
-              <a:buNone/>
-            </a:pPr>
-            <a:r>
-              <a:rPr lang="pl-PL" dirty="0" smtClean="0"/>
-              <a:t>Jeśli starczy czasu…</a:t>
+              <a:t>Funkcje jako obywatele pierwszej kategorii</a:t>
             </a:r>
           </a:p>
           <a:p>
@@ -11253,14 +11766,9 @@
           <a:p>
             <a:r>
               <a:rPr lang="pl-PL" dirty="0" smtClean="0"/>
-              <a:t>Operatory</a:t>
-            </a:r>
-          </a:p>
-          <a:p>
-            <a:pPr>
-              <a:buNone/>
-            </a:pPr>
-            <a:endParaRPr lang="pl-PL" dirty="0"/>
+              <a:t>Biblioteka standardowa</a:t>
+            </a:r>
+            <a:endParaRPr lang="pl-PL" dirty="0" smtClean="0"/>
           </a:p>
         </p:txBody>
       </p:sp>
@@ -11307,7 +11815,7 @@
             <a:fld id="{359484F7-7C7A-4895-B82F-27C098609AFF}" type="datetime1">
               <a:rPr lang="pl-PL" smtClean="0"/>
               <a:pPr/>
-              <a:t>2013-07-14</a:t>
+              <a:t>2013-07-28</a:t>
             </a:fld>
             <a:r>
               <a:rPr lang="pl-PL" smtClean="0"/>
@@ -11411,24 +11919,8 @@
             <a:pPr lvl="1"/>
             <a:r>
               <a:rPr lang="pl-PL" dirty="0" smtClean="0"/>
-              <a:t>W prostych przypadkach kropki i </a:t>
-            </a:r>
-            <a:r>
-              <a:rPr lang="pl-PL" dirty="0" smtClean="0"/>
-              <a:t>nawiasy</a:t>
-            </a:r>
-          </a:p>
-          <a:p>
-            <a:pPr lvl="1"/>
-            <a:r>
-              <a:rPr lang="pl-PL" dirty="0" smtClean="0"/>
-              <a:t>Operatory == i </a:t>
-            </a:r>
-            <a:r>
-              <a:rPr lang="pl-PL" dirty="0" err="1" smtClean="0"/>
-              <a:t>refEq</a:t>
-            </a:r>
-            <a:endParaRPr lang="pl-PL" dirty="0" smtClean="0"/>
+              <a:t>W prostych przypadkach kropki i nawiasy</a:t>
+            </a:r>
           </a:p>
           <a:p>
             <a:r>
@@ -11479,6 +11971,30 @@
               </a:rPr>
               <a:t>BeanProperty</a:t>
             </a:r>
+            <a:endParaRPr lang="pl-PL" dirty="0" smtClean="0">
+              <a:latin typeface="Consolas" pitchFamily="49" charset="0"/>
+              <a:cs typeface="Consolas" pitchFamily="49" charset="0"/>
+            </a:endParaRPr>
+          </a:p>
+          <a:p>
+            <a:r>
+              <a:rPr lang="pl-PL" dirty="0" smtClean="0"/>
+              <a:t>Krotki</a:t>
+            </a:r>
+          </a:p>
+          <a:p>
+            <a:r>
+              <a:rPr lang="pl-PL" dirty="0" smtClean="0"/>
+              <a:t>Argumenty z wartościami domyślnymi</a:t>
+            </a:r>
+          </a:p>
+          <a:p>
+            <a:r>
+              <a:rPr lang="pl-PL" dirty="0" smtClean="0"/>
+              <a:t>Nazwane argumenty</a:t>
+            </a:r>
+          </a:p>
+          <a:p>
             <a:endParaRPr lang="pl-PL" dirty="0">
               <a:latin typeface="Consolas" pitchFamily="49" charset="0"/>
               <a:cs typeface="Consolas" pitchFamily="49" charset="0"/>
@@ -11529,7 +12045,7 @@
             <a:fld id="{359484F7-7C7A-4895-B82F-27C098609AFF}" type="datetime1">
               <a:rPr lang="pl-PL" smtClean="0"/>
               <a:pPr/>
-              <a:t>2013-07-14</a:t>
+              <a:t>2013-07-28</a:t>
             </a:fld>
             <a:r>
               <a:rPr lang="pl-PL" smtClean="0"/>
